--- a/ClassMaterials/LinkedLists/Slides/Part1-LinkedLists.pptx
+++ b/ClassMaterials/LinkedLists/Slides/Part1-LinkedLists.pptx
@@ -175,15 +175,6 @@
 </p:presentation>
 </file>
 
-<file path=ppt/revisionInfo.xml><?xml version="1.0" encoding="utf-8"?>
-<p1510:revInfo xmlns:a="http://schemas.openxmlformats.org/drawingml/2006/main" xmlns:r="http://schemas.openxmlformats.org/officeDocument/2006/relationships" xmlns:p1510="http://schemas.microsoft.com/office/powerpoint/2015/10/main">
-  <p1510:revLst>
-    <p1510:client id="{B374607C-BDB9-4BAB-A14A-C82D9BD80D44}" v="3" dt="2022-10-31T19:04:26.304"/>
-    <p1510:client id="{C1B17D63-5D52-41AE-887F-0B9E4DDBDD20}" v="1" dt="2022-05-16T17:17:59.834"/>
-  </p1510:revLst>
-</p1510:revInfo>
-</file>
-
 <file path=ppt/changesInfos/changesInfo1.xml><?xml version="1.0" encoding="utf-8"?>
 <pc:chgInfo xmlns:a="http://schemas.openxmlformats.org/drawingml/2006/main" xmlns:r="http://schemas.openxmlformats.org/officeDocument/2006/relationships" xmlns:ac="http://schemas.microsoft.com/office/drawing/2013/main/command" xmlns:pc="http://schemas.microsoft.com/office/powerpoint/2013/main/command">
   <pc:docChgLst>
@@ -218,6 +209,30 @@
       </pc:sldChg>
     </pc:docChg>
   </pc:docChgLst>
+  <pc:docChgLst>
+    <pc:chgData name="Yoder, Jason" userId="28f4d4d8-da04-4f86-b14d-a21675737bc5" providerId="ADAL" clId="{CC5C5F32-C2E1-4936-8461-9C6A6D342645}"/>
+    <pc:docChg chg="modSld">
+      <pc:chgData name="Yoder, Jason" userId="28f4d4d8-da04-4f86-b14d-a21675737bc5" providerId="ADAL" clId="{CC5C5F32-C2E1-4936-8461-9C6A6D342645}" dt="2023-09-03T17:53:36.058" v="10" actId="20577"/>
+      <pc:docMkLst>
+        <pc:docMk/>
+      </pc:docMkLst>
+      <pc:sldChg chg="modSp mod">
+        <pc:chgData name="Yoder, Jason" userId="28f4d4d8-da04-4f86-b14d-a21675737bc5" providerId="ADAL" clId="{CC5C5F32-C2E1-4936-8461-9C6A6D342645}" dt="2023-09-03T17:53:36.058" v="10" actId="20577"/>
+        <pc:sldMkLst>
+          <pc:docMk/>
+          <pc:sldMk cId="0" sldId="256"/>
+        </pc:sldMkLst>
+        <pc:spChg chg="mod">
+          <ac:chgData name="Yoder, Jason" userId="28f4d4d8-da04-4f86-b14d-a21675737bc5" providerId="ADAL" clId="{CC5C5F32-C2E1-4936-8461-9C6A6D342645}" dt="2023-09-03T17:53:36.058" v="10" actId="20577"/>
+          <ac:spMkLst>
+            <pc:docMk/>
+            <pc:sldMk cId="0" sldId="256"/>
+            <ac:spMk id="3" creationId="{EC8C7C37-0D28-3C29-DD3E-EC28D7538138}"/>
+          </ac:spMkLst>
+        </pc:spChg>
+      </pc:sldChg>
+    </pc:docChg>
+  </pc:docChgLst>
 </pc:chgInfo>
 </file>
 
@@ -338,7 +353,7 @@
               <a:pPr>
                 <a:defRPr/>
               </a:pPr>
-              <a:t>11/22/2022</a:t>
+              <a:t>9/3/2023</a:t>
             </a:fld>
             <a:endParaRPr lang="en-US"/>
           </a:p>
@@ -713,7 +728,7 @@
               <a:pPr>
                 <a:defRPr/>
               </a:pPr>
-              <a:t>11/22/2022</a:t>
+              <a:t>9/3/2023</a:t>
             </a:fld>
             <a:endParaRPr lang="en-US"/>
           </a:p>
@@ -1838,7 +1853,7 @@
               <a:pPr>
                 <a:defRPr/>
               </a:pPr>
-              <a:t>Tuesday, November 22, 2022</a:t>
+              <a:t>Sunday, September 3, 2023</a:t>
             </a:fld>
             <a:endParaRPr lang="en-US"/>
           </a:p>
@@ -2021,7 +2036,7 @@
               <a:pPr>
                 <a:defRPr/>
               </a:pPr>
-              <a:t>Tuesday, November 22, 2022</a:t>
+              <a:t>Sunday, September 3, 2023</a:t>
             </a:fld>
             <a:endParaRPr lang="en-US"/>
           </a:p>
@@ -2214,7 +2229,7 @@
               <a:pPr>
                 <a:defRPr/>
               </a:pPr>
-              <a:t>Tuesday, November 22, 2022</a:t>
+              <a:t>Sunday, September 3, 2023</a:t>
             </a:fld>
             <a:endParaRPr lang="en-US"/>
           </a:p>
@@ -2397,7 +2412,7 @@
               <a:pPr>
                 <a:defRPr/>
               </a:pPr>
-              <a:t>Tuesday, November 22, 2022</a:t>
+              <a:t>Sunday, September 3, 2023</a:t>
             </a:fld>
             <a:endParaRPr lang="en-US"/>
           </a:p>
@@ -2657,7 +2672,7 @@
               <a:pPr>
                 <a:defRPr/>
               </a:pPr>
-              <a:t>Tuesday, November 22, 2022</a:t>
+              <a:t>Sunday, September 3, 2023</a:t>
             </a:fld>
             <a:endParaRPr lang="en-US"/>
           </a:p>
@@ -2957,7 +2972,7 @@
               <a:pPr>
                 <a:defRPr/>
               </a:pPr>
-              <a:t>Tuesday, November 22, 2022</a:t>
+              <a:t>Sunday, September 3, 2023</a:t>
             </a:fld>
             <a:endParaRPr lang="en-US"/>
           </a:p>
@@ -3391,7 +3406,7 @@
               <a:pPr>
                 <a:defRPr/>
               </a:pPr>
-              <a:t>Tuesday, November 22, 2022</a:t>
+              <a:t>Sunday, September 3, 2023</a:t>
             </a:fld>
             <a:endParaRPr lang="en-US"/>
           </a:p>
@@ -3523,7 +3538,7 @@
               <a:pPr>
                 <a:defRPr/>
               </a:pPr>
-              <a:t>Tuesday, November 22, 2022</a:t>
+              <a:t>Sunday, September 3, 2023</a:t>
             </a:fld>
             <a:endParaRPr lang="en-US"/>
           </a:p>
@@ -3633,7 +3648,7 @@
               <a:pPr>
                 <a:defRPr/>
               </a:pPr>
-              <a:t>Tuesday, November 22, 2022</a:t>
+              <a:t>Sunday, September 3, 2023</a:t>
             </a:fld>
             <a:endParaRPr lang="en-US"/>
           </a:p>
@@ -3923,7 +3938,7 @@
               <a:pPr>
                 <a:defRPr/>
               </a:pPr>
-              <a:t>Tuesday, November 22, 2022</a:t>
+              <a:t>Sunday, September 3, 2023</a:t>
             </a:fld>
             <a:endParaRPr lang="en-US"/>
           </a:p>
@@ -4190,7 +4205,7 @@
               <a:pPr>
                 <a:defRPr/>
               </a:pPr>
-              <a:t>Tuesday, November 22, 2022</a:t>
+              <a:t>Sunday, September 3, 2023</a:t>
             </a:fld>
             <a:endParaRPr lang="en-US"/>
           </a:p>
@@ -4416,7 +4431,7 @@
               <a:pPr>
                 <a:defRPr/>
               </a:pPr>
-              <a:t>Tuesday, November 22, 2022</a:t>
+              <a:t>Sunday, September 3, 2023</a:t>
             </a:fld>
             <a:endParaRPr lang="en-US"/>
           </a:p>
@@ -5009,13 +5024,18 @@
           </a:p>
           <a:p>
             <a:r>
-              <a:rPr lang="en-US" sz="4400" dirty="0">
+              <a:rPr lang="en-US" sz="4400" dirty="0" err="1">
                 <a:highlight>
                   <a:srgbClr val="FFFF00"/>
                 </a:highlight>
               </a:rPr>
-              <a:t>__________</a:t>
-            </a:r>
+              <a:t>linkedlists</a:t>
+            </a:r>
+            <a:endParaRPr lang="en-US" sz="4400" dirty="0">
+              <a:highlight>
+                <a:srgbClr val="FFFF00"/>
+              </a:highlight>
+            </a:endParaRPr>
           </a:p>
         </p:txBody>
       </p:sp>
@@ -11017,17 +11037,6 @@
 </file>
 
 <file path=customXml/item2.xml><?xml version="1.0" encoding="utf-8"?>
-<p:properties xmlns:p="http://schemas.microsoft.com/office/2006/metadata/properties" xmlns:xsi="http://www.w3.org/2001/XMLSchema-instance" xmlns:pc="http://schemas.microsoft.com/office/infopath/2007/PartnerControls">
-  <documentManagement>
-    <TaxCatchAll xmlns="820f9cb1-409d-4c4b-8197-1d4f7dd48124" xsi:nil="true"/>
-    <lcf76f155ced4ddcb4097134ff3c332f xmlns="08600313-7276-4ca7-b5d3-7d86193ee0ac">
-      <Terms xmlns="http://schemas.microsoft.com/office/infopath/2007/PartnerControls"/>
-    </lcf76f155ced4ddcb4097134ff3c332f>
-  </documentManagement>
-</p:properties>
-</file>
-
-<file path=customXml/item3.xml><?xml version="1.0" encoding="utf-8"?>
 <ct:contentTypeSchema xmlns:ct="http://schemas.microsoft.com/office/2006/metadata/contentType" xmlns:ma="http://schemas.microsoft.com/office/2006/metadata/properties/metaAttributes" ct:_="" ma:_="" ma:contentTypeName="Document" ma:contentTypeID="0x0101004285D81DBE5F5A448E892B34D6B8CF20" ma:contentTypeVersion="8" ma:contentTypeDescription="Create a new document." ma:contentTypeScope="" ma:versionID="ecce54155d2ea7caa9aed06c8b6b9867">
   <xsd:schema xmlns:xsd="http://www.w3.org/2001/XMLSchema" xmlns:xs="http://www.w3.org/2001/XMLSchema" xmlns:p="http://schemas.microsoft.com/office/2006/metadata/properties" xmlns:ns2="08600313-7276-4ca7-b5d3-7d86193ee0ac" xmlns:ns3="820f9cb1-409d-4c4b-8197-1d4f7dd48124" targetNamespace="http://schemas.microsoft.com/office/2006/metadata/properties" ma:root="true" ma:fieldsID="bfd7385540b70b2fe84ac888cc214377" ns2:_="" ns3:_="">
     <xsd:import namespace="08600313-7276-4ca7-b5d3-7d86193ee0ac"/>
@@ -11204,6 +11213,17 @@
 </ct:contentTypeSchema>
 </file>
 
+<file path=customXml/item3.xml><?xml version="1.0" encoding="utf-8"?>
+<p:properties xmlns:p="http://schemas.microsoft.com/office/2006/metadata/properties" xmlns:xsi="http://www.w3.org/2001/XMLSchema-instance" xmlns:pc="http://schemas.microsoft.com/office/infopath/2007/PartnerControls">
+  <documentManagement>
+    <TaxCatchAll xmlns="820f9cb1-409d-4c4b-8197-1d4f7dd48124" xsi:nil="true"/>
+    <lcf76f155ced4ddcb4097134ff3c332f xmlns="08600313-7276-4ca7-b5d3-7d86193ee0ac">
+      <Terms xmlns="http://schemas.microsoft.com/office/infopath/2007/PartnerControls"/>
+    </lcf76f155ced4ddcb4097134ff3c332f>
+  </documentManagement>
+</p:properties>
+</file>
+
 <file path=customXml/itemProps1.xml><?xml version="1.0" encoding="utf-8"?>
 <ds:datastoreItem xmlns:ds="http://schemas.openxmlformats.org/officeDocument/2006/customXml" ds:itemID="{65F6D3FF-4230-44B7-891A-B84816FD1392}">
   <ds:schemaRefs>
@@ -11213,17 +11233,6 @@
 </file>
 
 <file path=customXml/itemProps2.xml><?xml version="1.0" encoding="utf-8"?>
-<ds:datastoreItem xmlns:ds="http://schemas.openxmlformats.org/officeDocument/2006/customXml" ds:itemID="{32EB23CE-1CD2-4B69-9E50-DC66E79D388B}">
-  <ds:schemaRefs>
-    <ds:schemaRef ds:uri="http://schemas.microsoft.com/office/2006/metadata/properties"/>
-    <ds:schemaRef ds:uri="http://schemas.microsoft.com/office/infopath/2007/PartnerControls"/>
-    <ds:schemaRef ds:uri="820f9cb1-409d-4c4b-8197-1d4f7dd48124"/>
-    <ds:schemaRef ds:uri="08600313-7276-4ca7-b5d3-7d86193ee0ac"/>
-  </ds:schemaRefs>
-</ds:datastoreItem>
-</file>
-
-<file path=customXml/itemProps3.xml><?xml version="1.0" encoding="utf-8"?>
 <ds:datastoreItem xmlns:ds="http://schemas.openxmlformats.org/officeDocument/2006/customXml" ds:itemID="{EDF375F3-61F4-4637-A002-8FFA823081D4}">
   <ds:schemaRefs>
     <ds:schemaRef ds:uri="http://schemas.microsoft.com/office/2006/metadata/contentType"/>
@@ -11240,4 +11249,15 @@
     <ds:schemaRef ds:uri="http://schemas.microsoft.com/internal/obd"/>
   </ds:schemaRefs>
 </ds:datastoreItem>
+</file>
+
+<file path=customXml/itemProps3.xml><?xml version="1.0" encoding="utf-8"?>
+<ds:datastoreItem xmlns:ds="http://schemas.openxmlformats.org/officeDocument/2006/customXml" ds:itemID="{32EB23CE-1CD2-4B69-9E50-DC66E79D388B}">
+  <ds:schemaRefs>
+    <ds:schemaRef ds:uri="http://schemas.microsoft.com/office/2006/metadata/properties"/>
+    <ds:schemaRef ds:uri="http://schemas.microsoft.com/office/infopath/2007/PartnerControls"/>
+    <ds:schemaRef ds:uri="820f9cb1-409d-4c4b-8197-1d4f7dd48124"/>
+    <ds:schemaRef ds:uri="08600313-7276-4ca7-b5d3-7d86193ee0ac"/>
+  </ds:schemaRefs>
+</ds:datastoreItem>
 </file>
--- a/ClassMaterials/LinkedLists/Slides/Part1-LinkedLists.pptx
+++ b/ClassMaterials/LinkedLists/Slides/Part1-LinkedLists.pptx
@@ -175,6 +175,15 @@
 </p:presentation>
 </file>
 
+<file path=ppt/revisionInfo.xml><?xml version="1.0" encoding="utf-8"?>
+<p1510:revInfo xmlns:a="http://schemas.openxmlformats.org/drawingml/2006/main" xmlns:r="http://schemas.openxmlformats.org/officeDocument/2006/relationships" xmlns:p1510="http://schemas.microsoft.com/office/powerpoint/2015/10/main">
+  <p1510:revLst>
+    <p1510:client id="{B374607C-BDB9-4BAB-A14A-C82D9BD80D44}" v="3" dt="2022-10-31T19:04:26.304"/>
+    <p1510:client id="{C1B17D63-5D52-41AE-887F-0B9E4DDBDD20}" v="1" dt="2022-05-16T17:17:59.834"/>
+  </p1510:revLst>
+</p1510:revInfo>
+</file>
+
 <file path=ppt/changesInfos/changesInfo1.xml><?xml version="1.0" encoding="utf-8"?>
 <pc:chgInfo xmlns:a="http://schemas.openxmlformats.org/drawingml/2006/main" xmlns:r="http://schemas.openxmlformats.org/officeDocument/2006/relationships" xmlns:ac="http://schemas.microsoft.com/office/drawing/2013/main/command" xmlns:pc="http://schemas.microsoft.com/office/powerpoint/2013/main/command">
   <pc:docChgLst>
@@ -209,30 +218,6 @@
       </pc:sldChg>
     </pc:docChg>
   </pc:docChgLst>
-  <pc:docChgLst>
-    <pc:chgData name="Yoder, Jason" userId="28f4d4d8-da04-4f86-b14d-a21675737bc5" providerId="ADAL" clId="{CC5C5F32-C2E1-4936-8461-9C6A6D342645}"/>
-    <pc:docChg chg="modSld">
-      <pc:chgData name="Yoder, Jason" userId="28f4d4d8-da04-4f86-b14d-a21675737bc5" providerId="ADAL" clId="{CC5C5F32-C2E1-4936-8461-9C6A6D342645}" dt="2023-09-03T17:53:36.058" v="10" actId="20577"/>
-      <pc:docMkLst>
-        <pc:docMk/>
-      </pc:docMkLst>
-      <pc:sldChg chg="modSp mod">
-        <pc:chgData name="Yoder, Jason" userId="28f4d4d8-da04-4f86-b14d-a21675737bc5" providerId="ADAL" clId="{CC5C5F32-C2E1-4936-8461-9C6A6D342645}" dt="2023-09-03T17:53:36.058" v="10" actId="20577"/>
-        <pc:sldMkLst>
-          <pc:docMk/>
-          <pc:sldMk cId="0" sldId="256"/>
-        </pc:sldMkLst>
-        <pc:spChg chg="mod">
-          <ac:chgData name="Yoder, Jason" userId="28f4d4d8-da04-4f86-b14d-a21675737bc5" providerId="ADAL" clId="{CC5C5F32-C2E1-4936-8461-9C6A6D342645}" dt="2023-09-03T17:53:36.058" v="10" actId="20577"/>
-          <ac:spMkLst>
-            <pc:docMk/>
-            <pc:sldMk cId="0" sldId="256"/>
-            <ac:spMk id="3" creationId="{EC8C7C37-0D28-3C29-DD3E-EC28D7538138}"/>
-          </ac:spMkLst>
-        </pc:spChg>
-      </pc:sldChg>
-    </pc:docChg>
-  </pc:docChgLst>
 </pc:chgInfo>
 </file>
 
@@ -353,7 +338,7 @@
               <a:pPr>
                 <a:defRPr/>
               </a:pPr>
-              <a:t>9/3/2023</a:t>
+              <a:t>11/22/2022</a:t>
             </a:fld>
             <a:endParaRPr lang="en-US"/>
           </a:p>
@@ -728,7 +713,7 @@
               <a:pPr>
                 <a:defRPr/>
               </a:pPr>
-              <a:t>9/3/2023</a:t>
+              <a:t>11/22/2022</a:t>
             </a:fld>
             <a:endParaRPr lang="en-US"/>
           </a:p>
@@ -1853,7 +1838,7 @@
               <a:pPr>
                 <a:defRPr/>
               </a:pPr>
-              <a:t>Sunday, September 3, 2023</a:t>
+              <a:t>Tuesday, November 22, 2022</a:t>
             </a:fld>
             <a:endParaRPr lang="en-US"/>
           </a:p>
@@ -2036,7 +2021,7 @@
               <a:pPr>
                 <a:defRPr/>
               </a:pPr>
-              <a:t>Sunday, September 3, 2023</a:t>
+              <a:t>Tuesday, November 22, 2022</a:t>
             </a:fld>
             <a:endParaRPr lang="en-US"/>
           </a:p>
@@ -2229,7 +2214,7 @@
               <a:pPr>
                 <a:defRPr/>
               </a:pPr>
-              <a:t>Sunday, September 3, 2023</a:t>
+              <a:t>Tuesday, November 22, 2022</a:t>
             </a:fld>
             <a:endParaRPr lang="en-US"/>
           </a:p>
@@ -2412,7 +2397,7 @@
               <a:pPr>
                 <a:defRPr/>
               </a:pPr>
-              <a:t>Sunday, September 3, 2023</a:t>
+              <a:t>Tuesday, November 22, 2022</a:t>
             </a:fld>
             <a:endParaRPr lang="en-US"/>
           </a:p>
@@ -2672,7 +2657,7 @@
               <a:pPr>
                 <a:defRPr/>
               </a:pPr>
-              <a:t>Sunday, September 3, 2023</a:t>
+              <a:t>Tuesday, November 22, 2022</a:t>
             </a:fld>
             <a:endParaRPr lang="en-US"/>
           </a:p>
@@ -2972,7 +2957,7 @@
               <a:pPr>
                 <a:defRPr/>
               </a:pPr>
-              <a:t>Sunday, September 3, 2023</a:t>
+              <a:t>Tuesday, November 22, 2022</a:t>
             </a:fld>
             <a:endParaRPr lang="en-US"/>
           </a:p>
@@ -3406,7 +3391,7 @@
               <a:pPr>
                 <a:defRPr/>
               </a:pPr>
-              <a:t>Sunday, September 3, 2023</a:t>
+              <a:t>Tuesday, November 22, 2022</a:t>
             </a:fld>
             <a:endParaRPr lang="en-US"/>
           </a:p>
@@ -3538,7 +3523,7 @@
               <a:pPr>
                 <a:defRPr/>
               </a:pPr>
-              <a:t>Sunday, September 3, 2023</a:t>
+              <a:t>Tuesday, November 22, 2022</a:t>
             </a:fld>
             <a:endParaRPr lang="en-US"/>
           </a:p>
@@ -3648,7 +3633,7 @@
               <a:pPr>
                 <a:defRPr/>
               </a:pPr>
-              <a:t>Sunday, September 3, 2023</a:t>
+              <a:t>Tuesday, November 22, 2022</a:t>
             </a:fld>
             <a:endParaRPr lang="en-US"/>
           </a:p>
@@ -3938,7 +3923,7 @@
               <a:pPr>
                 <a:defRPr/>
               </a:pPr>
-              <a:t>Sunday, September 3, 2023</a:t>
+              <a:t>Tuesday, November 22, 2022</a:t>
             </a:fld>
             <a:endParaRPr lang="en-US"/>
           </a:p>
@@ -4205,7 +4190,7 @@
               <a:pPr>
                 <a:defRPr/>
               </a:pPr>
-              <a:t>Sunday, September 3, 2023</a:t>
+              <a:t>Tuesday, November 22, 2022</a:t>
             </a:fld>
             <a:endParaRPr lang="en-US"/>
           </a:p>
@@ -4431,7 +4416,7 @@
               <a:pPr>
                 <a:defRPr/>
               </a:pPr>
-              <a:t>Sunday, September 3, 2023</a:t>
+              <a:t>Tuesday, November 22, 2022</a:t>
             </a:fld>
             <a:endParaRPr lang="en-US"/>
           </a:p>
@@ -5024,18 +5009,13 @@
           </a:p>
           <a:p>
             <a:r>
-              <a:rPr lang="en-US" sz="4400" dirty="0" err="1">
+              <a:rPr lang="en-US" sz="4400" dirty="0">
                 <a:highlight>
                   <a:srgbClr val="FFFF00"/>
                 </a:highlight>
               </a:rPr>
-              <a:t>linkedlists</a:t>
-            </a:r>
-            <a:endParaRPr lang="en-US" sz="4400" dirty="0">
-              <a:highlight>
-                <a:srgbClr val="FFFF00"/>
-              </a:highlight>
-            </a:endParaRPr>
+              <a:t>__________</a:t>
+            </a:r>
           </a:p>
         </p:txBody>
       </p:sp>
@@ -11037,6 +11017,17 @@
 </file>
 
 <file path=customXml/item2.xml><?xml version="1.0" encoding="utf-8"?>
+<p:properties xmlns:p="http://schemas.microsoft.com/office/2006/metadata/properties" xmlns:xsi="http://www.w3.org/2001/XMLSchema-instance" xmlns:pc="http://schemas.microsoft.com/office/infopath/2007/PartnerControls">
+  <documentManagement>
+    <TaxCatchAll xmlns="820f9cb1-409d-4c4b-8197-1d4f7dd48124" xsi:nil="true"/>
+    <lcf76f155ced4ddcb4097134ff3c332f xmlns="08600313-7276-4ca7-b5d3-7d86193ee0ac">
+      <Terms xmlns="http://schemas.microsoft.com/office/infopath/2007/PartnerControls"/>
+    </lcf76f155ced4ddcb4097134ff3c332f>
+  </documentManagement>
+</p:properties>
+</file>
+
+<file path=customXml/item3.xml><?xml version="1.0" encoding="utf-8"?>
 <ct:contentTypeSchema xmlns:ct="http://schemas.microsoft.com/office/2006/metadata/contentType" xmlns:ma="http://schemas.microsoft.com/office/2006/metadata/properties/metaAttributes" ct:_="" ma:_="" ma:contentTypeName="Document" ma:contentTypeID="0x0101004285D81DBE5F5A448E892B34D6B8CF20" ma:contentTypeVersion="8" ma:contentTypeDescription="Create a new document." ma:contentTypeScope="" ma:versionID="ecce54155d2ea7caa9aed06c8b6b9867">
   <xsd:schema xmlns:xsd="http://www.w3.org/2001/XMLSchema" xmlns:xs="http://www.w3.org/2001/XMLSchema" xmlns:p="http://schemas.microsoft.com/office/2006/metadata/properties" xmlns:ns2="08600313-7276-4ca7-b5d3-7d86193ee0ac" xmlns:ns3="820f9cb1-409d-4c4b-8197-1d4f7dd48124" targetNamespace="http://schemas.microsoft.com/office/2006/metadata/properties" ma:root="true" ma:fieldsID="bfd7385540b70b2fe84ac888cc214377" ns2:_="" ns3:_="">
     <xsd:import namespace="08600313-7276-4ca7-b5d3-7d86193ee0ac"/>
@@ -11213,17 +11204,6 @@
 </ct:contentTypeSchema>
 </file>
 
-<file path=customXml/item3.xml><?xml version="1.0" encoding="utf-8"?>
-<p:properties xmlns:p="http://schemas.microsoft.com/office/2006/metadata/properties" xmlns:xsi="http://www.w3.org/2001/XMLSchema-instance" xmlns:pc="http://schemas.microsoft.com/office/infopath/2007/PartnerControls">
-  <documentManagement>
-    <TaxCatchAll xmlns="820f9cb1-409d-4c4b-8197-1d4f7dd48124" xsi:nil="true"/>
-    <lcf76f155ced4ddcb4097134ff3c332f xmlns="08600313-7276-4ca7-b5d3-7d86193ee0ac">
-      <Terms xmlns="http://schemas.microsoft.com/office/infopath/2007/PartnerControls"/>
-    </lcf76f155ced4ddcb4097134ff3c332f>
-  </documentManagement>
-</p:properties>
-</file>
-
 <file path=customXml/itemProps1.xml><?xml version="1.0" encoding="utf-8"?>
 <ds:datastoreItem xmlns:ds="http://schemas.openxmlformats.org/officeDocument/2006/customXml" ds:itemID="{65F6D3FF-4230-44B7-891A-B84816FD1392}">
   <ds:schemaRefs>
@@ -11233,6 +11213,17 @@
 </file>
 
 <file path=customXml/itemProps2.xml><?xml version="1.0" encoding="utf-8"?>
+<ds:datastoreItem xmlns:ds="http://schemas.openxmlformats.org/officeDocument/2006/customXml" ds:itemID="{32EB23CE-1CD2-4B69-9E50-DC66E79D388B}">
+  <ds:schemaRefs>
+    <ds:schemaRef ds:uri="http://schemas.microsoft.com/office/2006/metadata/properties"/>
+    <ds:schemaRef ds:uri="http://schemas.microsoft.com/office/infopath/2007/PartnerControls"/>
+    <ds:schemaRef ds:uri="820f9cb1-409d-4c4b-8197-1d4f7dd48124"/>
+    <ds:schemaRef ds:uri="08600313-7276-4ca7-b5d3-7d86193ee0ac"/>
+  </ds:schemaRefs>
+</ds:datastoreItem>
+</file>
+
+<file path=customXml/itemProps3.xml><?xml version="1.0" encoding="utf-8"?>
 <ds:datastoreItem xmlns:ds="http://schemas.openxmlformats.org/officeDocument/2006/customXml" ds:itemID="{EDF375F3-61F4-4637-A002-8FFA823081D4}">
   <ds:schemaRefs>
     <ds:schemaRef ds:uri="http://schemas.microsoft.com/office/2006/metadata/contentType"/>
@@ -11249,15 +11240,4 @@
     <ds:schemaRef ds:uri="http://schemas.microsoft.com/internal/obd"/>
   </ds:schemaRefs>
 </ds:datastoreItem>
-</file>
-
-<file path=customXml/itemProps3.xml><?xml version="1.0" encoding="utf-8"?>
-<ds:datastoreItem xmlns:ds="http://schemas.openxmlformats.org/officeDocument/2006/customXml" ds:itemID="{32EB23CE-1CD2-4B69-9E50-DC66E79D388B}">
-  <ds:schemaRefs>
-    <ds:schemaRef ds:uri="http://schemas.microsoft.com/office/2006/metadata/properties"/>
-    <ds:schemaRef ds:uri="http://schemas.microsoft.com/office/infopath/2007/PartnerControls"/>
-    <ds:schemaRef ds:uri="820f9cb1-409d-4c4b-8197-1d4f7dd48124"/>
-    <ds:schemaRef ds:uri="08600313-7276-4ca7-b5d3-7d86193ee0ac"/>
-  </ds:schemaRefs>
-</ds:datastoreItem>
 </file>
--- a/ClassMaterials/LinkedLists/Slides/Part1-LinkedLists.pptx
+++ b/ClassMaterials/LinkedLists/Slides/Part1-LinkedLists.pptx
@@ -5,29 +5,25 @@
     <p:sldMasterId id="2147484539" r:id="rId4"/>
   </p:sldMasterIdLst>
   <p:notesMasterIdLst>
-    <p:notesMasterId r:id="rId22"/>
+    <p:notesMasterId r:id="rId18"/>
   </p:notesMasterIdLst>
   <p:handoutMasterIdLst>
-    <p:handoutMasterId r:id="rId23"/>
+    <p:handoutMasterId r:id="rId19"/>
   </p:handoutMasterIdLst>
   <p:sldIdLst>
     <p:sldId id="256" r:id="rId5"/>
     <p:sldId id="311" r:id="rId6"/>
     <p:sldId id="335" r:id="rId7"/>
     <p:sldId id="355" r:id="rId8"/>
-    <p:sldId id="321" r:id="rId9"/>
-    <p:sldId id="336" r:id="rId10"/>
-    <p:sldId id="348" r:id="rId11"/>
-    <p:sldId id="337" r:id="rId12"/>
-    <p:sldId id="353" r:id="rId13"/>
-    <p:sldId id="354" r:id="rId14"/>
-    <p:sldId id="347" r:id="rId15"/>
-    <p:sldId id="342" r:id="rId16"/>
+    <p:sldId id="336" r:id="rId9"/>
+    <p:sldId id="348" r:id="rId10"/>
+    <p:sldId id="337" r:id="rId11"/>
+    <p:sldId id="353" r:id="rId12"/>
+    <p:sldId id="354" r:id="rId13"/>
+    <p:sldId id="347" r:id="rId14"/>
+    <p:sldId id="342" r:id="rId15"/>
+    <p:sldId id="453" r:id="rId16"/>
     <p:sldId id="334" r:id="rId17"/>
-    <p:sldId id="343" r:id="rId18"/>
-    <p:sldId id="364" r:id="rId19"/>
-    <p:sldId id="363" r:id="rId20"/>
-    <p:sldId id="452" r:id="rId21"/>
   </p:sldIdLst>
   <p:sldSz cx="9144000" cy="6858000" type="screen4x3"/>
   <p:notesSz cx="6881813" cy="9296400"/>
@@ -178,8 +174,7 @@
 <file path=ppt/revisionInfo.xml><?xml version="1.0" encoding="utf-8"?>
 <p1510:revInfo xmlns:a="http://schemas.openxmlformats.org/drawingml/2006/main" xmlns:r="http://schemas.openxmlformats.org/officeDocument/2006/relationships" xmlns:p1510="http://schemas.microsoft.com/office/powerpoint/2015/10/main">
   <p1510:revLst>
-    <p1510:client id="{B374607C-BDB9-4BAB-A14A-C82D9BD80D44}" v="3" dt="2022-10-31T19:04:26.304"/>
-    <p1510:client id="{C1B17D63-5D52-41AE-887F-0B9E4DDBDD20}" v="1" dt="2022-05-16T17:17:59.834"/>
+    <p1510:client id="{8C666874-C50B-470B-A529-D21C9CA5373B}" v="4" dt="2023-11-20T20:32:39.806"/>
   </p1510:revLst>
 </p1510:revInfo>
 </file>
@@ -218,6 +213,110 @@
       </pc:sldChg>
     </pc:docChg>
   </pc:docChgLst>
+  <pc:docChgLst>
+    <pc:chgData name="Yoder, Jason" userId="28f4d4d8-da04-4f86-b14d-a21675737bc5" providerId="ADAL" clId="{8C666874-C50B-470B-A529-D21C9CA5373B}"/>
+    <pc:docChg chg="custSel addSld delSld modSld">
+      <pc:chgData name="Yoder, Jason" userId="28f4d4d8-da04-4f86-b14d-a21675737bc5" providerId="ADAL" clId="{8C666874-C50B-470B-A529-D21C9CA5373B}" dt="2023-11-20T20:33:05.887" v="506" actId="6549"/>
+      <pc:docMkLst>
+        <pc:docMk/>
+      </pc:docMkLst>
+      <pc:sldChg chg="addSp delSp modSp mod modNotesTx">
+        <pc:chgData name="Yoder, Jason" userId="28f4d4d8-da04-4f86-b14d-a21675737bc5" providerId="ADAL" clId="{8C666874-C50B-470B-A529-D21C9CA5373B}" dt="2023-11-20T20:33:05.887" v="506" actId="6549"/>
+        <pc:sldMkLst>
+          <pc:docMk/>
+          <pc:sldMk cId="0" sldId="256"/>
+        </pc:sldMkLst>
+        <pc:spChg chg="del">
+          <ac:chgData name="Yoder, Jason" userId="28f4d4d8-da04-4f86-b14d-a21675737bc5" providerId="ADAL" clId="{8C666874-C50B-470B-A529-D21C9CA5373B}" dt="2023-11-13T18:05:49.140" v="0" actId="478"/>
+          <ac:spMkLst>
+            <pc:docMk/>
+            <pc:sldMk cId="0" sldId="256"/>
+            <ac:spMk id="5" creationId="{61AFEBF2-1E79-874A-90AE-45D33A2495CA}"/>
+          </ac:spMkLst>
+        </pc:spChg>
+        <pc:spChg chg="add mod">
+          <ac:chgData name="Yoder, Jason" userId="28f4d4d8-da04-4f86-b14d-a21675737bc5" providerId="ADAL" clId="{8C666874-C50B-470B-A529-D21C9CA5373B}" dt="2023-11-20T20:21:15.864" v="10" actId="20577"/>
+          <ac:spMkLst>
+            <pc:docMk/>
+            <pc:sldMk cId="0" sldId="256"/>
+            <ac:spMk id="6" creationId="{E404B1E0-4712-343A-017E-11145BAE413B}"/>
+          </ac:spMkLst>
+        </pc:spChg>
+      </pc:sldChg>
+      <pc:sldChg chg="modNotesTx">
+        <pc:chgData name="Yoder, Jason" userId="28f4d4d8-da04-4f86-b14d-a21675737bc5" providerId="ADAL" clId="{8C666874-C50B-470B-A529-D21C9CA5373B}" dt="2023-11-20T20:32:54.195" v="502" actId="6549"/>
+        <pc:sldMkLst>
+          <pc:docMk/>
+          <pc:sldMk cId="141368525" sldId="311"/>
+        </pc:sldMkLst>
+      </pc:sldChg>
+      <pc:sldChg chg="del">
+        <pc:chgData name="Yoder, Jason" userId="28f4d4d8-da04-4f86-b14d-a21675737bc5" providerId="ADAL" clId="{8C666874-C50B-470B-A529-D21C9CA5373B}" dt="2023-11-20T20:22:13.057" v="11" actId="47"/>
+        <pc:sldMkLst>
+          <pc:docMk/>
+          <pc:sldMk cId="1743264572" sldId="321"/>
+        </pc:sldMkLst>
+      </pc:sldChg>
+      <pc:sldChg chg="modSp mod">
+        <pc:chgData name="Yoder, Jason" userId="28f4d4d8-da04-4f86-b14d-a21675737bc5" providerId="ADAL" clId="{8C666874-C50B-470B-A529-D21C9CA5373B}" dt="2023-11-20T20:23:38.213" v="36" actId="20577"/>
+        <pc:sldMkLst>
+          <pc:docMk/>
+          <pc:sldMk cId="556170297" sldId="334"/>
+        </pc:sldMkLst>
+        <pc:spChg chg="mod">
+          <ac:chgData name="Yoder, Jason" userId="28f4d4d8-da04-4f86-b14d-a21675737bc5" providerId="ADAL" clId="{8C666874-C50B-470B-A529-D21C9CA5373B}" dt="2023-11-20T20:23:38.213" v="36" actId="20577"/>
+          <ac:spMkLst>
+            <pc:docMk/>
+            <pc:sldMk cId="556170297" sldId="334"/>
+            <ac:spMk id="3" creationId="{00000000-0000-0000-0000-000000000000}"/>
+          </ac:spMkLst>
+        </pc:spChg>
+        <pc:picChg chg="mod">
+          <ac:chgData name="Yoder, Jason" userId="28f4d4d8-da04-4f86-b14d-a21675737bc5" providerId="ADAL" clId="{8C666874-C50B-470B-A529-D21C9CA5373B}" dt="2023-11-20T20:23:29.909" v="22" actId="1076"/>
+          <ac:picMkLst>
+            <pc:docMk/>
+            <pc:sldMk cId="556170297" sldId="334"/>
+            <ac:picMk id="4" creationId="{32DEB52B-C033-DFBC-C08F-AF5E825D4D12}"/>
+          </ac:picMkLst>
+        </pc:picChg>
+      </pc:sldChg>
+      <pc:sldChg chg="del">
+        <pc:chgData name="Yoder, Jason" userId="28f4d4d8-da04-4f86-b14d-a21675737bc5" providerId="ADAL" clId="{8C666874-C50B-470B-A529-D21C9CA5373B}" dt="2023-11-20T20:25:08.724" v="37" actId="47"/>
+        <pc:sldMkLst>
+          <pc:docMk/>
+          <pc:sldMk cId="1261546459" sldId="343"/>
+        </pc:sldMkLst>
+      </pc:sldChg>
+      <pc:sldChg chg="del">
+        <pc:chgData name="Yoder, Jason" userId="28f4d4d8-da04-4f86-b14d-a21675737bc5" providerId="ADAL" clId="{8C666874-C50B-470B-A529-D21C9CA5373B}" dt="2023-11-20T20:25:08.724" v="37" actId="47"/>
+        <pc:sldMkLst>
+          <pc:docMk/>
+          <pc:sldMk cId="1546554140" sldId="363"/>
+        </pc:sldMkLst>
+      </pc:sldChg>
+      <pc:sldChg chg="del">
+        <pc:chgData name="Yoder, Jason" userId="28f4d4d8-da04-4f86-b14d-a21675737bc5" providerId="ADAL" clId="{8C666874-C50B-470B-A529-D21C9CA5373B}" dt="2023-11-20T20:25:08.724" v="37" actId="47"/>
+        <pc:sldMkLst>
+          <pc:docMk/>
+          <pc:sldMk cId="337333606" sldId="364"/>
+        </pc:sldMkLst>
+      </pc:sldChg>
+      <pc:sldChg chg="del">
+        <pc:chgData name="Yoder, Jason" userId="28f4d4d8-da04-4f86-b14d-a21675737bc5" providerId="ADAL" clId="{8C666874-C50B-470B-A529-D21C9CA5373B}" dt="2023-11-20T20:25:08.724" v="37" actId="47"/>
+        <pc:sldMkLst>
+          <pc:docMk/>
+          <pc:sldMk cId="1198630507" sldId="452"/>
+        </pc:sldMkLst>
+      </pc:sldChg>
+      <pc:sldChg chg="add">
+        <pc:chgData name="Yoder, Jason" userId="28f4d4d8-da04-4f86-b14d-a21675737bc5" providerId="ADAL" clId="{8C666874-C50B-470B-A529-D21C9CA5373B}" dt="2023-11-20T20:22:59.410" v="12"/>
+        <pc:sldMkLst>
+          <pc:docMk/>
+          <pc:sldMk cId="1379574688" sldId="453"/>
+        </pc:sldMkLst>
+      </pc:sldChg>
+    </pc:docChg>
+  </pc:docChgLst>
 </pc:chgInfo>
 </file>
 
@@ -338,7 +437,7 @@
               <a:pPr>
                 <a:defRPr/>
               </a:pPr>
-              <a:t>11/22/2022</a:t>
+              <a:t>11/20/2023</a:t>
             </a:fld>
             <a:endParaRPr lang="en-US"/>
           </a:p>
@@ -454,146 +553,6 @@
   </p:cSld>
   <p:clrMap bg1="lt1" tx1="dk1" bg2="lt2" tx2="dk2" accent1="accent1" accent2="accent2" accent3="accent3" accent4="accent4" accent5="accent5" accent6="accent6" hlink="hlink" folHlink="folHlink"/>
 </p:handoutMaster>
-</file>
-
-<file path=ppt/ink/ink1.xml><?xml version="1.0" encoding="utf-8"?>
-<inkml:ink xmlns:inkml="http://www.w3.org/2003/InkML">
-  <inkml:definitions>
-    <inkml:context xml:id="ctx0">
-      <inkml:inkSource xml:id="inkSrc0">
-        <inkml:traceFormat>
-          <inkml:channel name="X" type="integer" min="-2.14748E9" max="2.14748E9" units="cm"/>
-          <inkml:channel name="Y" type="integer" min="-2.14748E9" max="2.14748E9" units="cm"/>
-          <inkml:channel name="F" type="integer" max="32767" units="dev"/>
-        </inkml:traceFormat>
-        <inkml:channelProperties>
-          <inkml:channelProperty channel="X" name="resolution" value="1000" units="1/cm"/>
-          <inkml:channelProperty channel="Y" name="resolution" value="1000" units="1/cm"/>
-          <inkml:channelProperty channel="F" name="resolution" value="0" units="1/dev"/>
-        </inkml:channelProperties>
-      </inkml:inkSource>
-      <inkml:timestamp xml:id="ts0" timeString="2022-10-27T11:34:29.119"/>
-    </inkml:context>
-    <inkml:brush xml:id="br0">
-      <inkml:brushProperty name="width" value="0.05" units="cm"/>
-      <inkml:brushProperty name="height" value="0.05" units="cm"/>
-      <inkml:brushProperty name="color" value="#E71224"/>
-    </inkml:brush>
-  </inkml:definitions>
-  <inkml:trace contextRef="#ctx0" brushRef="#br0">1 963 24575,'8'0'0,"0"-1"0,0 0 0,0-1 0,12-3 0,19-4 0,57 1 0,0 4 0,0 4 0,191 25 0,-250-18 0,50 15 0,-53-12 0,65 11 0,18-8 0,288 39 0,-8-19 0,-234-20 0,-78-5 0,107-2 0,-166-8 0,0 0 0,0-1 0,0-2 0,-1 0 0,0-2 0,0-1 0,0-1 0,33-17 0,16-16 0,-2-3 0,-2-3 0,-2-3 0,94-92 0,-113 99 0,107-72 0,-37 31 0,-97 68 0,21-16 0,38-38 0,-69 59 0,0-1 0,-1 0 0,-1 0 0,0-1 0,-1 0 0,-1-1 0,11-23 0,53-118 0,-71 154 0,0 0 0,0-1 0,0 1 0,-1 0 0,1-1 0,-1 1 0,0-1 0,1 1 0,-1-1 0,0 1 0,0-1 0,-1 1 0,1-1 0,0 1 0,-1-1 0,0 1 0,1-1 0,-1 1 0,0 0 0,0-1 0,-2-1 0,1 1 0,0 1 0,-1-1 0,0 1 0,1 0 0,-1 0 0,0 0 0,0 0 0,0 0 0,0 0 0,-1 1 0,1 0 0,0 0 0,-5-2 0,-12 0 0,1 0 0,-1 1 0,0 0 0,-25 3 0,32-1 0,-31 1 0,-65 10 0,89-7 0,0 0 0,1 1 0,-1 1 0,1 1 0,-25 13 0,42-20 0,1 1 0,0-1 0,-1 1 0,1-1 0,0 1 0,0 0 0,0 0 0,0 0 0,0-1 0,0 1 0,0 0 0,0 0 0,0 1 0,0-1 0,0 0 0,0 0 0,1 0 0,-2 3 0,2-4 0,0 1 0,1 0 0,-1-1 0,0 1 0,1 0 0,-1-1 0,0 1 0,1-1 0,-1 1 0,0-1 0,1 1 0,-1-1 0,1 1 0,-1-1 0,1 1 0,0-1 0,-1 1 0,1-1 0,-1 0 0,1 1 0,0-1 0,-1 0 0,1 0 0,0 0 0,0 1 0,8 1 0,0 0 0,0 0 0,0-1 0,10 0 0,76 2 0,190 16 0,-2 16 0,-277-34 0,0-1 0,1 1 0,-1 0 0,0 1 0,0-1 0,-1 1 0,1 0 0,0 1 0,-1 0 0,1-1 0,-1 2 0,0-1 0,0 1 0,0-1 0,0 1 0,-1 1 0,1-1 0,-1 1 0,0-1 0,-1 1 0,1 0 0,-1 1 0,0-1 0,3 7 0,10 25 0,-13-25 0,2-1 0,-1-1 0,2 1 0,-1-1 0,1 0 0,1 0 0,0-1 0,13 15 0,-9-14-341,0-1 0,1 0-1,14 8 1,1-2-6485</inkml:trace>
-</inkml:ink>
-</file>
-
-<file path=ppt/ink/ink2.xml><?xml version="1.0" encoding="utf-8"?>
-<inkml:ink xmlns:inkml="http://www.w3.org/2003/InkML">
-  <inkml:definitions>
-    <inkml:context xml:id="ctx0">
-      <inkml:inkSource xml:id="inkSrc0">
-        <inkml:traceFormat>
-          <inkml:channel name="X" type="integer" min="-2.14748E9" max="2.14748E9" units="cm"/>
-          <inkml:channel name="Y" type="integer" min="-2.14748E9" max="2.14748E9" units="cm"/>
-          <inkml:channel name="F" type="integer" max="32767" units="dev"/>
-        </inkml:traceFormat>
-        <inkml:channelProperties>
-          <inkml:channelProperty channel="X" name="resolution" value="1000" units="1/cm"/>
-          <inkml:channelProperty channel="Y" name="resolution" value="1000" units="1/cm"/>
-          <inkml:channelProperty channel="F" name="resolution" value="0" units="1/dev"/>
-        </inkml:channelProperties>
-      </inkml:inkSource>
-      <inkml:timestamp xml:id="ts0" timeString="2022-10-27T11:34:32.020"/>
-    </inkml:context>
-    <inkml:brush xml:id="br0">
-      <inkml:brushProperty name="width" value="0.05" units="cm"/>
-      <inkml:brushProperty name="height" value="0.05" units="cm"/>
-      <inkml:brushProperty name="color" value="#E71224"/>
-    </inkml:brush>
-  </inkml:definitions>
-  <inkml:trace contextRef="#ctx0" brushRef="#br0">1 0 24575,'5'0'0,"7"0"0,7 0 0,9 0 0,11 0 0,14 0 0,18 0 0,18 0 0,18 0 0,7 0 0,4 0 0,3 0 0,0 0 0,6 0 0,-14 0 0,-16 0 0,-19 0 0,-24 0-8191</inkml:trace>
-</inkml:ink>
-</file>
-
-<file path=ppt/ink/ink3.xml><?xml version="1.0" encoding="utf-8"?>
-<inkml:ink xmlns:inkml="http://www.w3.org/2003/InkML">
-  <inkml:definitions>
-    <inkml:context xml:id="ctx0">
-      <inkml:inkSource xml:id="inkSrc0">
-        <inkml:traceFormat>
-          <inkml:channel name="X" type="integer" min="-2.14748E9" max="2.14748E9" units="cm"/>
-          <inkml:channel name="Y" type="integer" min="-2.14748E9" max="2.14748E9" units="cm"/>
-          <inkml:channel name="F" type="integer" max="32767" units="dev"/>
-        </inkml:traceFormat>
-        <inkml:channelProperties>
-          <inkml:channelProperty channel="X" name="resolution" value="1000" units="1/cm"/>
-          <inkml:channelProperty channel="Y" name="resolution" value="1000" units="1/cm"/>
-          <inkml:channelProperty channel="F" name="resolution" value="0" units="1/dev"/>
-        </inkml:channelProperties>
-      </inkml:inkSource>
-      <inkml:timestamp xml:id="ts0" timeString="2022-10-27T11:34:33.021"/>
-    </inkml:context>
-    <inkml:brush xml:id="br0">
-      <inkml:brushProperty name="width" value="0.05" units="cm"/>
-      <inkml:brushProperty name="height" value="0.05" units="cm"/>
-      <inkml:brushProperty name="color" value="#E71224"/>
-    </inkml:brush>
-  </inkml:definitions>
-  <inkml:trace contextRef="#ctx0" brushRef="#br0">0 31 24575,'10'0'0,"9"0"0,11 0 0,26 0 0,24 0 0,13-5 0,11-2 0,-1 1 0,-9 1 0,-10 1 0,-9 2 0,-12 1 0,-7 10 0,-2 5 0,-6-1 0,-6-3 0,-10-2-8191</inkml:trace>
-</inkml:ink>
-</file>
-
-<file path=ppt/ink/ink4.xml><?xml version="1.0" encoding="utf-8"?>
-<inkml:ink xmlns:inkml="http://www.w3.org/2003/InkML">
-  <inkml:definitions>
-    <inkml:context xml:id="ctx0">
-      <inkml:inkSource xml:id="inkSrc0">
-        <inkml:traceFormat>
-          <inkml:channel name="X" type="integer" min="-2.14748E9" max="2.14748E9" units="cm"/>
-          <inkml:channel name="Y" type="integer" min="-2.14748E9" max="2.14748E9" units="cm"/>
-          <inkml:channel name="F" type="integer" max="32767" units="dev"/>
-        </inkml:traceFormat>
-        <inkml:channelProperties>
-          <inkml:channelProperty channel="X" name="resolution" value="1000" units="1/cm"/>
-          <inkml:channelProperty channel="Y" name="resolution" value="1000" units="1/cm"/>
-          <inkml:channelProperty channel="F" name="resolution" value="0" units="1/dev"/>
-        </inkml:channelProperties>
-      </inkml:inkSource>
-      <inkml:timestamp xml:id="ts0" timeString="2022-10-27T11:34:35.277"/>
-    </inkml:context>
-    <inkml:brush xml:id="br0">
-      <inkml:brushProperty name="width" value="0.05" units="cm"/>
-      <inkml:brushProperty name="height" value="0.05" units="cm"/>
-      <inkml:brushProperty name="color" value="#E71224"/>
-    </inkml:brush>
-  </inkml:definitions>
-  <inkml:trace contextRef="#ctx0" brushRef="#br0">0 4706 24575,'0'-3'0,"1"0"0,-1-1 0,1 1 0,0 0 0,0 0 0,0 0 0,0 0 0,1 0 0,-1 0 0,1 0 0,-1 0 0,1 0 0,0 1 0,3-4 0,37-32 0,-29 27 0,34-30 0,83-65 0,-54 50 0,42-28 0,-75 53 0,0-3 0,46-47 0,-3 3 0,-42 38 0,-2-1 0,-1-2 0,-2-2 0,-2-1 0,41-71 0,225-414 0,-133 191 0,-67 137 0,24-50 0,-97 184 0,38-128 0,31-253 0,-16-12 0,-70 385 0,-3-1 0,-3-1 0,-4-100 0,-5 116 0,3 0 0,16-108 0,49-246 0,-64 407 0,0-2 0,-1 1 0,0 0 0,0-1 0,-1 1 0,0-1 0,-1 1 0,-3-16 0,3 26 0,1 0 0,-1 0 0,1 0 0,-1 0 0,1 0 0,-1 1 0,1-1 0,-1 0 0,0 0 0,1 0 0,-1 1 0,0-1 0,0 0 0,0 1 0,1-1 0,-1 1 0,0-1 0,0 1 0,0-1 0,0 1 0,0 0 0,0-1 0,0 1 0,0 0 0,0 0 0,0 0 0,0-1 0,0 1 0,0 0 0,0 1 0,0-1 0,0 0 0,0 0 0,0 0 0,0 1 0,0-1 0,0 0 0,0 1 0,-1 0 0,-6 2 0,0 1 0,0 0 0,-12 8 0,11-7 0,-207 112 0,212-115 0,0 0 0,0 0 0,0 1 0,0-1 0,1 1 0,-1 0 0,1 0 0,-1 0 0,-3 5 0,7-8 0,0 0 0,0 1 0,0-1 0,0 0 0,0 0 0,0 0 0,0 1 0,0-1 0,0 0 0,0 0 0,0 0 0,0 1 0,0-1 0,0 0 0,1 0 0,-1 0 0,0 0 0,0 1 0,0-1 0,0 0 0,0 0 0,1 0 0,-1 0 0,0 0 0,0 0 0,0 1 0,0-1 0,1 0 0,-1 0 0,0 0 0,0 0 0,0 0 0,1 0 0,-1 0 0,0 0 0,0 0 0,0 0 0,1 0 0,-1 0 0,0 0 0,0 0 0,1 0 0,-1 0 0,0 0 0,0 0 0,0 0 0,0 0 0,1-1 0,-1 1 0,0 0 0,14-1 0,6-6 0,0 0 0,0-1 0,-1 0 0,0-2 0,24-16 0,-21 12 0,0 2 0,2 0 0,27-10 0,-37 18 0,0 0 0,1 1 0,-1 0 0,1 1 0,0 1 0,0 0 0,-1 1 0,1 0 0,0 2 0,0 0 0,-1 0 0,1 1 0,-1 1 0,0 0 0,0 1 0,0 1 0,18 10 0,4 6-170,-1 1-1,-1 2 0,-2 1 1,0 2-1,-2 1 0,0 2 1,33 45-1,-33-36-6655</inkml:trace>
-</inkml:ink>
-</file>
-
-<file path=ppt/ink/ink5.xml><?xml version="1.0" encoding="utf-8"?>
-<inkml:ink xmlns:inkml="http://www.w3.org/2003/InkML">
-  <inkml:definitions>
-    <inkml:context xml:id="ctx0">
-      <inkml:inkSource xml:id="inkSrc0">
-        <inkml:traceFormat>
-          <inkml:channel name="X" type="integer" min="-2.14748E9" max="2.14748E9" units="cm"/>
-          <inkml:channel name="Y" type="integer" min="-2.14748E9" max="2.14748E9" units="cm"/>
-          <inkml:channel name="F" type="integer" max="32767" units="dev"/>
-        </inkml:traceFormat>
-        <inkml:channelProperties>
-          <inkml:channelProperty channel="X" name="resolution" value="1000" units="1/cm"/>
-          <inkml:channelProperty channel="Y" name="resolution" value="1000" units="1/cm"/>
-          <inkml:channelProperty channel="F" name="resolution" value="0" units="1/dev"/>
-        </inkml:channelProperties>
-      </inkml:inkSource>
-      <inkml:timestamp xml:id="ts0" timeString="2022-10-27T11:34:38.909"/>
-    </inkml:context>
-    <inkml:brush xml:id="br0">
-      <inkml:brushProperty name="width" value="0.05" units="cm"/>
-      <inkml:brushProperty name="height" value="0.05" units="cm"/>
-      <inkml:brushProperty name="color" value="#E71224"/>
-    </inkml:brush>
-  </inkml:definitions>
-  <inkml:trace contextRef="#ctx0" brushRef="#br0">1 5581 24575,'11'-11'0,"1"1"0,0 1 0,26-15 0,1 0 0,170-107 0,-115 76 0,120-94 0,125-150 0,-272 238 0,112-90 0,-10 9 0,-95 75 0,-3-4 0,-3-2 0,82-116 0,-65 67 0,234-366 0,-115 176 0,-137 215 0,-38 49 0,-1-1 0,-3-1 0,-2-2 0,-2 0 0,22-85 0,8-26 0,91-200 0,-19 35 0,-11 26 0,-95 263 0,61-156 0,-62 149 0,-3-2 0,11-62 0,66-298 0,-44 214 0,-31 122 0,-5 35 0,20-50 0,-20 61 0,0 1 0,-2-2 0,-1 1 0,7-54 0,-12 60 0,-1 12 0,0 1 0,0-1 0,-1 1 0,0-1 0,0 1 0,-1-1 0,0 1 0,0-1 0,-1 1 0,1 0 0,-6-12 0,7 18 0,0 1 0,-1-1 0,1 0 0,-1 1 0,1-1 0,-1 1 0,1-1 0,-1 0 0,1 1 0,-1-1 0,1 1 0,-1 0 0,1-1 0,-1 1 0,0-1 0,1 1 0,-1 0 0,0-1 0,0 1 0,1 0 0,-1 0 0,0 0 0,1 0 0,-1-1 0,0 1 0,0 0 0,1 0 0,-1 0 0,0 0 0,0 1 0,1-1 0,-1 0 0,0 0 0,0 0 0,1 1 0,-1-1 0,0 0 0,1 1 0,-1-1 0,0 0 0,1 1 0,-1-1 0,1 1 0,-1-1 0,1 1 0,-1-1 0,1 1 0,-1 0 0,0 0 0,-24 37 0,22-33 0,-6 9 0,-1-1 0,0 0 0,-22 22 0,18-21 0,1 0 0,-20 28 0,16-13 0,-23 49 0,34-64 0,1 0 0,0 0 0,1 0 0,1 1 0,-4 28 0,7-43 0,-1 1 0,1 0 0,0 0 0,0 0 0,0 0 0,0 0 0,0 0 0,0 0 0,0-1 0,0 1 0,0 0 0,0 0 0,0 0 0,0 0 0,1 0 0,-1 0 0,0-1 0,1 1 0,-1 0 0,0 0 0,1 0 0,-1-1 0,1 1 0,0 0 0,-1-1 0,1 1 0,-1 0 0,1-1 0,0 1 0,0-1 0,-1 1 0,1-1 0,0 1 0,0-1 0,-1 0 0,1 1 0,0-1 0,0 0 0,0 0 0,0 1 0,0-1 0,0 0 0,-1 0 0,1 0 0,0 0 0,0 0 0,2-1 0,3 0 0,1-1 0,0-1 0,-1 0 0,1 1 0,7-6 0,-2 1 0,231-117 0,-180 88 0,102-80 0,-162 113 0,7-4 0,-1-1 0,16-18 0,-23 24 0,-1 0 0,0 0 0,1 0 0,-1 0 0,0 0 0,0 0 0,0 0 0,0 0 0,-1 0 0,1-3 0,-1 4 0,1 0 0,-1 1 0,0-1 0,-1 0 0,1 0 0,0 0 0,0 0 0,0 0 0,0 1 0,-1-1 0,1 0 0,0 0 0,-1 0 0,1 1 0,-1-1 0,1 0 0,-1 0 0,1 1 0,-1-1 0,1 0 0,-1 1 0,0-1 0,1 1 0,-1-1 0,0 1 0,0-1 0,-4-2 0,1 1 0,0 0 0,-1 0 0,1 1 0,-1-1 0,0 1 0,1 0 0,-1 0 0,0 0 0,0 1 0,1-1 0,-1 1 0,-6 1 0,9-1 0,0 1 0,1-1 0,-1 1 0,0-1 0,0 1 0,1 0 0,-1 0 0,1-1 0,-1 1 0,1 0 0,-1 0 0,1 1 0,0-1 0,-1 0 0,1 0 0,0 1 0,0-1 0,0 1 0,0-1 0,0 1 0,0-1 0,0 1 0,0-1 0,1 1 0,-1 0 0,1 0 0,-1-1 0,1 1 0,0 0 0,0 0 0,0-1 0,0 1 0,0 0 0,0 0 0,0 0 0,0-1 0,1 1 0,-1 0 0,1 2 0,4 17 0,1 1 0,1-2 0,1 1 0,0-1 0,13 21 0,4 2 0,37 49 0,76 75 0,-46-59 0,-64-75-1365,-2-5-5461</inkml:trace>
-</inkml:ink>
 </file>
 
 <file path=ppt/notesMasters/notesMaster1.xml><?xml version="1.0" encoding="utf-8"?>
@@ -713,7 +672,7 @@
               <a:pPr>
                 <a:defRPr/>
               </a:pPr>
-              <a:t>11/22/2022</a:t>
+              <a:t>11/20/2023</a:t>
             </a:fld>
             <a:endParaRPr lang="en-US"/>
           </a:p>
@@ -1114,6 +1073,29 @@
           <a:bodyPr/>
           <a:lstStyle/>
           <a:p>
+            <a:pPr marL="0" marR="0" lvl="0" indent="0" algn="l" defTabSz="914400" rtl="0" eaLnBrk="1" fontAlgn="base" latinLnBrk="0" hangingPunct="1">
+              <a:lnSpc>
+                <a:spcPct val="100000"/>
+              </a:lnSpc>
+              <a:spcBef>
+                <a:spcPct val="0"/>
+              </a:spcBef>
+              <a:spcAft>
+                <a:spcPct val="0"/>
+              </a:spcAft>
+              <a:buClrTx/>
+              <a:buSzTx/>
+              <a:buFontTx/>
+              <a:buNone/>
+              <a:tabLst/>
+              <a:defRPr/>
+            </a:pPr>
+            <a:r>
+              <a:rPr lang="en-US" dirty="0"/>
+              <a:t>Timing:  Aim to finish I the first hour so that the teams can do project work and meet with a TA in the second hour.</a:t>
+            </a:r>
+          </a:p>
+          <a:p>
             <a:pPr eaLnBrk="1" hangingPunct="1">
               <a:spcBef>
                 <a:spcPct val="0"/>
@@ -1121,15 +1103,11 @@
             </a:pPr>
             <a:r>
               <a:rPr lang="en-US"/>
-              <a:t>Doing everything in </a:t>
-            </a:r>
-            <a:r>
-              <a:rPr lang="en-US" err="1"/>
-              <a:t>LinkedListSimple</a:t>
-            </a:r>
-            <a:r>
-              <a:rPr lang="en-US"/>
-              <a:t> today</a:t>
+              <a:t>Quiz </a:t>
+            </a:r>
+            <a:r>
+              <a:rPr lang="en-US" dirty="0"/>
+              <a:t>given in next slide (give them lots of time to work on this and do it on the board, </a:t>
             </a:r>
           </a:p>
           <a:p>
@@ -1138,7 +1116,57 @@
                 <a:spcPct val="0"/>
               </a:spcBef>
             </a:pPr>
-            <a:endParaRPr lang="en-US"/>
+            <a:r>
+              <a:rPr lang="en-US"/>
+              <a:t>Print </a:t>
+            </a:r>
+            <a:r>
+              <a:rPr lang="en-US" dirty="0"/>
+              <a:t>this out for them to work on paper before coding first few in-class exercises</a:t>
+            </a:r>
+          </a:p>
+          <a:p>
+            <a:pPr marL="0" marR="0" lvl="0" indent="0" algn="l" defTabSz="914400" rtl="0" eaLnBrk="1" fontAlgn="base" latinLnBrk="0" hangingPunct="1">
+              <a:lnSpc>
+                <a:spcPct val="100000"/>
+              </a:lnSpc>
+              <a:spcBef>
+                <a:spcPct val="0"/>
+              </a:spcBef>
+              <a:spcAft>
+                <a:spcPct val="0"/>
+              </a:spcAft>
+              <a:buClrTx/>
+              <a:buSzTx/>
+              <a:buFontTx/>
+              <a:buNone/>
+              <a:tabLst/>
+              <a:defRPr/>
+            </a:pPr>
+            <a:r>
+              <a:rPr lang="en-US" dirty="0"/>
+              <a:t>https://docs.google.com/document/d/14JZQNpy_uZlawvqma7su3AO1nOjfe89xqSGUwgt7kWM/edit?usp=sharing</a:t>
+            </a:r>
+          </a:p>
+          <a:p>
+            <a:pPr marL="0" marR="0" lvl="0" indent="0" algn="l" defTabSz="914400" rtl="0" eaLnBrk="1" fontAlgn="base" latinLnBrk="0" hangingPunct="1">
+              <a:lnSpc>
+                <a:spcPct val="100000"/>
+              </a:lnSpc>
+              <a:spcBef>
+                <a:spcPct val="0"/>
+              </a:spcBef>
+              <a:spcAft>
+                <a:spcPct val="0"/>
+              </a:spcAft>
+              <a:buClrTx/>
+              <a:buSzTx/>
+              <a:buFontTx/>
+              <a:buNone/>
+              <a:tabLst/>
+              <a:defRPr/>
+            </a:pPr>
+            <a:endParaRPr lang="en-US" dirty="0"/>
           </a:p>
           <a:p>
             <a:pPr eaLnBrk="1" hangingPunct="1">
@@ -1146,10 +1174,7 @@
                 <a:spcPct val="0"/>
               </a:spcBef>
             </a:pPr>
-            <a:r>
-              <a:rPr lang="en-US"/>
-              <a:t>Quiz given in next slide</a:t>
-            </a:r>
+            <a:endParaRPr lang="en-US" dirty="0"/>
           </a:p>
         </p:txBody>
       </p:sp>
@@ -1237,9 +1262,167 @@
           <a:lstStyle/>
           <a:p>
             <a:r>
-              <a:rPr lang="en-US"/>
+              <a:rPr lang="en-US" dirty="0"/>
               <a:t>This diagram is their quiz for the day</a:t>
             </a:r>
+          </a:p>
+          <a:p>
+            <a:pPr eaLnBrk="1" hangingPunct="1">
+              <a:spcBef>
+                <a:spcPct val="0"/>
+              </a:spcBef>
+            </a:pPr>
+            <a:endParaRPr lang="en-US" dirty="0"/>
+          </a:p>
+          <a:p>
+            <a:pPr eaLnBrk="1" hangingPunct="1">
+              <a:spcBef>
+                <a:spcPct val="0"/>
+              </a:spcBef>
+            </a:pPr>
+            <a:r>
+              <a:rPr lang="en-US" dirty="0"/>
+              <a:t>JAY: I like to use different colored markers (4) for 4 different lines of code executed that change the box-n-pointer diagram</a:t>
+            </a:r>
+          </a:p>
+          <a:p>
+            <a:pPr algn="l"/>
+            <a:r>
+              <a:rPr lang="en-US" sz="1800" dirty="0">
+                <a:solidFill>
+                  <a:srgbClr val="000000"/>
+                </a:solidFill>
+                <a:latin typeface="Consolas" panose="020B0609020204030204" pitchFamily="49" charset="0"/>
+              </a:rPr>
+              <a:t>LinkedList </a:t>
+            </a:r>
+            <a:r>
+              <a:rPr lang="en-US" sz="1800" dirty="0">
+                <a:solidFill>
+                  <a:srgbClr val="6A3E3E"/>
+                </a:solidFill>
+                <a:latin typeface="Consolas" panose="020B0609020204030204" pitchFamily="49" charset="0"/>
+              </a:rPr>
+              <a:t>list</a:t>
+            </a:r>
+            <a:r>
+              <a:rPr lang="en-US" sz="1800" dirty="0">
+                <a:solidFill>
+                  <a:srgbClr val="000000"/>
+                </a:solidFill>
+                <a:latin typeface="Consolas" panose="020B0609020204030204" pitchFamily="49" charset="0"/>
+              </a:rPr>
+              <a:t> = </a:t>
+            </a:r>
+            <a:r>
+              <a:rPr lang="en-US" sz="1800" b="1" dirty="0">
+                <a:solidFill>
+                  <a:srgbClr val="7F0055"/>
+                </a:solidFill>
+                <a:latin typeface="Consolas" panose="020B0609020204030204" pitchFamily="49" charset="0"/>
+              </a:rPr>
+              <a:t>new</a:t>
+            </a:r>
+            <a:r>
+              <a:rPr lang="en-US" sz="1800" b="1" dirty="0">
+                <a:solidFill>
+                  <a:srgbClr val="000000"/>
+                </a:solidFill>
+                <a:latin typeface="Consolas" panose="020B0609020204030204" pitchFamily="49" charset="0"/>
+              </a:rPr>
+              <a:t> LinkedList();</a:t>
+            </a:r>
+          </a:p>
+          <a:p>
+            <a:pPr algn="l"/>
+            <a:r>
+              <a:rPr lang="en-US" sz="1800" dirty="0" err="1">
+                <a:solidFill>
+                  <a:srgbClr val="6A3E3E"/>
+                </a:solidFill>
+                <a:latin typeface="Consolas" panose="020B0609020204030204" pitchFamily="49" charset="0"/>
+              </a:rPr>
+              <a:t>list</a:t>
+            </a:r>
+            <a:r>
+              <a:rPr lang="en-US" sz="1800" dirty="0" err="1">
+                <a:solidFill>
+                  <a:srgbClr val="000000"/>
+                </a:solidFill>
+                <a:latin typeface="Consolas" panose="020B0609020204030204" pitchFamily="49" charset="0"/>
+              </a:rPr>
+              <a:t>.addAtBeginning</a:t>
+            </a:r>
+            <a:r>
+              <a:rPr lang="en-US" sz="1800" dirty="0">
+                <a:solidFill>
+                  <a:srgbClr val="000000"/>
+                </a:solidFill>
+                <a:latin typeface="Consolas" panose="020B0609020204030204" pitchFamily="49" charset="0"/>
+              </a:rPr>
+              <a:t>(1);</a:t>
+            </a:r>
+          </a:p>
+          <a:p>
+            <a:pPr algn="l"/>
+            <a:r>
+              <a:rPr lang="en-US" sz="1800" dirty="0" err="1">
+                <a:solidFill>
+                  <a:srgbClr val="6A3E3E"/>
+                </a:solidFill>
+                <a:latin typeface="Consolas" panose="020B0609020204030204" pitchFamily="49" charset="0"/>
+              </a:rPr>
+              <a:t>list</a:t>
+            </a:r>
+            <a:r>
+              <a:rPr lang="en-US" sz="1800" dirty="0" err="1">
+                <a:solidFill>
+                  <a:srgbClr val="000000"/>
+                </a:solidFill>
+                <a:latin typeface="Consolas" panose="020B0609020204030204" pitchFamily="49" charset="0"/>
+              </a:rPr>
+              <a:t>.addAtBeginning</a:t>
+            </a:r>
+            <a:r>
+              <a:rPr lang="en-US" sz="1800" dirty="0">
+                <a:solidFill>
+                  <a:srgbClr val="000000"/>
+                </a:solidFill>
+                <a:latin typeface="Consolas" panose="020B0609020204030204" pitchFamily="49" charset="0"/>
+              </a:rPr>
+              <a:t>(2);</a:t>
+            </a:r>
+          </a:p>
+          <a:p>
+            <a:pPr algn="l"/>
+            <a:r>
+              <a:rPr lang="en-US" sz="1800" dirty="0" err="1">
+                <a:solidFill>
+                  <a:srgbClr val="6A3E3E"/>
+                </a:solidFill>
+                <a:latin typeface="Consolas" panose="020B0609020204030204" pitchFamily="49" charset="0"/>
+              </a:rPr>
+              <a:t>list</a:t>
+            </a:r>
+            <a:r>
+              <a:rPr lang="en-US" sz="1800" dirty="0" err="1">
+                <a:solidFill>
+                  <a:srgbClr val="000000"/>
+                </a:solidFill>
+                <a:latin typeface="Consolas" panose="020B0609020204030204" pitchFamily="49" charset="0"/>
+              </a:rPr>
+              <a:t>.addAtBeginning</a:t>
+            </a:r>
+            <a:r>
+              <a:rPr lang="en-US" sz="1800" dirty="0">
+                <a:solidFill>
+                  <a:srgbClr val="000000"/>
+                </a:solidFill>
+                <a:latin typeface="Consolas" panose="020B0609020204030204" pitchFamily="49" charset="0"/>
+              </a:rPr>
+              <a:t>(3);</a:t>
+            </a:r>
+            <a:endParaRPr lang="en-US" dirty="0"/>
           </a:p>
         </p:txBody>
       </p:sp>
@@ -1356,7 +1539,7 @@
               <a:pPr>
                 <a:defRPr/>
               </a:pPr>
-              <a:t>6</a:t>
+              <a:t>5</a:t>
             </a:fld>
             <a:endParaRPr lang="en-US"/>
           </a:p>
@@ -1446,7 +1629,7 @@
               <a:pPr>
                 <a:defRPr/>
               </a:pPr>
-              <a:t>12</a:t>
+              <a:t>11</a:t>
             </a:fld>
             <a:endParaRPr lang="en-US"/>
           </a:p>
@@ -1511,12 +1694,16 @@
           <a:p>
             <a:r>
               <a:rPr lang="en-US" dirty="0"/>
-              <a:t>This is</a:t>
-            </a:r>
-            <a:r>
-              <a:rPr lang="en-US" baseline="0" dirty="0"/>
-              <a:t> the end of Monday’s class, pick up from here on Wednesday to complete quiz</a:t>
-            </a:r>
+              <a:t>Optional Modify Diagram and Write Code Exercise:</a:t>
+            </a:r>
+          </a:p>
+          <a:p>
+            <a:r>
+              <a:rPr lang="en-US" dirty="0"/>
+              <a:t>https://docs.google.com/document/d/14JZQNpy_uZlawvqma7su3AO1nOjfe89xqSGUwgt7kWM/edit?usp=sharing</a:t>
+            </a:r>
+          </a:p>
+          <a:p>
             <a:endParaRPr lang="en-US" dirty="0"/>
           </a:p>
         </p:txBody>
@@ -1528,7 +1715,7 @@
             <a:spLocks noGrp="1"/>
           </p:cNvSpPr>
           <p:nvPr>
-            <p:ph type="sldNum" sz="quarter" idx="10"/>
+            <p:ph type="sldNum" sz="quarter" idx="5"/>
           </p:nvPr>
         </p:nvSpPr>
         <p:spPr/>
@@ -1544,7 +1731,7 @@
               <a:pPr>
                 <a:defRPr/>
               </a:pPr>
-              <a:t>14</a:t>
+              <a:t>12</a:t>
             </a:fld>
             <a:endParaRPr lang="en-US"/>
           </a:p>
@@ -1553,97 +1740,7 @@
     </p:spTree>
     <p:extLst>
       <p:ext uri="{BB962C8B-B14F-4D97-AF65-F5344CB8AC3E}">
-        <p14:creationId xmlns:p14="http://schemas.microsoft.com/office/powerpoint/2010/main" val="17916956"/>
-      </p:ext>
-    </p:extLst>
-  </p:cSld>
-  <p:clrMapOvr>
-    <a:masterClrMapping/>
-  </p:clrMapOvr>
-</p:notes>
-</file>
-
-<file path=ppt/notesSlides/notesSlide6.xml><?xml version="1.0" encoding="utf-8"?>
-<p:notes xmlns:a="http://schemas.openxmlformats.org/drawingml/2006/main" xmlns:r="http://schemas.openxmlformats.org/officeDocument/2006/relationships" xmlns:p="http://schemas.openxmlformats.org/presentationml/2006/main">
-  <p:cSld>
-    <p:spTree>
-      <p:nvGrpSpPr>
-        <p:cNvPr id="1" name=""/>
-        <p:cNvGrpSpPr/>
-        <p:nvPr/>
-      </p:nvGrpSpPr>
-      <p:grpSpPr>
-        <a:xfrm>
-          <a:off x="0" y="0"/>
-          <a:ext cx="0" cy="0"/>
-          <a:chOff x="0" y="0"/>
-          <a:chExt cx="0" cy="0"/>
-        </a:xfrm>
-      </p:grpSpPr>
-      <p:sp>
-        <p:nvSpPr>
-          <p:cNvPr id="2" name="Slide Image Placeholder 1"/>
-          <p:cNvSpPr>
-            <a:spLocks noGrp="1" noRot="1" noChangeAspect="1"/>
-          </p:cNvSpPr>
-          <p:nvPr>
-            <p:ph type="sldImg"/>
-          </p:nvPr>
-        </p:nvSpPr>
-        <p:spPr/>
-      </p:sp>
-      <p:sp>
-        <p:nvSpPr>
-          <p:cNvPr id="3" name="Notes Placeholder 2"/>
-          <p:cNvSpPr>
-            <a:spLocks noGrp="1"/>
-          </p:cNvSpPr>
-          <p:nvPr>
-            <p:ph type="body" idx="1"/>
-          </p:nvPr>
-        </p:nvSpPr>
-        <p:spPr/>
-        <p:txBody>
-          <a:bodyPr/>
-          <a:lstStyle/>
-          <a:p>
-            <a:endParaRPr lang="en-US" dirty="0"/>
-          </a:p>
-        </p:txBody>
-      </p:sp>
-      <p:sp>
-        <p:nvSpPr>
-          <p:cNvPr id="4" name="Slide Number Placeholder 3"/>
-          <p:cNvSpPr>
-            <a:spLocks noGrp="1"/>
-          </p:cNvSpPr>
-          <p:nvPr>
-            <p:ph type="sldNum" sz="quarter" idx="10"/>
-          </p:nvPr>
-        </p:nvSpPr>
-        <p:spPr/>
-        <p:txBody>
-          <a:bodyPr/>
-          <a:lstStyle/>
-          <a:p>
-            <a:pPr>
-              <a:defRPr/>
-            </a:pPr>
-            <a:fld id="{BDF97A26-8EDD-4564-9705-85BE5B01BB34}" type="slidenum">
-              <a:rPr lang="en-US" smtClean="0"/>
-              <a:pPr>
-                <a:defRPr/>
-              </a:pPr>
-              <a:t>15</a:t>
-            </a:fld>
-            <a:endParaRPr lang="en-US"/>
-          </a:p>
-        </p:txBody>
-      </p:sp>
-    </p:spTree>
-    <p:extLst>
-      <p:ext uri="{BB962C8B-B14F-4D97-AF65-F5344CB8AC3E}">
-        <p14:creationId xmlns:p14="http://schemas.microsoft.com/office/powerpoint/2010/main" val="3208926772"/>
+        <p14:creationId xmlns:p14="http://schemas.microsoft.com/office/powerpoint/2010/main" val="392951581"/>
       </p:ext>
     </p:extLst>
   </p:cSld>
@@ -1838,7 +1935,7 @@
               <a:pPr>
                 <a:defRPr/>
               </a:pPr>
-              <a:t>Tuesday, November 22, 2022</a:t>
+              <a:t>Monday, November 20, 2023</a:t>
             </a:fld>
             <a:endParaRPr lang="en-US"/>
           </a:p>
@@ -2021,7 +2118,7 @@
               <a:pPr>
                 <a:defRPr/>
               </a:pPr>
-              <a:t>Tuesday, November 22, 2022</a:t>
+              <a:t>Monday, November 20, 2023</a:t>
             </a:fld>
             <a:endParaRPr lang="en-US"/>
           </a:p>
@@ -2214,7 +2311,7 @@
               <a:pPr>
                 <a:defRPr/>
               </a:pPr>
-              <a:t>Tuesday, November 22, 2022</a:t>
+              <a:t>Monday, November 20, 2023</a:t>
             </a:fld>
             <a:endParaRPr lang="en-US"/>
           </a:p>
@@ -2397,7 +2494,7 @@
               <a:pPr>
                 <a:defRPr/>
               </a:pPr>
-              <a:t>Tuesday, November 22, 2022</a:t>
+              <a:t>Monday, November 20, 2023</a:t>
             </a:fld>
             <a:endParaRPr lang="en-US"/>
           </a:p>
@@ -2657,7 +2754,7 @@
               <a:pPr>
                 <a:defRPr/>
               </a:pPr>
-              <a:t>Tuesday, November 22, 2022</a:t>
+              <a:t>Monday, November 20, 2023</a:t>
             </a:fld>
             <a:endParaRPr lang="en-US"/>
           </a:p>
@@ -2957,7 +3054,7 @@
               <a:pPr>
                 <a:defRPr/>
               </a:pPr>
-              <a:t>Tuesday, November 22, 2022</a:t>
+              <a:t>Monday, November 20, 2023</a:t>
             </a:fld>
             <a:endParaRPr lang="en-US"/>
           </a:p>
@@ -3391,7 +3488,7 @@
               <a:pPr>
                 <a:defRPr/>
               </a:pPr>
-              <a:t>Tuesday, November 22, 2022</a:t>
+              <a:t>Monday, November 20, 2023</a:t>
             </a:fld>
             <a:endParaRPr lang="en-US"/>
           </a:p>
@@ -3523,7 +3620,7 @@
               <a:pPr>
                 <a:defRPr/>
               </a:pPr>
-              <a:t>Tuesday, November 22, 2022</a:t>
+              <a:t>Monday, November 20, 2023</a:t>
             </a:fld>
             <a:endParaRPr lang="en-US"/>
           </a:p>
@@ -3633,7 +3730,7 @@
               <a:pPr>
                 <a:defRPr/>
               </a:pPr>
-              <a:t>Tuesday, November 22, 2022</a:t>
+              <a:t>Monday, November 20, 2023</a:t>
             </a:fld>
             <a:endParaRPr lang="en-US"/>
           </a:p>
@@ -3923,7 +4020,7 @@
               <a:pPr>
                 <a:defRPr/>
               </a:pPr>
-              <a:t>Tuesday, November 22, 2022</a:t>
+              <a:t>Monday, November 20, 2023</a:t>
             </a:fld>
             <a:endParaRPr lang="en-US"/>
           </a:p>
@@ -4190,7 +4287,7 @@
               <a:pPr>
                 <a:defRPr/>
               </a:pPr>
-              <a:t>Tuesday, November 22, 2022</a:t>
+              <a:t>Monday, November 20, 2023</a:t>
             </a:fld>
             <a:endParaRPr lang="en-US"/>
           </a:p>
@@ -4416,7 +4513,7 @@
               <a:pPr>
                 <a:defRPr/>
               </a:pPr>
-              <a:t>Tuesday, November 22, 2022</a:t>
+              <a:t>Monday, November 20, 2023</a:t>
             </a:fld>
             <a:endParaRPr lang="en-US"/>
           </a:p>
@@ -4862,99 +4959,6 @@
       </p:sp>
       <p:sp>
         <p:nvSpPr>
-          <p:cNvPr id="5" name="Rectangle 4">
-            <a:extLst>
-              <a:ext uri="{FF2B5EF4-FFF2-40B4-BE49-F238E27FC236}">
-                <a16:creationId xmlns:a16="http://schemas.microsoft.com/office/drawing/2014/main" id="{61AFEBF2-1E79-874A-90AE-45D33A2495CA}"/>
-              </a:ext>
-            </a:extLst>
-          </p:cNvPr>
-          <p:cNvSpPr/>
-          <p:nvPr/>
-        </p:nvSpPr>
-        <p:spPr>
-          <a:xfrm>
-            <a:off x="304800" y="5276850"/>
-            <a:ext cx="8534400" cy="1295400"/>
-          </a:xfrm>
-          <a:prstGeom prst="rect">
-            <a:avLst/>
-          </a:prstGeom>
-          <a:solidFill>
-            <a:schemeClr val="accent3"/>
-          </a:solidFill>
-        </p:spPr>
-        <p:style>
-          <a:lnRef idx="2">
-            <a:schemeClr val="accent3">
-              <a:shade val="50000"/>
-            </a:schemeClr>
-          </a:lnRef>
-          <a:fillRef idx="1">
-            <a:schemeClr val="accent3"/>
-          </a:fillRef>
-          <a:effectRef idx="0">
-            <a:schemeClr val="accent3"/>
-          </a:effectRef>
-          <a:fontRef idx="minor">
-            <a:schemeClr val="lt1"/>
-          </a:fontRef>
-        </p:style>
-        <p:txBody>
-          <a:bodyPr rtlCol="0" anchor="ctr"/>
-          <a:lstStyle/>
-          <a:p>
-            <a:r>
-              <a:rPr lang="en-US" sz="2400" dirty="0">
-                <a:solidFill>
-                  <a:srgbClr val="FFFFFF"/>
-                </a:solidFill>
-              </a:rPr>
-              <a:t>The </a:t>
-            </a:r>
-            <a:r>
-              <a:rPr lang="en-US" sz="2400" i="1" dirty="0">
-                <a:solidFill>
-                  <a:srgbClr val="FFFFFF"/>
-                </a:solidFill>
-              </a:rPr>
-              <a:t>git</a:t>
-            </a:r>
-            <a:r>
-              <a:rPr lang="en-US" sz="2400" dirty="0">
-                <a:solidFill>
-                  <a:srgbClr val="FFFFFF"/>
-                </a:solidFill>
-              </a:rPr>
-              <a:t> projects for today are:</a:t>
-            </a:r>
-          </a:p>
-          <a:p>
-            <a:pPr marL="342900" indent="-342900">
-              <a:buFont typeface="Arial" panose="020B0604020202020204" pitchFamily="34" charset="0"/>
-              <a:buChar char="•"/>
-            </a:pPr>
-            <a:r>
-              <a:rPr lang="en-US" sz="2400" i="1" dirty="0" err="1"/>
-              <a:t>PracticeLinkedListSimple</a:t>
-            </a:r>
-            <a:endParaRPr lang="en-US" sz="2400" i="1" dirty="0"/>
-          </a:p>
-          <a:p>
-            <a:pPr marL="342900" indent="-342900">
-              <a:buFont typeface="Arial" panose="020B0604020202020204" pitchFamily="34" charset="0"/>
-              <a:buChar char="•"/>
-            </a:pPr>
-            <a:r>
-              <a:rPr lang="en-US" sz="2400" i="1" dirty="0" err="1"/>
-              <a:t>PracticeLinkedListSimpleSolution</a:t>
-            </a:r>
-            <a:endParaRPr lang="en-US" sz="2400" i="1" dirty="0"/>
-          </a:p>
-        </p:txBody>
-      </p:sp>
-      <p:sp>
-        <p:nvSpPr>
           <p:cNvPr id="3" name="TextBox 2">
             <a:extLst>
               <a:ext uri="{FF2B5EF4-FFF2-40B4-BE49-F238E27FC236}">
@@ -5049,6 +5053,116 @@
           </a:prstGeom>
         </p:spPr>
       </p:pic>
+      <p:sp>
+        <p:nvSpPr>
+          <p:cNvPr id="6" name="Rectangle 5">
+            <a:extLst>
+              <a:ext uri="{FF2B5EF4-FFF2-40B4-BE49-F238E27FC236}">
+                <a16:creationId xmlns:a16="http://schemas.microsoft.com/office/drawing/2014/main" id="{E404B1E0-4712-343A-017E-11145BAE413B}"/>
+              </a:ext>
+            </a:extLst>
+          </p:cNvPr>
+          <p:cNvSpPr/>
+          <p:nvPr/>
+        </p:nvSpPr>
+        <p:spPr>
+          <a:xfrm>
+            <a:off x="304800" y="4680922"/>
+            <a:ext cx="8534400" cy="2095501"/>
+          </a:xfrm>
+          <a:prstGeom prst="rect">
+            <a:avLst/>
+          </a:prstGeom>
+          <a:solidFill>
+            <a:schemeClr val="accent3"/>
+          </a:solidFill>
+        </p:spPr>
+        <p:style>
+          <a:lnRef idx="2">
+            <a:schemeClr val="accent3">
+              <a:shade val="50000"/>
+            </a:schemeClr>
+          </a:lnRef>
+          <a:fillRef idx="1">
+            <a:schemeClr val="accent3"/>
+          </a:fillRef>
+          <a:effectRef idx="0">
+            <a:schemeClr val="accent3"/>
+          </a:effectRef>
+          <a:fontRef idx="minor">
+            <a:schemeClr val="lt1"/>
+          </a:fontRef>
+        </p:style>
+        <p:txBody>
+          <a:bodyPr rtlCol="0" anchor="ctr"/>
+          <a:lstStyle/>
+          <a:p>
+            <a:r>
+              <a:rPr lang="en-US" sz="2400" dirty="0">
+                <a:solidFill>
+                  <a:srgbClr val="FFFFFF"/>
+                </a:solidFill>
+              </a:rPr>
+              <a:t>The </a:t>
+            </a:r>
+            <a:r>
+              <a:rPr lang="en-US" sz="2400" i="1" dirty="0">
+                <a:solidFill>
+                  <a:srgbClr val="FFFFFF"/>
+                </a:solidFill>
+              </a:rPr>
+              <a:t>git</a:t>
+            </a:r>
+            <a:r>
+              <a:rPr lang="en-US" sz="2400" dirty="0">
+                <a:solidFill>
+                  <a:srgbClr val="FFFFFF"/>
+                </a:solidFill>
+              </a:rPr>
+              <a:t> projects for today are:</a:t>
+            </a:r>
+          </a:p>
+          <a:p>
+            <a:pPr marL="342900" indent="-342900">
+              <a:buFont typeface="Arial" panose="020B0604020202020204" pitchFamily="34" charset="0"/>
+              <a:buChar char="•"/>
+            </a:pPr>
+            <a:r>
+              <a:rPr lang="en-US" sz="2400" i="1" dirty="0" err="1"/>
+              <a:t>PracticeLinkedListSimple</a:t>
+            </a:r>
+            <a:endParaRPr lang="en-US" sz="2400" i="1" dirty="0"/>
+          </a:p>
+          <a:p>
+            <a:pPr marL="342900" indent="-342900">
+              <a:buFont typeface="Arial" panose="020B0604020202020204" pitchFamily="34" charset="0"/>
+              <a:buChar char="•"/>
+            </a:pPr>
+            <a:r>
+              <a:rPr lang="en-US" sz="2400" i="1" dirty="0" err="1"/>
+              <a:t>PracticeLinkedListSimpleSolution</a:t>
+            </a:r>
+            <a:endParaRPr lang="en-US" sz="2400" i="1" dirty="0"/>
+          </a:p>
+          <a:p>
+            <a:r>
+              <a:rPr lang="en-US" sz="2400" dirty="0"/>
+              <a:t>The Quiz for today is: </a:t>
+            </a:r>
+          </a:p>
+          <a:p>
+            <a:pPr marL="342900" indent="-342900">
+              <a:buFont typeface="Arial" panose="020B0604020202020204" pitchFamily="34" charset="0"/>
+              <a:buChar char="•"/>
+            </a:pPr>
+            <a:r>
+              <a:rPr lang="en-US" sz="2400" i="1" dirty="0" err="1"/>
+              <a:t>LinkedListQuiz</a:t>
+            </a:r>
+            <a:endParaRPr lang="en-US" sz="2400" i="1" dirty="0"/>
+          </a:p>
+        </p:txBody>
+      </p:sp>
     </p:spTree>
   </p:cSld>
   <p:clrMapOvr>
@@ -5058,421 +5172,6 @@
 </file>
 
 <file path=ppt/slides/slide10.xml><?xml version="1.0" encoding="utf-8"?>
-<p:sld xmlns:a="http://schemas.openxmlformats.org/drawingml/2006/main" xmlns:r="http://schemas.openxmlformats.org/officeDocument/2006/relationships" xmlns:p="http://schemas.openxmlformats.org/presentationml/2006/main">
-  <p:cSld>
-    <p:spTree>
-      <p:nvGrpSpPr>
-        <p:cNvPr id="1" name=""/>
-        <p:cNvGrpSpPr/>
-        <p:nvPr/>
-      </p:nvGrpSpPr>
-      <p:grpSpPr>
-        <a:xfrm>
-          <a:off x="0" y="0"/>
-          <a:ext cx="0" cy="0"/>
-          <a:chOff x="0" y="0"/>
-          <a:chExt cx="0" cy="0"/>
-        </a:xfrm>
-      </p:grpSpPr>
-      <p:sp>
-        <p:nvSpPr>
-          <p:cNvPr id="2" name="Title 1"/>
-          <p:cNvSpPr>
-            <a:spLocks noGrp="1"/>
-          </p:cNvSpPr>
-          <p:nvPr>
-            <p:ph type="title"/>
-          </p:nvPr>
-        </p:nvSpPr>
-        <p:spPr>
-          <a:xfrm>
-            <a:off x="445626" y="89443"/>
-            <a:ext cx="8229600" cy="1143000"/>
-          </a:xfrm>
-        </p:spPr>
-        <p:txBody>
-          <a:bodyPr/>
-          <a:lstStyle/>
-          <a:p>
-            <a:r>
-              <a:rPr lang="en-US" dirty="0"/>
-              <a:t>Traverse Linked List With </a:t>
-            </a:r>
-            <a:r>
-              <a:rPr lang="en-US" i="1" dirty="0"/>
-              <a:t>Trailer</a:t>
-            </a:r>
-          </a:p>
-        </p:txBody>
-      </p:sp>
-      <p:sp>
-        <p:nvSpPr>
-          <p:cNvPr id="11" name="TextBox 10">
-            <a:extLst>
-              <a:ext uri="{FF2B5EF4-FFF2-40B4-BE49-F238E27FC236}">
-                <a16:creationId xmlns:a16="http://schemas.microsoft.com/office/drawing/2014/main" id="{F20A6EBD-ECB4-D34F-B630-0D98143FF102}"/>
-              </a:ext>
-            </a:extLst>
-          </p:cNvPr>
-          <p:cNvSpPr txBox="1"/>
-          <p:nvPr/>
-        </p:nvSpPr>
-        <p:spPr>
-          <a:xfrm>
-            <a:off x="548219" y="1168078"/>
-            <a:ext cx="8098069" cy="2308324"/>
-          </a:xfrm>
-          <a:prstGeom prst="rect">
-            <a:avLst/>
-          </a:prstGeom>
-          <a:gradFill flip="none" rotWithShape="1">
-            <a:gsLst>
-              <a:gs pos="0">
-                <a:schemeClr val="accent3">
-                  <a:lumMod val="5000"/>
-                  <a:lumOff val="95000"/>
-                </a:schemeClr>
-              </a:gs>
-              <a:gs pos="74000">
-                <a:schemeClr val="accent3">
-                  <a:lumMod val="45000"/>
-                  <a:lumOff val="55000"/>
-                </a:schemeClr>
-              </a:gs>
-              <a:gs pos="83000">
-                <a:schemeClr val="accent3">
-                  <a:lumMod val="45000"/>
-                  <a:lumOff val="55000"/>
-                </a:schemeClr>
-              </a:gs>
-              <a:gs pos="100000">
-                <a:schemeClr val="accent3">
-                  <a:lumMod val="30000"/>
-                  <a:lumOff val="70000"/>
-                </a:schemeClr>
-              </a:gs>
-            </a:gsLst>
-            <a:lin ang="5400000" scaled="1"/>
-            <a:tileRect/>
-          </a:gradFill>
-        </p:spPr>
-        <p:txBody>
-          <a:bodyPr wrap="square" rtlCol="0">
-            <a:spAutoFit/>
-          </a:bodyPr>
-          <a:lstStyle/>
-          <a:p>
-            <a:pPr>
-              <a:tabLst>
-                <a:tab pos="449263" algn="l"/>
-                <a:tab pos="4110038" algn="l"/>
-                <a:tab pos="5818188" algn="l"/>
-              </a:tabLst>
-            </a:pPr>
-            <a:r>
-              <a:rPr lang="en-US" dirty="0">
-                <a:latin typeface="Consolas" panose="020B0609020204030204" pitchFamily="49" charset="0"/>
-              </a:rPr>
-              <a:t>LinkedList list = ……	current	trailer:</a:t>
-            </a:r>
-          </a:p>
-          <a:p>
-            <a:pPr>
-              <a:tabLst>
-                <a:tab pos="449263" algn="l"/>
-                <a:tab pos="4110038" algn="l"/>
-                <a:tab pos="5818188" algn="l"/>
-              </a:tabLst>
-            </a:pPr>
-            <a:r>
-              <a:rPr lang="en-US" dirty="0">
-                <a:solidFill>
-                  <a:srgbClr val="0070C0"/>
-                </a:solidFill>
-                <a:latin typeface="Consolas" panose="020B0609020204030204" pitchFamily="49" charset="0"/>
-              </a:rPr>
-              <a:t>Node trailer = null; </a:t>
-            </a:r>
-            <a:r>
-              <a:rPr lang="en-US" dirty="0">
-                <a:latin typeface="Consolas" panose="020B0609020204030204" pitchFamily="49" charset="0"/>
-              </a:rPr>
-              <a:t>		_</a:t>
-            </a:r>
-            <a:r>
-              <a:rPr lang="en-US" u="sng" dirty="0">
-                <a:latin typeface="Consolas" panose="020B0609020204030204" pitchFamily="49" charset="0"/>
-              </a:rPr>
-              <a:t>0</a:t>
-            </a:r>
-            <a:r>
-              <a:rPr lang="en-US" dirty="0">
-                <a:latin typeface="Consolas" panose="020B0609020204030204" pitchFamily="49" charset="0"/>
-              </a:rPr>
-              <a:t>__________</a:t>
-            </a:r>
-          </a:p>
-          <a:p>
-            <a:pPr>
-              <a:tabLst>
-                <a:tab pos="449263" algn="l"/>
-                <a:tab pos="4110038" algn="l"/>
-                <a:tab pos="5818188" algn="l"/>
-              </a:tabLst>
-            </a:pPr>
-            <a:r>
-              <a:rPr lang="en-US" dirty="0">
-                <a:solidFill>
-                  <a:srgbClr val="0070C0"/>
-                </a:solidFill>
-                <a:latin typeface="Consolas" panose="020B0609020204030204" pitchFamily="49" charset="0"/>
-              </a:rPr>
-              <a:t>Node current = </a:t>
-            </a:r>
-            <a:r>
-              <a:rPr lang="en-US" dirty="0" err="1">
-                <a:solidFill>
-                  <a:srgbClr val="0070C0"/>
-                </a:solidFill>
-                <a:latin typeface="Consolas" panose="020B0609020204030204" pitchFamily="49" charset="0"/>
-              </a:rPr>
-              <a:t>this.head</a:t>
-            </a:r>
-            <a:r>
-              <a:rPr lang="en-US" dirty="0">
-                <a:solidFill>
-                  <a:srgbClr val="0070C0"/>
-                </a:solidFill>
-                <a:latin typeface="Consolas" panose="020B0609020204030204" pitchFamily="49" charset="0"/>
-              </a:rPr>
-              <a:t>;	</a:t>
-            </a:r>
-            <a:r>
-              <a:rPr lang="en-US" dirty="0">
-                <a:latin typeface="Consolas" panose="020B0609020204030204" pitchFamily="49" charset="0"/>
-              </a:rPr>
-              <a:t>_</a:t>
-            </a:r>
-            <a:r>
-              <a:rPr lang="en-US" u="sng" dirty="0">
-                <a:latin typeface="Consolas" panose="020B0609020204030204" pitchFamily="49" charset="0"/>
-              </a:rPr>
-              <a:t>1742</a:t>
-            </a:r>
-            <a:r>
-              <a:rPr lang="en-US" dirty="0">
-                <a:latin typeface="Consolas" panose="020B0609020204030204" pitchFamily="49" charset="0"/>
-              </a:rPr>
-              <a:t>_______ 	____________</a:t>
-            </a:r>
-            <a:endParaRPr lang="en-US" dirty="0">
-              <a:solidFill>
-                <a:srgbClr val="0070C0"/>
-              </a:solidFill>
-              <a:latin typeface="Consolas" panose="020B0609020204030204" pitchFamily="49" charset="0"/>
-            </a:endParaRPr>
-          </a:p>
-          <a:p>
-            <a:pPr>
-              <a:tabLst>
-                <a:tab pos="449263" algn="l"/>
-                <a:tab pos="4110038" algn="l"/>
-                <a:tab pos="5818188" algn="l"/>
-              </a:tabLst>
-            </a:pPr>
-            <a:r>
-              <a:rPr lang="en-US" dirty="0">
-                <a:latin typeface="Consolas" panose="020B0609020204030204" pitchFamily="49" charset="0"/>
-              </a:rPr>
-              <a:t>while ( </a:t>
-            </a:r>
-            <a:r>
-              <a:rPr lang="en-US" dirty="0">
-                <a:solidFill>
-                  <a:srgbClr val="0070C0"/>
-                </a:solidFill>
-                <a:latin typeface="Consolas" panose="020B0609020204030204" pitchFamily="49" charset="0"/>
-              </a:rPr>
-              <a:t>current != null</a:t>
-            </a:r>
-            <a:r>
-              <a:rPr lang="en-US" dirty="0">
-                <a:solidFill>
-                  <a:schemeClr val="accent3">
-                    <a:lumMod val="75000"/>
-                  </a:schemeClr>
-                </a:solidFill>
-                <a:latin typeface="Consolas" panose="020B0609020204030204" pitchFamily="49" charset="0"/>
-              </a:rPr>
-              <a:t>  </a:t>
-            </a:r>
-            <a:r>
-              <a:rPr lang="en-US" dirty="0">
-                <a:latin typeface="Consolas" panose="020B0609020204030204" pitchFamily="49" charset="0"/>
-              </a:rPr>
-              <a:t>) {	____________	____________</a:t>
-            </a:r>
-          </a:p>
-          <a:p>
-            <a:pPr>
-              <a:tabLst>
-                <a:tab pos="449263" algn="l"/>
-                <a:tab pos="4110038" algn="l"/>
-                <a:tab pos="5818188" algn="l"/>
-              </a:tabLst>
-            </a:pPr>
-            <a:r>
-              <a:rPr lang="en-US" dirty="0">
-                <a:latin typeface="Consolas" panose="020B0609020204030204" pitchFamily="49" charset="0"/>
-              </a:rPr>
-              <a:t>	// do stuff w/ node values	____________	____________</a:t>
-            </a:r>
-          </a:p>
-          <a:p>
-            <a:pPr>
-              <a:tabLst>
-                <a:tab pos="449263" algn="l"/>
-                <a:tab pos="4110038" algn="l"/>
-                <a:tab pos="5818188" algn="l"/>
-              </a:tabLst>
-            </a:pPr>
-            <a:r>
-              <a:rPr lang="en-US" dirty="0">
-                <a:latin typeface="Consolas" panose="020B0609020204030204" pitchFamily="49" charset="0"/>
-              </a:rPr>
-              <a:t>	</a:t>
-            </a:r>
-            <a:r>
-              <a:rPr lang="en-US" dirty="0">
-                <a:solidFill>
-                  <a:srgbClr val="0070C0"/>
-                </a:solidFill>
-                <a:latin typeface="Consolas" panose="020B0609020204030204" pitchFamily="49" charset="0"/>
-              </a:rPr>
-              <a:t>trailer = current;</a:t>
-            </a:r>
-            <a:r>
-              <a:rPr lang="en-US" dirty="0">
-                <a:latin typeface="Consolas" panose="020B0609020204030204" pitchFamily="49" charset="0"/>
-              </a:rPr>
-              <a:t> 	____________	____________</a:t>
-            </a:r>
-          </a:p>
-          <a:p>
-            <a:pPr>
-              <a:tabLst>
-                <a:tab pos="449263" algn="l"/>
-                <a:tab pos="4110038" algn="l"/>
-                <a:tab pos="5818188" algn="l"/>
-              </a:tabLst>
-            </a:pPr>
-            <a:r>
-              <a:rPr lang="en-US" dirty="0">
-                <a:latin typeface="Consolas" panose="020B0609020204030204" pitchFamily="49" charset="0"/>
-              </a:rPr>
-              <a:t>	</a:t>
-            </a:r>
-            <a:r>
-              <a:rPr lang="en-US" dirty="0">
-                <a:solidFill>
-                  <a:srgbClr val="0070C0"/>
-                </a:solidFill>
-                <a:latin typeface="Consolas" panose="020B0609020204030204" pitchFamily="49" charset="0"/>
-              </a:rPr>
-              <a:t>current = </a:t>
-            </a:r>
-            <a:r>
-              <a:rPr lang="en-US" dirty="0" err="1">
-                <a:solidFill>
-                  <a:srgbClr val="0070C0"/>
-                </a:solidFill>
-                <a:latin typeface="Consolas" panose="020B0609020204030204" pitchFamily="49" charset="0"/>
-              </a:rPr>
-              <a:t>current.next</a:t>
-            </a:r>
-            <a:r>
-              <a:rPr lang="en-US" dirty="0">
-                <a:solidFill>
-                  <a:srgbClr val="0070C0"/>
-                </a:solidFill>
-                <a:latin typeface="Consolas" panose="020B0609020204030204" pitchFamily="49" charset="0"/>
-              </a:rPr>
-              <a:t>;	</a:t>
-            </a:r>
-            <a:r>
-              <a:rPr lang="en-US" dirty="0">
-                <a:latin typeface="Consolas" panose="020B0609020204030204" pitchFamily="49" charset="0"/>
-              </a:rPr>
-              <a:t>____________	____________</a:t>
-            </a:r>
-            <a:endParaRPr lang="en-US" dirty="0">
-              <a:solidFill>
-                <a:srgbClr val="0070C0"/>
-              </a:solidFill>
-              <a:latin typeface="Consolas" panose="020B0609020204030204" pitchFamily="49" charset="0"/>
-            </a:endParaRPr>
-          </a:p>
-          <a:p>
-            <a:pPr>
-              <a:tabLst>
-                <a:tab pos="449263" algn="l"/>
-                <a:tab pos="4110038" algn="l"/>
-                <a:tab pos="5818188" algn="l"/>
-              </a:tabLst>
-            </a:pPr>
-            <a:r>
-              <a:rPr lang="en-US" dirty="0">
-                <a:latin typeface="Consolas" panose="020B0609020204030204" pitchFamily="49" charset="0"/>
-              </a:rPr>
-              <a:t>} // end while</a:t>
-            </a:r>
-          </a:p>
-        </p:txBody>
-      </p:sp>
-      <p:pic>
-        <p:nvPicPr>
-          <p:cNvPr id="3" name="Picture 2">
-            <a:extLst>
-              <a:ext uri="{FF2B5EF4-FFF2-40B4-BE49-F238E27FC236}">
-                <a16:creationId xmlns:a16="http://schemas.microsoft.com/office/drawing/2014/main" id="{29BD9B52-619B-914F-84F4-7ACF95555EF1}"/>
-              </a:ext>
-            </a:extLst>
-          </p:cNvPr>
-          <p:cNvPicPr>
-            <a:picLocks noChangeAspect="1"/>
-          </p:cNvPicPr>
-          <p:nvPr/>
-        </p:nvPicPr>
-        <p:blipFill>
-          <a:blip r:embed="rId2"/>
-          <a:stretch>
-            <a:fillRect/>
-          </a:stretch>
-        </p:blipFill>
-        <p:spPr>
-          <a:xfrm>
-            <a:off x="570839" y="3541853"/>
-            <a:ext cx="6745969" cy="2981283"/>
-          </a:xfrm>
-          <a:prstGeom prst="rect">
-            <a:avLst/>
-          </a:prstGeom>
-        </p:spPr>
-      </p:pic>
-    </p:spTree>
-    <p:extLst>
-      <p:ext uri="{BB962C8B-B14F-4D97-AF65-F5344CB8AC3E}">
-        <p14:creationId xmlns:p14="http://schemas.microsoft.com/office/powerpoint/2010/main" val="1464845671"/>
-      </p:ext>
-    </p:extLst>
-  </p:cSld>
-  <p:clrMapOvr>
-    <a:masterClrMapping/>
-  </p:clrMapOvr>
-</p:sld>
-</file>
-
-<file path=ppt/slides/slide11.xml><?xml version="1.0" encoding="utf-8"?>
 <p:sld xmlns:a="http://schemas.openxmlformats.org/drawingml/2006/main" xmlns:r="http://schemas.openxmlformats.org/officeDocument/2006/relationships" xmlns:p="http://schemas.openxmlformats.org/presentationml/2006/main">
   <p:cSld>
     <p:spTree>
@@ -5724,7 +5423,7 @@
 </p:sld>
 </file>
 
-<file path=ppt/slides/slide12.xml><?xml version="1.0" encoding="utf-8"?>
+<file path=ppt/slides/slide11.xml><?xml version="1.0" encoding="utf-8"?>
 <p:sld xmlns:a="http://schemas.openxmlformats.org/drawingml/2006/main" xmlns:r="http://schemas.openxmlformats.org/officeDocument/2006/relationships" xmlns:p="http://schemas.openxmlformats.org/presentationml/2006/main">
   <p:cSld>
     <p:spTree>
@@ -5900,6 +5599,107 @@
 </p:sld>
 </file>
 
+<file path=ppt/slides/slide12.xml><?xml version="1.0" encoding="utf-8"?>
+<p:sld xmlns:a="http://schemas.openxmlformats.org/drawingml/2006/main" xmlns:r="http://schemas.openxmlformats.org/officeDocument/2006/relationships" xmlns:p="http://schemas.openxmlformats.org/presentationml/2006/main">
+  <p:cSld>
+    <p:spTree>
+      <p:nvGrpSpPr>
+        <p:cNvPr id="1" name=""/>
+        <p:cNvGrpSpPr/>
+        <p:nvPr/>
+      </p:nvGrpSpPr>
+      <p:grpSpPr>
+        <a:xfrm>
+          <a:off x="0" y="0"/>
+          <a:ext cx="0" cy="0"/>
+          <a:chOff x="0" y="0"/>
+          <a:chExt cx="0" cy="0"/>
+        </a:xfrm>
+      </p:grpSpPr>
+      <p:pic>
+        <p:nvPicPr>
+          <p:cNvPr id="5" name="Picture 4">
+            <a:extLst>
+              <a:ext uri="{FF2B5EF4-FFF2-40B4-BE49-F238E27FC236}">
+                <a16:creationId xmlns:a16="http://schemas.microsoft.com/office/drawing/2014/main" id="{85BC9CD3-2EAD-46C0-5866-FA429CCFBD0E}"/>
+              </a:ext>
+            </a:extLst>
+          </p:cNvPr>
+          <p:cNvPicPr>
+            <a:picLocks noChangeAspect="1"/>
+          </p:cNvPicPr>
+          <p:nvPr/>
+        </p:nvPicPr>
+        <p:blipFill>
+          <a:blip r:embed="rId3"/>
+          <a:stretch>
+            <a:fillRect/>
+          </a:stretch>
+        </p:blipFill>
+        <p:spPr>
+          <a:xfrm>
+            <a:off x="328781" y="602774"/>
+            <a:ext cx="8229600" cy="6218579"/>
+          </a:xfrm>
+          <a:prstGeom prst="rect">
+            <a:avLst/>
+          </a:prstGeom>
+        </p:spPr>
+      </p:pic>
+      <p:sp>
+        <p:nvSpPr>
+          <p:cNvPr id="6" name="TextBox 5">
+            <a:extLst>
+              <a:ext uri="{FF2B5EF4-FFF2-40B4-BE49-F238E27FC236}">
+                <a16:creationId xmlns:a16="http://schemas.microsoft.com/office/drawing/2014/main" id="{8CBF6BA0-4E47-51F4-E0D9-88F1D5FED11C}"/>
+              </a:ext>
+            </a:extLst>
+          </p:cNvPr>
+          <p:cNvSpPr txBox="1"/>
+          <p:nvPr/>
+        </p:nvSpPr>
+        <p:spPr>
+          <a:xfrm>
+            <a:off x="585618" y="181324"/>
+            <a:ext cx="8229601" cy="584775"/>
+          </a:xfrm>
+          <a:prstGeom prst="rect">
+            <a:avLst/>
+          </a:prstGeom>
+          <a:noFill/>
+        </p:spPr>
+        <p:txBody>
+          <a:bodyPr wrap="square">
+            <a:spAutoFit/>
+          </a:bodyPr>
+          <a:lstStyle/>
+          <a:p>
+            <a:r>
+              <a:rPr lang="en-US" sz="1400" dirty="0">
+                <a:hlinkClick r:id="rId4"/>
+              </a:rPr>
+              <a:t>https://docs.google.com/document/d/14JZQNpy_uZlawvqma7su3AO1nOjfe89xqSGUwgt7kWM/edit</a:t>
+            </a:r>
+            <a:endParaRPr lang="en-US" sz="1400" dirty="0"/>
+          </a:p>
+          <a:p>
+            <a:endParaRPr lang="en-US" dirty="0"/>
+          </a:p>
+        </p:txBody>
+      </p:sp>
+    </p:spTree>
+    <p:extLst>
+      <p:ext uri="{BB962C8B-B14F-4D97-AF65-F5344CB8AC3E}">
+        <p14:creationId xmlns:p14="http://schemas.microsoft.com/office/powerpoint/2010/main" val="1379574688"/>
+      </p:ext>
+    </p:extLst>
+  </p:cSld>
+  <p:clrMapOvr>
+    <a:masterClrMapping/>
+  </p:clrMapOvr>
+</p:sld>
+</file>
+
 <file path=ppt/slides/slide13.xml><?xml version="1.0" encoding="utf-8"?>
 <p:sld xmlns:a="http://schemas.openxmlformats.org/drawingml/2006/main" xmlns:r="http://schemas.openxmlformats.org/officeDocument/2006/relationships" xmlns:p="http://schemas.openxmlformats.org/presentationml/2006/main">
   <p:cSld>
@@ -5955,34 +5755,42 @@
           <a:lstStyle/>
           <a:p>
             <a:r>
-              <a:rPr lang="en-US" err="1"/>
+              <a:rPr lang="en-US" dirty="0" err="1"/>
               <a:t>SinglyLinkedList</a:t>
             </a:r>
-            <a:endParaRPr lang="en-US"/>
+            <a:endParaRPr lang="en-US" dirty="0"/>
           </a:p>
           <a:p>
             <a:pPr lvl="1"/>
             <a:r>
+              <a:rPr lang="en-US" dirty="0"/>
+              <a:t>Requires you to implement a </a:t>
+            </a:r>
+            <a:r>
+              <a:rPr lang="en-US" dirty="0" err="1"/>
+              <a:t>SinglyLinkedList</a:t>
+            </a:r>
+            <a:endParaRPr lang="en-US" dirty="0"/>
+          </a:p>
+          <a:p>
+            <a:pPr lvl="1"/>
+            <a:r>
+              <a:rPr lang="en-US" dirty="0"/>
+              <a:t>Additional Optional algorithm questions which make use of the </a:t>
+            </a:r>
+            <a:r>
+              <a:rPr lang="en-US" dirty="0" err="1"/>
+              <a:t>SinglyLinkedList</a:t>
+            </a:r>
+            <a:r>
+              <a:rPr lang="en-US" dirty="0"/>
+              <a:t> </a:t>
+            </a:r>
+            <a:r>
               <a:rPr lang="en-US"/>
-              <a:t>Requires you to implement a </a:t>
-            </a:r>
-            <a:r>
-              <a:rPr lang="en-US" err="1"/>
-              <a:t>SinglyLinkedList</a:t>
-            </a:r>
-            <a:endParaRPr lang="en-US"/>
-          </a:p>
-          <a:p>
-            <a:pPr lvl="1"/>
-            <a:r>
-              <a:rPr lang="en-US"/>
-              <a:t>Additional algorithm questions which make use of the </a:t>
-            </a:r>
-            <a:r>
-              <a:rPr lang="en-US" err="1"/>
-              <a:t>SinglyLinkedList</a:t>
-            </a:r>
-            <a:endParaRPr lang="en-US"/>
+              <a:t>(recommended)</a:t>
+            </a:r>
+            <a:endParaRPr lang="en-US" dirty="0"/>
           </a:p>
         </p:txBody>
       </p:sp>
@@ -6008,7 +5816,7 @@
         </p:blipFill>
         <p:spPr>
           <a:xfrm>
-            <a:off x="4241800" y="3294062"/>
+            <a:off x="1233129" y="3568700"/>
             <a:ext cx="4445000" cy="3289300"/>
           </a:xfrm>
           <a:prstGeom prst="rect">
@@ -6020,1251 +5828,6 @@
     <p:extLst>
       <p:ext uri="{BB962C8B-B14F-4D97-AF65-F5344CB8AC3E}">
         <p14:creationId xmlns:p14="http://schemas.microsoft.com/office/powerpoint/2010/main" val="556170297"/>
-      </p:ext>
-    </p:extLst>
-  </p:cSld>
-  <p:clrMapOvr>
-    <a:masterClrMapping/>
-  </p:clrMapOvr>
-</p:sld>
-</file>
-
-<file path=ppt/slides/slide14.xml><?xml version="1.0" encoding="utf-8"?>
-<p:sld xmlns:a="http://schemas.openxmlformats.org/drawingml/2006/main" xmlns:r="http://schemas.openxmlformats.org/officeDocument/2006/relationships" xmlns:p="http://schemas.openxmlformats.org/presentationml/2006/main">
-  <p:cSld>
-    <p:spTree>
-      <p:nvGrpSpPr>
-        <p:cNvPr id="1" name=""/>
-        <p:cNvGrpSpPr/>
-        <p:nvPr/>
-      </p:nvGrpSpPr>
-      <p:grpSpPr>
-        <a:xfrm>
-          <a:off x="0" y="0"/>
-          <a:ext cx="0" cy="0"/>
-          <a:chOff x="0" y="0"/>
-          <a:chExt cx="0" cy="0"/>
-        </a:xfrm>
-      </p:grpSpPr>
-      <p:sp>
-        <p:nvSpPr>
-          <p:cNvPr id="4" name="Title 3"/>
-          <p:cNvSpPr>
-            <a:spLocks noGrp="1"/>
-          </p:cNvSpPr>
-          <p:nvPr>
-            <p:ph type="title"/>
-          </p:nvPr>
-        </p:nvSpPr>
-        <p:spPr>
-          <a:xfrm>
-            <a:off x="722313" y="457200"/>
-            <a:ext cx="7772400" cy="766763"/>
-          </a:xfrm>
-        </p:spPr>
-        <p:txBody>
-          <a:bodyPr/>
-          <a:lstStyle/>
-          <a:p>
-            <a:r>
-              <a:rPr lang="en-US" dirty="0"/>
-              <a:t>Project advice</a:t>
-            </a:r>
-          </a:p>
-        </p:txBody>
-      </p:sp>
-      <p:sp>
-        <p:nvSpPr>
-          <p:cNvPr id="2" name="TextBox 1"/>
-          <p:cNvSpPr txBox="1"/>
-          <p:nvPr/>
-        </p:nvSpPr>
-        <p:spPr>
-          <a:xfrm>
-            <a:off x="228600" y="1524000"/>
-            <a:ext cx="8610599" cy="3970318"/>
-          </a:xfrm>
-          <a:prstGeom prst="rect">
-            <a:avLst/>
-          </a:prstGeom>
-          <a:noFill/>
-        </p:spPr>
-        <p:txBody>
-          <a:bodyPr wrap="square" rtlCol="0">
-            <a:spAutoFit/>
-          </a:bodyPr>
-          <a:lstStyle/>
-          <a:p>
-            <a:pPr marL="457200" indent="-457200">
-              <a:buFont typeface="Arial" panose="020B0604020202020204" pitchFamily="34" charset="0"/>
-              <a:buChar char="•"/>
-            </a:pPr>
-            <a:r>
-              <a:rPr lang="en-US" sz="2800" dirty="0"/>
-              <a:t>When done with Milestone1 (or beyond)</a:t>
-            </a:r>
-          </a:p>
-          <a:p>
-            <a:pPr marL="914400" lvl="1" indent="-457200">
-              <a:buFont typeface="Arial" panose="020B0604020202020204" pitchFamily="34" charset="0"/>
-              <a:buChar char="•"/>
-            </a:pPr>
-            <a:r>
-              <a:rPr lang="en-US" sz="2800" b="1" dirty="0"/>
-              <a:t>Add “final Milestone1 Commit”</a:t>
-            </a:r>
-          </a:p>
-          <a:p>
-            <a:pPr marL="914400" lvl="1" indent="-457200">
-              <a:buFont typeface="Arial" panose="020B0604020202020204" pitchFamily="34" charset="0"/>
-              <a:buChar char="•"/>
-            </a:pPr>
-            <a:r>
-              <a:rPr lang="en-US" sz="2800" dirty="0"/>
-              <a:t>To your commit message so graders will know to check out that version</a:t>
-            </a:r>
-          </a:p>
-          <a:p>
-            <a:pPr marL="457200" indent="-457200">
-              <a:buFont typeface="Arial" panose="020B0604020202020204" pitchFamily="34" charset="0"/>
-              <a:buChar char="•"/>
-            </a:pPr>
-            <a:r>
-              <a:rPr lang="en-US" sz="2800" dirty="0"/>
-              <a:t>Build an end-to-end solution</a:t>
-            </a:r>
-          </a:p>
-          <a:p>
-            <a:pPr marL="457200" indent="-457200">
-              <a:buFont typeface="Arial" panose="020B0604020202020204" pitchFamily="34" charset="0"/>
-              <a:buChar char="•"/>
-            </a:pPr>
-            <a:r>
-              <a:rPr lang="en-US" sz="2800" dirty="0"/>
-              <a:t>Build the next thing you can TEST</a:t>
-            </a:r>
-          </a:p>
-          <a:p>
-            <a:pPr marL="457200" indent="-457200">
-              <a:buFont typeface="Arial" panose="020B0604020202020204" pitchFamily="34" charset="0"/>
-              <a:buChar char="•"/>
-            </a:pPr>
-            <a:r>
-              <a:rPr lang="en-US" sz="2800" dirty="0"/>
-              <a:t>Don’t focus on cool graphics and other extra items early in the project, focus on basic functionality</a:t>
-            </a:r>
-          </a:p>
-          <a:p>
-            <a:pPr marL="457200" indent="-457200">
-              <a:buFont typeface="Arial" panose="020B0604020202020204" pitchFamily="34" charset="0"/>
-              <a:buChar char="•"/>
-            </a:pPr>
-            <a:r>
-              <a:rPr lang="en-US" sz="2800" dirty="0"/>
-              <a:t>Complete the milestone and keep moving forward!</a:t>
-            </a:r>
-          </a:p>
-        </p:txBody>
-      </p:sp>
-    </p:spTree>
-    <p:extLst>
-      <p:ext uri="{BB962C8B-B14F-4D97-AF65-F5344CB8AC3E}">
-        <p14:creationId xmlns:p14="http://schemas.microsoft.com/office/powerpoint/2010/main" val="1261546459"/>
-      </p:ext>
-    </p:extLst>
-  </p:cSld>
-  <p:clrMapOvr>
-    <a:masterClrMapping/>
-  </p:clrMapOvr>
-</p:sld>
-</file>
-
-<file path=ppt/slides/slide15.xml><?xml version="1.0" encoding="utf-8"?>
-<p:sld xmlns:a="http://schemas.openxmlformats.org/drawingml/2006/main" xmlns:r="http://schemas.openxmlformats.org/officeDocument/2006/relationships" xmlns:p="http://schemas.openxmlformats.org/presentationml/2006/main">
-  <p:cSld>
-    <p:spTree>
-      <p:nvGrpSpPr>
-        <p:cNvPr id="1" name=""/>
-        <p:cNvGrpSpPr/>
-        <p:nvPr/>
-      </p:nvGrpSpPr>
-      <p:grpSpPr>
-        <a:xfrm>
-          <a:off x="0" y="0"/>
-          <a:ext cx="0" cy="0"/>
-          <a:chOff x="0" y="0"/>
-          <a:chExt cx="0" cy="0"/>
-        </a:xfrm>
-      </p:grpSpPr>
-      <p:sp>
-        <p:nvSpPr>
-          <p:cNvPr id="4" name="Title 3"/>
-          <p:cNvSpPr>
-            <a:spLocks noGrp="1"/>
-          </p:cNvSpPr>
-          <p:nvPr>
-            <p:ph type="title"/>
-          </p:nvPr>
-        </p:nvSpPr>
-        <p:spPr>
-          <a:xfrm>
-            <a:off x="722313" y="457200"/>
-            <a:ext cx="7772400" cy="766763"/>
-          </a:xfrm>
-        </p:spPr>
-        <p:txBody>
-          <a:bodyPr/>
-          <a:lstStyle/>
-          <a:p>
-            <a:r>
-              <a:rPr lang="en-US" dirty="0"/>
-              <a:t>Project FEEDBACK SO FAR</a:t>
-            </a:r>
-          </a:p>
-        </p:txBody>
-      </p:sp>
-      <p:sp>
-        <p:nvSpPr>
-          <p:cNvPr id="3" name="TextBox 2">
-            <a:extLst>
-              <a:ext uri="{FF2B5EF4-FFF2-40B4-BE49-F238E27FC236}">
-                <a16:creationId xmlns:a16="http://schemas.microsoft.com/office/drawing/2014/main" id="{4A2D3FB7-E88B-B055-29E6-BDDC1D113CF9}"/>
-              </a:ext>
-            </a:extLst>
-          </p:cNvPr>
-          <p:cNvSpPr txBox="1"/>
-          <p:nvPr/>
-        </p:nvSpPr>
-        <p:spPr>
-          <a:xfrm>
-            <a:off x="722313" y="1905000"/>
-            <a:ext cx="7772400" cy="1477328"/>
-          </a:xfrm>
-          <a:prstGeom prst="rect">
-            <a:avLst/>
-          </a:prstGeom>
-          <a:noFill/>
-        </p:spPr>
-        <p:txBody>
-          <a:bodyPr wrap="square" rtlCol="0">
-            <a:spAutoFit/>
-          </a:bodyPr>
-          <a:lstStyle/>
-          <a:p>
-            <a:r>
-              <a:rPr lang="en-US" dirty="0"/>
-              <a:t>Please complete this short feedback form so we can help improve the process moving forward!</a:t>
-            </a:r>
-          </a:p>
-          <a:p>
-            <a:endParaRPr lang="en-US" dirty="0"/>
-          </a:p>
-          <a:p>
-            <a:r>
-              <a:rPr lang="en-US"/>
-              <a:t>______________</a:t>
-            </a:r>
-            <a:endParaRPr lang="en-US" dirty="0"/>
-          </a:p>
-          <a:p>
-            <a:r>
-              <a:rPr lang="en-US" dirty="0"/>
-              <a:t> </a:t>
-            </a:r>
-          </a:p>
-        </p:txBody>
-      </p:sp>
-      <p:pic>
-        <p:nvPicPr>
-          <p:cNvPr id="6" name="Picture 5">
-            <a:extLst>
-              <a:ext uri="{FF2B5EF4-FFF2-40B4-BE49-F238E27FC236}">
-                <a16:creationId xmlns:a16="http://schemas.microsoft.com/office/drawing/2014/main" id="{45DE3A8D-AAAA-B62E-C9FB-E1BCD5EF3E8F}"/>
-              </a:ext>
-            </a:extLst>
-          </p:cNvPr>
-          <p:cNvPicPr>
-            <a:picLocks noChangeAspect="1"/>
-          </p:cNvPicPr>
-          <p:nvPr/>
-        </p:nvPicPr>
-        <p:blipFill>
-          <a:blip r:embed="rId3"/>
-          <a:stretch>
-            <a:fillRect/>
-          </a:stretch>
-        </p:blipFill>
-        <p:spPr>
-          <a:xfrm>
-            <a:off x="450545" y="4187662"/>
-            <a:ext cx="8078327" cy="1590897"/>
-          </a:xfrm>
-          <a:prstGeom prst="rect">
-            <a:avLst/>
-          </a:prstGeom>
-        </p:spPr>
-      </p:pic>
-    </p:spTree>
-    <p:extLst>
-      <p:ext uri="{BB962C8B-B14F-4D97-AF65-F5344CB8AC3E}">
-        <p14:creationId xmlns:p14="http://schemas.microsoft.com/office/powerpoint/2010/main" val="337333606"/>
-      </p:ext>
-    </p:extLst>
-  </p:cSld>
-  <p:clrMapOvr>
-    <a:masterClrMapping/>
-  </p:clrMapOvr>
-</p:sld>
-</file>
-
-<file path=ppt/slides/slide16.xml><?xml version="1.0" encoding="utf-8"?>
-<p:sld xmlns:a="http://schemas.openxmlformats.org/drawingml/2006/main" xmlns:r="http://schemas.openxmlformats.org/officeDocument/2006/relationships" xmlns:p="http://schemas.openxmlformats.org/presentationml/2006/main">
-  <p:cSld>
-    <p:spTree>
-      <p:nvGrpSpPr>
-        <p:cNvPr id="1" name=""/>
-        <p:cNvGrpSpPr/>
-        <p:nvPr/>
-      </p:nvGrpSpPr>
-      <p:grpSpPr>
-        <a:xfrm>
-          <a:off x="0" y="0"/>
-          <a:ext cx="0" cy="0"/>
-          <a:chOff x="0" y="0"/>
-          <a:chExt cx="0" cy="0"/>
-        </a:xfrm>
-      </p:grpSpPr>
-      <p:sp>
-        <p:nvSpPr>
-          <p:cNvPr id="2" name="Title 1">
-            <a:extLst>
-              <a:ext uri="{FF2B5EF4-FFF2-40B4-BE49-F238E27FC236}">
-                <a16:creationId xmlns:a16="http://schemas.microsoft.com/office/drawing/2014/main" id="{52429A7C-76DB-1BD1-CD52-00EE06D0FD19}"/>
-              </a:ext>
-            </a:extLst>
-          </p:cNvPr>
-          <p:cNvSpPr>
-            <a:spLocks noGrp="1"/>
-          </p:cNvSpPr>
-          <p:nvPr>
-            <p:ph type="title"/>
-          </p:nvPr>
-        </p:nvSpPr>
-        <p:spPr>
-          <a:xfrm>
-            <a:off x="226088" y="381000"/>
-            <a:ext cx="8613112" cy="994172"/>
-          </a:xfrm>
-        </p:spPr>
-        <p:txBody>
-          <a:bodyPr>
-            <a:normAutofit/>
-          </a:bodyPr>
-          <a:lstStyle/>
-          <a:p>
-            <a:r>
-              <a:rPr lang="en-US" dirty="0"/>
-              <a:t>Meeting (Milestone 1) with your TA</a:t>
-            </a:r>
-          </a:p>
-        </p:txBody>
-      </p:sp>
-      <p:sp>
-        <p:nvSpPr>
-          <p:cNvPr id="3" name="Content Placeholder 2">
-            <a:extLst>
-              <a:ext uri="{FF2B5EF4-FFF2-40B4-BE49-F238E27FC236}">
-                <a16:creationId xmlns:a16="http://schemas.microsoft.com/office/drawing/2014/main" id="{F3B9FD3F-CBB8-53CC-2FD2-DBFF50FD586C}"/>
-              </a:ext>
-            </a:extLst>
-          </p:cNvPr>
-          <p:cNvSpPr>
-            <a:spLocks noGrp="1"/>
-          </p:cNvSpPr>
-          <p:nvPr>
-            <p:ph idx="1"/>
-          </p:nvPr>
-        </p:nvSpPr>
-        <p:spPr>
-          <a:xfrm>
-            <a:off x="226088" y="2320996"/>
-            <a:ext cx="3285812" cy="3263504"/>
-          </a:xfrm>
-        </p:spPr>
-        <p:txBody>
-          <a:bodyPr>
-            <a:normAutofit fontScale="62500" lnSpcReduction="20000"/>
-          </a:bodyPr>
-          <a:lstStyle/>
-          <a:p>
-            <a:r>
-              <a:rPr lang="en-US" dirty="0"/>
-              <a:t>Agenda and Plan</a:t>
-            </a:r>
-          </a:p>
-          <a:p>
-            <a:pPr lvl="1"/>
-            <a:r>
-              <a:rPr lang="en-US" dirty="0"/>
-              <a:t>Make sure you are ready to show the TA everything you are responsible for</a:t>
-            </a:r>
-          </a:p>
-          <a:p>
-            <a:pPr lvl="1"/>
-            <a:r>
-              <a:rPr lang="en-US" dirty="0"/>
-              <a:t>Must have UML for current and next milestone</a:t>
-            </a:r>
-          </a:p>
-          <a:p>
-            <a:pPr lvl="1"/>
-            <a:r>
-              <a:rPr lang="en-US" dirty="0"/>
-              <a:t>Have your code ready to run</a:t>
-            </a:r>
-          </a:p>
-          <a:p>
-            <a:pPr lvl="1"/>
-            <a:r>
-              <a:rPr lang="en-US" dirty="0"/>
-              <a:t>Have your git commits ready to show</a:t>
-            </a:r>
-          </a:p>
-          <a:p>
-            <a:pPr lvl="1"/>
-            <a:endParaRPr lang="en-US" dirty="0"/>
-          </a:p>
-        </p:txBody>
-      </p:sp>
-      <p:pic>
-        <p:nvPicPr>
-          <p:cNvPr id="5" name="Picture 4">
-            <a:extLst>
-              <a:ext uri="{FF2B5EF4-FFF2-40B4-BE49-F238E27FC236}">
-                <a16:creationId xmlns:a16="http://schemas.microsoft.com/office/drawing/2014/main" id="{8C26B465-F53C-BF80-ECF6-68C741CCC191}"/>
-              </a:ext>
-            </a:extLst>
-          </p:cNvPr>
-          <p:cNvPicPr>
-            <a:picLocks noChangeAspect="1"/>
-          </p:cNvPicPr>
-          <p:nvPr/>
-        </p:nvPicPr>
-        <p:blipFill>
-          <a:blip r:embed="rId2"/>
-          <a:stretch>
-            <a:fillRect/>
-          </a:stretch>
-        </p:blipFill>
-        <p:spPr>
-          <a:xfrm>
-            <a:off x="3810944" y="2226469"/>
-            <a:ext cx="5229955" cy="3358031"/>
-          </a:xfrm>
-          <a:prstGeom prst="rect">
-            <a:avLst/>
-          </a:prstGeom>
-        </p:spPr>
-      </p:pic>
-    </p:spTree>
-    <p:extLst>
-      <p:ext uri="{BB962C8B-B14F-4D97-AF65-F5344CB8AC3E}">
-        <p14:creationId xmlns:p14="http://schemas.microsoft.com/office/powerpoint/2010/main" val="1546554140"/>
-      </p:ext>
-    </p:extLst>
-  </p:cSld>
-  <p:clrMapOvr>
-    <a:masterClrMapping/>
-  </p:clrMapOvr>
-</p:sld>
-</file>
-
-<file path=ppt/slides/slide17.xml><?xml version="1.0" encoding="utf-8"?>
-<p:sld xmlns:a="http://schemas.openxmlformats.org/drawingml/2006/main" xmlns:r="http://schemas.openxmlformats.org/officeDocument/2006/relationships" xmlns:p="http://schemas.openxmlformats.org/presentationml/2006/main">
-  <p:cSld>
-    <p:spTree>
-      <p:nvGrpSpPr>
-        <p:cNvPr id="1" name=""/>
-        <p:cNvGrpSpPr/>
-        <p:nvPr/>
-      </p:nvGrpSpPr>
-      <p:grpSpPr>
-        <a:xfrm>
-          <a:off x="0" y="0"/>
-          <a:ext cx="0" cy="0"/>
-          <a:chOff x="0" y="0"/>
-          <a:chExt cx="0" cy="0"/>
-        </a:xfrm>
-      </p:grpSpPr>
-      <p:sp>
-        <p:nvSpPr>
-          <p:cNvPr id="2" name="Title 1">
-            <a:extLst>
-              <a:ext uri="{FF2B5EF4-FFF2-40B4-BE49-F238E27FC236}">
-                <a16:creationId xmlns:a16="http://schemas.microsoft.com/office/drawing/2014/main" id="{4CA291D6-8788-5EA9-36E0-8B320FAB7199}"/>
-              </a:ext>
-            </a:extLst>
-          </p:cNvPr>
-          <p:cNvSpPr>
-            <a:spLocks noGrp="1"/>
-          </p:cNvSpPr>
-          <p:nvPr>
-            <p:ph type="title"/>
-          </p:nvPr>
-        </p:nvSpPr>
-        <p:spPr>
-          <a:xfrm>
-            <a:off x="457200" y="274638"/>
-            <a:ext cx="6172200" cy="1143000"/>
-          </a:xfrm>
-        </p:spPr>
-        <p:txBody>
-          <a:bodyPr>
-            <a:normAutofit fontScale="90000"/>
-          </a:bodyPr>
-          <a:lstStyle/>
-          <a:p>
-            <a:r>
-              <a:rPr lang="en-US" sz="3600" dirty="0"/>
-              <a:t>DNR: Driver, Navigator, </a:t>
-            </a:r>
-            <a:r>
-              <a:rPr lang="en-US" sz="3600" b="1" u="sng" dirty="0">
-                <a:highlight>
-                  <a:srgbClr val="FFFF00"/>
-                </a:highlight>
-              </a:rPr>
-              <a:t>Reviewer</a:t>
-            </a:r>
-          </a:p>
-        </p:txBody>
-      </p:sp>
-      <p:sp>
-        <p:nvSpPr>
-          <p:cNvPr id="7" name="TextBox 6">
-            <a:extLst>
-              <a:ext uri="{FF2B5EF4-FFF2-40B4-BE49-F238E27FC236}">
-                <a16:creationId xmlns:a16="http://schemas.microsoft.com/office/drawing/2014/main" id="{5556E78A-135C-AFDB-E3C2-2C2CC0CD7F8B}"/>
-              </a:ext>
-            </a:extLst>
-          </p:cNvPr>
-          <p:cNvSpPr txBox="1"/>
-          <p:nvPr/>
-        </p:nvSpPr>
-        <p:spPr>
-          <a:xfrm>
-            <a:off x="144184" y="1676400"/>
-            <a:ext cx="8542616" cy="5078313"/>
-          </a:xfrm>
-          <a:prstGeom prst="rect">
-            <a:avLst/>
-          </a:prstGeom>
-          <a:noFill/>
-        </p:spPr>
-        <p:txBody>
-          <a:bodyPr wrap="square">
-            <a:spAutoFit/>
-          </a:bodyPr>
-          <a:lstStyle/>
-          <a:p>
-            <a:pPr>
-              <a:spcBef>
-                <a:spcPts val="0"/>
-              </a:spcBef>
-              <a:spcAft>
-                <a:spcPts val="0"/>
-              </a:spcAft>
-              <a:buFont typeface="Arial" panose="020B0604020202020204" pitchFamily="34" charset="0"/>
-              <a:buChar char="•"/>
-            </a:pPr>
-            <a:r>
-              <a:rPr lang="en-US" b="0" i="0" u="none" strike="noStrike" dirty="0">
-                <a:solidFill>
-                  <a:srgbClr val="000000"/>
-                </a:solidFill>
-                <a:effectLst/>
-                <a:latin typeface="Times New Roman" panose="02020603050405020304" pitchFamily="18" charset="0"/>
-              </a:rPr>
-              <a:t>Reviewer - The review has a number of important responsibilities</a:t>
-            </a:r>
-          </a:p>
-          <a:p>
-            <a:pPr marL="685800" lvl="1" indent="-342900">
-              <a:spcBef>
-                <a:spcPts val="0"/>
-              </a:spcBef>
-              <a:spcAft>
-                <a:spcPts val="0"/>
-              </a:spcAft>
-              <a:buFont typeface="+mj-lt"/>
-              <a:buAutoNum type="arabicPeriod"/>
-            </a:pPr>
-            <a:r>
-              <a:rPr lang="en-US" b="1" i="0" u="none" strike="noStrike" dirty="0">
-                <a:solidFill>
-                  <a:srgbClr val="000000"/>
-                </a:solidFill>
-                <a:effectLst/>
-                <a:latin typeface="Times New Roman" panose="02020603050405020304" pitchFamily="18" charset="0"/>
-              </a:rPr>
-              <a:t>Look at each piece of code and either correct or mark </a:t>
-            </a:r>
-            <a:r>
-              <a:rPr lang="en-US" b="1" i="0" u="sng" strike="noStrike" dirty="0">
-                <a:solidFill>
-                  <a:srgbClr val="000000"/>
-                </a:solidFill>
-                <a:effectLst/>
-                <a:latin typeface="Times New Roman" panose="02020603050405020304" pitchFamily="18" charset="0"/>
-              </a:rPr>
-              <a:t>TODOs</a:t>
-            </a:r>
-            <a:r>
-              <a:rPr lang="en-US" b="1" i="0" u="none" strike="noStrike" dirty="0">
-                <a:solidFill>
-                  <a:srgbClr val="000000"/>
-                </a:solidFill>
-                <a:effectLst/>
-                <a:latin typeface="Times New Roman" panose="02020603050405020304" pitchFamily="18" charset="0"/>
-              </a:rPr>
-              <a:t> in the code</a:t>
-            </a:r>
-          </a:p>
-          <a:p>
-            <a:pPr marL="900113" lvl="2" indent="-214313">
-              <a:buFont typeface="Arial" panose="020B0604020202020204" pitchFamily="34" charset="0"/>
-              <a:buChar char="•"/>
-            </a:pPr>
-            <a:r>
-              <a:rPr lang="en-US" dirty="0">
-                <a:solidFill>
-                  <a:srgbClr val="000000"/>
-                </a:solidFill>
-                <a:latin typeface="Times New Roman" panose="02020603050405020304" pitchFamily="18" charset="0"/>
-              </a:rPr>
-              <a:t>If its easy and obvious, just fix it</a:t>
-            </a:r>
-          </a:p>
-          <a:p>
-            <a:pPr marL="900113" lvl="2" indent="-214313">
-              <a:buFont typeface="Arial" panose="020B0604020202020204" pitchFamily="34" charset="0"/>
-              <a:buChar char="•"/>
-            </a:pPr>
-            <a:r>
-              <a:rPr lang="en-US" dirty="0">
-                <a:solidFill>
-                  <a:srgbClr val="000000"/>
-                </a:solidFill>
-                <a:latin typeface="Times New Roman" panose="02020603050405020304" pitchFamily="18" charset="0"/>
-              </a:rPr>
-              <a:t>If NOT, add a TODO to complete later</a:t>
-            </a:r>
-          </a:p>
-          <a:p>
-            <a:pPr marL="1243013" lvl="3" indent="-214313">
-              <a:buFont typeface="Arial" panose="020B0604020202020204" pitchFamily="34" charset="0"/>
-              <a:buChar char="•"/>
-            </a:pPr>
-            <a:r>
-              <a:rPr lang="en-US" dirty="0">
-                <a:solidFill>
-                  <a:srgbClr val="000000"/>
-                </a:solidFill>
-                <a:latin typeface="Times New Roman" panose="02020603050405020304" pitchFamily="18" charset="0"/>
-              </a:rPr>
-              <a:t>Eclipse can provide a view of your TODOs in a project</a:t>
-            </a:r>
-          </a:p>
-          <a:p>
-            <a:pPr marL="685800" lvl="1" indent="-342900">
-              <a:spcBef>
-                <a:spcPts val="0"/>
-              </a:spcBef>
-              <a:spcAft>
-                <a:spcPts val="0"/>
-              </a:spcAft>
-              <a:buFont typeface="+mj-lt"/>
-              <a:buAutoNum type="arabicPeriod"/>
-            </a:pPr>
-            <a:r>
-              <a:rPr lang="en-US" b="1" i="0" u="none" strike="noStrike" dirty="0">
-                <a:solidFill>
-                  <a:srgbClr val="000000"/>
-                </a:solidFill>
-                <a:effectLst/>
-                <a:latin typeface="Times New Roman" panose="02020603050405020304" pitchFamily="18" charset="0"/>
-              </a:rPr>
-              <a:t>Generate the </a:t>
-            </a:r>
-            <a:r>
-              <a:rPr lang="en-US" b="1" i="0" u="none" strike="noStrike" dirty="0" err="1">
-                <a:solidFill>
-                  <a:srgbClr val="000000"/>
-                </a:solidFill>
-                <a:effectLst/>
-                <a:latin typeface="Times New Roman" panose="02020603050405020304" pitchFamily="18" charset="0"/>
-              </a:rPr>
-              <a:t>PlantUML</a:t>
-            </a:r>
-            <a:r>
-              <a:rPr lang="en-US" b="1" i="0" u="none" strike="noStrike" dirty="0">
-                <a:solidFill>
-                  <a:srgbClr val="000000"/>
-                </a:solidFill>
-                <a:effectLst/>
-                <a:latin typeface="Times New Roman" panose="02020603050405020304" pitchFamily="18" charset="0"/>
-              </a:rPr>
-              <a:t> for the current project and next Milestone before the TA meeting</a:t>
-            </a:r>
-          </a:p>
-          <a:p>
-            <a:pPr marL="942975" lvl="2" indent="-257175">
-              <a:spcBef>
-                <a:spcPts val="0"/>
-              </a:spcBef>
-              <a:spcAft>
-                <a:spcPts val="0"/>
-              </a:spcAft>
-              <a:buFont typeface="Arial" panose="020B0604020202020204" pitchFamily="34" charset="0"/>
-              <a:buChar char="•"/>
-            </a:pPr>
-            <a:r>
-              <a:rPr lang="en-US" b="0" i="0" u="none" strike="noStrike" dirty="0">
-                <a:solidFill>
-                  <a:srgbClr val="000000"/>
-                </a:solidFill>
-                <a:effectLst/>
-                <a:latin typeface="Times New Roman" panose="02020603050405020304" pitchFamily="18" charset="0"/>
-              </a:rPr>
-              <a:t>Use to easily generate UML: </a:t>
-            </a:r>
-            <a:r>
-              <a:rPr lang="en-US" b="0" i="0" u="sng" strike="noStrike" dirty="0">
-                <a:solidFill>
-                  <a:srgbClr val="1155CC"/>
-                </a:solidFill>
-                <a:effectLst/>
-                <a:latin typeface="Times New Roman" panose="02020603050405020304" pitchFamily="18" charset="0"/>
-                <a:hlinkClick r:id="rId2"/>
-              </a:rPr>
-              <a:t>https://plantuml.com/eclipse</a:t>
-            </a:r>
-            <a:endParaRPr lang="en-US" b="0" i="0" u="none" strike="noStrike" dirty="0">
-              <a:solidFill>
-                <a:srgbClr val="000000"/>
-              </a:solidFill>
-              <a:effectLst/>
-              <a:latin typeface="Times New Roman" panose="02020603050405020304" pitchFamily="18" charset="0"/>
-            </a:endParaRPr>
-          </a:p>
-          <a:p>
-            <a:pPr marL="942975" lvl="2" indent="-257175">
-              <a:spcBef>
-                <a:spcPts val="0"/>
-              </a:spcBef>
-              <a:spcAft>
-                <a:spcPts val="0"/>
-              </a:spcAft>
-              <a:buFont typeface="Arial" panose="020B0604020202020204" pitchFamily="34" charset="0"/>
-              <a:buChar char="•"/>
-            </a:pPr>
-            <a:r>
-              <a:rPr lang="en-US" b="0" i="0" u="none" strike="noStrike" dirty="0">
-                <a:solidFill>
-                  <a:srgbClr val="000000"/>
-                </a:solidFill>
-                <a:effectLst/>
-                <a:latin typeface="Times New Roman" panose="02020603050405020304" pitchFamily="18" charset="0"/>
-              </a:rPr>
-              <a:t>Can copy the source code and modify as needed</a:t>
-            </a:r>
-          </a:p>
-          <a:p>
-            <a:pPr marL="600075" lvl="1" indent="-257175">
-              <a:spcBef>
-                <a:spcPts val="0"/>
-              </a:spcBef>
-              <a:spcAft>
-                <a:spcPts val="0"/>
-              </a:spcAft>
-              <a:buFont typeface="+mj-lt"/>
-              <a:buAutoNum type="arabicPeriod"/>
-            </a:pPr>
-            <a:r>
-              <a:rPr lang="en-US" b="1" i="0" u="none" strike="noStrike" dirty="0">
-                <a:solidFill>
-                  <a:srgbClr val="000000"/>
-                </a:solidFill>
-                <a:effectLst/>
-                <a:latin typeface="Times New Roman" panose="02020603050405020304" pitchFamily="18" charset="0"/>
-              </a:rPr>
-              <a:t>Identify violations of the 5 OODP based on code and UML</a:t>
-            </a:r>
-          </a:p>
-          <a:p>
-            <a:pPr marL="942975" lvl="2" indent="-257175">
-              <a:spcBef>
-                <a:spcPts val="0"/>
-              </a:spcBef>
-              <a:spcAft>
-                <a:spcPts val="0"/>
-              </a:spcAft>
-              <a:buFont typeface="Arial" panose="020B0604020202020204" pitchFamily="34" charset="0"/>
-              <a:buChar char="•"/>
-            </a:pPr>
-            <a:r>
-              <a:rPr lang="en-US" b="0" i="0" u="none" strike="noStrike" dirty="0">
-                <a:solidFill>
-                  <a:srgbClr val="000000"/>
-                </a:solidFill>
-                <a:effectLst/>
-                <a:latin typeface="Times New Roman" panose="02020603050405020304" pitchFamily="18" charset="0"/>
-              </a:rPr>
-              <a:t>Mark TODOs in code or add comments to review document </a:t>
-            </a:r>
-            <a:r>
-              <a:rPr lang="en-US" b="0" i="1" u="none" strike="noStrike" dirty="0">
-                <a:solidFill>
-                  <a:srgbClr val="000000"/>
-                </a:solidFill>
-                <a:effectLst/>
-                <a:latin typeface="Times New Roman" panose="02020603050405020304" pitchFamily="18" charset="0"/>
-              </a:rPr>
-              <a:t>(notes for meeting with TA)</a:t>
-            </a:r>
-          </a:p>
-          <a:p>
-            <a:pPr marL="600075" lvl="1" indent="-257175">
-              <a:spcBef>
-                <a:spcPts val="0"/>
-              </a:spcBef>
-              <a:spcAft>
-                <a:spcPts val="0"/>
-              </a:spcAft>
-              <a:buFont typeface="+mj-lt"/>
-              <a:buAutoNum type="arabicPeriod"/>
-            </a:pPr>
-            <a:r>
-              <a:rPr lang="en-US" b="1" i="0" u="none" strike="noStrike" dirty="0">
-                <a:solidFill>
-                  <a:srgbClr val="000000"/>
-                </a:solidFill>
-                <a:effectLst/>
-                <a:latin typeface="Times New Roman" panose="02020603050405020304" pitchFamily="18" charset="0"/>
-              </a:rPr>
-              <a:t>Provide a log of the results of the review</a:t>
-            </a:r>
-          </a:p>
-          <a:p>
-            <a:pPr marL="942975" lvl="2" indent="-257175">
-              <a:spcBef>
-                <a:spcPts val="0"/>
-              </a:spcBef>
-              <a:spcAft>
-                <a:spcPts val="0"/>
-              </a:spcAft>
-              <a:buFont typeface="Arial" panose="020B0604020202020204" pitchFamily="34" charset="0"/>
-              <a:buChar char="•"/>
-            </a:pPr>
-            <a:r>
-              <a:rPr lang="en-US" b="0" i="0" u="none" strike="noStrike" dirty="0">
-                <a:solidFill>
-                  <a:srgbClr val="000000"/>
-                </a:solidFill>
-                <a:effectLst/>
-                <a:latin typeface="Times New Roman" panose="02020603050405020304" pitchFamily="18" charset="0"/>
-              </a:rPr>
-              <a:t>This is easily done with a </a:t>
-            </a:r>
-            <a:r>
-              <a:rPr lang="en-US" b="1" i="0" u="none" strike="noStrike" dirty="0">
-                <a:solidFill>
-                  <a:srgbClr val="000000"/>
-                </a:solidFill>
-                <a:effectLst/>
-                <a:latin typeface="Times New Roman" panose="02020603050405020304" pitchFamily="18" charset="0"/>
-              </a:rPr>
-              <a:t>good commit record</a:t>
-            </a:r>
-          </a:p>
-          <a:p>
-            <a:pPr marL="942975" lvl="2" indent="-257175">
-              <a:spcBef>
-                <a:spcPts val="0"/>
-              </a:spcBef>
-              <a:spcAft>
-                <a:spcPts val="0"/>
-              </a:spcAft>
-              <a:buFont typeface="Arial" panose="020B0604020202020204" pitchFamily="34" charset="0"/>
-              <a:buChar char="•"/>
-            </a:pPr>
-            <a:r>
-              <a:rPr lang="en-US" b="0" i="0" u="none" strike="noStrike" dirty="0">
-                <a:solidFill>
-                  <a:srgbClr val="000000"/>
-                </a:solidFill>
-                <a:effectLst/>
-                <a:latin typeface="Times New Roman" panose="02020603050405020304" pitchFamily="18" charset="0"/>
-              </a:rPr>
-              <a:t>Evaluation of the current UML</a:t>
-            </a:r>
-          </a:p>
-          <a:p>
-            <a:pPr marL="942975" lvl="2" indent="-257175">
-              <a:spcBef>
-                <a:spcPts val="0"/>
-              </a:spcBef>
-              <a:spcAft>
-                <a:spcPts val="0"/>
-              </a:spcAft>
-              <a:buFont typeface="Arial" panose="020B0604020202020204" pitchFamily="34" charset="0"/>
-              <a:buChar char="•"/>
-            </a:pPr>
-            <a:r>
-              <a:rPr lang="en-US" b="0" i="0" u="none" strike="noStrike" dirty="0">
-                <a:solidFill>
-                  <a:srgbClr val="000000"/>
-                </a:solidFill>
-                <a:effectLst/>
-                <a:latin typeface="Times New Roman" panose="02020603050405020304" pitchFamily="18" charset="0"/>
-              </a:rPr>
-              <a:t>Production of the planned UML for the next milestone with notes</a:t>
-            </a:r>
-          </a:p>
-          <a:p>
-            <a:pPr marL="600075" lvl="1" indent="-257175">
-              <a:spcBef>
-                <a:spcPts val="0"/>
-              </a:spcBef>
-              <a:spcAft>
-                <a:spcPts val="750"/>
-              </a:spcAft>
-              <a:buFont typeface="+mj-lt"/>
-              <a:buAutoNum type="arabicPeriod"/>
-            </a:pPr>
-            <a:r>
-              <a:rPr lang="en-US" b="1" i="0" u="none" strike="noStrike" dirty="0">
-                <a:solidFill>
-                  <a:srgbClr val="000000"/>
-                </a:solidFill>
-                <a:effectLst/>
-                <a:latin typeface="Times New Roman" panose="02020603050405020304" pitchFamily="18" charset="0"/>
-              </a:rPr>
-              <a:t>During the TA meeting, the reviewer will discuss their review of the code and discuss concerns they have</a:t>
-            </a:r>
-          </a:p>
-        </p:txBody>
-      </p:sp>
-      <p:pic>
-        <p:nvPicPr>
-          <p:cNvPr id="17" name="Picture 16">
-            <a:extLst>
-              <a:ext uri="{FF2B5EF4-FFF2-40B4-BE49-F238E27FC236}">
-                <a16:creationId xmlns:a16="http://schemas.microsoft.com/office/drawing/2014/main" id="{D450893D-D1A2-5D6E-6C5E-EE0241FBC72D}"/>
-              </a:ext>
-            </a:extLst>
-          </p:cNvPr>
-          <p:cNvPicPr>
-            <a:picLocks noChangeAspect="1"/>
-          </p:cNvPicPr>
-          <p:nvPr/>
-        </p:nvPicPr>
-        <p:blipFill>
-          <a:blip r:embed="rId3"/>
-          <a:stretch>
-            <a:fillRect/>
-          </a:stretch>
-        </p:blipFill>
-        <p:spPr>
-          <a:xfrm>
-            <a:off x="6699499" y="-5379"/>
-            <a:ext cx="2438226" cy="1931960"/>
-          </a:xfrm>
-          <a:prstGeom prst="rect">
-            <a:avLst/>
-          </a:prstGeom>
-        </p:spPr>
-      </p:pic>
-      <mc:AlternateContent xmlns:mc="http://schemas.openxmlformats.org/markup-compatibility/2006" xmlns:p14="http://schemas.microsoft.com/office/powerpoint/2010/main">
-        <mc:Choice Requires="p14">
-          <p:contentPart p14:bwMode="auto" r:id="rId4">
-            <p14:nvContentPartPr>
-              <p14:cNvPr id="3" name="Ink 2">
-                <a:extLst>
-                  <a:ext uri="{FF2B5EF4-FFF2-40B4-BE49-F238E27FC236}">
-                    <a16:creationId xmlns:a16="http://schemas.microsoft.com/office/drawing/2014/main" id="{8259B26E-8CFF-9858-7D5E-881A0D6D89C7}"/>
-                  </a:ext>
-                </a:extLst>
-              </p14:cNvPr>
-              <p14:cNvContentPartPr/>
-              <p14:nvPr/>
-            </p14:nvContentPartPr>
-            <p14:xfrm>
-              <a:off x="6518753" y="1944466"/>
-              <a:ext cx="1492560" cy="411480"/>
-            </p14:xfrm>
-          </p:contentPart>
-        </mc:Choice>
-        <mc:Fallback xmlns="">
-          <p:pic>
-            <p:nvPicPr>
-              <p:cNvPr id="3" name="Ink 2">
-                <a:extLst>
-                  <a:ext uri="{FF2B5EF4-FFF2-40B4-BE49-F238E27FC236}">
-                    <a16:creationId xmlns:a16="http://schemas.microsoft.com/office/drawing/2014/main" id="{8259B26E-8CFF-9858-7D5E-881A0D6D89C7}"/>
-                  </a:ext>
-                </a:extLst>
-              </p:cNvPr>
-              <p:cNvPicPr/>
-              <p:nvPr/>
-            </p:nvPicPr>
-            <p:blipFill>
-              <a:blip r:embed="rId5"/>
-              <a:stretch>
-                <a:fillRect/>
-              </a:stretch>
-            </p:blipFill>
-            <p:spPr>
-              <a:xfrm>
-                <a:off x="6510113" y="1935466"/>
-                <a:ext cx="1510200" cy="429120"/>
-              </a:xfrm>
-              <a:prstGeom prst="rect">
-                <a:avLst/>
-              </a:prstGeom>
-            </p:spPr>
-          </p:pic>
-        </mc:Fallback>
-      </mc:AlternateContent>
-      <p:grpSp>
-        <p:nvGrpSpPr>
-          <p:cNvPr id="10" name="Group 9">
-            <a:extLst>
-              <a:ext uri="{FF2B5EF4-FFF2-40B4-BE49-F238E27FC236}">
-                <a16:creationId xmlns:a16="http://schemas.microsoft.com/office/drawing/2014/main" id="{C1D91FC0-1890-ED8C-7251-535DA902A49A}"/>
-              </a:ext>
-            </a:extLst>
-          </p:cNvPr>
-          <p:cNvGrpSpPr/>
-          <p:nvPr/>
-        </p:nvGrpSpPr>
-        <p:grpSpPr>
-          <a:xfrm>
-            <a:off x="3560273" y="3939946"/>
-            <a:ext cx="2052720" cy="2178720"/>
-            <a:chOff x="3560273" y="3939946"/>
-            <a:chExt cx="2052720" cy="2178720"/>
-          </a:xfrm>
-        </p:grpSpPr>
-        <mc:AlternateContent xmlns:mc="http://schemas.openxmlformats.org/markup-compatibility/2006" xmlns:p14="http://schemas.microsoft.com/office/powerpoint/2010/main">
-          <mc:Choice Requires="p14">
-            <p:contentPart p14:bwMode="auto" r:id="rId6">
-              <p14:nvContentPartPr>
-                <p14:cNvPr id="4" name="Ink 3">
-                  <a:extLst>
-                    <a:ext uri="{FF2B5EF4-FFF2-40B4-BE49-F238E27FC236}">
-                      <a16:creationId xmlns:a16="http://schemas.microsoft.com/office/drawing/2014/main" id="{2593B082-4D27-4B50-7762-34C12DA06306}"/>
-                    </a:ext>
-                  </a:extLst>
-                </p14:cNvPr>
-                <p14:cNvContentPartPr/>
-                <p14:nvPr/>
-              </p14:nvContentPartPr>
-              <p14:xfrm>
-                <a:off x="3560273" y="5809066"/>
-                <a:ext cx="492120" cy="360"/>
-              </p14:xfrm>
-            </p:contentPart>
-          </mc:Choice>
-          <mc:Fallback xmlns="">
-            <p:pic>
-              <p:nvPicPr>
-                <p:cNvPr id="4" name="Ink 3">
-                  <a:extLst>
-                    <a:ext uri="{FF2B5EF4-FFF2-40B4-BE49-F238E27FC236}">
-                      <a16:creationId xmlns:a16="http://schemas.microsoft.com/office/drawing/2014/main" id="{2593B082-4D27-4B50-7762-34C12DA06306}"/>
-                    </a:ext>
-                  </a:extLst>
-                </p:cNvPr>
-                <p:cNvPicPr/>
-                <p:nvPr/>
-              </p:nvPicPr>
-              <p:blipFill>
-                <a:blip r:embed="rId7"/>
-                <a:stretch>
-                  <a:fillRect/>
-                </a:stretch>
-              </p:blipFill>
-              <p:spPr>
-                <a:xfrm>
-                  <a:off x="3551633" y="5800066"/>
-                  <a:ext cx="509760" cy="18000"/>
-                </a:xfrm>
-                <a:prstGeom prst="rect">
-                  <a:avLst/>
-                </a:prstGeom>
-              </p:spPr>
-            </p:pic>
-          </mc:Fallback>
-        </mc:AlternateContent>
-        <mc:AlternateContent xmlns:mc="http://schemas.openxmlformats.org/markup-compatibility/2006" xmlns:p14="http://schemas.microsoft.com/office/powerpoint/2010/main">
-          <mc:Choice Requires="p14">
-            <p:contentPart p14:bwMode="auto" r:id="rId8">
-              <p14:nvContentPartPr>
-                <p14:cNvPr id="5" name="Ink 4">
-                  <a:extLst>
-                    <a:ext uri="{FF2B5EF4-FFF2-40B4-BE49-F238E27FC236}">
-                      <a16:creationId xmlns:a16="http://schemas.microsoft.com/office/drawing/2014/main" id="{E6E73FA2-2051-3DEE-219C-9E6794EFAD0A}"/>
-                    </a:ext>
-                  </a:extLst>
-                </p14:cNvPr>
-                <p14:cNvContentPartPr/>
-                <p14:nvPr/>
-              </p14:nvContentPartPr>
-              <p14:xfrm>
-                <a:off x="3743513" y="6098866"/>
-                <a:ext cx="375840" cy="19800"/>
-              </p14:xfrm>
-            </p:contentPart>
-          </mc:Choice>
-          <mc:Fallback xmlns="">
-            <p:pic>
-              <p:nvPicPr>
-                <p:cNvPr id="5" name="Ink 4">
-                  <a:extLst>
-                    <a:ext uri="{FF2B5EF4-FFF2-40B4-BE49-F238E27FC236}">
-                      <a16:creationId xmlns:a16="http://schemas.microsoft.com/office/drawing/2014/main" id="{E6E73FA2-2051-3DEE-219C-9E6794EFAD0A}"/>
-                    </a:ext>
-                  </a:extLst>
-                </p:cNvPr>
-                <p:cNvPicPr/>
-                <p:nvPr/>
-              </p:nvPicPr>
-              <p:blipFill>
-                <a:blip r:embed="rId9"/>
-                <a:stretch>
-                  <a:fillRect/>
-                </a:stretch>
-              </p:blipFill>
-              <p:spPr>
-                <a:xfrm>
-                  <a:off x="3734513" y="6090226"/>
-                  <a:ext cx="393480" cy="37440"/>
-                </a:xfrm>
-                <a:prstGeom prst="rect">
-                  <a:avLst/>
-                </a:prstGeom>
-              </p:spPr>
-            </p:pic>
-          </mc:Fallback>
-        </mc:AlternateContent>
-        <mc:AlternateContent xmlns:mc="http://schemas.openxmlformats.org/markup-compatibility/2006" xmlns:p14="http://schemas.microsoft.com/office/powerpoint/2010/main">
-          <mc:Choice Requires="p14">
-            <p:contentPart p14:bwMode="auto" r:id="rId10">
-              <p14:nvContentPartPr>
-                <p14:cNvPr id="6" name="Ink 5">
-                  <a:extLst>
-                    <a:ext uri="{FF2B5EF4-FFF2-40B4-BE49-F238E27FC236}">
-                      <a16:creationId xmlns:a16="http://schemas.microsoft.com/office/drawing/2014/main" id="{C4ABC26D-74AF-DA43-4332-68C7854D424A}"/>
-                    </a:ext>
-                  </a:extLst>
-                </p14:cNvPr>
-                <p14:cNvContentPartPr/>
-                <p14:nvPr/>
-              </p14:nvContentPartPr>
-              <p14:xfrm>
-                <a:off x="4012433" y="3964066"/>
-                <a:ext cx="945360" cy="1694520"/>
-              </p14:xfrm>
-            </p:contentPart>
-          </mc:Choice>
-          <mc:Fallback xmlns="">
-            <p:pic>
-              <p:nvPicPr>
-                <p:cNvPr id="6" name="Ink 5">
-                  <a:extLst>
-                    <a:ext uri="{FF2B5EF4-FFF2-40B4-BE49-F238E27FC236}">
-                      <a16:creationId xmlns:a16="http://schemas.microsoft.com/office/drawing/2014/main" id="{C4ABC26D-74AF-DA43-4332-68C7854D424A}"/>
-                    </a:ext>
-                  </a:extLst>
-                </p:cNvPr>
-                <p:cNvPicPr/>
-                <p:nvPr/>
-              </p:nvPicPr>
-              <p:blipFill>
-                <a:blip r:embed="rId11"/>
-                <a:stretch>
-                  <a:fillRect/>
-                </a:stretch>
-              </p:blipFill>
-              <p:spPr>
-                <a:xfrm>
-                  <a:off x="4003433" y="3955066"/>
-                  <a:ext cx="963000" cy="1712160"/>
-                </a:xfrm>
-                <a:prstGeom prst="rect">
-                  <a:avLst/>
-                </a:prstGeom>
-              </p:spPr>
-            </p:pic>
-          </mc:Fallback>
-        </mc:AlternateContent>
-        <mc:AlternateContent xmlns:mc="http://schemas.openxmlformats.org/markup-compatibility/2006" xmlns:p14="http://schemas.microsoft.com/office/powerpoint/2010/main">
-          <mc:Choice Requires="p14">
-            <p:contentPart p14:bwMode="auto" r:id="rId12">
-              <p14:nvContentPartPr>
-                <p14:cNvPr id="9" name="Ink 8">
-                  <a:extLst>
-                    <a:ext uri="{FF2B5EF4-FFF2-40B4-BE49-F238E27FC236}">
-                      <a16:creationId xmlns:a16="http://schemas.microsoft.com/office/drawing/2014/main" id="{B41209B7-A617-D25D-D56D-5D68D2BE3DF5}"/>
-                    </a:ext>
-                  </a:extLst>
-                </p14:cNvPr>
-                <p14:cNvContentPartPr/>
-                <p14:nvPr/>
-              </p14:nvContentPartPr>
-              <p14:xfrm>
-                <a:off x="4152473" y="3939946"/>
-                <a:ext cx="1460520" cy="2009160"/>
-              </p14:xfrm>
-            </p:contentPart>
-          </mc:Choice>
-          <mc:Fallback xmlns="">
-            <p:pic>
-              <p:nvPicPr>
-                <p:cNvPr id="9" name="Ink 8">
-                  <a:extLst>
-                    <a:ext uri="{FF2B5EF4-FFF2-40B4-BE49-F238E27FC236}">
-                      <a16:creationId xmlns:a16="http://schemas.microsoft.com/office/drawing/2014/main" id="{B41209B7-A617-D25D-D56D-5D68D2BE3DF5}"/>
-                    </a:ext>
-                  </a:extLst>
-                </p:cNvPr>
-                <p:cNvPicPr/>
-                <p:nvPr/>
-              </p:nvPicPr>
-              <p:blipFill>
-                <a:blip r:embed="rId13"/>
-                <a:stretch>
-                  <a:fillRect/>
-                </a:stretch>
-              </p:blipFill>
-              <p:spPr>
-                <a:xfrm>
-                  <a:off x="4143833" y="3930946"/>
-                  <a:ext cx="1478160" cy="2026800"/>
-                </a:xfrm>
-                <a:prstGeom prst="rect">
-                  <a:avLst/>
-                </a:prstGeom>
-              </p:spPr>
-            </p:pic>
-          </mc:Fallback>
-        </mc:AlternateContent>
-      </p:grpSp>
-    </p:spTree>
-    <p:extLst>
-      <p:ext uri="{BB962C8B-B14F-4D97-AF65-F5344CB8AC3E}">
-        <p14:creationId xmlns:p14="http://schemas.microsoft.com/office/powerpoint/2010/main" val="1198630507"/>
       </p:ext>
     </p:extLst>
   </p:cSld>
@@ -8061,167 +6624,6 @@
         </p:nvSpPr>
         <p:spPr/>
         <p:txBody>
-          <a:bodyPr>
-            <a:normAutofit fontScale="90000"/>
-          </a:bodyPr>
-          <a:lstStyle/>
-          <a:p>
-            <a:r>
-              <a:rPr lang="en-US" dirty="0"/>
-              <a:t>Solve the Other Problems in </a:t>
-            </a:r>
-            <a:r>
-              <a:rPr lang="en-US" dirty="0" err="1"/>
-              <a:t>LinkedListSimple</a:t>
-            </a:r>
-            <a:endParaRPr lang="en-US" dirty="0"/>
-          </a:p>
-        </p:txBody>
-      </p:sp>
-      <p:sp>
-        <p:nvSpPr>
-          <p:cNvPr id="3" name="Content Placeholder 2"/>
-          <p:cNvSpPr>
-            <a:spLocks noGrp="1"/>
-          </p:cNvSpPr>
-          <p:nvPr>
-            <p:ph idx="1"/>
-          </p:nvPr>
-        </p:nvSpPr>
-        <p:spPr/>
-        <p:txBody>
-          <a:bodyPr/>
-          <a:lstStyle/>
-          <a:p>
-            <a:r>
-              <a:rPr lang="en-US" dirty="0"/>
-              <a:t>Look at </a:t>
-            </a:r>
-            <a:r>
-              <a:rPr lang="en-US" dirty="0" err="1"/>
-              <a:t>toString</a:t>
-            </a:r>
-            <a:r>
-              <a:rPr lang="en-US" dirty="0"/>
-              <a:t> to get an idea of how to do size, then go from there</a:t>
-            </a:r>
-          </a:p>
-          <a:p>
-            <a:r>
-              <a:rPr lang="en-US" dirty="0"/>
-              <a:t>They are in approximate difficulty order</a:t>
-            </a:r>
-          </a:p>
-          <a:p>
-            <a:r>
-              <a:rPr lang="en-US" dirty="0"/>
-              <a:t>Get help if you get stuck!</a:t>
-            </a:r>
-          </a:p>
-        </p:txBody>
-      </p:sp>
-      <p:pic>
-        <p:nvPicPr>
-          <p:cNvPr id="4" name="Picture 3">
-            <a:extLst>
-              <a:ext uri="{FF2B5EF4-FFF2-40B4-BE49-F238E27FC236}">
-                <a16:creationId xmlns:a16="http://schemas.microsoft.com/office/drawing/2014/main" id="{F52BBD26-2DEC-053F-ED87-B644CF1C9820}"/>
-              </a:ext>
-            </a:extLst>
-          </p:cNvPr>
-          <p:cNvPicPr>
-            <a:picLocks noChangeAspect="1"/>
-          </p:cNvPicPr>
-          <p:nvPr/>
-        </p:nvPicPr>
-        <p:blipFill>
-          <a:blip r:embed="rId2"/>
-          <a:stretch>
-            <a:fillRect/>
-          </a:stretch>
-        </p:blipFill>
-        <p:spPr>
-          <a:xfrm>
-            <a:off x="76200" y="4114801"/>
-            <a:ext cx="8991600" cy="1328985"/>
-          </a:xfrm>
-          <a:prstGeom prst="rect">
-            <a:avLst/>
-          </a:prstGeom>
-        </p:spPr>
-      </p:pic>
-      <p:pic>
-        <p:nvPicPr>
-          <p:cNvPr id="5" name="Picture 4">
-            <a:extLst>
-              <a:ext uri="{FF2B5EF4-FFF2-40B4-BE49-F238E27FC236}">
-                <a16:creationId xmlns:a16="http://schemas.microsoft.com/office/drawing/2014/main" id="{9B5427C7-48E7-3347-67D7-6C240DD7E084}"/>
-              </a:ext>
-            </a:extLst>
-          </p:cNvPr>
-          <p:cNvPicPr>
-            <a:picLocks noChangeAspect="1"/>
-          </p:cNvPicPr>
-          <p:nvPr/>
-        </p:nvPicPr>
-        <p:blipFill>
-          <a:blip r:embed="rId3"/>
-          <a:stretch>
-            <a:fillRect/>
-          </a:stretch>
-        </p:blipFill>
-        <p:spPr>
-          <a:xfrm>
-            <a:off x="6053446" y="5149089"/>
-            <a:ext cx="3043258" cy="1698401"/>
-          </a:xfrm>
-          <a:prstGeom prst="rect">
-            <a:avLst/>
-          </a:prstGeom>
-        </p:spPr>
-      </p:pic>
-    </p:spTree>
-    <p:extLst>
-      <p:ext uri="{BB962C8B-B14F-4D97-AF65-F5344CB8AC3E}">
-        <p14:creationId xmlns:p14="http://schemas.microsoft.com/office/powerpoint/2010/main" val="1743264572"/>
-      </p:ext>
-    </p:extLst>
-  </p:cSld>
-  <p:clrMapOvr>
-    <a:masterClrMapping/>
-  </p:clrMapOvr>
-</p:sld>
-</file>
-
-<file path=ppt/slides/slide6.xml><?xml version="1.0" encoding="utf-8"?>
-<p:sld xmlns:a="http://schemas.openxmlformats.org/drawingml/2006/main" xmlns:r="http://schemas.openxmlformats.org/officeDocument/2006/relationships" xmlns:p="http://schemas.openxmlformats.org/presentationml/2006/main">
-  <p:cSld>
-    <p:spTree>
-      <p:nvGrpSpPr>
-        <p:cNvPr id="1" name=""/>
-        <p:cNvGrpSpPr/>
-        <p:nvPr/>
-      </p:nvGrpSpPr>
-      <p:grpSpPr>
-        <a:xfrm>
-          <a:off x="0" y="0"/>
-          <a:ext cx="0" cy="0"/>
-          <a:chOff x="0" y="0"/>
-          <a:chExt cx="0" cy="0"/>
-        </a:xfrm>
-      </p:grpSpPr>
-      <p:sp>
-        <p:nvSpPr>
-          <p:cNvPr id="2" name="Title 1"/>
-          <p:cNvSpPr>
-            <a:spLocks noGrp="1"/>
-          </p:cNvSpPr>
-          <p:nvPr>
-            <p:ph type="title"/>
-          </p:nvPr>
-        </p:nvSpPr>
-        <p:spPr/>
-        <p:txBody>
           <a:bodyPr/>
           <a:lstStyle/>
           <a:p>
@@ -8322,7 +6724,7 @@
 </p:sld>
 </file>
 
-<file path=ppt/slides/slide7.xml><?xml version="1.0" encoding="utf-8"?>
+<file path=ppt/slides/slide6.xml><?xml version="1.0" encoding="utf-8"?>
 <p:sld xmlns:a="http://schemas.openxmlformats.org/drawingml/2006/main" xmlns:r="http://schemas.openxmlformats.org/officeDocument/2006/relationships" xmlns:p="http://schemas.openxmlformats.org/presentationml/2006/main">
   <p:cSld>
     <p:spTree>
@@ -9076,7 +7478,7 @@
 </p:sld>
 </file>
 
-<file path=ppt/slides/slide8.xml><?xml version="1.0" encoding="utf-8"?>
+<file path=ppt/slides/slide7.xml><?xml version="1.0" encoding="utf-8"?>
 <p:sld xmlns:a="http://schemas.openxmlformats.org/drawingml/2006/main" xmlns:r="http://schemas.openxmlformats.org/officeDocument/2006/relationships" xmlns:p="http://schemas.openxmlformats.org/presentationml/2006/main">
   <p:cSld>
     <p:spTree>
@@ -9745,7 +8147,7 @@
 </p:sld>
 </file>
 
-<file path=ppt/slides/slide9.xml><?xml version="1.0" encoding="utf-8"?>
+<file path=ppt/slides/slide8.xml><?xml version="1.0" encoding="utf-8"?>
 <p:sld xmlns:a="http://schemas.openxmlformats.org/drawingml/2006/main" xmlns:r="http://schemas.openxmlformats.org/officeDocument/2006/relationships" xmlns:p="http://schemas.openxmlformats.org/presentationml/2006/main">
   <p:cSld>
     <p:spTree>
@@ -10150,6 +8552,421 @@
     <p:extLst>
       <p:ext uri="{BB962C8B-B14F-4D97-AF65-F5344CB8AC3E}">
         <p14:creationId xmlns:p14="http://schemas.microsoft.com/office/powerpoint/2010/main" val="2172895449"/>
+      </p:ext>
+    </p:extLst>
+  </p:cSld>
+  <p:clrMapOvr>
+    <a:masterClrMapping/>
+  </p:clrMapOvr>
+</p:sld>
+</file>
+
+<file path=ppt/slides/slide9.xml><?xml version="1.0" encoding="utf-8"?>
+<p:sld xmlns:a="http://schemas.openxmlformats.org/drawingml/2006/main" xmlns:r="http://schemas.openxmlformats.org/officeDocument/2006/relationships" xmlns:p="http://schemas.openxmlformats.org/presentationml/2006/main">
+  <p:cSld>
+    <p:spTree>
+      <p:nvGrpSpPr>
+        <p:cNvPr id="1" name=""/>
+        <p:cNvGrpSpPr/>
+        <p:nvPr/>
+      </p:nvGrpSpPr>
+      <p:grpSpPr>
+        <a:xfrm>
+          <a:off x="0" y="0"/>
+          <a:ext cx="0" cy="0"/>
+          <a:chOff x="0" y="0"/>
+          <a:chExt cx="0" cy="0"/>
+        </a:xfrm>
+      </p:grpSpPr>
+      <p:sp>
+        <p:nvSpPr>
+          <p:cNvPr id="2" name="Title 1"/>
+          <p:cNvSpPr>
+            <a:spLocks noGrp="1"/>
+          </p:cNvSpPr>
+          <p:nvPr>
+            <p:ph type="title"/>
+          </p:nvPr>
+        </p:nvSpPr>
+        <p:spPr>
+          <a:xfrm>
+            <a:off x="445626" y="89443"/>
+            <a:ext cx="8229600" cy="1143000"/>
+          </a:xfrm>
+        </p:spPr>
+        <p:txBody>
+          <a:bodyPr/>
+          <a:lstStyle/>
+          <a:p>
+            <a:r>
+              <a:rPr lang="en-US" dirty="0"/>
+              <a:t>Traverse Linked List With </a:t>
+            </a:r>
+            <a:r>
+              <a:rPr lang="en-US" i="1" dirty="0"/>
+              <a:t>Trailer</a:t>
+            </a:r>
+          </a:p>
+        </p:txBody>
+      </p:sp>
+      <p:sp>
+        <p:nvSpPr>
+          <p:cNvPr id="11" name="TextBox 10">
+            <a:extLst>
+              <a:ext uri="{FF2B5EF4-FFF2-40B4-BE49-F238E27FC236}">
+                <a16:creationId xmlns:a16="http://schemas.microsoft.com/office/drawing/2014/main" id="{F20A6EBD-ECB4-D34F-B630-0D98143FF102}"/>
+              </a:ext>
+            </a:extLst>
+          </p:cNvPr>
+          <p:cNvSpPr txBox="1"/>
+          <p:nvPr/>
+        </p:nvSpPr>
+        <p:spPr>
+          <a:xfrm>
+            <a:off x="548219" y="1168078"/>
+            <a:ext cx="8098069" cy="2308324"/>
+          </a:xfrm>
+          <a:prstGeom prst="rect">
+            <a:avLst/>
+          </a:prstGeom>
+          <a:gradFill flip="none" rotWithShape="1">
+            <a:gsLst>
+              <a:gs pos="0">
+                <a:schemeClr val="accent3">
+                  <a:lumMod val="5000"/>
+                  <a:lumOff val="95000"/>
+                </a:schemeClr>
+              </a:gs>
+              <a:gs pos="74000">
+                <a:schemeClr val="accent3">
+                  <a:lumMod val="45000"/>
+                  <a:lumOff val="55000"/>
+                </a:schemeClr>
+              </a:gs>
+              <a:gs pos="83000">
+                <a:schemeClr val="accent3">
+                  <a:lumMod val="45000"/>
+                  <a:lumOff val="55000"/>
+                </a:schemeClr>
+              </a:gs>
+              <a:gs pos="100000">
+                <a:schemeClr val="accent3">
+                  <a:lumMod val="30000"/>
+                  <a:lumOff val="70000"/>
+                </a:schemeClr>
+              </a:gs>
+            </a:gsLst>
+            <a:lin ang="5400000" scaled="1"/>
+            <a:tileRect/>
+          </a:gradFill>
+        </p:spPr>
+        <p:txBody>
+          <a:bodyPr wrap="square" rtlCol="0">
+            <a:spAutoFit/>
+          </a:bodyPr>
+          <a:lstStyle/>
+          <a:p>
+            <a:pPr>
+              <a:tabLst>
+                <a:tab pos="449263" algn="l"/>
+                <a:tab pos="4110038" algn="l"/>
+                <a:tab pos="5818188" algn="l"/>
+              </a:tabLst>
+            </a:pPr>
+            <a:r>
+              <a:rPr lang="en-US" dirty="0">
+                <a:latin typeface="Consolas" panose="020B0609020204030204" pitchFamily="49" charset="0"/>
+              </a:rPr>
+              <a:t>LinkedList list = ……	current	trailer:</a:t>
+            </a:r>
+          </a:p>
+          <a:p>
+            <a:pPr>
+              <a:tabLst>
+                <a:tab pos="449263" algn="l"/>
+                <a:tab pos="4110038" algn="l"/>
+                <a:tab pos="5818188" algn="l"/>
+              </a:tabLst>
+            </a:pPr>
+            <a:r>
+              <a:rPr lang="en-US" dirty="0">
+                <a:solidFill>
+                  <a:srgbClr val="0070C0"/>
+                </a:solidFill>
+                <a:latin typeface="Consolas" panose="020B0609020204030204" pitchFamily="49" charset="0"/>
+              </a:rPr>
+              <a:t>Node trailer = null; </a:t>
+            </a:r>
+            <a:r>
+              <a:rPr lang="en-US" dirty="0">
+                <a:latin typeface="Consolas" panose="020B0609020204030204" pitchFamily="49" charset="0"/>
+              </a:rPr>
+              <a:t>		_</a:t>
+            </a:r>
+            <a:r>
+              <a:rPr lang="en-US" u="sng" dirty="0">
+                <a:latin typeface="Consolas" panose="020B0609020204030204" pitchFamily="49" charset="0"/>
+              </a:rPr>
+              <a:t>0</a:t>
+            </a:r>
+            <a:r>
+              <a:rPr lang="en-US" dirty="0">
+                <a:latin typeface="Consolas" panose="020B0609020204030204" pitchFamily="49" charset="0"/>
+              </a:rPr>
+              <a:t>__________</a:t>
+            </a:r>
+          </a:p>
+          <a:p>
+            <a:pPr>
+              <a:tabLst>
+                <a:tab pos="449263" algn="l"/>
+                <a:tab pos="4110038" algn="l"/>
+                <a:tab pos="5818188" algn="l"/>
+              </a:tabLst>
+            </a:pPr>
+            <a:r>
+              <a:rPr lang="en-US" dirty="0">
+                <a:solidFill>
+                  <a:srgbClr val="0070C0"/>
+                </a:solidFill>
+                <a:latin typeface="Consolas" panose="020B0609020204030204" pitchFamily="49" charset="0"/>
+              </a:rPr>
+              <a:t>Node current = </a:t>
+            </a:r>
+            <a:r>
+              <a:rPr lang="en-US" dirty="0" err="1">
+                <a:solidFill>
+                  <a:srgbClr val="0070C0"/>
+                </a:solidFill>
+                <a:latin typeface="Consolas" panose="020B0609020204030204" pitchFamily="49" charset="0"/>
+              </a:rPr>
+              <a:t>this.head</a:t>
+            </a:r>
+            <a:r>
+              <a:rPr lang="en-US" dirty="0">
+                <a:solidFill>
+                  <a:srgbClr val="0070C0"/>
+                </a:solidFill>
+                <a:latin typeface="Consolas" panose="020B0609020204030204" pitchFamily="49" charset="0"/>
+              </a:rPr>
+              <a:t>;	</a:t>
+            </a:r>
+            <a:r>
+              <a:rPr lang="en-US" dirty="0">
+                <a:latin typeface="Consolas" panose="020B0609020204030204" pitchFamily="49" charset="0"/>
+              </a:rPr>
+              <a:t>_</a:t>
+            </a:r>
+            <a:r>
+              <a:rPr lang="en-US" u="sng" dirty="0">
+                <a:latin typeface="Consolas" panose="020B0609020204030204" pitchFamily="49" charset="0"/>
+              </a:rPr>
+              <a:t>1742</a:t>
+            </a:r>
+            <a:r>
+              <a:rPr lang="en-US" dirty="0">
+                <a:latin typeface="Consolas" panose="020B0609020204030204" pitchFamily="49" charset="0"/>
+              </a:rPr>
+              <a:t>_______ 	____________</a:t>
+            </a:r>
+            <a:endParaRPr lang="en-US" dirty="0">
+              <a:solidFill>
+                <a:srgbClr val="0070C0"/>
+              </a:solidFill>
+              <a:latin typeface="Consolas" panose="020B0609020204030204" pitchFamily="49" charset="0"/>
+            </a:endParaRPr>
+          </a:p>
+          <a:p>
+            <a:pPr>
+              <a:tabLst>
+                <a:tab pos="449263" algn="l"/>
+                <a:tab pos="4110038" algn="l"/>
+                <a:tab pos="5818188" algn="l"/>
+              </a:tabLst>
+            </a:pPr>
+            <a:r>
+              <a:rPr lang="en-US" dirty="0">
+                <a:latin typeface="Consolas" panose="020B0609020204030204" pitchFamily="49" charset="0"/>
+              </a:rPr>
+              <a:t>while ( </a:t>
+            </a:r>
+            <a:r>
+              <a:rPr lang="en-US" dirty="0">
+                <a:solidFill>
+                  <a:srgbClr val="0070C0"/>
+                </a:solidFill>
+                <a:latin typeface="Consolas" panose="020B0609020204030204" pitchFamily="49" charset="0"/>
+              </a:rPr>
+              <a:t>current != null</a:t>
+            </a:r>
+            <a:r>
+              <a:rPr lang="en-US" dirty="0">
+                <a:solidFill>
+                  <a:schemeClr val="accent3">
+                    <a:lumMod val="75000"/>
+                  </a:schemeClr>
+                </a:solidFill>
+                <a:latin typeface="Consolas" panose="020B0609020204030204" pitchFamily="49" charset="0"/>
+              </a:rPr>
+              <a:t>  </a:t>
+            </a:r>
+            <a:r>
+              <a:rPr lang="en-US" dirty="0">
+                <a:latin typeface="Consolas" panose="020B0609020204030204" pitchFamily="49" charset="0"/>
+              </a:rPr>
+              <a:t>) {	____________	____________</a:t>
+            </a:r>
+          </a:p>
+          <a:p>
+            <a:pPr>
+              <a:tabLst>
+                <a:tab pos="449263" algn="l"/>
+                <a:tab pos="4110038" algn="l"/>
+                <a:tab pos="5818188" algn="l"/>
+              </a:tabLst>
+            </a:pPr>
+            <a:r>
+              <a:rPr lang="en-US" dirty="0">
+                <a:latin typeface="Consolas" panose="020B0609020204030204" pitchFamily="49" charset="0"/>
+              </a:rPr>
+              <a:t>	// do stuff w/ node values	____________	____________</a:t>
+            </a:r>
+          </a:p>
+          <a:p>
+            <a:pPr>
+              <a:tabLst>
+                <a:tab pos="449263" algn="l"/>
+                <a:tab pos="4110038" algn="l"/>
+                <a:tab pos="5818188" algn="l"/>
+              </a:tabLst>
+            </a:pPr>
+            <a:r>
+              <a:rPr lang="en-US" dirty="0">
+                <a:latin typeface="Consolas" panose="020B0609020204030204" pitchFamily="49" charset="0"/>
+              </a:rPr>
+              <a:t>	</a:t>
+            </a:r>
+            <a:r>
+              <a:rPr lang="en-US" dirty="0">
+                <a:solidFill>
+                  <a:srgbClr val="0070C0"/>
+                </a:solidFill>
+                <a:latin typeface="Consolas" panose="020B0609020204030204" pitchFamily="49" charset="0"/>
+              </a:rPr>
+              <a:t>trailer = current;</a:t>
+            </a:r>
+            <a:r>
+              <a:rPr lang="en-US" dirty="0">
+                <a:latin typeface="Consolas" panose="020B0609020204030204" pitchFamily="49" charset="0"/>
+              </a:rPr>
+              <a:t> 	____________	____________</a:t>
+            </a:r>
+          </a:p>
+          <a:p>
+            <a:pPr>
+              <a:tabLst>
+                <a:tab pos="449263" algn="l"/>
+                <a:tab pos="4110038" algn="l"/>
+                <a:tab pos="5818188" algn="l"/>
+              </a:tabLst>
+            </a:pPr>
+            <a:r>
+              <a:rPr lang="en-US" dirty="0">
+                <a:latin typeface="Consolas" panose="020B0609020204030204" pitchFamily="49" charset="0"/>
+              </a:rPr>
+              <a:t>	</a:t>
+            </a:r>
+            <a:r>
+              <a:rPr lang="en-US" dirty="0">
+                <a:solidFill>
+                  <a:srgbClr val="0070C0"/>
+                </a:solidFill>
+                <a:latin typeface="Consolas" panose="020B0609020204030204" pitchFamily="49" charset="0"/>
+              </a:rPr>
+              <a:t>current = </a:t>
+            </a:r>
+            <a:r>
+              <a:rPr lang="en-US" dirty="0" err="1">
+                <a:solidFill>
+                  <a:srgbClr val="0070C0"/>
+                </a:solidFill>
+                <a:latin typeface="Consolas" panose="020B0609020204030204" pitchFamily="49" charset="0"/>
+              </a:rPr>
+              <a:t>current.next</a:t>
+            </a:r>
+            <a:r>
+              <a:rPr lang="en-US" dirty="0">
+                <a:solidFill>
+                  <a:srgbClr val="0070C0"/>
+                </a:solidFill>
+                <a:latin typeface="Consolas" panose="020B0609020204030204" pitchFamily="49" charset="0"/>
+              </a:rPr>
+              <a:t>;	</a:t>
+            </a:r>
+            <a:r>
+              <a:rPr lang="en-US" dirty="0">
+                <a:latin typeface="Consolas" panose="020B0609020204030204" pitchFamily="49" charset="0"/>
+              </a:rPr>
+              <a:t>____________	____________</a:t>
+            </a:r>
+            <a:endParaRPr lang="en-US" dirty="0">
+              <a:solidFill>
+                <a:srgbClr val="0070C0"/>
+              </a:solidFill>
+              <a:latin typeface="Consolas" panose="020B0609020204030204" pitchFamily="49" charset="0"/>
+            </a:endParaRPr>
+          </a:p>
+          <a:p>
+            <a:pPr>
+              <a:tabLst>
+                <a:tab pos="449263" algn="l"/>
+                <a:tab pos="4110038" algn="l"/>
+                <a:tab pos="5818188" algn="l"/>
+              </a:tabLst>
+            </a:pPr>
+            <a:r>
+              <a:rPr lang="en-US" dirty="0">
+                <a:latin typeface="Consolas" panose="020B0609020204030204" pitchFamily="49" charset="0"/>
+              </a:rPr>
+              <a:t>} // end while</a:t>
+            </a:r>
+          </a:p>
+        </p:txBody>
+      </p:sp>
+      <p:pic>
+        <p:nvPicPr>
+          <p:cNvPr id="3" name="Picture 2">
+            <a:extLst>
+              <a:ext uri="{FF2B5EF4-FFF2-40B4-BE49-F238E27FC236}">
+                <a16:creationId xmlns:a16="http://schemas.microsoft.com/office/drawing/2014/main" id="{29BD9B52-619B-914F-84F4-7ACF95555EF1}"/>
+              </a:ext>
+            </a:extLst>
+          </p:cNvPr>
+          <p:cNvPicPr>
+            <a:picLocks noChangeAspect="1"/>
+          </p:cNvPicPr>
+          <p:nvPr/>
+        </p:nvPicPr>
+        <p:blipFill>
+          <a:blip r:embed="rId2"/>
+          <a:stretch>
+            <a:fillRect/>
+          </a:stretch>
+        </p:blipFill>
+        <p:spPr>
+          <a:xfrm>
+            <a:off x="570839" y="3541853"/>
+            <a:ext cx="6745969" cy="2981283"/>
+          </a:xfrm>
+          <a:prstGeom prst="rect">
+            <a:avLst/>
+          </a:prstGeom>
+        </p:spPr>
+      </p:pic>
+    </p:spTree>
+    <p:extLst>
+      <p:ext uri="{BB962C8B-B14F-4D97-AF65-F5344CB8AC3E}">
+        <p14:creationId xmlns:p14="http://schemas.microsoft.com/office/powerpoint/2010/main" val="1464845671"/>
       </p:ext>
     </p:extLst>
   </p:cSld>
@@ -11008,15 +9825,6 @@
 </file>
 
 <file path=customXml/item1.xml><?xml version="1.0" encoding="utf-8"?>
-<?mso-contentType ?>
-<FormTemplates xmlns="http://schemas.microsoft.com/sharepoint/v3/contenttype/forms">
-  <Display>DocumentLibraryForm</Display>
-  <Edit>DocumentLibraryForm</Edit>
-  <New>DocumentLibraryForm</New>
-</FormTemplates>
-</file>
-
-<file path=customXml/item2.xml><?xml version="1.0" encoding="utf-8"?>
 <p:properties xmlns:p="http://schemas.microsoft.com/office/2006/metadata/properties" xmlns:xsi="http://www.w3.org/2001/XMLSchema-instance" xmlns:pc="http://schemas.microsoft.com/office/infopath/2007/PartnerControls">
   <documentManagement>
     <TaxCatchAll xmlns="820f9cb1-409d-4c4b-8197-1d4f7dd48124" xsi:nil="true"/>
@@ -11027,7 +9835,7 @@
 </p:properties>
 </file>
 
-<file path=customXml/item3.xml><?xml version="1.0" encoding="utf-8"?>
+<file path=customXml/item2.xml><?xml version="1.0" encoding="utf-8"?>
 <ct:contentTypeSchema xmlns:ct="http://schemas.microsoft.com/office/2006/metadata/contentType" xmlns:ma="http://schemas.microsoft.com/office/2006/metadata/properties/metaAttributes" ct:_="" ma:_="" ma:contentTypeName="Document" ma:contentTypeID="0x0101004285D81DBE5F5A448E892B34D6B8CF20" ma:contentTypeVersion="8" ma:contentTypeDescription="Create a new document." ma:contentTypeScope="" ma:versionID="ecce54155d2ea7caa9aed06c8b6b9867">
   <xsd:schema xmlns:xsd="http://www.w3.org/2001/XMLSchema" xmlns:xs="http://www.w3.org/2001/XMLSchema" xmlns:p="http://schemas.microsoft.com/office/2006/metadata/properties" xmlns:ns2="08600313-7276-4ca7-b5d3-7d86193ee0ac" xmlns:ns3="820f9cb1-409d-4c4b-8197-1d4f7dd48124" targetNamespace="http://schemas.microsoft.com/office/2006/metadata/properties" ma:root="true" ma:fieldsID="bfd7385540b70b2fe84ac888cc214377" ns2:_="" ns3:_="">
     <xsd:import namespace="08600313-7276-4ca7-b5d3-7d86193ee0ac"/>
@@ -11204,15 +10012,16 @@
 </ct:contentTypeSchema>
 </file>
 
-<file path=customXml/itemProps1.xml><?xml version="1.0" encoding="utf-8"?>
-<ds:datastoreItem xmlns:ds="http://schemas.openxmlformats.org/officeDocument/2006/customXml" ds:itemID="{65F6D3FF-4230-44B7-891A-B84816FD1392}">
-  <ds:schemaRefs>
-    <ds:schemaRef ds:uri="http://schemas.microsoft.com/sharepoint/v3/contenttype/forms"/>
-  </ds:schemaRefs>
-</ds:datastoreItem>
+<file path=customXml/item3.xml><?xml version="1.0" encoding="utf-8"?>
+<?mso-contentType ?>
+<FormTemplates xmlns="http://schemas.microsoft.com/sharepoint/v3/contenttype/forms">
+  <Display>DocumentLibraryForm</Display>
+  <Edit>DocumentLibraryForm</Edit>
+  <New>DocumentLibraryForm</New>
+</FormTemplates>
 </file>
 
-<file path=customXml/itemProps2.xml><?xml version="1.0" encoding="utf-8"?>
+<file path=customXml/itemProps1.xml><?xml version="1.0" encoding="utf-8"?>
 <ds:datastoreItem xmlns:ds="http://schemas.openxmlformats.org/officeDocument/2006/customXml" ds:itemID="{32EB23CE-1CD2-4B69-9E50-DC66E79D388B}">
   <ds:schemaRefs>
     <ds:schemaRef ds:uri="http://schemas.microsoft.com/office/2006/metadata/properties"/>
@@ -11223,7 +10032,7 @@
 </ds:datastoreItem>
 </file>
 
-<file path=customXml/itemProps3.xml><?xml version="1.0" encoding="utf-8"?>
+<file path=customXml/itemProps2.xml><?xml version="1.0" encoding="utf-8"?>
 <ds:datastoreItem xmlns:ds="http://schemas.openxmlformats.org/officeDocument/2006/customXml" ds:itemID="{EDF375F3-61F4-4637-A002-8FFA823081D4}">
   <ds:schemaRefs>
     <ds:schemaRef ds:uri="http://schemas.microsoft.com/office/2006/metadata/contentType"/>
@@ -11240,4 +10049,12 @@
     <ds:schemaRef ds:uri="http://schemas.microsoft.com/internal/obd"/>
   </ds:schemaRefs>
 </ds:datastoreItem>
+</file>
+
+<file path=customXml/itemProps3.xml><?xml version="1.0" encoding="utf-8"?>
+<ds:datastoreItem xmlns:ds="http://schemas.openxmlformats.org/officeDocument/2006/customXml" ds:itemID="{65F6D3FF-4230-44B7-891A-B84816FD1392}">
+  <ds:schemaRefs>
+    <ds:schemaRef ds:uri="http://schemas.microsoft.com/sharepoint/v3/contenttype/forms"/>
+  </ds:schemaRefs>
+</ds:datastoreItem>
 </file>
--- a/ClassMaterials/LinkedLists/Slides/Part1-LinkedLists.pptx
+++ b/ClassMaterials/LinkedLists/Slides/Part1-LinkedLists.pptx
@@ -5,10 +5,10 @@
     <p:sldMasterId id="2147484539" r:id="rId4"/>
   </p:sldMasterIdLst>
   <p:notesMasterIdLst>
-    <p:notesMasterId r:id="rId18"/>
+    <p:notesMasterId r:id="rId20"/>
   </p:notesMasterIdLst>
   <p:handoutMasterIdLst>
-    <p:handoutMasterId r:id="rId19"/>
+    <p:handoutMasterId r:id="rId21"/>
   </p:handoutMasterIdLst>
   <p:sldIdLst>
     <p:sldId id="256" r:id="rId5"/>
@@ -23,7 +23,9 @@
     <p:sldId id="347" r:id="rId14"/>
     <p:sldId id="342" r:id="rId15"/>
     <p:sldId id="453" r:id="rId16"/>
-    <p:sldId id="334" r:id="rId17"/>
+    <p:sldId id="455" r:id="rId17"/>
+    <p:sldId id="454" r:id="rId18"/>
+    <p:sldId id="334" r:id="rId19"/>
   </p:sldIdLst>
   <p:sldSz cx="9144000" cy="6858000" type="screen4x3"/>
   <p:notesSz cx="6881813" cy="9296400"/>
@@ -198,22 +200,6 @@
     </pc:docChg>
   </pc:docChgLst>
   <pc:docChgLst>
-    <pc:chgData name="Jiang, Yuxuan" userId="S::jiangy10@rose-hulman.edu::f21e5acd-4aff-4aeb-8cdf-204278490dfc" providerId="AD" clId="Web-{C1B17D63-5D52-41AE-887F-0B9E4DDBDD20}"/>
-    <pc:docChg chg="delSld">
-      <pc:chgData name="Jiang, Yuxuan" userId="S::jiangy10@rose-hulman.edu::f21e5acd-4aff-4aeb-8cdf-204278490dfc" providerId="AD" clId="Web-{C1B17D63-5D52-41AE-887F-0B9E4DDBDD20}" dt="2022-05-16T17:17:59.834" v="0"/>
-      <pc:docMkLst>
-        <pc:docMk/>
-      </pc:docMkLst>
-      <pc:sldChg chg="del">
-        <pc:chgData name="Jiang, Yuxuan" userId="S::jiangy10@rose-hulman.edu::f21e5acd-4aff-4aeb-8cdf-204278490dfc" providerId="AD" clId="Web-{C1B17D63-5D52-41AE-887F-0B9E4DDBDD20}" dt="2022-05-16T17:17:59.834" v="0"/>
-        <pc:sldMkLst>
-          <pc:docMk/>
-          <pc:sldMk cId="1791930590" sldId="351"/>
-        </pc:sldMkLst>
-      </pc:sldChg>
-    </pc:docChg>
-  </pc:docChgLst>
-  <pc:docChgLst>
     <pc:chgData name="Yoder, Jason" userId="28f4d4d8-da04-4f86-b14d-a21675737bc5" providerId="ADAL" clId="{8C666874-C50B-470B-A529-D21C9CA5373B}"/>
     <pc:docChg chg="custSel addSld delSld modSld">
       <pc:chgData name="Yoder, Jason" userId="28f4d4d8-da04-4f86-b14d-a21675737bc5" providerId="ADAL" clId="{8C666874-C50B-470B-A529-D21C9CA5373B}" dt="2023-11-20T20:33:05.887" v="506" actId="6549"/>
@@ -317,6 +303,22 @@
       </pc:sldChg>
     </pc:docChg>
   </pc:docChgLst>
+  <pc:docChgLst>
+    <pc:chgData name="Jiang, Yuxuan" userId="S::jiangy10@rose-hulman.edu::f21e5acd-4aff-4aeb-8cdf-204278490dfc" providerId="AD" clId="Web-{C1B17D63-5D52-41AE-887F-0B9E4DDBDD20}"/>
+    <pc:docChg chg="delSld">
+      <pc:chgData name="Jiang, Yuxuan" userId="S::jiangy10@rose-hulman.edu::f21e5acd-4aff-4aeb-8cdf-204278490dfc" providerId="AD" clId="Web-{C1B17D63-5D52-41AE-887F-0B9E4DDBDD20}" dt="2022-05-16T17:17:59.834" v="0"/>
+      <pc:docMkLst>
+        <pc:docMk/>
+      </pc:docMkLst>
+      <pc:sldChg chg="del">
+        <pc:chgData name="Jiang, Yuxuan" userId="S::jiangy10@rose-hulman.edu::f21e5acd-4aff-4aeb-8cdf-204278490dfc" providerId="AD" clId="Web-{C1B17D63-5D52-41AE-887F-0B9E4DDBDD20}" dt="2022-05-16T17:17:59.834" v="0"/>
+        <pc:sldMkLst>
+          <pc:docMk/>
+          <pc:sldMk cId="1791930590" sldId="351"/>
+        </pc:sldMkLst>
+      </pc:sldChg>
+    </pc:docChg>
+  </pc:docChgLst>
 </pc:chgInfo>
 </file>
 
@@ -437,7 +439,7 @@
               <a:pPr>
                 <a:defRPr/>
               </a:pPr>
-              <a:t>11/20/2023</a:t>
+              <a:t>2/26/2024</a:t>
             </a:fld>
             <a:endParaRPr lang="en-US"/>
           </a:p>
@@ -553,6 +555,1714 @@
   </p:cSld>
   <p:clrMap bg1="lt1" tx1="dk1" bg2="lt2" tx2="dk2" accent1="accent1" accent2="accent2" accent3="accent3" accent4="accent4" accent5="accent5" accent6="accent6" hlink="hlink" folHlink="folHlink"/>
 </p:handoutMaster>
+</file>
+
+<file path=ppt/ink/ink1.xml><?xml version="1.0" encoding="utf-8"?>
+<inkml:ink xmlns:inkml="http://www.w3.org/2003/InkML">
+  <inkml:definitions>
+    <inkml:context xml:id="ctx0">
+      <inkml:inkSource xml:id="inkSrc0">
+        <inkml:traceFormat>
+          <inkml:channel name="X" type="integer" min="-2.14748E9" max="2.14748E9" units="cm"/>
+          <inkml:channel name="Y" type="integer" min="-2.14748E9" max="2.14748E9" units="cm"/>
+          <inkml:channel name="F" type="integer" max="32767" units="dev"/>
+        </inkml:traceFormat>
+        <inkml:channelProperties>
+          <inkml:channelProperty channel="X" name="resolution" value="1000" units="1/cm"/>
+          <inkml:channelProperty channel="Y" name="resolution" value="1000" units="1/cm"/>
+          <inkml:channelProperty channel="F" name="resolution" value="0" units="1/dev"/>
+        </inkml:channelProperties>
+      </inkml:inkSource>
+      <inkml:timestamp xml:id="ts0" timeString="2024-02-26T13:41:26.932"/>
+    </inkml:context>
+    <inkml:brush xml:id="br0">
+      <inkml:brushProperty name="width" value="0.05" units="cm"/>
+      <inkml:brushProperty name="height" value="0.05" units="cm"/>
+      <inkml:brushProperty name="color" value="#E71224"/>
+    </inkml:brush>
+  </inkml:definitions>
+  <inkml:trace contextRef="#ctx0" brushRef="#br0">1 15 24575,'0'-1'0,"0"1"0,0-1 0,0 1 0,0-1 0,0 1 0,0-1 0,0 1 0,0-1 0,0 1 0,0 0 0,0-1 0,0 1 0,1-1 0,-1 1 0,0-1 0,0 1 0,0-1 0,1 1 0,-1-1 0,0 1 0,1 0 0,-1-1 0,0 1 0,1 0 0,-1-1 0,0 1 0,1 0 0,-1-1 0,1 1 0,-1 0 0,1 0 0,-1 0 0,1-1 0,-1 1 0,0 0 0,1 0 0,-1 0 0,1 0 0,-1 0 0,1 0 0,-1 0 0,1 0 0,-1 0 0,1 0 0,-1 0 0,1 0 0,-1 0 0,1 0 0,-1 1 0,1-1 0,-1 0 0,1 0 0,-1 0 0,1 1 0,-1-1 0,0 0 0,1 1 0,-1-1 0,0 0 0,1 1 0,0 0 0,26 22 0,110 158 0,29 33 0,-135-176 0,115 131 0,-108-131 0,0-1 0,53 38 0,-49-48-1365,-6-9-5461</inkml:trace>
+</inkml:ink>
+</file>
+
+<file path=ppt/ink/ink10.xml><?xml version="1.0" encoding="utf-8"?>
+<inkml:ink xmlns:inkml="http://www.w3.org/2003/InkML">
+  <inkml:definitions>
+    <inkml:context xml:id="ctx0">
+      <inkml:inkSource xml:id="inkSrc0">
+        <inkml:traceFormat>
+          <inkml:channel name="X" type="integer" min="-2.14748E9" max="2.14748E9" units="cm"/>
+          <inkml:channel name="Y" type="integer" min="-2.14748E9" max="2.14748E9" units="cm"/>
+          <inkml:channel name="F" type="integer" max="32767" units="dev"/>
+        </inkml:traceFormat>
+        <inkml:channelProperties>
+          <inkml:channelProperty channel="X" name="resolution" value="1000" units="1/cm"/>
+          <inkml:channelProperty channel="Y" name="resolution" value="1000" units="1/cm"/>
+          <inkml:channelProperty channel="F" name="resolution" value="0" units="1/dev"/>
+        </inkml:channelProperties>
+      </inkml:inkSource>
+      <inkml:timestamp xml:id="ts0" timeString="2024-02-26T13:42:21.160"/>
+    </inkml:context>
+    <inkml:brush xml:id="br0">
+      <inkml:brushProperty name="width" value="0.05" units="cm"/>
+      <inkml:brushProperty name="height" value="0.05" units="cm"/>
+      <inkml:brushProperty name="color" value="#E71224"/>
+    </inkml:brush>
+  </inkml:definitions>
+  <inkml:trace contextRef="#ctx0" brushRef="#br0">0 28 24575,'0'-5'0,"5"-2"0,17 0 0,9 2 0,10 1 0,7 7 0,6 3 0,3 5 0,8 6 0,-9-1-8191</inkml:trace>
+</inkml:ink>
+</file>
+
+<file path=ppt/ink/ink11.xml><?xml version="1.0" encoding="utf-8"?>
+<inkml:ink xmlns:inkml="http://www.w3.org/2003/InkML">
+  <inkml:definitions>
+    <inkml:context xml:id="ctx0">
+      <inkml:inkSource xml:id="inkSrc0">
+        <inkml:traceFormat>
+          <inkml:channel name="X" type="integer" min="-2.14748E9" max="2.14748E9" units="cm"/>
+          <inkml:channel name="Y" type="integer" min="-2.14748E9" max="2.14748E9" units="cm"/>
+          <inkml:channel name="F" type="integer" max="32767" units="dev"/>
+        </inkml:traceFormat>
+        <inkml:channelProperties>
+          <inkml:channelProperty channel="X" name="resolution" value="1000" units="1/cm"/>
+          <inkml:channelProperty channel="Y" name="resolution" value="1000" units="1/cm"/>
+          <inkml:channelProperty channel="F" name="resolution" value="0" units="1/dev"/>
+        </inkml:channelProperties>
+      </inkml:inkSource>
+      <inkml:timestamp xml:id="ts0" timeString="2024-02-26T13:42:22.180"/>
+    </inkml:context>
+    <inkml:brush xml:id="br0">
+      <inkml:brushProperty name="width" value="0.05" units="cm"/>
+      <inkml:brushProperty name="height" value="0.05" units="cm"/>
+      <inkml:brushProperty name="color" value="#E71224"/>
+    </inkml:brush>
+  </inkml:definitions>
+  <inkml:trace contextRef="#ctx0" brushRef="#br0">0 0 24575,'5'0'0,"7"0"0,11 0 0,6 0 0,4 0 0,1 0 0,0 0 0,-2 0 0,0 0 0,-1 0 0,-1 0 0,-1 0 0,5 0 0,2 0 0,-6 0-8191</inkml:trace>
+</inkml:ink>
+</file>
+
+<file path=ppt/ink/ink12.xml><?xml version="1.0" encoding="utf-8"?>
+<inkml:ink xmlns:inkml="http://www.w3.org/2003/InkML">
+  <inkml:definitions>
+    <inkml:context xml:id="ctx0">
+      <inkml:inkSource xml:id="inkSrc0">
+        <inkml:traceFormat>
+          <inkml:channel name="X" type="integer" min="-2.14748E9" max="2.14748E9" units="cm"/>
+          <inkml:channel name="Y" type="integer" min="-2.14748E9" max="2.14748E9" units="cm"/>
+          <inkml:channel name="F" type="integer" max="32767" units="dev"/>
+        </inkml:traceFormat>
+        <inkml:channelProperties>
+          <inkml:channelProperty channel="X" name="resolution" value="1000" units="1/cm"/>
+          <inkml:channelProperty channel="Y" name="resolution" value="1000" units="1/cm"/>
+          <inkml:channelProperty channel="F" name="resolution" value="0" units="1/dev"/>
+        </inkml:channelProperties>
+      </inkml:inkSource>
+      <inkml:timestamp xml:id="ts0" timeString="2024-02-26T13:42:23.186"/>
+    </inkml:context>
+    <inkml:brush xml:id="br0">
+      <inkml:brushProperty name="width" value="0.05" units="cm"/>
+      <inkml:brushProperty name="height" value="0.05" units="cm"/>
+      <inkml:brushProperty name="color" value="#E71224"/>
+    </inkml:brush>
+  </inkml:definitions>
+  <inkml:trace contextRef="#ctx0" brushRef="#br0">60 1 24575,'1'119'0,"0"10"0,-21 195 0,13-293 0,7-31 0,0-1 0,0 1 0,0 0 0,0-1 0,0 1 0,-1 0 0,1 0 0,0-1 0,0 1 0,0 0 0,-1-1 0,1 1 0,0 0 0,0 0 0,-1 0 0,1-1 0,0 1 0,0 0 0,-1 0 0,1 0 0,0-1 0,-1 1 0,1 0 0,0 0 0,-1 0 0,1 0 0,0 0 0,-1 0 0,1 0 0,0 0 0,-1 0 0,1 0 0,0 0 0,-1 0 0,1 0 0,0 0 0,-1 0 0,1 0 0,0 0 0,0 1 0,-1-1 0,1 0 0,0 0 0,-1 0 0,1 0 0,0 1 0,0-1 0,-1 0 0,1 0 0,0 1 0,0-1 0,-1 0 0,1 0 0,0 1 0,0-1 0,0 0 0,0 1 0,-1-1 0,1 0 0,0 0 0,0 1 0,0-1 0,0 0 0,0 1 0,-4-12 0,0 0 0,1 0 0,0 0 0,1-1 0,0 1 0,1-1 0,1 1 0,-1-1 0,2 0 0,0 1 0,0-1 0,1 1 0,0-1 0,1 1 0,0 0 0,1 0 0,10-20 0,-11 27 0,0-1 0,0 1 0,1 0 0,-1 1 0,1-1 0,0 0 0,0 1 0,0 0 0,1 0 0,-1 0 0,6-2 0,-8 4 0,-1 0 0,1 1 0,-1-1 0,1 1 0,0-1 0,-1 1 0,1-1 0,0 1 0,-1 0 0,1 0 0,0 0 0,-1 0 0,1 0 0,0 0 0,-1 1 0,1-1 0,-1 0 0,1 1 0,0-1 0,-1 1 0,1 0 0,-1-1 0,1 1 0,-1 0 0,1 0 0,-1 0 0,0 0 0,0 0 0,1 0 0,-1 0 0,0 1 0,0-1 0,0 0 0,0 1 0,0-1 0,-1 1 0,1-1 0,0 2 0,4 10 10,-1 1-1,-1-1 1,0 1-1,-1 0 1,0 0-1,-1 0 1,-1 0-1,-2 27 1,1-19-45,1 0 1,3 29 0,-2-43-88,1-1-1,-1 0 0,1 1 1,1-1-1,-1 0 1,1 0-1,1-1 1,-1 1-1,1-1 1,8 12-1,12 7-6703</inkml:trace>
+</inkml:ink>
+</file>
+
+<file path=ppt/ink/ink13.xml><?xml version="1.0" encoding="utf-8"?>
+<inkml:ink xmlns:inkml="http://www.w3.org/2003/InkML">
+  <inkml:definitions>
+    <inkml:context xml:id="ctx0">
+      <inkml:inkSource xml:id="inkSrc0">
+        <inkml:traceFormat>
+          <inkml:channel name="X" type="integer" min="-2.14748E9" max="2.14748E9" units="cm"/>
+          <inkml:channel name="Y" type="integer" min="-2.14748E9" max="2.14748E9" units="cm"/>
+          <inkml:channel name="F" type="integer" max="32767" units="dev"/>
+        </inkml:traceFormat>
+        <inkml:channelProperties>
+          <inkml:channelProperty channel="X" name="resolution" value="1000" units="1/cm"/>
+          <inkml:channelProperty channel="Y" name="resolution" value="1000" units="1/cm"/>
+          <inkml:channelProperty channel="F" name="resolution" value="0" units="1/dev"/>
+        </inkml:channelProperties>
+      </inkml:inkSource>
+      <inkml:timestamp xml:id="ts0" timeString="2024-02-26T13:42:24.059"/>
+    </inkml:context>
+    <inkml:brush xml:id="br0">
+      <inkml:brushProperty name="width" value="0.05" units="cm"/>
+      <inkml:brushProperty name="height" value="0.05" units="cm"/>
+      <inkml:brushProperty name="color" value="#E71224"/>
+    </inkml:brush>
+  </inkml:definitions>
+  <inkml:trace contextRef="#ctx0" brushRef="#br0">0 1 24575,'1'0'0,"0"0"0,0 0 0,0 1 0,-1-1 0,1 0 0,0 1 0,0-1 0,0 1 0,-1-1 0,1 1 0,0-1 0,-1 1 0,1-1 0,0 1 0,-1 0 0,1-1 0,-1 1 0,1 0 0,-1-1 0,1 1 0,-1 0 0,0 0 0,1 0 0,-1-1 0,0 1 0,1 0 0,-1 1 0,5 27 0,-4-23 0,3 63 0,-3-43 0,6 47 0,-5-66 0,-1-1 0,1 0 0,0 1 0,0-1 0,0 0 0,1 0 0,0-1 0,0 1 0,1-1 0,0 1 0,-1-1 0,7 6 0,-9-10 0,0 0 0,1 0 0,-1 1 0,0-1 0,0 0 0,1 0 0,-1 0 0,1-1 0,-1 1 0,1 0 0,-1 0 0,1-1 0,-1 1 0,1-1 0,-1 1 0,1-1 0,0 0 0,-1 0 0,1 0 0,0 0 0,-1 0 0,1 0 0,0 0 0,-1 0 0,3-1 0,-2 0 0,1-1 0,-1 1 0,0-1 0,0 0 0,0 1 0,0-1 0,0 0 0,0 0 0,0-1 0,0 1 0,-1 0 0,0 0 0,3-5 0,2-6 0,-1 0 0,-1 0 0,0-1 0,4-24 0,-2-38-1365,-6 41-5461</inkml:trace>
+</inkml:ink>
+</file>
+
+<file path=ppt/ink/ink14.xml><?xml version="1.0" encoding="utf-8"?>
+<inkml:ink xmlns:inkml="http://www.w3.org/2003/InkML">
+  <inkml:definitions>
+    <inkml:context xml:id="ctx0">
+      <inkml:inkSource xml:id="inkSrc0">
+        <inkml:traceFormat>
+          <inkml:channel name="X" type="integer" min="-2.14748E9" max="2.14748E9" units="cm"/>
+          <inkml:channel name="Y" type="integer" min="-2.14748E9" max="2.14748E9" units="cm"/>
+          <inkml:channel name="F" type="integer" max="32767" units="dev"/>
+        </inkml:traceFormat>
+        <inkml:channelProperties>
+          <inkml:channelProperty channel="X" name="resolution" value="1000" units="1/cm"/>
+          <inkml:channelProperty channel="Y" name="resolution" value="1000" units="1/cm"/>
+          <inkml:channelProperty channel="F" name="resolution" value="0" units="1/dev"/>
+        </inkml:channelProperties>
+      </inkml:inkSource>
+      <inkml:timestamp xml:id="ts0" timeString="2024-02-26T13:42:24.701"/>
+    </inkml:context>
+    <inkml:brush xml:id="br0">
+      <inkml:brushProperty name="width" value="0.05" units="cm"/>
+      <inkml:brushProperty name="height" value="0.05" units="cm"/>
+      <inkml:brushProperty name="color" value="#E71224"/>
+    </inkml:brush>
+  </inkml:definitions>
+  <inkml:trace contextRef="#ctx0" brushRef="#br0">61 1 24575,'0'5'0,"0"11"0,0 23 0,-5 15 0,-2 3 0,-4-3 0,-1-1 0,2-4 0,3-6 0,2-5 0,3-4 0,1-3 0,0-7-8191</inkml:trace>
+</inkml:ink>
+</file>
+
+<file path=ppt/ink/ink15.xml><?xml version="1.0" encoding="utf-8"?>
+<inkml:ink xmlns:inkml="http://www.w3.org/2003/InkML">
+  <inkml:definitions>
+    <inkml:context xml:id="ctx0">
+      <inkml:inkSource xml:id="inkSrc0">
+        <inkml:traceFormat>
+          <inkml:channel name="X" type="integer" min="-2.14748E9" max="2.14748E9" units="cm"/>
+          <inkml:channel name="Y" type="integer" min="-2.14748E9" max="2.14748E9" units="cm"/>
+          <inkml:channel name="F" type="integer" max="32767" units="dev"/>
+        </inkml:traceFormat>
+        <inkml:channelProperties>
+          <inkml:channelProperty channel="X" name="resolution" value="1000" units="1/cm"/>
+          <inkml:channelProperty channel="Y" name="resolution" value="1000" units="1/cm"/>
+          <inkml:channelProperty channel="F" name="resolution" value="0" units="1/dev"/>
+        </inkml:channelProperties>
+      </inkml:inkSource>
+      <inkml:timestamp xml:id="ts0" timeString="2024-02-26T13:42:25.432"/>
+    </inkml:context>
+    <inkml:brush xml:id="br0">
+      <inkml:brushProperty name="width" value="0.05" units="cm"/>
+      <inkml:brushProperty name="height" value="0.05" units="cm"/>
+      <inkml:brushProperty name="color" value="#E71224"/>
+    </inkml:brush>
+  </inkml:definitions>
+  <inkml:trace contextRef="#ctx0" brushRef="#br0">1 0 24575,'0'6'0,"5"10"0,1 14 0,0 6 0,-1 2 0,-1-1 0,-2-1 0,4 8 0,1 6 0,0 0 0,-2-4 0,-2-4 0,-1-5 0,-1-4 0,-1-2 0,0-1 0,0-7-8191</inkml:trace>
+</inkml:ink>
+</file>
+
+<file path=ppt/ink/ink16.xml><?xml version="1.0" encoding="utf-8"?>
+<inkml:ink xmlns:inkml="http://www.w3.org/2003/InkML">
+  <inkml:definitions>
+    <inkml:context xml:id="ctx0">
+      <inkml:inkSource xml:id="inkSrc0">
+        <inkml:traceFormat>
+          <inkml:channel name="X" type="integer" min="-2.14748E9" max="2.14748E9" units="cm"/>
+          <inkml:channel name="Y" type="integer" min="-2.14748E9" max="2.14748E9" units="cm"/>
+          <inkml:channel name="F" type="integer" max="32767" units="dev"/>
+        </inkml:traceFormat>
+        <inkml:channelProperties>
+          <inkml:channelProperty channel="X" name="resolution" value="1000" units="1/cm"/>
+          <inkml:channelProperty channel="Y" name="resolution" value="1000" units="1/cm"/>
+          <inkml:channelProperty channel="F" name="resolution" value="0" units="1/dev"/>
+        </inkml:channelProperties>
+      </inkml:inkSource>
+      <inkml:timestamp xml:id="ts0" timeString="2024-02-26T13:42:30.458"/>
+    </inkml:context>
+    <inkml:brush xml:id="br0">
+      <inkml:brushProperty name="width" value="0.05" units="cm"/>
+      <inkml:brushProperty name="height" value="0.05" units="cm"/>
+      <inkml:brushProperty name="color" value="#E71224"/>
+    </inkml:brush>
+  </inkml:definitions>
+  <inkml:trace contextRef="#ctx0" brushRef="#br0">198 1 24575,'0'5'0,"-5"36"0,-1 31 0,-5 9 0,-1 0 0,-3 16 0,-4 6 0,-9 1 0,1-2 0,4-14 0,7-12 0,6-14 0,-1-2 0,3-7 0,1-12-8191</inkml:trace>
+</inkml:ink>
+</file>
+
+<file path=ppt/ink/ink17.xml><?xml version="1.0" encoding="utf-8"?>
+<inkml:ink xmlns:inkml="http://www.w3.org/2003/InkML">
+  <inkml:definitions>
+    <inkml:context xml:id="ctx0">
+      <inkml:inkSource xml:id="inkSrc0">
+        <inkml:traceFormat>
+          <inkml:channel name="X" type="integer" min="-2.14748E9" max="2.14748E9" units="cm"/>
+          <inkml:channel name="Y" type="integer" min="-2.14748E9" max="2.14748E9" units="cm"/>
+          <inkml:channel name="F" type="integer" max="32767" units="dev"/>
+        </inkml:traceFormat>
+        <inkml:channelProperties>
+          <inkml:channelProperty channel="X" name="resolution" value="1000" units="1/cm"/>
+          <inkml:channelProperty channel="Y" name="resolution" value="1000" units="1/cm"/>
+          <inkml:channelProperty channel="F" name="resolution" value="0" units="1/dev"/>
+        </inkml:channelProperties>
+      </inkml:inkSource>
+      <inkml:timestamp xml:id="ts0" timeString="2024-02-26T13:42:31.173"/>
+    </inkml:context>
+    <inkml:brush xml:id="br0">
+      <inkml:brushProperty name="width" value="0.05" units="cm"/>
+      <inkml:brushProperty name="height" value="0.05" units="cm"/>
+      <inkml:brushProperty name="color" value="#E71224"/>
+    </inkml:brush>
+  </inkml:definitions>
+  <inkml:trace contextRef="#ctx0" brushRef="#br0">0 1 24575,'10'0'0,"8"0"0,6 0 0,14 0 0,5 0 0,6 0 0,-1 0 0,-3 0 0,-5 0 0,-9 0-8191</inkml:trace>
+</inkml:ink>
+</file>
+
+<file path=ppt/ink/ink18.xml><?xml version="1.0" encoding="utf-8"?>
+<inkml:ink xmlns:inkml="http://www.w3.org/2003/InkML">
+  <inkml:definitions>
+    <inkml:context xml:id="ctx0">
+      <inkml:inkSource xml:id="inkSrc0">
+        <inkml:traceFormat>
+          <inkml:channel name="X" type="integer" min="-2.14748E9" max="2.14748E9" units="cm"/>
+          <inkml:channel name="Y" type="integer" min="-2.14748E9" max="2.14748E9" units="cm"/>
+          <inkml:channel name="F" type="integer" max="32767" units="dev"/>
+        </inkml:traceFormat>
+        <inkml:channelProperties>
+          <inkml:channelProperty channel="X" name="resolution" value="1000" units="1/cm"/>
+          <inkml:channelProperty channel="Y" name="resolution" value="1000" units="1/cm"/>
+          <inkml:channelProperty channel="F" name="resolution" value="0" units="1/dev"/>
+        </inkml:channelProperties>
+      </inkml:inkSource>
+      <inkml:timestamp xml:id="ts0" timeString="2024-02-26T13:42:32.243"/>
+    </inkml:context>
+    <inkml:brush xml:id="br0">
+      <inkml:brushProperty name="width" value="0.05" units="cm"/>
+      <inkml:brushProperty name="height" value="0.05" units="cm"/>
+      <inkml:brushProperty name="color" value="#E71224"/>
+    </inkml:brush>
+  </inkml:definitions>
+  <inkml:trace contextRef="#ctx0" brushRef="#br0">41 0 24575,'-15'403'0,"0"-65"0,5-211 0,13-106 0,-3-20 0,0-1 0,0 0 0,1 1 0,-1-1 0,0 0 0,0 1 0,1-1 0,-1 0 0,0 1 0,1-1 0,-1 0 0,0 0 0,1 1 0,-1-1 0,0 0 0,1 0 0,-1 0 0,1 0 0,-1 1 0,0-1 0,1 0 0,-1 0 0,1 0 0,-1 0 0,1 0 0,0 0 0,1-1 0,0 0 0,1 0 0,-1 0 0,0 0 0,0 0 0,1 0 0,-1-1 0,0 1 0,0-1 0,0 0 0,-1 1 0,4-5 0,99-127 0,-38 45 0,-44 60 0,50-59 0,-63 78 0,0 1 0,0 0 0,1 0 0,0 0 0,0 2 0,21-11 0,-28 15 0,0 0 0,1 1 0,-1 0 0,0 0 0,1 0 0,-1 0 0,1 1 0,0-1 0,-1 1 0,1 0 0,-1 0 0,1 0 0,-1 0 0,1 1 0,0-1 0,-1 1 0,0 0 0,1 0 0,-1 1 0,1-1 0,-1 0 0,0 1 0,0 0 0,0 0 0,0 0 0,4 3 0,-3 0 0,1 1 0,-1-1 0,0 0 0,-1 1 0,1 0 0,-1 0 0,0 0 0,-1 0 0,1 1 0,-1-1 0,0 1 0,1 13 0,2 29 0,-3 97 0,-1 5 0,0-145-124,0 1 0,0-1 0,0 0 0,1 0 0,-1 0 0,1 0-1,1 0 1,-1 0 0,1-1 0,5 8 0,10 9-6702</inkml:trace>
+</inkml:ink>
+</file>
+
+<file path=ppt/ink/ink19.xml><?xml version="1.0" encoding="utf-8"?>
+<inkml:ink xmlns:inkml="http://www.w3.org/2003/InkML">
+  <inkml:definitions>
+    <inkml:context xml:id="ctx0">
+      <inkml:inkSource xml:id="inkSrc0">
+        <inkml:traceFormat>
+          <inkml:channel name="X" type="integer" min="-2.14748E9" max="2.14748E9" units="cm"/>
+          <inkml:channel name="Y" type="integer" min="-2.14748E9" max="2.14748E9" units="cm"/>
+          <inkml:channel name="F" type="integer" max="32767" units="dev"/>
+        </inkml:traceFormat>
+        <inkml:channelProperties>
+          <inkml:channelProperty channel="X" name="resolution" value="1000" units="1/cm"/>
+          <inkml:channelProperty channel="Y" name="resolution" value="1000" units="1/cm"/>
+          <inkml:channelProperty channel="F" name="resolution" value="0" units="1/dev"/>
+        </inkml:channelProperties>
+      </inkml:inkSource>
+      <inkml:timestamp xml:id="ts0" timeString="2024-02-26T13:42:32.914"/>
+    </inkml:context>
+    <inkml:brush xml:id="br0">
+      <inkml:brushProperty name="width" value="0.05" units="cm"/>
+      <inkml:brushProperty name="height" value="0.05" units="cm"/>
+      <inkml:brushProperty name="color" value="#E71224"/>
+    </inkml:brush>
+  </inkml:definitions>
+  <inkml:trace contextRef="#ctx0" brushRef="#br0">0 7 24575,'5'-5'0,"2"3"0,0 7 0,-2 8 0,-1 6 0,-2 10 0,-1 26 0,0 7 0,-1-1 0,0-7 0,-1-7 0,1-16 0,0-24 0</inkml:trace>
+</inkml:ink>
+</file>
+
+<file path=ppt/ink/ink2.xml><?xml version="1.0" encoding="utf-8"?>
+<inkml:ink xmlns:inkml="http://www.w3.org/2003/InkML">
+  <inkml:definitions>
+    <inkml:context xml:id="ctx0">
+      <inkml:inkSource xml:id="inkSrc0">
+        <inkml:traceFormat>
+          <inkml:channel name="X" type="integer" min="-2.14748E9" max="2.14748E9" units="cm"/>
+          <inkml:channel name="Y" type="integer" min="-2.14748E9" max="2.14748E9" units="cm"/>
+          <inkml:channel name="F" type="integer" max="32767" units="dev"/>
+        </inkml:traceFormat>
+        <inkml:channelProperties>
+          <inkml:channelProperty channel="X" name="resolution" value="1000" units="1/cm"/>
+          <inkml:channelProperty channel="Y" name="resolution" value="1000" units="1/cm"/>
+          <inkml:channelProperty channel="F" name="resolution" value="0" units="1/dev"/>
+        </inkml:channelProperties>
+      </inkml:inkSource>
+      <inkml:timestamp xml:id="ts0" timeString="2024-02-26T13:41:27.430"/>
+    </inkml:context>
+    <inkml:brush xml:id="br0">
+      <inkml:brushProperty name="width" value="0.05" units="cm"/>
+      <inkml:brushProperty name="height" value="0.05" units="cm"/>
+      <inkml:brushProperty name="color" value="#E71224"/>
+    </inkml:brush>
+  </inkml:definitions>
+  <inkml:trace contextRef="#ctx0" brushRef="#br0">692 12 24575,'-5'-5'0,"-6"-2"0,-7 11 0,0 9 0,-7 8 0,-4 5 0,3 3 0,-10 26 0,-12 19 0,-9 12 0,-4-4 0,-3-1 0,-4-5 0,-1-4 0,7-10 0,8-6 0,13-12-8191</inkml:trace>
+</inkml:ink>
+</file>
+
+<file path=ppt/ink/ink20.xml><?xml version="1.0" encoding="utf-8"?>
+<inkml:ink xmlns:inkml="http://www.w3.org/2003/InkML">
+  <inkml:definitions>
+    <inkml:context xml:id="ctx0">
+      <inkml:inkSource xml:id="inkSrc0">
+        <inkml:traceFormat>
+          <inkml:channel name="X" type="integer" min="-2.14748E9" max="2.14748E9" units="cm"/>
+          <inkml:channel name="Y" type="integer" min="-2.14748E9" max="2.14748E9" units="cm"/>
+          <inkml:channel name="F" type="integer" max="32767" units="dev"/>
+        </inkml:traceFormat>
+        <inkml:channelProperties>
+          <inkml:channelProperty channel="X" name="resolution" value="1000" units="1/cm"/>
+          <inkml:channelProperty channel="Y" name="resolution" value="1000" units="1/cm"/>
+          <inkml:channelProperty channel="F" name="resolution" value="0" units="1/dev"/>
+        </inkml:channelProperties>
+      </inkml:inkSource>
+      <inkml:timestamp xml:id="ts0" timeString="2024-02-26T13:42:33.274"/>
+    </inkml:context>
+    <inkml:brush xml:id="br0">
+      <inkml:brushProperty name="width" value="0.05" units="cm"/>
+      <inkml:brushProperty name="height" value="0.05" units="cm"/>
+      <inkml:brushProperty name="color" value="#E71224"/>
+    </inkml:brush>
+  </inkml:definitions>
+  <inkml:trace contextRef="#ctx0" brushRef="#br0">1 0 24575,'0'0'-8191</inkml:trace>
+</inkml:ink>
+</file>
+
+<file path=ppt/ink/ink21.xml><?xml version="1.0" encoding="utf-8"?>
+<inkml:ink xmlns:inkml="http://www.w3.org/2003/InkML">
+  <inkml:definitions>
+    <inkml:context xml:id="ctx0">
+      <inkml:inkSource xml:id="inkSrc0">
+        <inkml:traceFormat>
+          <inkml:channel name="X" type="integer" min="-2.14748E9" max="2.14748E9" units="cm"/>
+          <inkml:channel name="Y" type="integer" min="-2.14748E9" max="2.14748E9" units="cm"/>
+          <inkml:channel name="F" type="integer" max="32767" units="dev"/>
+        </inkml:traceFormat>
+        <inkml:channelProperties>
+          <inkml:channelProperty channel="X" name="resolution" value="1000" units="1/cm"/>
+          <inkml:channelProperty channel="Y" name="resolution" value="1000" units="1/cm"/>
+          <inkml:channelProperty channel="F" name="resolution" value="0" units="1/dev"/>
+        </inkml:channelProperties>
+      </inkml:inkSource>
+      <inkml:timestamp xml:id="ts0" timeString="2024-02-26T13:42:34.296"/>
+    </inkml:context>
+    <inkml:brush xml:id="br0">
+      <inkml:brushProperty name="width" value="0.05" units="cm"/>
+      <inkml:brushProperty name="height" value="0.05" units="cm"/>
+      <inkml:brushProperty name="color" value="#E71224"/>
+    </inkml:brush>
+  </inkml:definitions>
+  <inkml:trace contextRef="#ctx0" brushRef="#br0">194 23 24575,'0'-2'0,"-1"1"0,1 0 0,0 0 0,-1 0 0,1 0 0,-1 0 0,0 0 0,1 0 0,-1 0 0,0 0 0,1 0 0,-1 0 0,0 0 0,0 0 0,0 0 0,0 1 0,0-1 0,0 0 0,0 1 0,0-1 0,0 1 0,0-1 0,0 1 0,-1-1 0,1 1 0,0 0 0,0 0 0,0-1 0,-1 1 0,1 0 0,0 0 0,0 0 0,-1 1 0,-1-1 0,-45 4 0,46-3 0,-5 0 0,0 0 0,0 1 0,0 0 0,0 0 0,0 0 0,0 1 0,1 0 0,-1 1 0,1-1 0,-10 9 0,13-10 0,1 1 0,0-1 0,0 1 0,0 0 0,0-1 0,0 1 0,0 0 0,1 1 0,0-1 0,-1 0 0,1 0 0,0 0 0,1 1 0,-1-1 0,0 0 0,1 1 0,0-1 0,0 1 0,0-1 0,0 0 0,1 1 0,-1-1 0,1 0 0,2 7 0,-2-5 0,1 1 0,0-1 0,0 0 0,1-1 0,0 1 0,-1 0 0,1-1 0,1 1 0,-1-1 0,1 0 0,0 0 0,0 0 0,0-1 0,0 1 0,0-1 0,6 3 0,8 3 0,-1-1 0,1 0 0,25 6 0,-26-10 0,-1 2 0,0 0 0,0 1 0,21 12 0,-32-16 0,-1 0 0,0 1 0,0-1 0,0 1 0,-1 0 0,1 0 0,-1 0 0,0 0 0,0 0 0,-1 1 0,1-1 0,-1 1 0,0 0 0,0 0 0,0 0 0,-1 0 0,1 0 0,0 10 0,-1-6 0,-1 1 0,0-1 0,-1 1 0,0-1 0,0 1 0,-1-1 0,0 1 0,-1-1 0,-6 15 0,0-4 0,-1 0 0,-1-1 0,-15 21 0,23-36-124,-1 0 0,1 0 0,-1 0 0,0 0 0,0-1 0,0 0-1,-1 1 1,1-1 0,-1-1 0,-6 4 0,-19 6-6702</inkml:trace>
+</inkml:ink>
+</file>
+
+<file path=ppt/ink/ink22.xml><?xml version="1.0" encoding="utf-8"?>
+<inkml:ink xmlns:inkml="http://www.w3.org/2003/InkML">
+  <inkml:definitions>
+    <inkml:context xml:id="ctx0">
+      <inkml:inkSource xml:id="inkSrc0">
+        <inkml:traceFormat>
+          <inkml:channel name="X" type="integer" min="-2.14748E9" max="2.14748E9" units="cm"/>
+          <inkml:channel name="Y" type="integer" min="-2.14748E9" max="2.14748E9" units="cm"/>
+          <inkml:channel name="F" type="integer" max="32767" units="dev"/>
+        </inkml:traceFormat>
+        <inkml:channelProperties>
+          <inkml:channelProperty channel="X" name="resolution" value="1000" units="1/cm"/>
+          <inkml:channelProperty channel="Y" name="resolution" value="1000" units="1/cm"/>
+          <inkml:channelProperty channel="F" name="resolution" value="0" units="1/dev"/>
+        </inkml:channelProperties>
+      </inkml:inkSource>
+      <inkml:timestamp xml:id="ts0" timeString="2024-02-26T13:42:34.783"/>
+    </inkml:context>
+    <inkml:brush xml:id="br0">
+      <inkml:brushProperty name="width" value="0.05" units="cm"/>
+      <inkml:brushProperty name="height" value="0.05" units="cm"/>
+      <inkml:brushProperty name="color" value="#E71224"/>
+    </inkml:brush>
+  </inkml:definitions>
+  <inkml:trace contextRef="#ctx0" brushRef="#br0">1 0 24575,'5'0'0</inkml:trace>
+</inkml:ink>
+</file>
+
+<file path=ppt/ink/ink23.xml><?xml version="1.0" encoding="utf-8"?>
+<inkml:ink xmlns:inkml="http://www.w3.org/2003/InkML">
+  <inkml:definitions>
+    <inkml:context xml:id="ctx0">
+      <inkml:inkSource xml:id="inkSrc0">
+        <inkml:traceFormat>
+          <inkml:channel name="X" type="integer" min="-2.14748E9" max="2.14748E9" units="cm"/>
+          <inkml:channel name="Y" type="integer" min="-2.14748E9" max="2.14748E9" units="cm"/>
+          <inkml:channel name="F" type="integer" max="32767" units="dev"/>
+        </inkml:traceFormat>
+        <inkml:channelProperties>
+          <inkml:channelProperty channel="X" name="resolution" value="1000" units="1/cm"/>
+          <inkml:channelProperty channel="Y" name="resolution" value="1000" units="1/cm"/>
+          <inkml:channelProperty channel="F" name="resolution" value="0" units="1/dev"/>
+        </inkml:channelProperties>
+      </inkml:inkSource>
+      <inkml:timestamp xml:id="ts0" timeString="2024-02-26T13:42:36.031"/>
+    </inkml:context>
+    <inkml:brush xml:id="br0">
+      <inkml:brushProperty name="width" value="0.05" units="cm"/>
+      <inkml:brushProperty name="height" value="0.05" units="cm"/>
+      <inkml:brushProperty name="color" value="#E71224"/>
+    </inkml:brush>
+  </inkml:definitions>
+  <inkml:trace contextRef="#ctx0" brushRef="#br0">23 0 24575,'0'780'0,"-2"-737"0,-2 0 0,-13 61 0,35-174 0,35-89 0,-45 143 0,0-1 0,0 1 0,2 1 0,16-22 0,-23 33 0,1 0 0,-1 0 0,1 1 0,0-1 0,1 1 0,-1 0 0,0 0 0,10-4 0,-12 6 0,1 0 0,-1 1 0,1-1 0,0 0 0,-1 1 0,1 0 0,0 0 0,-1-1 0,1 2 0,0-1 0,0 0 0,-1 0 0,1 1 0,0 0 0,-1-1 0,1 1 0,-1 0 0,3 2 0,5 2 0,-1 1 0,0 0 0,-1 1 0,1 0 0,-1 1 0,-1 0 0,1 0 0,-2 0 0,1 1 0,-1 0 0,0 0 0,-1 1 0,0 0 0,0-1 0,5 22 0,-1-5 0,-3 1 0,0 0 0,-1 1 0,-2 0 0,0 31 0,-3-49-94,0 4 150,0-1 1,1 1 0,5 22-1,-6-34-106,1 0 0,-1 1 0,1-1 0,-1 0 1,1 0-1,0 0 0,0 0 0,0 0 0,0 0 0,0 0 0,0-1 0,1 1 0,-1 0 0,1 0 1,-1-1-1,1 1 0,0-1 0,-1 0 0,1 1 0,0-1 0,0 0 0,0 0 0,0 0 0,0 0 0,0-1 1,0 1-1,0 0 0,1-1 0,2 1 0,17-3-6776</inkml:trace>
+</inkml:ink>
+</file>
+
+<file path=ppt/ink/ink24.xml><?xml version="1.0" encoding="utf-8"?>
+<inkml:ink xmlns:inkml="http://www.w3.org/2003/InkML">
+  <inkml:definitions>
+    <inkml:context xml:id="ctx0">
+      <inkml:inkSource xml:id="inkSrc0">
+        <inkml:traceFormat>
+          <inkml:channel name="X" type="integer" min="-2.14748E9" max="2.14748E9" units="cm"/>
+          <inkml:channel name="Y" type="integer" min="-2.14748E9" max="2.14748E9" units="cm"/>
+          <inkml:channel name="F" type="integer" max="32767" units="dev"/>
+        </inkml:traceFormat>
+        <inkml:channelProperties>
+          <inkml:channelProperty channel="X" name="resolution" value="1000" units="1/cm"/>
+          <inkml:channelProperty channel="Y" name="resolution" value="1000" units="1/cm"/>
+          <inkml:channelProperty channel="F" name="resolution" value="0" units="1/dev"/>
+        </inkml:channelProperties>
+      </inkml:inkSource>
+      <inkml:timestamp xml:id="ts0" timeString="2024-02-26T13:42:37.020"/>
+    </inkml:context>
+    <inkml:brush xml:id="br0">
+      <inkml:brushProperty name="width" value="0.05" units="cm"/>
+      <inkml:brushProperty name="height" value="0.05" units="cm"/>
+      <inkml:brushProperty name="color" value="#E71224"/>
+    </inkml:brush>
+  </inkml:definitions>
+  <inkml:trace contextRef="#ctx0" brushRef="#br0">0 227 24575,'7'-5'0,"-1"1"0,0 0 0,1 0 0,0 0 0,0 1 0,0 0 0,14-4 0,24-11 0,-38 13 0,17-8 0,31-24 0,-50 33 0,0 0 0,0-1 0,0 1 0,-1-1 0,1 0 0,-1 0 0,0-1 0,-1 1 0,1-1 0,-1 0 0,4-9 0,-7 14 0,1 0 0,0 0 0,-1-1 0,1 1 0,-1-1 0,0 1 0,1 0 0,-1-1 0,0 1 0,0-1 0,0 1 0,0-1 0,0 1 0,0 0 0,0-1 0,0 1 0,-1-1 0,1 1 0,-1 0 0,1-1 0,-1 1 0,1 0 0,-1-1 0,0 1 0,1 0 0,-1 0 0,0 0 0,0 0 0,0-1 0,0 1 0,0 1 0,0-1 0,0 0 0,-1 0 0,1 0 0,0 0 0,0 1 0,-1-1 0,1 1 0,0-1 0,-1 1 0,1-1 0,-1 1 0,1 0 0,0 0 0,-1 0 0,1 0 0,-1 0 0,1 0 0,-1 0 0,-1 0 0,-4 1 0,1-1 0,-1 1 0,1 0 0,0 1 0,-1 0 0,1 0 0,0 0 0,0 1 0,0 0 0,-6 3 0,5 0 0,1 0 0,0-1 0,1 2 0,-1-1 0,1 1 0,0-1 0,1 2 0,0-1 0,0 0 0,0 1 0,1 0 0,0-1 0,1 1 0,0 0 0,0 1 0,0-1 0,1 0 0,1 0 0,-1 1 0,1-1 0,2 16 0,0-6 0,1-1 0,0 0 0,2 0 0,0-1 0,0 1 0,1-1 0,2 0 0,-1 0 0,16 22 0,-19-32-65,1 0 0,0 1 0,1-2 0,-1 1 0,1 0 0,0-1 0,1 0 0,-1-1 0,1 0 0,0 0 0,0 0 0,0 0 0,0-1 0,1-1 0,-1 1 0,1-1 0,0 0 0,0-1 0,0 0 0,13 0 0,5-1-6761</inkml:trace>
+</inkml:ink>
+</file>
+
+<file path=ppt/ink/ink25.xml><?xml version="1.0" encoding="utf-8"?>
+<inkml:ink xmlns:inkml="http://www.w3.org/2003/InkML">
+  <inkml:definitions>
+    <inkml:context xml:id="ctx0">
+      <inkml:inkSource xml:id="inkSrc0">
+        <inkml:traceFormat>
+          <inkml:channel name="X" type="integer" min="-2.14748E9" max="2.14748E9" units="cm"/>
+          <inkml:channel name="Y" type="integer" min="-2.14748E9" max="2.14748E9" units="cm"/>
+          <inkml:channel name="F" type="integer" max="32767" units="dev"/>
+        </inkml:traceFormat>
+        <inkml:channelProperties>
+          <inkml:channelProperty channel="X" name="resolution" value="1000" units="1/cm"/>
+          <inkml:channelProperty channel="Y" name="resolution" value="1000" units="1/cm"/>
+          <inkml:channelProperty channel="F" name="resolution" value="0" units="1/dev"/>
+        </inkml:channelProperties>
+      </inkml:inkSource>
+      <inkml:timestamp xml:id="ts0" timeString="2024-02-26T13:42:38.152"/>
+    </inkml:context>
+    <inkml:brush xml:id="br0">
+      <inkml:brushProperty name="width" value="0.05" units="cm"/>
+      <inkml:brushProperty name="height" value="0.05" units="cm"/>
+      <inkml:brushProperty name="color" value="#E71224"/>
+    </inkml:brush>
+  </inkml:definitions>
+  <inkml:trace contextRef="#ctx0" brushRef="#br0">442 94 24575,'1'0'0,"0"0"0,-1 0 0,1-1 0,-1 1 0,1 0 0,0 0 0,-1-1 0,1 1 0,-1 0 0,1-1 0,0 1 0,-1 0 0,1-1 0,-1 1 0,1-1 0,-1 1 0,0-1 0,1 1 0,-1-1 0,0 0 0,1 1 0,-1-1 0,0 1 0,1-1 0,-1 0 0,0 1 0,0-1 0,0 0 0,0 1 0,0-1 0,0 0 0,0 1 0,0-1 0,0 0 0,0 1 0,0-1 0,0-1 0,-7-25 0,5 24 0,-1 0 0,1 0 0,-1 1 0,1-1 0,-1 1 0,0-1 0,0 1 0,0 0 0,0 0 0,0 1 0,0-1 0,-1 1 0,1-1 0,-1 1 0,1 0 0,-1 0 0,-4 0 0,-10-2 0,-1 1 0,-21 1 0,18 0 0,-14-1 0,4-1 0,-51 3 0,76 1 0,0-1 0,0 1 0,0 0 0,0 1 0,0 0 0,0 0 0,1 0 0,-1 1 0,1 0 0,0 0 0,0 1 0,0-1 0,-7 6 0,10-5 0,-1 0 0,0 0 0,1 1 0,0-1 0,0 1 0,0 0 0,0-1 0,1 1 0,0 0 0,0 1 0,0-1 0,1 0 0,-2 11 0,2-7 0,1 0 0,0-1 0,0 1 0,1 0 0,0 0 0,1-1 0,0 1 0,4 11 0,-3-10 0,1 0 0,0-1 0,1 1 0,0-1 0,0 0 0,1 0 0,0-1 0,1 1 0,0-2 0,0 1 0,1-1 0,0 0 0,0 0 0,0-1 0,12 6 0,-14-9 0,0 0 0,0-1 0,1 0 0,-1 0 0,1 0 0,0-1 0,-1 0 0,1-1 0,0 1 0,-1-1 0,1 0 0,0-1 0,-1 0 0,1 0 0,0 0 0,-1-1 0,1 0 0,-1 0 0,0-1 0,0 1 0,0-2 0,0 1 0,0 0 0,7-7 0,-5 3 0,0 0 0,0-1 0,-1 0 0,0 0 0,0-1 0,-1 0 0,0 0 0,-1 0 0,0-1 0,0 0 0,-1 0 0,0 0 0,-1 0 0,3-17 0,0-8 0,8-34 0,-9 60 0,-1 14 0,-1 18 0,-1 200 0,-2-21 0,0-195-195,1 0 0,0 0 0,0 0 0,0 0 0,1 0 0,3 8 0,1-5-6631</inkml:trace>
+</inkml:ink>
+</file>
+
+<file path=ppt/ink/ink26.xml><?xml version="1.0" encoding="utf-8"?>
+<inkml:ink xmlns:inkml="http://www.w3.org/2003/InkML">
+  <inkml:definitions>
+    <inkml:context xml:id="ctx0">
+      <inkml:inkSource xml:id="inkSrc0">
+        <inkml:traceFormat>
+          <inkml:channel name="X" type="integer" min="-2.14748E9" max="2.14748E9" units="cm"/>
+          <inkml:channel name="Y" type="integer" min="-2.14748E9" max="2.14748E9" units="cm"/>
+          <inkml:channel name="F" type="integer" max="32767" units="dev"/>
+        </inkml:traceFormat>
+        <inkml:channelProperties>
+          <inkml:channelProperty channel="X" name="resolution" value="1000" units="1/cm"/>
+          <inkml:channelProperty channel="Y" name="resolution" value="1000" units="1/cm"/>
+          <inkml:channelProperty channel="F" name="resolution" value="0" units="1/dev"/>
+        </inkml:channelProperties>
+      </inkml:inkSource>
+      <inkml:timestamp xml:id="ts0" timeString="2024-02-26T13:42:39.539"/>
+    </inkml:context>
+    <inkml:brush xml:id="br0">
+      <inkml:brushProperty name="width" value="0.05" units="cm"/>
+      <inkml:brushProperty name="height" value="0.05" units="cm"/>
+      <inkml:brushProperty name="color" value="#E71224"/>
+    </inkml:brush>
+  </inkml:definitions>
+  <inkml:trace contextRef="#ctx0" brushRef="#br0">265 0 24575,'1'0'0,"0"1"0,0-1 0,0 0 0,0 1 0,0-1 0,0 1 0,0-1 0,0 1 0,0-1 0,-1 1 0,1 0 0,0-1 0,0 1 0,-1 0 0,1 0 0,0 0 0,-1-1 0,1 1 0,0 0 0,-1 0 0,1 0 0,-1 0 0,0 0 0,1 0 0,-1 0 0,0 0 0,1 2 0,5 32 0,-6-33 0,7 193 0,-5-54 0,39 268 0,-27-295 0,-14-107 0,5 29 0,-5-34 0,0 0 0,1-1 0,-1 1 0,1 0 0,-1-1 0,1 1 0,-1 0 0,1-1 0,0 1 0,0-1 0,0 1 0,0-1 0,0 1 0,0-1 0,2 2 0,-3-4 0,1 0 0,0 1 0,-1-1 0,1 0 0,0 0 0,-1 0 0,1 1 0,-1-1 0,0 0 0,1 0 0,-1 0 0,1 0 0,-1 0 0,0 0 0,0 0 0,0 0 0,0 0 0,0 0 0,0 0 0,0-2 0,3-18 0,-1-1 0,-1 0 0,-1 0 0,-1 0 0,-4-23 0,4 40 0,0 0 0,-1 0 0,1 1 0,-1-1 0,0 0 0,-1 0 0,1 1 0,-1 0 0,0-1 0,0 1 0,-6-7 0,5 8 0,1 1 0,0 0 0,-1-1 0,1 1 0,-1 1 0,1-1 0,-1 0 0,0 1 0,0 0 0,0 0 0,0 0 0,0 0 0,0 1 0,0 0 0,0-1 0,0 1 0,-5 1 0,0 0 0,0 1 0,1 0 0,-1 0 0,0 1 0,1 0 0,0 0 0,0 1 0,0 0 0,0 1 0,0-1 0,-11 11 0,-7 7 0,-39 46 0,45-48 0,14-12 0,0 0 0,1 0 0,0 0 0,0 1 0,0-1 0,1 1 0,-5 17 0,7-22 0,1 0 0,0 0 0,0 0 0,0 0 0,0 0 0,1 0 0,0 1 0,0-1 0,0 0 0,0 0 0,0 1 0,1-1 0,0 0 0,0 0 0,0 0 0,1 0 0,-1 0 0,1 0 0,4 7 0,-4-8 0,1-1 0,0 0 0,0 1 0,0-1 0,0 0 0,0-1 0,0 1 0,1 0 0,-1-1 0,1 0 0,-1 0 0,1 0 0,-1 0 0,7 0 0,58 1 0,-50-2 0,4 0-170,0-1-1,0 0 0,0-2 1,0-1-1,-1 0 0,1-2 1,36-14-1,-21 1-6655</inkml:trace>
+</inkml:ink>
+</file>
+
+<file path=ppt/ink/ink27.xml><?xml version="1.0" encoding="utf-8"?>
+<inkml:ink xmlns:inkml="http://www.w3.org/2003/InkML">
+  <inkml:definitions>
+    <inkml:context xml:id="ctx0">
+      <inkml:inkSource xml:id="inkSrc0">
+        <inkml:traceFormat>
+          <inkml:channel name="X" type="integer" min="-2.14748E9" max="2.14748E9" units="cm"/>
+          <inkml:channel name="Y" type="integer" min="-2.14748E9" max="2.14748E9" units="cm"/>
+          <inkml:channel name="F" type="integer" max="32767" units="dev"/>
+        </inkml:traceFormat>
+        <inkml:channelProperties>
+          <inkml:channelProperty channel="X" name="resolution" value="1000" units="1/cm"/>
+          <inkml:channelProperty channel="Y" name="resolution" value="1000" units="1/cm"/>
+          <inkml:channelProperty channel="F" name="resolution" value="0" units="1/dev"/>
+        </inkml:channelProperties>
+      </inkml:inkSource>
+      <inkml:timestamp xml:id="ts0" timeString="2024-02-26T13:42:40.180"/>
+    </inkml:context>
+    <inkml:brush xml:id="br0">
+      <inkml:brushProperty name="width" value="0.05" units="cm"/>
+      <inkml:brushProperty name="height" value="0.05" units="cm"/>
+      <inkml:brushProperty name="color" value="#E71224"/>
+    </inkml:brush>
+  </inkml:definitions>
+  <inkml:trace contextRef="#ctx0" brushRef="#br0">1 56 24575,'0'-5'0,"4"-2"0,13 1 0,12 1 0,12 1 0,8 2 0,2 1 0,1-4 0,2-2 0,2 1 0,1 1 0,-9 2-8191</inkml:trace>
+</inkml:ink>
+</file>
+
+<file path=ppt/ink/ink28.xml><?xml version="1.0" encoding="utf-8"?>
+<inkml:ink xmlns:inkml="http://www.w3.org/2003/InkML">
+  <inkml:definitions>
+    <inkml:context xml:id="ctx0">
+      <inkml:inkSource xml:id="inkSrc0">
+        <inkml:traceFormat>
+          <inkml:channel name="X" type="integer" min="-2.14748E9" max="2.14748E9" units="cm"/>
+          <inkml:channel name="Y" type="integer" min="-2.14748E9" max="2.14748E9" units="cm"/>
+          <inkml:channel name="F" type="integer" max="32767" units="dev"/>
+        </inkml:traceFormat>
+        <inkml:channelProperties>
+          <inkml:channelProperty channel="X" name="resolution" value="1000" units="1/cm"/>
+          <inkml:channelProperty channel="Y" name="resolution" value="1000" units="1/cm"/>
+          <inkml:channelProperty channel="F" name="resolution" value="0" units="1/dev"/>
+        </inkml:channelProperties>
+      </inkml:inkSource>
+      <inkml:timestamp xml:id="ts0" timeString="2024-02-26T13:42:40.692"/>
+    </inkml:context>
+    <inkml:brush xml:id="br0">
+      <inkml:brushProperty name="width" value="0.05" units="cm"/>
+      <inkml:brushProperty name="height" value="0.05" units="cm"/>
+      <inkml:brushProperty name="color" value="#E71224"/>
+    </inkml:brush>
+  </inkml:definitions>
+  <inkml:trace contextRef="#ctx0" brushRef="#br0">0 1 24575,'5'0'0,"7"0"0,16 0 0,18 0 0,12 0 0,5 0 0,-3 0 0,-7 0 0,-6 0 0,-13 0-8191</inkml:trace>
+</inkml:ink>
+</file>
+
+<file path=ppt/ink/ink29.xml><?xml version="1.0" encoding="utf-8"?>
+<inkml:ink xmlns:inkml="http://www.w3.org/2003/InkML">
+  <inkml:definitions>
+    <inkml:context xml:id="ctx0">
+      <inkml:inkSource xml:id="inkSrc0">
+        <inkml:traceFormat>
+          <inkml:channel name="X" type="integer" min="-2.14748E9" max="2.14748E9" units="cm"/>
+          <inkml:channel name="Y" type="integer" min="-2.14748E9" max="2.14748E9" units="cm"/>
+          <inkml:channel name="F" type="integer" max="32767" units="dev"/>
+        </inkml:traceFormat>
+        <inkml:channelProperties>
+          <inkml:channelProperty channel="X" name="resolution" value="1000" units="1/cm"/>
+          <inkml:channelProperty channel="Y" name="resolution" value="1000" units="1/cm"/>
+          <inkml:channelProperty channel="F" name="resolution" value="0" units="1/dev"/>
+        </inkml:channelProperties>
+      </inkml:inkSource>
+      <inkml:timestamp xml:id="ts0" timeString="2024-02-26T13:42:42.080"/>
+    </inkml:context>
+    <inkml:brush xml:id="br0">
+      <inkml:brushProperty name="width" value="0.05" units="cm"/>
+      <inkml:brushProperty name="height" value="0.05" units="cm"/>
+      <inkml:brushProperty name="color" value="#E71224"/>
+    </inkml:brush>
+  </inkml:definitions>
+  <inkml:trace contextRef="#ctx0" brushRef="#br0">1 1 24575,'-1'117'0,"19"417"0,-6-418 0,-6-101 0,-5-14 0,-1-1 0,0 0 0,1 0 0,-1 0 0,0 0 0,1 0 0,-1 0 0,0 0 0,1 0 0,-1 0 0,0 0 0,0 0 0,1 0 0,-1-1 0,0 1 0,1 0 0,-1 0 0,0 0 0,0 0 0,1 0 0,-1 0 0,0-1 0,0 1 0,1 0 0,-1 0 0,0-1 0,0 1 0,0 0 0,1 0 0,-1-1 0,15-30 0,-7-3 0,-2-1 0,-1 0 0,0-37 0,6-51 0,-8 106 0,1 0 0,0 0 0,1 1 0,14-31 0,-16 41 0,0 0 0,1 1 0,0 0 0,0 0 0,0 0 0,1 0 0,-1 0 0,1 1 0,0 0 0,1 0 0,-1 0 0,1 1 0,0 0 0,-1 0 0,1 0 0,1 1 0,-1 0 0,7-2 0,-5 3 0,0-1 0,0 1 0,0 0 0,0 1 0,-1 0 0,1 0 0,0 1 0,0 0 0,0 0 0,0 1 0,-1 0 0,1 0 0,-1 1 0,12 5 0,-14-4 0,-1-1 0,1 0 0,-1 1 0,0 0 0,0 0 0,-1 0 0,1 0 0,-1 1 0,0-1 0,0 1 0,0 0 0,-1 0 0,1 0 0,1 8 0,3 9 0,-1 0 0,4 26 0,-7-29 0,13 82-68,-11-61-191,1 0-1,3 0 1,1-1-1,27 70 1,-21-78-6567</inkml:trace>
+</inkml:ink>
+</file>
+
+<file path=ppt/ink/ink3.xml><?xml version="1.0" encoding="utf-8"?>
+<inkml:ink xmlns:inkml="http://www.w3.org/2003/InkML">
+  <inkml:definitions>
+    <inkml:context xml:id="ctx0">
+      <inkml:inkSource xml:id="inkSrc0">
+        <inkml:traceFormat>
+          <inkml:channel name="X" type="integer" min="-2.14748E9" max="2.14748E9" units="cm"/>
+          <inkml:channel name="Y" type="integer" min="-2.14748E9" max="2.14748E9" units="cm"/>
+          <inkml:channel name="F" type="integer" max="32767" units="dev"/>
+        </inkml:traceFormat>
+        <inkml:channelProperties>
+          <inkml:channelProperty channel="X" name="resolution" value="1000" units="1/cm"/>
+          <inkml:channelProperty channel="Y" name="resolution" value="1000" units="1/cm"/>
+          <inkml:channelProperty channel="F" name="resolution" value="0" units="1/dev"/>
+        </inkml:channelProperties>
+      </inkml:inkSource>
+      <inkml:timestamp xml:id="ts0" timeString="2024-02-26T13:41:30.378"/>
+    </inkml:context>
+    <inkml:brush xml:id="br0">
+      <inkml:brushProperty name="width" value="0.05" units="cm"/>
+      <inkml:brushProperty name="height" value="0.05" units="cm"/>
+      <inkml:brushProperty name="color" value="#E71224"/>
+    </inkml:brush>
+  </inkml:definitions>
+  <inkml:trace contextRef="#ctx0" brushRef="#br0">1 1062 24575,'4'-1'0,"1"1"0,-1-1 0,1 0 0,-1 0 0,1 0 0,-1-1 0,0 0 0,0 0 0,7-4 0,38-27 0,-26 15 0,98-68 0,-37 24 0,2 5 0,117-60 0,-169 104 0,1 1 0,0 2 0,0 2 0,1 1 0,51-3 0,-30 3 0,59-14 0,277-73 0,6 32 0,269 22 0,1460 42 0,-2051-2 0,-1 3 0,0 4 0,-1 3 0,109 28 0,-121-15 0,15 5 0,-70-26 0,-1-1 0,1 1 0,0-1 0,-1-1 0,1 0 0,0 0 0,0 0 0,10-2 0,-16 1 0,1 1 0,-1-1 0,0 0 0,0 0 0,1 0 0,-1 0 0,0 0 0,0 0 0,0-1 0,0 1 0,0-1 0,0 1 0,-1-1 0,1 0 0,-1 1 0,1-1 0,-1 0 0,1 0 0,-1 0 0,0 0 0,0 0 0,0-1 0,0 1 0,0 0 0,-1-1 0,1 1 0,-1 0 0,1-1 0,-1 1 0,0 0 0,0-1 0,0 1 0,0-1 0,-1-3 0,0-4 0,-1-1 0,0 1 0,-1-1 0,0 1 0,-1 0 0,-8-16 0,-43-69 0,-6-13 0,52 92 0,-1 1 0,-19-25 0,-10-17 0,33 40 0,21 36 0,54 116 0,-53-100 0,1-1 0,1 0 0,40 53 0,-42-68 0,-1 2 0,-1-1 0,-1 2 0,14 28 0,-22-40 0,-1 1 0,-1 0 0,0 0 0,0 0 0,-1 0 0,0 1 0,-1-1 0,-1 1 0,0-1 0,0 0 0,-3 19 0,-3-3 8,-1 0 0,-1-1 0,-1 0 0,-14 26-1,-56 97-199,33-68-1020,20-30-5614</inkml:trace>
+</inkml:ink>
+</file>
+
+<file path=ppt/ink/ink30.xml><?xml version="1.0" encoding="utf-8"?>
+<inkml:ink xmlns:inkml="http://www.w3.org/2003/InkML">
+  <inkml:definitions>
+    <inkml:context xml:id="ctx0">
+      <inkml:inkSource xml:id="inkSrc0">
+        <inkml:traceFormat>
+          <inkml:channel name="X" type="integer" min="-2.14748E9" max="2.14748E9" units="cm"/>
+          <inkml:channel name="Y" type="integer" min="-2.14748E9" max="2.14748E9" units="cm"/>
+          <inkml:channel name="F" type="integer" max="32767" units="dev"/>
+        </inkml:traceFormat>
+        <inkml:channelProperties>
+          <inkml:channelProperty channel="X" name="resolution" value="1000" units="1/cm"/>
+          <inkml:channelProperty channel="Y" name="resolution" value="1000" units="1/cm"/>
+          <inkml:channelProperty channel="F" name="resolution" value="0" units="1/dev"/>
+        </inkml:channelProperties>
+      </inkml:inkSource>
+      <inkml:timestamp xml:id="ts0" timeString="2024-02-26T13:42:42.963"/>
+    </inkml:context>
+    <inkml:brush xml:id="br0">
+      <inkml:brushProperty name="width" value="0.05" units="cm"/>
+      <inkml:brushProperty name="height" value="0.05" units="cm"/>
+      <inkml:brushProperty name="color" value="#E71224"/>
+    </inkml:brush>
+  </inkml:definitions>
+  <inkml:trace contextRef="#ctx0" brushRef="#br0">0 251 24575,'27'-1'0,"-1"-1"0,0-1 0,0-2 0,0 0 0,-1-2 0,0-1 0,0-1 0,-1 0 0,38-22 0,-22 12 0,-21 10 0,1-1 0,19-12 0,-35 18 0,1 1 0,-1 0 0,1-1 0,-1 0 0,0 0 0,-1 0 0,1-1 0,-1 1 0,0-1 0,0 0 0,0 0 0,4-9 0,-7 13 0,1 0 0,-1 0 0,1 0 0,-1-1 0,1 1 0,-1 0 0,0 0 0,1-1 0,-1 1 0,0 0 0,0 0 0,0-1 0,0 1 0,0 0 0,0-1 0,0 1 0,-1 0 0,1 0 0,0-1 0,-1 1 0,1 0 0,-1 0 0,1 0 0,-1-1 0,1 1 0,-1 0 0,0 0 0,0 0 0,0 0 0,0 0 0,1 0 0,-1 1 0,0-1 0,0 0 0,-1 0 0,1 1 0,0-1 0,0 0 0,0 1 0,0-1 0,-1 1 0,1 0 0,0-1 0,0 1 0,-2 0 0,-3-1 0,1 1 0,-1 0 0,0 0 0,1 0 0,-1 1 0,0 0 0,1 0 0,-1 1 0,-8 2 0,-16 11 0,1 2 0,0 0 0,1 2 0,-44 38 0,38-29 0,20-18 0,1 1 0,0 1 0,1 0 0,0 0 0,1 1 0,1 1 0,-16 26 0,23-34 0,0-1 0,1 1 0,0 0 0,0 0 0,1 0 0,0 0 0,0 0 0,0 0 0,0 0 0,1 0 0,0 0 0,1 1 0,-1-1 0,1 0 0,0 0 0,1 0 0,-1 0 0,1 0 0,0 0 0,1-1 0,-1 1 0,1-1 0,1 1 0,5 7 0,0-2 0,2 1 0,-1-2 0,2 1 0,-1-1 0,1-1 0,1 0 0,0-1 0,0 0 0,1-1 0,-1-1 0,1 0 0,1-1 0,-1 0 0,1-1 0,0-1 0,0 0 0,0-1 0,0-1 0,1 0 0,21-2 0,-31 0-170,0 0-1,0 0 0,0-1 1,0 0-1,0 0 0,0 0 1,8-5-1,3-5-6655</inkml:trace>
+</inkml:ink>
+</file>
+
+<file path=ppt/ink/ink31.xml><?xml version="1.0" encoding="utf-8"?>
+<inkml:ink xmlns:inkml="http://www.w3.org/2003/InkML">
+  <inkml:definitions>
+    <inkml:context xml:id="ctx0">
+      <inkml:inkSource xml:id="inkSrc0">
+        <inkml:traceFormat>
+          <inkml:channel name="X" type="integer" min="-2.14748E9" max="2.14748E9" units="cm"/>
+          <inkml:channel name="Y" type="integer" min="-2.14748E9" max="2.14748E9" units="cm"/>
+          <inkml:channel name="F" type="integer" max="32767" units="dev"/>
+        </inkml:traceFormat>
+        <inkml:channelProperties>
+          <inkml:channelProperty channel="X" name="resolution" value="1000" units="1/cm"/>
+          <inkml:channelProperty channel="Y" name="resolution" value="1000" units="1/cm"/>
+          <inkml:channelProperty channel="F" name="resolution" value="0" units="1/dev"/>
+        </inkml:channelProperties>
+      </inkml:inkSource>
+      <inkml:timestamp xml:id="ts0" timeString="2024-02-26T13:42:44.034"/>
+    </inkml:context>
+    <inkml:brush xml:id="br0">
+      <inkml:brushProperty name="width" value="0.05" units="cm"/>
+      <inkml:brushProperty name="height" value="0.05" units="cm"/>
+      <inkml:brushProperty name="color" value="#E71224"/>
+    </inkml:brush>
+  </inkml:definitions>
+  <inkml:trace contextRef="#ctx0" brushRef="#br0">0 1 24575,'9'32'0,"8"59"0,-12-55 0,13 44 0,-15-70 0,1 0 0,-1-1 0,2 1 0,-1-1 0,1 0 0,1 0 0,-1 0 0,14 14 0,-17-21 0,0 0 0,0 0 0,0 0 0,0 0 0,0-1 0,0 1 0,1-1 0,-1 1 0,1-1 0,-1 0 0,1 0 0,-1 0 0,1 0 0,0 0 0,-1-1 0,1 1 0,0-1 0,0 0 0,-1 1 0,1-1 0,0-1 0,0 1 0,-1 0 0,1-1 0,0 1 0,-1-1 0,1 0 0,4-2 0,1-1 0,0-1 0,-1 0 0,0 0 0,1-1 0,-2 0 0,1 0 0,7-10 0,-13 15 0,0 0 0,0 0 0,-1 0 0,1 0 0,0 0 0,0 0 0,0 0 0,0 0 0,0 1 0,0-1 0,0 0 0,0 1 0,0-1 0,0 1 0,1-1 0,-1 1 0,0-1 0,0 1 0,0 0 0,1 0 0,-1 0 0,0 0 0,0-1 0,1 2 0,-1-1 0,0 0 0,1 0 0,-1 0 0,0 0 0,0 1 0,0-1 0,1 1 0,-1-1 0,0 1 0,0-1 0,0 1 0,0 0 0,0-1 0,0 1 0,0 0 0,1 1 0,4 5 0,-1 0 0,0 0 0,0 0 0,0 1 0,3 9 0,1-1 0,-4-6 0,1-1 0,0 0 0,1 0 0,0 0 0,15 13 0,-20-21 0,-1 1 0,1 0 0,0-1 0,1 1 0,-1-1 0,0 1 0,0-1 0,0 0 0,1 0 0,-1 0 0,1 0 0,-1-1 0,1 1 0,-1-1 0,1 1 0,-1-1 0,1 0 0,-1 0 0,1 0 0,0 0 0,-1-1 0,1 1 0,-1 0 0,1-1 0,-1 0 0,0 0 0,1 0 0,-1 0 0,1 0 0,-1 0 0,2-2 0,3-3 0,-1 0 0,0 0 0,0 0 0,0-1 0,-1 0 0,0 0 0,-1-1 0,5-8 0,28-70 0,-26 58 0,43-120-1365,-42 110-5461</inkml:trace>
+</inkml:ink>
+</file>
+
+<file path=ppt/ink/ink32.xml><?xml version="1.0" encoding="utf-8"?>
+<inkml:ink xmlns:inkml="http://www.w3.org/2003/InkML">
+  <inkml:definitions>
+    <inkml:context xml:id="ctx0">
+      <inkml:inkSource xml:id="inkSrc0">
+        <inkml:traceFormat>
+          <inkml:channel name="X" type="integer" min="-2.14748E9" max="2.14748E9" units="cm"/>
+          <inkml:channel name="Y" type="integer" min="-2.14748E9" max="2.14748E9" units="cm"/>
+          <inkml:channel name="F" type="integer" max="32767" units="dev"/>
+        </inkml:traceFormat>
+        <inkml:channelProperties>
+          <inkml:channelProperty channel="X" name="resolution" value="1000" units="1/cm"/>
+          <inkml:channelProperty channel="Y" name="resolution" value="1000" units="1/cm"/>
+          <inkml:channelProperty channel="F" name="resolution" value="0" units="1/dev"/>
+        </inkml:channelProperties>
+      </inkml:inkSource>
+      <inkml:timestamp xml:id="ts0" timeString="2024-02-26T13:42:46.185"/>
+    </inkml:context>
+    <inkml:brush xml:id="br0">
+      <inkml:brushProperty name="width" value="0.05" units="cm"/>
+      <inkml:brushProperty name="height" value="0.05" units="cm"/>
+      <inkml:brushProperty name="color" value="#E71224"/>
+    </inkml:brush>
+  </inkml:definitions>
+  <inkml:trace contextRef="#ctx0" brushRef="#br0">34 1185 24575,'-2'0'0,"1"0"0,0 0 0,-1 0 0,1 0 0,0-1 0,-1 1 0,1 0 0,0 0 0,0-1 0,-1 1 0,1-1 0,0 1 0,0-1 0,0 0 0,0 1 0,-1-1 0,1 0 0,0 0 0,0 0 0,1 0 0,-1 1 0,0-1 0,0-1 0,0 1 0,1 0 0,-1 0 0,0 0 0,1 0 0,-1 0 0,1-1 0,-1 1 0,1 0 0,0 0 0,-1-1 0,1 1 0,0 0 0,0-1 0,0 1 0,0 0 0,0-2 0,1-6 0,0-1 0,1 1 0,0 0 0,5-14 0,-4 16 0,58-240 0,-47 186 0,49-139 0,-7 28 0,-44 124 0,35-86 0,-40 116 0,-5 12 0,0 1 0,0-1 0,1 1 0,-1 0 0,1 0 0,1 0 0,-1 0 0,0 0 0,8-6 0,-11 10 0,1 1 0,-1 0 0,1-1 0,0 1 0,-1 0 0,1-1 0,-1 1 0,1 0 0,0-1 0,-1 1 0,1 0 0,0 0 0,-1 0 0,1 0 0,0 0 0,-1 0 0,1 0 0,0 0 0,-1 0 0,1 0 0,0 0 0,-1 0 0,1 0 0,0 1 0,-1-1 0,2 1 0,14 15 0,7 31 0,-21-41 0,29 82 0,24 114 0,-5-15 0,-28-120 0,42 93 0,-53-137 0,1 0 0,2-1 0,0 0 0,1-1 0,1-1 0,1 0 0,25 22 0,-38-38 0,1 0 0,0 0 0,0 0 0,1-1 0,-1 0 0,1 0 0,-1 0 0,1-1 0,0 0 0,0 0 0,0 0 0,0-1 0,1 0 0,7 0 0,-10-1 0,0 0 0,0-1 0,0 0 0,0 0 0,-1 0 0,1 0 0,0 0 0,0-1 0,-1 0 0,1 1 0,-1-1 0,1-1 0,-1 1 0,0 0 0,0-1 0,0 0 0,0 0 0,0 0 0,-1 0 0,1 0 0,-1 0 0,4-8 0,7-16 0,-1-1 0,-2-1 0,-1 1 0,9-50 0,-7 30 0,123-435 0,-82 291 134,-11 39-1633,-32 123-5327</inkml:trace>
+</inkml:ink>
+</file>
+
+<file path=ppt/ink/ink33.xml><?xml version="1.0" encoding="utf-8"?>
+<inkml:ink xmlns:inkml="http://www.w3.org/2003/InkML">
+  <inkml:definitions>
+    <inkml:context xml:id="ctx0">
+      <inkml:inkSource xml:id="inkSrc0">
+        <inkml:traceFormat>
+          <inkml:channel name="X" type="integer" min="-2.14748E9" max="2.14748E9" units="cm"/>
+          <inkml:channel name="Y" type="integer" min="-2.14748E9" max="2.14748E9" units="cm"/>
+          <inkml:channel name="F" type="integer" max="32767" units="dev"/>
+        </inkml:traceFormat>
+        <inkml:channelProperties>
+          <inkml:channelProperty channel="X" name="resolution" value="1000" units="1/cm"/>
+          <inkml:channelProperty channel="Y" name="resolution" value="1000" units="1/cm"/>
+          <inkml:channelProperty channel="F" name="resolution" value="0" units="1/dev"/>
+        </inkml:channelProperties>
+      </inkml:inkSource>
+      <inkml:timestamp xml:id="ts0" timeString="2024-02-26T13:42:47.066"/>
+    </inkml:context>
+    <inkml:brush xml:id="br0">
+      <inkml:brushProperty name="width" value="0.05" units="cm"/>
+      <inkml:brushProperty name="height" value="0.05" units="cm"/>
+      <inkml:brushProperty name="color" value="#E71224"/>
+    </inkml:brush>
+  </inkml:definitions>
+  <inkml:trace contextRef="#ctx0" brushRef="#br0">294 19 24575,'0'-1'0,"0"0"0,0 1 0,0-1 0,0 0 0,0 0 0,-1 1 0,1-1 0,0 0 0,0 0 0,-1 1 0,1-1 0,-1 0 0,1 1 0,0-1 0,-1 0 0,1 1 0,-1-1 0,0 1 0,1-1 0,-1 0 0,1 1 0,-1 0 0,0-1 0,1 1 0,-1-1 0,0 1 0,0 0 0,1-1 0,-1 1 0,0 0 0,0 0 0,1 0 0,-1 0 0,0 0 0,0 0 0,0 0 0,1 0 0,-1 0 0,0 0 0,0 0 0,0 0 0,1 0 0,-1 1 0,0-1 0,0 0 0,1 0 0,-2 2 0,-35 14 0,22-5 0,1 1 0,-18 17 0,-24 20 0,45-42 0,1 1 0,1 0 0,-1 0 0,1 1 0,1 0 0,-1 0 0,2 1 0,-14 20 0,18-24 0,1 0 0,-1 0 0,1 0 0,0 1 0,0-1 0,1 1 0,0-1 0,0 1 0,1 0 0,0-1 0,0 1 0,0-1 0,1 1 0,0 0 0,0-1 0,1 1 0,-1-1 0,5 10 0,-2-8 0,1 0 0,-1-1 0,2 1 0,-1-1 0,1 0 0,0-1 0,0 1 0,0-1 0,1 0 0,0-1 0,1 1 0,-1-1 0,1-1 0,0 0 0,0 0 0,0 0 0,17 4 0,-1-1 0,1 0 0,0-2 0,0-1 0,1-1 0,27-1 0,-48-1 0,0-1 0,-1 0 0,1-1 0,0 1 0,-1-1 0,1 0 0,0 0 0,-1 0 0,1-1 0,-1 1 0,0-1 0,1 0 0,-1-1 0,0 1 0,0-1 0,-1 1 0,1-1 0,0 0 0,-1-1 0,0 1 0,1-1 0,-1 1 0,-1-1 0,1 0 0,-1 0 0,1 0 0,-1 0 0,0-1 0,1-5 0,9-15 0,-2 0 0,-1-1 0,6-33 0,-13 51 0,0 0 0,-1 0 0,0 0 0,-1 0 0,0 0 0,0 0 0,-1 0 0,0 0 0,0 0 0,-1 0 0,0 0 0,0 1 0,-1-1 0,0 1 0,-6-11 0,6 14 4,0 0 0,-1 0-1,1 1 1,-1-1-1,0 1 1,0 0 0,0 0-1,0 1 1,0-1 0,-1 1-1,1 0 1,-1 0 0,1 0-1,-1 1 1,0-1-1,0 1 1,0 0 0,-6 0-1,-12 0-162,1 0 0,-41 4-1,30-1-796,-16 1-5870</inkml:trace>
+</inkml:ink>
+</file>
+
+<file path=ppt/ink/ink34.xml><?xml version="1.0" encoding="utf-8"?>
+<inkml:ink xmlns:inkml="http://www.w3.org/2003/InkML">
+  <inkml:definitions>
+    <inkml:context xml:id="ctx0">
+      <inkml:inkSource xml:id="inkSrc0">
+        <inkml:traceFormat>
+          <inkml:channel name="X" type="integer" min="-2.14748E9" max="2.14748E9" units="cm"/>
+          <inkml:channel name="Y" type="integer" min="-2.14748E9" max="2.14748E9" units="cm"/>
+          <inkml:channel name="F" type="integer" max="32767" units="dev"/>
+        </inkml:traceFormat>
+        <inkml:channelProperties>
+          <inkml:channelProperty channel="X" name="resolution" value="1000" units="1/cm"/>
+          <inkml:channelProperty channel="Y" name="resolution" value="1000" units="1/cm"/>
+          <inkml:channelProperty channel="F" name="resolution" value="0" units="1/dev"/>
+        </inkml:channelProperties>
+      </inkml:inkSource>
+      <inkml:timestamp xml:id="ts0" timeString="2024-02-26T13:42:48.502"/>
+    </inkml:context>
+    <inkml:brush xml:id="br0">
+      <inkml:brushProperty name="width" value="0.05" units="cm"/>
+      <inkml:brushProperty name="height" value="0.05" units="cm"/>
+      <inkml:brushProperty name="color" value="#E71224"/>
+    </inkml:brush>
+  </inkml:definitions>
+  <inkml:trace contextRef="#ctx0" brushRef="#br0">525 1 24575,'-2'116'0,"-6"0"0,-5 0 0,-5-1 0,-34 119 0,25-83 0,6-27 0,17-153 0,2-23 0,2 44 0,0 0 0,0 0 0,-1 0 0,0 1 0,-1-1 0,-2-10 0,3 15 0,0 1 0,-1-1 0,1 1 0,0 0 0,-1-1 0,0 1 0,1 0 0,-1 0 0,0 0 0,0 0 0,0 0 0,0 0 0,-1 1 0,1-1 0,0 1 0,-1 0 0,1-1 0,-1 1 0,1 0 0,-1 0 0,0 1 0,-3-2 0,-8 0 0,-1 0 0,0 0 0,1 1 0,-1 1 0,0 0 0,1 1 0,-1 1 0,1 0 0,-1 1 0,1 1 0,0 0 0,-19 9 0,26-10 0,0 1 0,0 0 0,0 0 0,0 0 0,1 1 0,-1 0 0,1 0 0,1 1 0,-1 0 0,1 0 0,0 0 0,0 1 0,1-1 0,0 1 0,0 0 0,0 0 0,1 1 0,0-1 0,1 1 0,0 0 0,0-1 0,0 1 0,1 0 0,0 9 0,1-11 0,0 0 0,0 1 0,1-1 0,0 0 0,0 1 0,1-1 0,-1 0 0,1 0 0,1 0 0,-1 0 0,1 0 0,0-1 0,0 1 0,1-1 0,0 0 0,0 0 0,0 0 0,0 0 0,1-1 0,8 7 0,-4-5 0,0 0 0,0-1 0,1 1 0,-1-2 0,1 0 0,1 0 0,-1 0 0,0-2 0,1 1 0,0-1 0,15 1 0,92-4-1365,-87-1-5461</inkml:trace>
+</inkml:ink>
+</file>
+
+<file path=ppt/ink/ink35.xml><?xml version="1.0" encoding="utf-8"?>
+<inkml:ink xmlns:inkml="http://www.w3.org/2003/InkML">
+  <inkml:definitions>
+    <inkml:context xml:id="ctx0">
+      <inkml:inkSource xml:id="inkSrc0">
+        <inkml:traceFormat>
+          <inkml:channel name="X" type="integer" min="-2.14748E9" max="2.14748E9" units="cm"/>
+          <inkml:channel name="Y" type="integer" min="-2.14748E9" max="2.14748E9" units="cm"/>
+          <inkml:channel name="F" type="integer" max="32767" units="dev"/>
+        </inkml:traceFormat>
+        <inkml:channelProperties>
+          <inkml:channelProperty channel="X" name="resolution" value="1000" units="1/cm"/>
+          <inkml:channelProperty channel="Y" name="resolution" value="1000" units="1/cm"/>
+          <inkml:channelProperty channel="F" name="resolution" value="0" units="1/dev"/>
+        </inkml:channelProperties>
+      </inkml:inkSource>
+      <inkml:timestamp xml:id="ts0" timeString="2024-02-26T13:42:49.428"/>
+    </inkml:context>
+    <inkml:brush xml:id="br0">
+      <inkml:brushProperty name="width" value="0.05" units="cm"/>
+      <inkml:brushProperty name="height" value="0.05" units="cm"/>
+      <inkml:brushProperty name="color" value="#E71224"/>
+    </inkml:brush>
+  </inkml:definitions>
+  <inkml:trace contextRef="#ctx0" brushRef="#br0">154 269 24575,'0'-1'0,"1"1"0,-1-1 0,0 0 0,0 0 0,1 0 0,-1 0 0,0 0 0,1 0 0,-1 0 0,1 1 0,-1-1 0,1 0 0,0 0 0,-1 1 0,1-1 0,0 0 0,-1 1 0,1-1 0,0 1 0,0-1 0,0 1 0,0-1 0,-1 1 0,1-1 0,0 1 0,1 0 0,30-8 0,-22 6 0,19-6 0,-1-2 0,0-1 0,32-18 0,-49 24 0,-1-1 0,-1-1 0,1 0 0,-1 0 0,0 0 0,8-11 0,-13 15 0,-1-1 0,0 0 0,0 0 0,0 0 0,0 0 0,-1 0 0,1 0 0,-1-1 0,0 1 0,-1-1 0,1 1 0,-1-1 0,0 0 0,0 0 0,0 0 0,-1 1 0,0-6 0,0 8 0,0 0 0,-1 0 0,0 0 0,1 0 0,-1 0 0,0 0 0,0 1 0,0-1 0,0 0 0,0 1 0,-1-1 0,1 1 0,0-1 0,-1 1 0,1 0 0,-1-1 0,0 1 0,1 0 0,-1 0 0,0 0 0,0 0 0,1 0 0,-1 1 0,0-1 0,0 0 0,0 1 0,-3-1 0,-7-1 0,0 1 0,1 0 0,-18 0 0,19 2 0,-6-1 0,1 2 0,-1 0 0,0 0 0,0 2 0,1 0 0,0 1 0,-26 11 0,15-3 0,1 1 0,0 1 0,-31 25 0,49-34 0,1 1 0,-1-1 0,2 1 0,-1 0 0,1 1 0,0-1 0,1 1 0,0 0 0,0 0 0,0 1 0,1-1 0,1 1 0,-1-1 0,1 1 0,1 0 0,-2 17 0,3-6 0,-1-1 0,2 0 0,1 0 0,0 0 0,2 0 0,0 0 0,6 18 0,-4-22-59,1 0 0,0 0-1,1-1 1,1 0-1,0-1 1,1 1 0,0-2-1,1 0 1,0 0 0,1 0-1,0-2 1,1 0 0,0 0-1,1-1 1,0 0-1,0-2 1,1 0 0,0 0-1,0-1 1,1-1 0,-1 0-1,29 3 1,-13-4-6767</inkml:trace>
+</inkml:ink>
+</file>
+
+<file path=ppt/ink/ink36.xml><?xml version="1.0" encoding="utf-8"?>
+<inkml:ink xmlns:inkml="http://www.w3.org/2003/InkML">
+  <inkml:definitions>
+    <inkml:context xml:id="ctx0">
+      <inkml:inkSource xml:id="inkSrc0">
+        <inkml:traceFormat>
+          <inkml:channel name="X" type="integer" min="-2.14748E9" max="2.14748E9" units="cm"/>
+          <inkml:channel name="Y" type="integer" min="-2.14748E9" max="2.14748E9" units="cm"/>
+          <inkml:channel name="F" type="integer" max="32767" units="dev"/>
+        </inkml:traceFormat>
+        <inkml:channelProperties>
+          <inkml:channelProperty channel="X" name="resolution" value="1000" units="1/cm"/>
+          <inkml:channelProperty channel="Y" name="resolution" value="1000" units="1/cm"/>
+          <inkml:channelProperty channel="F" name="resolution" value="0" units="1/dev"/>
+        </inkml:channelProperties>
+      </inkml:inkSource>
+      <inkml:timestamp xml:id="ts0" timeString="2024-02-26T13:42:50.741"/>
+    </inkml:context>
+    <inkml:brush xml:id="br0">
+      <inkml:brushProperty name="width" value="0.05" units="cm"/>
+      <inkml:brushProperty name="height" value="0.05" units="cm"/>
+      <inkml:brushProperty name="color" value="#E71224"/>
+    </inkml:brush>
+  </inkml:definitions>
+  <inkml:trace contextRef="#ctx0" brushRef="#br0">770 18 24575,'0'0'0,"0"-1"0,0 0 0,0 0 0,0 1 0,-1-1 0,1 0 0,0 0 0,0 1 0,-1-1 0,1 0 0,0 1 0,-1-1 0,1 0 0,-1 1 0,1-1 0,0 1 0,-1-1 0,0 1 0,1-1 0,-1 1 0,1-1 0,-1 1 0,0-1 0,1 1 0,-1 0 0,0-1 0,1 1 0,-1 0 0,0-1 0,1 1 0,-1 0 0,0 0 0,0 0 0,1 0 0,-1 0 0,0 0 0,0 0 0,1 0 0,-2 0 0,-32 8 0,18-1 0,0 1 0,1 0 0,-1 2 0,-17 13 0,-58 54 0,29-23 0,-3 3 0,-92 108 0,115-120 0,-6 10 0,-58 82 0,99-124 0,0 0 0,1 0 0,1 0 0,0 0 0,1 1 0,0 0 0,1 0 0,1 0 0,0 0 0,0 23 0,2 5 0,2 0 0,10 55 0,-5-56 0,19 66 0,-19-88 0,0-1 0,1 0 0,1 0 0,0-1 0,20 28 0,-16-27 0,1-1 0,1 0 0,0-1 0,1-1 0,1 0 0,0-1 0,1-1 0,0 0 0,1-2 0,31 15 0,44 14-1365,-55-25-5461</inkml:trace>
+</inkml:ink>
+</file>
+
+<file path=ppt/ink/ink37.xml><?xml version="1.0" encoding="utf-8"?>
+<inkml:ink xmlns:inkml="http://www.w3.org/2003/InkML">
+  <inkml:definitions>
+    <inkml:context xml:id="ctx0">
+      <inkml:inkSource xml:id="inkSrc0">
+        <inkml:traceFormat>
+          <inkml:channel name="X" type="integer" min="-2.14748E9" max="2.14748E9" units="cm"/>
+          <inkml:channel name="Y" type="integer" min="-2.14748E9" max="2.14748E9" units="cm"/>
+          <inkml:channel name="F" type="integer" max="32767" units="dev"/>
+        </inkml:traceFormat>
+        <inkml:channelProperties>
+          <inkml:channelProperty channel="X" name="resolution" value="1000" units="1/cm"/>
+          <inkml:channelProperty channel="Y" name="resolution" value="1000" units="1/cm"/>
+          <inkml:channelProperty channel="F" name="resolution" value="0" units="1/dev"/>
+        </inkml:channelProperties>
+      </inkml:inkSource>
+      <inkml:timestamp xml:id="ts0" timeString="2024-02-26T13:43:12.520"/>
+    </inkml:context>
+    <inkml:brush xml:id="br0">
+      <inkml:brushProperty name="width" value="0.05" units="cm"/>
+      <inkml:brushProperty name="height" value="0.05" units="cm"/>
+      <inkml:brushProperty name="color" value="#E71224"/>
+    </inkml:brush>
+  </inkml:definitions>
+  <inkml:trace contextRef="#ctx0" brushRef="#br0">109 1 24575,'-3'47'0,"-2"1"0,-1-1 0,-24 81 0,21-88 0,-15 41 0,13-47 0,-10 54 0,22-84 0,4-10 0,70-124 0,-6 7 0,-49 92 0,-3 3 0,2 0 0,41-47 0,-59 73 0,1 0 0,-1 1 0,1-1 0,0 0 0,0 1 0,0-1 0,0 1 0,0 0 0,0 0 0,0-1 0,0 1 0,0 0 0,0 1 0,1-1 0,-1 0 0,0 1 0,1-1 0,-1 1 0,0 0 0,5 0 0,-5 1 0,0 0 0,0 0 0,-1 0 0,1 0 0,0 0 0,-1 0 0,1 0 0,-1 1 0,0-1 0,1 1 0,-1-1 0,0 1 0,0 0 0,0-1 0,0 1 0,0 0 0,0 0 0,0 0 0,-1 0 0,1 0 0,-1 0 0,1 0 0,-1 0 0,1 2 0,4 36 0,-2 0 0,-1 0 0,-6 63 0,1-26 0,1 58-1365,1-80-5461</inkml:trace>
+</inkml:ink>
+</file>
+
+<file path=ppt/ink/ink38.xml><?xml version="1.0" encoding="utf-8"?>
+<inkml:ink xmlns:inkml="http://www.w3.org/2003/InkML">
+  <inkml:definitions>
+    <inkml:context xml:id="ctx0">
+      <inkml:inkSource xml:id="inkSrc0">
+        <inkml:traceFormat>
+          <inkml:channel name="X" type="integer" min="-2.14748E9" max="2.14748E9" units="cm"/>
+          <inkml:channel name="Y" type="integer" min="-2.14748E9" max="2.14748E9" units="cm"/>
+          <inkml:channel name="F" type="integer" max="32767" units="dev"/>
+        </inkml:traceFormat>
+        <inkml:channelProperties>
+          <inkml:channelProperty channel="X" name="resolution" value="1000" units="1/cm"/>
+          <inkml:channelProperty channel="Y" name="resolution" value="1000" units="1/cm"/>
+          <inkml:channelProperty channel="F" name="resolution" value="0" units="1/dev"/>
+        </inkml:channelProperties>
+      </inkml:inkSource>
+      <inkml:timestamp xml:id="ts0" timeString="2024-02-26T13:43:13.132"/>
+    </inkml:context>
+    <inkml:brush xml:id="br0">
+      <inkml:brushProperty name="width" value="0.05" units="cm"/>
+      <inkml:brushProperty name="height" value="0.05" units="cm"/>
+      <inkml:brushProperty name="color" value="#E71224"/>
+    </inkml:brush>
+  </inkml:definitions>
+  <inkml:trace contextRef="#ctx0" brushRef="#br0">0 176 24575,'1'0'0,"0"0"0,0 0 0,0 1 0,0-1 0,0 0 0,0 1 0,-1-1 0,1 0 0,0 1 0,0-1 0,-1 1 0,1 0 0,0-1 0,-1 1 0,1-1 0,0 1 0,-1 0 0,1 0 0,-1-1 0,1 1 0,-1 0 0,1 0 0,-1 0 0,1 0 0,7 27 0,-5-19 0,10 35 0,1-2 0,3 0 0,1-1 0,28 47 0,-42-82 0,0-1 0,0 1 0,1-1 0,-1 0 0,1 0 0,0-1 0,11 9 0,-14-12 0,0 0 0,-1 0 0,1-1 0,0 1 0,0 0 0,0-1 0,0 1 0,0-1 0,0 0 0,0 0 0,0 1 0,0-1 0,0-1 0,0 1 0,0 0 0,0 0 0,0-1 0,0 1 0,0-1 0,0 0 0,0 1 0,0-1 0,-1 0 0,1 0 0,0 0 0,-1 0 0,1-1 0,0 1 0,-1 0 0,1-1 0,0-1 0,11-11 0,-1-1 0,0 0 0,-1-1 0,-1 0 0,12-25 0,-3-2 0,16-49 0,-25 60-227,-3 1-1,0-1 1,-2 0-1,-1 0 1,-1-49-1,-4 51-6598</inkml:trace>
+</inkml:ink>
+</file>
+
+<file path=ppt/ink/ink39.xml><?xml version="1.0" encoding="utf-8"?>
+<inkml:ink xmlns:inkml="http://www.w3.org/2003/InkML">
+  <inkml:definitions>
+    <inkml:context xml:id="ctx0">
+      <inkml:inkSource xml:id="inkSrc0">
+        <inkml:traceFormat>
+          <inkml:channel name="X" type="integer" min="-2.14748E9" max="2.14748E9" units="cm"/>
+          <inkml:channel name="Y" type="integer" min="-2.14748E9" max="2.14748E9" units="cm"/>
+          <inkml:channel name="F" type="integer" max="32767" units="dev"/>
+        </inkml:traceFormat>
+        <inkml:channelProperties>
+          <inkml:channelProperty channel="X" name="resolution" value="1000" units="1/cm"/>
+          <inkml:channelProperty channel="Y" name="resolution" value="1000" units="1/cm"/>
+          <inkml:channelProperty channel="F" name="resolution" value="0" units="1/dev"/>
+        </inkml:channelProperties>
+      </inkml:inkSource>
+      <inkml:timestamp xml:id="ts0" timeString="2024-02-26T13:43:13.645"/>
+    </inkml:context>
+    <inkml:brush xml:id="br0">
+      <inkml:brushProperty name="width" value="0.05" units="cm"/>
+      <inkml:brushProperty name="height" value="0.05" units="cm"/>
+      <inkml:brushProperty name="color" value="#E71224"/>
+    </inkml:brush>
+  </inkml:definitions>
+  <inkml:trace contextRef="#ctx0" brushRef="#br0">202 1 24575,'0'15'0,"-5"24"0,-6 31 0,-7 38 0,-5 21 0,-4 8 0,3 5 0,6-5 0,0-18 0,4-13 0,-1-10 0,3-16 0,2-32 0,4-24-8191</inkml:trace>
+</inkml:ink>
+</file>
+
+<file path=ppt/ink/ink4.xml><?xml version="1.0" encoding="utf-8"?>
+<inkml:ink xmlns:inkml="http://www.w3.org/2003/InkML">
+  <inkml:definitions>
+    <inkml:context xml:id="ctx0">
+      <inkml:inkSource xml:id="inkSrc0">
+        <inkml:traceFormat>
+          <inkml:channel name="X" type="integer" min="-2.14748E9" max="2.14748E9" units="cm"/>
+          <inkml:channel name="Y" type="integer" min="-2.14748E9" max="2.14748E9" units="cm"/>
+          <inkml:channel name="F" type="integer" max="32767" units="dev"/>
+        </inkml:traceFormat>
+        <inkml:channelProperties>
+          <inkml:channelProperty channel="X" name="resolution" value="1000" units="1/cm"/>
+          <inkml:channelProperty channel="Y" name="resolution" value="1000" units="1/cm"/>
+          <inkml:channelProperty channel="F" name="resolution" value="0" units="1/dev"/>
+        </inkml:channelProperties>
+      </inkml:inkSource>
+      <inkml:timestamp xml:id="ts0" timeString="2024-02-26T13:42:17.104"/>
+    </inkml:context>
+    <inkml:brush xml:id="br0">
+      <inkml:brushProperty name="width" value="0.05" units="cm"/>
+      <inkml:brushProperty name="height" value="0.05" units="cm"/>
+      <inkml:brushProperty name="color" value="#E71224"/>
+    </inkml:brush>
+  </inkml:definitions>
+  <inkml:trace contextRef="#ctx0" brushRef="#br0">1 0 24575,'5'0'0,"6"0"0,7 0 0,5 0 0,3 0 0,8 0 0,3 0 0,-1 0 0,0 0 0,-2 0 0,-7 0-8191</inkml:trace>
+</inkml:ink>
+</file>
+
+<file path=ppt/ink/ink40.xml><?xml version="1.0" encoding="utf-8"?>
+<inkml:ink xmlns:inkml="http://www.w3.org/2003/InkML">
+  <inkml:definitions>
+    <inkml:context xml:id="ctx0">
+      <inkml:inkSource xml:id="inkSrc0">
+        <inkml:traceFormat>
+          <inkml:channel name="X" type="integer" min="-2.14748E9" max="2.14748E9" units="cm"/>
+          <inkml:channel name="Y" type="integer" min="-2.14748E9" max="2.14748E9" units="cm"/>
+          <inkml:channel name="F" type="integer" max="32767" units="dev"/>
+        </inkml:traceFormat>
+        <inkml:channelProperties>
+          <inkml:channelProperty channel="X" name="resolution" value="1000" units="1/cm"/>
+          <inkml:channelProperty channel="Y" name="resolution" value="1000" units="1/cm"/>
+          <inkml:channelProperty channel="F" name="resolution" value="0" units="1/dev"/>
+        </inkml:channelProperties>
+      </inkml:inkSource>
+      <inkml:timestamp xml:id="ts0" timeString="2024-02-26T13:43:14.256"/>
+    </inkml:context>
+    <inkml:brush xml:id="br0">
+      <inkml:brushProperty name="width" value="0.05" units="cm"/>
+      <inkml:brushProperty name="height" value="0.05" units="cm"/>
+      <inkml:brushProperty name="color" value="#E71224"/>
+    </inkml:brush>
+  </inkml:definitions>
+  <inkml:trace contextRef="#ctx0" brushRef="#br0">60 1 24575,'-22'665'0,"20"-647"-42,-34 670-1281,37-659-5503</inkml:trace>
+</inkml:ink>
+</file>
+
+<file path=ppt/ink/ink41.xml><?xml version="1.0" encoding="utf-8"?>
+<inkml:ink xmlns:inkml="http://www.w3.org/2003/InkML">
+  <inkml:definitions>
+    <inkml:context xml:id="ctx0">
+      <inkml:inkSource xml:id="inkSrc0">
+        <inkml:traceFormat>
+          <inkml:channel name="X" type="integer" min="-2.14748E9" max="2.14748E9" units="cm"/>
+          <inkml:channel name="Y" type="integer" min="-2.14748E9" max="2.14748E9" units="cm"/>
+          <inkml:channel name="F" type="integer" max="32767" units="dev"/>
+        </inkml:traceFormat>
+        <inkml:channelProperties>
+          <inkml:channelProperty channel="X" name="resolution" value="1000" units="1/cm"/>
+          <inkml:channelProperty channel="Y" name="resolution" value="1000" units="1/cm"/>
+          <inkml:channelProperty channel="F" name="resolution" value="0" units="1/dev"/>
+        </inkml:channelProperties>
+      </inkml:inkSource>
+      <inkml:timestamp xml:id="ts0" timeString="2024-02-26T13:43:08.418"/>
+    </inkml:context>
+    <inkml:brush xml:id="br0">
+      <inkml:brushProperty name="width" value="0.05" units="cm"/>
+      <inkml:brushProperty name="height" value="0.05" units="cm"/>
+      <inkml:brushProperty name="color" value="#E71224"/>
+    </inkml:brush>
+  </inkml:definitions>
+  <inkml:trace contextRef="#ctx0" brushRef="#br0">62 117 24575,'-6'15'0,"1"0"0,0 1 0,2 0 0,-1 0 0,2 0 0,0 0 0,1 18 0,-2 13 0,-27 496 0,31 7 0,1-210 0,-2 358 0,18-444 0,-13-206 0,-3-29 0,0 1 0,1-1 0,1 0 0,1 0 0,9 23 0,-11-37 0,-1 0 0,1 0 0,0 0 0,0 0 0,0-1 0,1 1 0,-1-1 0,1 0 0,0 0 0,1 0 0,-1-1 0,1 1 0,-1-1 0,1 0 0,0 0 0,0-1 0,0 1 0,1-1 0,-1-1 0,0 1 0,1-1 0,9 2 0,17-1 0,0-1 0,60-7 0,-9 0 0,303 19 0,-154-2 0,809-5 0,-587-9 0,674 3 0,-418 58 0,-532-37 0,-34-11 0,157-9 0,-126-4 0,-108 4 0,-27 1 0,0-2 0,65-9 0,-100 8 0,0 0 0,-1 0 0,1 0 0,0-1 0,-1 0 0,1 0 0,-1-1 0,0 1 0,1-1 0,-1 0 0,0 0 0,-1 0 0,1 0 0,-1-1 0,1 1 0,-1-1 0,0 0 0,0 0 0,-1 0 0,1-1 0,-1 1 0,0-1 0,0 1 0,0-1 0,-1 1 0,1-1 0,0-6 0,1-13 0,-1-1 0,-1 1 0,0 0 0,-6-36 0,2 10 0,1-18 0,-30-431 0,3 78 0,27-3 0,3 220 0,-4 128 0,-25-133 0,2 29 0,22-127 0,6 166 0,0 89 0,-1 27 0,-1 0 0,-5-43 0,5 65 0,-1 0 0,0 1 0,0-1 0,0 1 0,0-1 0,0 1 0,-1 0 0,1-1 0,-1 1 0,1 0 0,-1 0 0,0 0 0,0 0 0,0 0 0,0 1 0,0-1 0,0 0 0,-1 1 0,1 0 0,0-1 0,-1 1 0,1 0 0,-1 0 0,1 1 0,-1-1 0,-2 0 0,-8-2 0,0 2 0,0 0 0,0 0 0,-15 1 0,-479 24 0,-771 26 0,415-36 0,530-17 0,-270 22 0,-145-5 0,472-16 0,174 1 0,-119 3 0,186 1-305,1 2 0,0 2-1,-49 16 1,80-22 161,-28 8-6682</inkml:trace>
+</inkml:ink>
+</file>
+
+<file path=ppt/ink/ink42.xml><?xml version="1.0" encoding="utf-8"?>
+<inkml:ink xmlns:inkml="http://www.w3.org/2003/InkML">
+  <inkml:definitions>
+    <inkml:context xml:id="ctx0">
+      <inkml:inkSource xml:id="inkSrc0">
+        <inkml:traceFormat>
+          <inkml:channel name="X" type="integer" min="-2.14748E9" max="2.14748E9" units="cm"/>
+          <inkml:channel name="Y" type="integer" min="-2.14748E9" max="2.14748E9" units="cm"/>
+          <inkml:channel name="F" type="integer" max="32767" units="dev"/>
+        </inkml:traceFormat>
+        <inkml:channelProperties>
+          <inkml:channelProperty channel="X" name="resolution" value="1000" units="1/cm"/>
+          <inkml:channelProperty channel="Y" name="resolution" value="1000" units="1/cm"/>
+          <inkml:channelProperty channel="F" name="resolution" value="0" units="1/dev"/>
+        </inkml:channelProperties>
+      </inkml:inkSource>
+      <inkml:timestamp xml:id="ts0" timeString="2024-02-26T13:43:09.613"/>
+    </inkml:context>
+    <inkml:brush xml:id="br0">
+      <inkml:brushProperty name="width" value="0.05" units="cm"/>
+      <inkml:brushProperty name="height" value="0.05" units="cm"/>
+      <inkml:brushProperty name="color" value="#E71224"/>
+    </inkml:brush>
+  </inkml:definitions>
+  <inkml:trace contextRef="#ctx0" brushRef="#br0">0 0 24575,'0'1829'0,"15"-1540"0,0 23 0,-15-272-109,3 141 352,-1-157-493,1 0 0,1 0 0,2 0 1,0 0-1,12 29 0,-2-20-6576</inkml:trace>
+</inkml:ink>
+</file>
+
+<file path=ppt/ink/ink43.xml><?xml version="1.0" encoding="utf-8"?>
+<inkml:ink xmlns:inkml="http://www.w3.org/2003/InkML">
+  <inkml:definitions>
+    <inkml:context xml:id="ctx0">
+      <inkml:inkSource xml:id="inkSrc0">
+        <inkml:traceFormat>
+          <inkml:channel name="X" type="integer" min="-2.14748E9" max="2.14748E9" units="cm"/>
+          <inkml:channel name="Y" type="integer" min="-2.14748E9" max="2.14748E9" units="cm"/>
+          <inkml:channel name="F" type="integer" max="32767" units="dev"/>
+        </inkml:traceFormat>
+        <inkml:channelProperties>
+          <inkml:channelProperty channel="X" name="resolution" value="1000" units="1/cm"/>
+          <inkml:channelProperty channel="Y" name="resolution" value="1000" units="1/cm"/>
+          <inkml:channelProperty channel="F" name="resolution" value="0" units="1/dev"/>
+        </inkml:channelProperties>
+      </inkml:inkSource>
+      <inkml:timestamp xml:id="ts0" timeString="2024-02-26T13:43:11.600"/>
+    </inkml:context>
+    <inkml:brush xml:id="br0">
+      <inkml:brushProperty name="width" value="0.05" units="cm"/>
+      <inkml:brushProperty name="height" value="0.05" units="cm"/>
+      <inkml:brushProperty name="color" value="#E71224"/>
+    </inkml:brush>
+  </inkml:definitions>
+  <inkml:trace contextRef="#ctx0" brushRef="#br0">0 487 24575,'19'0'0,"409"-18"0,-300 0 0,71-7 0,-194 24 0,-1 1 0,1-1 0,0 1 0,0-1 0,-1 0 0,1-1 0,-1 1 0,1-1 0,-1 0 0,0 0 0,1-1 0,-1 1 0,0-1 0,-1 0 0,1 0 0,0 0 0,-1 0 0,4-5 0,-5 4 0,1 0 0,-1-1 0,0 1 0,-1 0 0,1-1 0,-1 0 0,0 1 0,0-1 0,0 0 0,-1 0 0,1 0 0,-1 1 0,0-1 0,-1 0 0,1 0 0,-1 0 0,0 1 0,-2-6 0,-1-3 0,0-1 0,-1 1 0,-1 0 0,0 0 0,-1 1 0,0 0 0,-11-14 0,-69-73 0,45 54 0,35 38 0,5 4 0,0 1 0,-1-1 0,1 0 0,-1 1 0,0-1 0,1 1 0,-1 0 0,-5-2 0,26 37 0,30 44 0,-15-25 0,35 71 0,-57-100 0,-1 1 0,0 1 0,-2 0 0,-1 0 0,-1 1 0,-2 0 0,0 0 0,-1 0 0,-2 0 0,-1 0 0,-1 1 0,-8 51 0,-33 148 0,31-135-1365,10-66-5461</inkml:trace>
+</inkml:ink>
+</file>
+
+<file path=ppt/ink/ink44.xml><?xml version="1.0" encoding="utf-8"?>
+<inkml:ink xmlns:inkml="http://www.w3.org/2003/InkML">
+  <inkml:definitions>
+    <inkml:context xml:id="ctx0">
+      <inkml:inkSource xml:id="inkSrc0">
+        <inkml:traceFormat>
+          <inkml:channel name="X" type="integer" min="-2.14748E9" max="2.14748E9" units="cm"/>
+          <inkml:channel name="Y" type="integer" min="-2.14748E9" max="2.14748E9" units="cm"/>
+          <inkml:channel name="F" type="integer" max="32767" units="dev"/>
+        </inkml:traceFormat>
+        <inkml:channelProperties>
+          <inkml:channelProperty channel="X" name="resolution" value="1000" units="1/cm"/>
+          <inkml:channelProperty channel="Y" name="resolution" value="1000" units="1/cm"/>
+          <inkml:channelProperty channel="F" name="resolution" value="0" units="1/dev"/>
+        </inkml:channelProperties>
+      </inkml:inkSource>
+      <inkml:timestamp xml:id="ts0" timeString="2024-02-26T13:43:17.056"/>
+    </inkml:context>
+    <inkml:brush xml:id="br0">
+      <inkml:brushProperty name="width" value="0.05" units="cm"/>
+      <inkml:brushProperty name="height" value="0.05" units="cm"/>
+      <inkml:brushProperty name="color" value="#E71224"/>
+    </inkml:brush>
+  </inkml:definitions>
+  <inkml:trace contextRef="#ctx0" brushRef="#br0">0 109 24575,'2'0'0,"0"0"0,-1 0 0,1 1 0,0-1 0,0 1 0,-1 0 0,1-1 0,0 1 0,-1 0 0,1 0 0,-1 0 0,1 0 0,-1 0 0,0 0 0,1 1 0,-1-1 0,0 0 0,0 1 0,0-1 0,0 1 0,0-1 0,0 1 0,1 1 0,15 43 0,-15-38 0,9 38 0,-2 1 0,-1 0 0,0 60 0,-6-85 0,1 0 0,1-1 0,1 1 0,0-1 0,2 0 0,1 0 0,0-1 0,1 0 0,16 25 0,-24-44 0,-1 0 0,0 0 0,1 0 0,-1 0 0,1-1 0,0 1 0,-1 0 0,1 0 0,0 0 0,-1 0 0,1-1 0,0 1 0,0 0 0,0-1 0,0 1 0,0 0 0,0-1 0,0 1 0,0-1 0,0 0 0,0 1 0,0-1 0,0 0 0,0 0 0,0 1 0,0-1 0,0 0 0,0 0 0,0 0 0,0 0 0,0 0 0,1-1 0,-1 1 0,0 0 0,0 0 0,0-1 0,0 1 0,0-1 0,0 1 0,0-1 0,0 1 0,-1-1 0,1 0 0,0 1 0,0-1 0,0 0 0,-1 0 0,1 1 0,1-2 0,3-5 0,-1 0 0,1-1 0,-1 1 0,7-17 0,-10 21 0,10-28 12,-1 0-1,-1 0 0,-1-1 1,-2 0-1,2-52 0,-7-170-475,-3 163-505,1 58-5857</inkml:trace>
+</inkml:ink>
+</file>
+
+<file path=ppt/ink/ink45.xml><?xml version="1.0" encoding="utf-8"?>
+<inkml:ink xmlns:inkml="http://www.w3.org/2003/InkML">
+  <inkml:definitions>
+    <inkml:context xml:id="ctx0">
+      <inkml:inkSource xml:id="inkSrc0">
+        <inkml:traceFormat>
+          <inkml:channel name="X" type="integer" min="-2.14748E9" max="2.14748E9" units="cm"/>
+          <inkml:channel name="Y" type="integer" min="-2.14748E9" max="2.14748E9" units="cm"/>
+          <inkml:channel name="F" type="integer" max="32767" units="dev"/>
+        </inkml:traceFormat>
+        <inkml:channelProperties>
+          <inkml:channelProperty channel="X" name="resolution" value="1000" units="1/cm"/>
+          <inkml:channelProperty channel="Y" name="resolution" value="1000" units="1/cm"/>
+          <inkml:channelProperty channel="F" name="resolution" value="0" units="1/dev"/>
+        </inkml:channelProperties>
+      </inkml:inkSource>
+      <inkml:timestamp xml:id="ts0" timeString="2024-02-26T13:43:18.194"/>
+    </inkml:context>
+    <inkml:brush xml:id="br0">
+      <inkml:brushProperty name="width" value="0.05" units="cm"/>
+      <inkml:brushProperty name="height" value="0.05" units="cm"/>
+      <inkml:brushProperty name="color" value="#E71224"/>
+    </inkml:brush>
+  </inkml:definitions>
+  <inkml:trace contextRef="#ctx0" brushRef="#br0">301 94 24575,'0'0'0,"1"0"0,-1 0 0,0 0 0,1 0 0,-1 0 0,1 0 0,-1 0 0,1 0 0,-1 0 0,0 0 0,1 0 0,-1 0 0,1 0 0,-1-1 0,1 1 0,-1 0 0,0 0 0,1 0 0,-1-1 0,0 1 0,1 0 0,-1 0 0,0-1 0,1 1 0,-1 0 0,0-1 0,1 1 0,-1 0 0,0-1 0,0 1 0,0 0 0,1-1 0,-1 1 0,0-1 0,0 0 0,-6-15 0,-21-12 0,18 22 0,0 1 0,0 0 0,-1 1 0,0 0 0,0 1 0,0 0 0,-1 0 0,-13-1 0,5 1 0,0 2 0,0 0 0,-35 4 0,51-2 0,0 0 0,0-1 0,-1 1 0,1 1 0,0-1 0,0 0 0,0 1 0,0 0 0,0-1 0,1 1 0,-1 0 0,0 0 0,1 1 0,0-1 0,-1 1 0,1-1 0,0 1 0,0 0 0,0-1 0,1 1 0,-1 0 0,1 0 0,0 0 0,-1 1 0,1-1 0,1 0 0,-1 0 0,0 1 0,1-1 0,-1 4 0,0 6 0,0 1 0,1-1 0,1 0 0,0 0 0,0 0 0,5 18 0,-4-26 0,0 0 0,-1 0 0,2-1 0,-1 1 0,0-1 0,1 1 0,0-1 0,0 0 0,0 0 0,0 0 0,1-1 0,0 1 0,-1-1 0,1 0 0,1 0 0,-1 0 0,0-1 0,1 1 0,-1-1 0,1 0 0,-1 0 0,1-1 0,0 1 0,0-1 0,0 0 0,0 0 0,0-1 0,0 1 0,5-2 0,-5 2 0,0-1 0,0-1 0,0 1 0,0-1 0,0 0 0,0 0 0,0 0 0,0-1 0,-1 0 0,1 0 0,-1 0 0,1 0 0,-1-1 0,0 0 0,0 1 0,0-2 0,0 1 0,0 0 0,-1-1 0,0 1 0,1-1 0,-1 0 0,-1 0 0,1-1 0,-1 1 0,1-1 0,-1 1 0,0-1 0,1-7 0,0-3 0,0-1 0,-2 0 0,0 0 0,-1 0 0,0 1 0,-4-18 0,0 104 0,3-26-116,-1 15-509,9 89 1,-1-108-6202</inkml:trace>
+</inkml:ink>
+</file>
+
+<file path=ppt/ink/ink46.xml><?xml version="1.0" encoding="utf-8"?>
+<inkml:ink xmlns:inkml="http://www.w3.org/2003/InkML">
+  <inkml:definitions>
+    <inkml:context xml:id="ctx0">
+      <inkml:inkSource xml:id="inkSrc0">
+        <inkml:traceFormat>
+          <inkml:channel name="X" type="integer" min="-2.14748E9" max="2.14748E9" units="cm"/>
+          <inkml:channel name="Y" type="integer" min="-2.14748E9" max="2.14748E9" units="cm"/>
+          <inkml:channel name="F" type="integer" max="32767" units="dev"/>
+        </inkml:traceFormat>
+        <inkml:channelProperties>
+          <inkml:channelProperty channel="X" name="resolution" value="1000" units="1/cm"/>
+          <inkml:channelProperty channel="Y" name="resolution" value="1000" units="1/cm"/>
+          <inkml:channelProperty channel="F" name="resolution" value="0" units="1/dev"/>
+        </inkml:channelProperties>
+      </inkml:inkSource>
+      <inkml:timestamp xml:id="ts0" timeString="2024-02-26T13:43:18.724"/>
+    </inkml:context>
+    <inkml:brush xml:id="br0">
+      <inkml:brushProperty name="width" value="0.05" units="cm"/>
+      <inkml:brushProperty name="height" value="0.05" units="cm"/>
+      <inkml:brushProperty name="color" value="#E71224"/>
+    </inkml:brush>
+  </inkml:definitions>
+  <inkml:trace contextRef="#ctx0" brushRef="#br0">0 0 24575,'0'5'0,"0"7"0,0 6 0,0 24 0,0 21 0,0 9 0,0 3 0,0-2 0,0-8 0,0-6 0,0-7 0,0-8 0,0-11-8191</inkml:trace>
+</inkml:ink>
+</file>
+
+<file path=ppt/ink/ink47.xml><?xml version="1.0" encoding="utf-8"?>
+<inkml:ink xmlns:inkml="http://www.w3.org/2003/InkML">
+  <inkml:definitions>
+    <inkml:context xml:id="ctx0">
+      <inkml:inkSource xml:id="inkSrc0">
+        <inkml:traceFormat>
+          <inkml:channel name="X" type="integer" min="-2.14748E9" max="2.14748E9" units="cm"/>
+          <inkml:channel name="Y" type="integer" min="-2.14748E9" max="2.14748E9" units="cm"/>
+          <inkml:channel name="F" type="integer" max="32767" units="dev"/>
+        </inkml:traceFormat>
+        <inkml:channelProperties>
+          <inkml:channelProperty channel="X" name="resolution" value="1000" units="1/cm"/>
+          <inkml:channelProperty channel="Y" name="resolution" value="1000" units="1/cm"/>
+          <inkml:channelProperty channel="F" name="resolution" value="0" units="1/dev"/>
+        </inkml:channelProperties>
+      </inkml:inkSource>
+      <inkml:timestamp xml:id="ts0" timeString="2024-02-26T13:43:19.415"/>
+    </inkml:context>
+    <inkml:brush xml:id="br0">
+      <inkml:brushProperty name="width" value="0.05" units="cm"/>
+      <inkml:brushProperty name="height" value="0.05" units="cm"/>
+      <inkml:brushProperty name="color" value="#E71224"/>
+    </inkml:brush>
+  </inkml:definitions>
+  <inkml:trace contextRef="#ctx0" brushRef="#br0">1 14 24575,'0'-1'0,"0"0"0,1 0 0,-1 0 0,1 1 0,-1-1 0,0 0 0,1 0 0,-1 1 0,1-1 0,0 0 0,-1 1 0,1-1 0,0 0 0,-1 1 0,1-1 0,0 1 0,0-1 0,-1 1 0,3-1 0,-3 1 0,1 0 0,-1 1 0,1-1 0,-1 0 0,1 0 0,-1 1 0,0-1 0,1 0 0,-1 0 0,1 1 0,-1-1 0,1 1 0,-1-1 0,0 0 0,1 1 0,-1-1 0,0 1 0,0-1 0,1 1 0,-1-1 0,0 1 0,0-1 0,1 2 0,10 47 0,-8-29 0,5 8 0,0-1 0,2 0 0,1-1 0,1 0 0,1 0 0,20 29 0,-29-50 0,-1-1 0,0 0 0,1-1 0,0 1 0,0 0 0,0-1 0,0 0 0,6 3 0,-9-5 0,1 0 0,0 0 0,-1-1 0,1 1 0,0-1 0,-1 0 0,1 1 0,0-1 0,0 0 0,-1 0 0,1 0 0,0 0 0,0-1 0,-1 1 0,1 0 0,0-1 0,-1 1 0,1-1 0,0 1 0,-1-1 0,1 0 0,-1 0 0,1 0 0,-1 1 0,1-2 0,-1 1 0,2-1 0,8-9 0,-1 0 0,-1 0 0,0-1 0,0 0 0,-1-1 0,7-15 0,-3 4 0,-1-1 0,12-41 0,-12 17-1365,-5 5-5461</inkml:trace>
+</inkml:ink>
+</file>
+
+<file path=ppt/ink/ink48.xml><?xml version="1.0" encoding="utf-8"?>
+<inkml:ink xmlns:inkml="http://www.w3.org/2003/InkML">
+  <inkml:definitions>
+    <inkml:context xml:id="ctx0">
+      <inkml:inkSource xml:id="inkSrc0">
+        <inkml:traceFormat>
+          <inkml:channel name="X" type="integer" min="-2.14748E9" max="2.14748E9" units="cm"/>
+          <inkml:channel name="Y" type="integer" min="-2.14748E9" max="2.14748E9" units="cm"/>
+          <inkml:channel name="F" type="integer" max="32767" units="dev"/>
+        </inkml:traceFormat>
+        <inkml:channelProperties>
+          <inkml:channelProperty channel="X" name="resolution" value="1000" units="1/cm"/>
+          <inkml:channelProperty channel="Y" name="resolution" value="1000" units="1/cm"/>
+          <inkml:channelProperty channel="F" name="resolution" value="0" units="1/dev"/>
+        </inkml:channelProperties>
+      </inkml:inkSource>
+      <inkml:timestamp xml:id="ts0" timeString="2024-02-26T13:43:21.251"/>
+    </inkml:context>
+    <inkml:brush xml:id="br0">
+      <inkml:brushProperty name="width" value="0.05" units="cm"/>
+      <inkml:brushProperty name="height" value="0.05" units="cm"/>
+      <inkml:brushProperty name="color" value="#E71224"/>
+    </inkml:brush>
+  </inkml:definitions>
+  <inkml:trace contextRef="#ctx0" brushRef="#br0">0 298 24575,'53'0'0,"0"-2"0,57-10 0,-95 10 0,-1-1 0,1-1 0,-1 0 0,1-1 0,-1-1 0,-1 0 0,1 0 0,-1-2 0,0 1 0,-1-2 0,0 0 0,13-11 0,-21 15 0,0 0 0,0 0 0,0 0 0,-1-1 0,0 1 0,0-1 0,0 1 0,-1-1 0,1 0 0,-2 0 0,1 0 0,-1-1 0,1 1 0,-2 0 0,1 0 0,-1-9 0,0 11 0,0 0 0,-1 1 0,1-1 0,-1 1 0,0-1 0,0 1 0,0-1 0,0 1 0,-1 0 0,0-1 0,1 1 0,-1 0 0,0 0 0,0 0 0,-1 1 0,1-1 0,-1 0 0,1 1 0,-1-1 0,0 1 0,0 0 0,0 0 0,0 0 0,0 1 0,0-1 0,-1 1 0,1-1 0,0 1 0,-6-1 0,-1 0 0,0 0 0,-1 0 0,0 1 0,1 1 0,-1 0 0,1 0 0,-1 1 0,1 0 0,-1 1 0,1 0 0,0 1 0,-1 0 0,1 1 0,1 0 0,-1 0 0,1 1 0,-18 11 0,18-8 0,-1 0 0,1 0 0,0 1 0,1 1 0,0-1 0,0 1 0,1 1 0,0-1 0,1 1 0,0 0 0,1 0 0,0 1 0,1 0 0,-5 23 0,4-9 0,1 0 0,2 0 0,0-1 0,2 1 0,1 0 0,1 0 0,9 41 0,-7-50 0,0 0 0,1 0 0,1 0 0,1-1 0,0 0 0,1 0 0,1-1 0,1 0 0,0 0 0,0-1 0,1-1 0,14 13 0,-17-19-195,1-1 0,0 1 0,-1-2 0,2 0 0,-1 0 0,18 7 0,10-1-6631</inkml:trace>
+</inkml:ink>
+</file>
+
+<file path=ppt/ink/ink49.xml><?xml version="1.0" encoding="utf-8"?>
+<inkml:ink xmlns:inkml="http://www.w3.org/2003/InkML">
+  <inkml:definitions>
+    <inkml:context xml:id="ctx0">
+      <inkml:inkSource xml:id="inkSrc0">
+        <inkml:traceFormat>
+          <inkml:channel name="X" type="integer" min="-2.14748E9" max="2.14748E9" units="cm"/>
+          <inkml:channel name="Y" type="integer" min="-2.14748E9" max="2.14748E9" units="cm"/>
+          <inkml:channel name="F" type="integer" max="32767" units="dev"/>
+        </inkml:traceFormat>
+        <inkml:channelProperties>
+          <inkml:channelProperty channel="X" name="resolution" value="1000" units="1/cm"/>
+          <inkml:channelProperty channel="Y" name="resolution" value="1000" units="1/cm"/>
+          <inkml:channelProperty channel="F" name="resolution" value="0" units="1/dev"/>
+        </inkml:channelProperties>
+      </inkml:inkSource>
+      <inkml:timestamp xml:id="ts0" timeString="2024-02-26T13:43:22.840"/>
+    </inkml:context>
+    <inkml:brush xml:id="br0">
+      <inkml:brushProperty name="width" value="0.05" units="cm"/>
+      <inkml:brushProperty name="height" value="0.05" units="cm"/>
+      <inkml:brushProperty name="color" value="#E71224"/>
+    </inkml:brush>
+  </inkml:definitions>
+  <inkml:trace contextRef="#ctx0" brushRef="#br0">1 176 24575,'11'13'0,"-1"1"0,-1 0 0,0 0 0,0 1 0,7 20 0,-6-16 0,3 13 0,-1 0 0,-2 0 0,9 46 0,8 27 0,-22-89 0,1 1 0,0-1 0,2 0 0,14 23 0,-20-35 0,0-1 0,1 0 0,-1 0 0,1 0 0,0 0 0,0-1 0,0 1 0,0-1 0,0 0 0,1 0 0,5 3 0,-6-4 0,-1 0 0,1-1 0,-1 1 0,1-1 0,0 0 0,-1 0 0,1 0 0,-1 0 0,1 0 0,0-1 0,-1 1 0,1-1 0,-1 1 0,1-1 0,-1 0 0,1 0 0,-1 0 0,0-1 0,4-1 0,-2 0 0,1-1 0,-1 1 0,-1-1 0,1 0 0,0 0 0,-1 0 0,0 0 0,0 0 0,0-1 0,4-8 0,18-57 0,-11 32 0,25-79-455,-5-1 0,23-142 0,-47 205-6371</inkml:trace>
+</inkml:ink>
+</file>
+
+<file path=ppt/ink/ink5.xml><?xml version="1.0" encoding="utf-8"?>
+<inkml:ink xmlns:inkml="http://www.w3.org/2003/InkML">
+  <inkml:definitions>
+    <inkml:context xml:id="ctx0">
+      <inkml:inkSource xml:id="inkSrc0">
+        <inkml:traceFormat>
+          <inkml:channel name="X" type="integer" min="-2.14748E9" max="2.14748E9" units="cm"/>
+          <inkml:channel name="Y" type="integer" min="-2.14748E9" max="2.14748E9" units="cm"/>
+          <inkml:channel name="F" type="integer" max="32767" units="dev"/>
+        </inkml:traceFormat>
+        <inkml:channelProperties>
+          <inkml:channelProperty channel="X" name="resolution" value="1000" units="1/cm"/>
+          <inkml:channelProperty channel="Y" name="resolution" value="1000" units="1/cm"/>
+          <inkml:channelProperty channel="F" name="resolution" value="0" units="1/dev"/>
+        </inkml:channelProperties>
+      </inkml:inkSource>
+      <inkml:timestamp xml:id="ts0" timeString="2024-02-26T13:42:05.843"/>
+    </inkml:context>
+    <inkml:brush xml:id="br0">
+      <inkml:brushProperty name="width" value="0.05" units="cm"/>
+      <inkml:brushProperty name="height" value="0.05" units="cm"/>
+      <inkml:brushProperty name="color" value="#E71224"/>
+    </inkml:brush>
+  </inkml:definitions>
+  <inkml:trace contextRef="#ctx0" brushRef="#br0">0 1 24575,'4'147'0,"7"0"0,33 160 0,-15-90 0,-27-194 0,-2-23 0,9 40 0,-9-39 0,0-1 0,0 1 0,0 0 0,0-1 0,0 1 0,0-1 0,0 1 0,1 0 0,-1-1 0,0 1 0,1-1 0,-1 1 0,0 0 0,1-1 0,-1 1 0,1-1 0,-1 1 0,0-1 0,1 1 0,-1-1 0,1 0 0,0 1 0,-1-1 0,1 0 0,-1 1 0,1-1 0,-1 0 0,1 0 0,0 1 0,-1-1 0,1 0 0,0 0 0,-1 0 0,1 0 0,0 0 0,-1 0 0,1 0 0,0 0 0,-1 0 0,1 0 0,0 0 0,-1-1 0,1 1 0,-1 0 0,1 0 0,0-1 0,-1 1 0,1 0 0,-1-1 0,1 1 0,-1-1 0,1 1 0,0-1 0,6-7 0,0-1 0,-1 0 0,0 0 0,0 0 0,-1-1 0,0 0 0,-1 0 0,5-13 0,1-4 0,3-2 0,84-185 0,-96 212 0,18-29 0,-19 31 0,1 0 0,-1-1 0,0 1 0,1 0 0,-1-1 0,0 1 0,1-1 0,-1 1 0,0 0 0,1 0 0,-1-1 0,1 1 0,-1 0 0,1 0 0,-1 0 0,1-1 0,-1 1 0,1 0 0,-1 0 0,0 0 0,1 0 0,-1 0 0,1 0 0,-1 0 0,1 0 0,-1 0 0,1 0 0,-1 0 0,1 0 0,-1 0 0,1 1 0,-1-1 0,1 0 0,-1 0 0,1 0 0,-1 1 0,0-1 0,1 0 0,-1 1 0,1-1 0,-1 0 0,0 1 0,1-1 0,-1 0 0,0 1 0,0-1 0,1 1 0,-1-1 0,0 0 0,0 1 0,1-1 0,-1 1 0,0-1 0,0 1 0,0-1 0,0 1 0,0-1 0,0 1 0,0-1 0,0 1 0,0 0 0,8 31 0,-2 0 0,-1 0 0,2 38 0,-1-2 0,-3-41-115,-3-14-41,2 0-1,-1 0 1,2 0 0,0 0 0,0 0-1,1 0 1,8 17 0,1-14-6670</inkml:trace>
+</inkml:ink>
+</file>
+
+<file path=ppt/ink/ink50.xml><?xml version="1.0" encoding="utf-8"?>
+<inkml:ink xmlns:inkml="http://www.w3.org/2003/InkML">
+  <inkml:definitions>
+    <inkml:context xml:id="ctx0">
+      <inkml:inkSource xml:id="inkSrc0">
+        <inkml:traceFormat>
+          <inkml:channel name="X" type="integer" min="-2.14748E9" max="2.14748E9" units="cm"/>
+          <inkml:channel name="Y" type="integer" min="-2.14748E9" max="2.14748E9" units="cm"/>
+          <inkml:channel name="F" type="integer" max="32767" units="dev"/>
+        </inkml:traceFormat>
+        <inkml:channelProperties>
+          <inkml:channelProperty channel="X" name="resolution" value="1000" units="1/cm"/>
+          <inkml:channelProperty channel="Y" name="resolution" value="1000" units="1/cm"/>
+          <inkml:channelProperty channel="F" name="resolution" value="0" units="1/dev"/>
+        </inkml:channelProperties>
+      </inkml:inkSource>
+      <inkml:timestamp xml:id="ts0" timeString="2024-02-26T13:43:24.308"/>
+    </inkml:context>
+    <inkml:brush xml:id="br0">
+      <inkml:brushProperty name="width" value="0.05" units="cm"/>
+      <inkml:brushProperty name="height" value="0.05" units="cm"/>
+      <inkml:brushProperty name="color" value="#E71224"/>
+    </inkml:brush>
+  </inkml:definitions>
+  <inkml:trace contextRef="#ctx0" brushRef="#br0">324 1 24575,'-30'-1'0,"-1"2"0,1 1 0,0 2 0,-46 10 0,68-11 0,0-1 0,0 2 0,0-1 0,0 1 0,0 1 0,1-1 0,-1 1 0,-11 11 0,15-12 0,-1 1 0,1 0 0,1 0 0,-1 0 0,1 0 0,0 1 0,0 0 0,0-1 0,1 1 0,0 0 0,0 0 0,1 0 0,-2 12 0,2-13 0,0 0 0,1 0 0,-1 0 0,1 1 0,0-1 0,1 0 0,-1 0 0,1 1 0,0-1 0,1 0 0,-1 0 0,1 0 0,0 0 0,0-1 0,0 1 0,1 0 0,0-1 0,0 1 0,0-1 0,0 0 0,1 0 0,-1 0 0,1-1 0,0 1 0,0-1 0,1 0 0,-1 0 0,0-1 0,1 1 0,0-1 0,0 0 0,0 0 0,0 0 0,0-1 0,0 0 0,0 0 0,8 1 0,4 0 0,1-1 0,-1-1 0,1 0 0,-1-1 0,24-5 0,-35 5 0,1-1 0,-1 0 0,0 0 0,0 0 0,0-1 0,0 0 0,-1 0 0,1-1 0,-1 1 0,1-1 0,-1 0 0,0 0 0,-1-1 0,1 0 0,-1 0 0,0 0 0,5-9 0,-1-4 0,0-1 0,-2 0 0,0-1 0,-1 0 0,-1 1 0,-1-2 0,-1 1 0,0-24 0,-6 416 0,4-359 0,3 41 0,-3-52 0,1 1 0,-1-1 0,0 1 0,1-1 0,0 1 0,0-1 0,-1 0 0,1 1 0,0-1 0,1 0 0,-1 0 0,0 0 0,1 0 0,-1 0 0,1 0 0,2 3 0,-3-5-65,0 0 0,0 0 0,-1 1 0,1-1 0,0 0 0,-1 0 0,1 0 0,0 0 0,0 0 0,-1 0 0,1 0 0,0 0 0,0 0 0,-1 0 0,1 0 0,0 0 0,0-1 0,-1 1 0,1 0 0,0-1 0,16-9-6761</inkml:trace>
+</inkml:ink>
+</file>
+
+<file path=ppt/ink/ink51.xml><?xml version="1.0" encoding="utf-8"?>
+<inkml:ink xmlns:inkml="http://www.w3.org/2003/InkML">
+  <inkml:definitions>
+    <inkml:context xml:id="ctx0">
+      <inkml:inkSource xml:id="inkSrc0">
+        <inkml:traceFormat>
+          <inkml:channel name="X" type="integer" min="-2.14748E9" max="2.14748E9" units="cm"/>
+          <inkml:channel name="Y" type="integer" min="-2.14748E9" max="2.14748E9" units="cm"/>
+          <inkml:channel name="F" type="integer" max="32767" units="dev"/>
+        </inkml:traceFormat>
+        <inkml:channelProperties>
+          <inkml:channelProperty channel="X" name="resolution" value="1000" units="1/cm"/>
+          <inkml:channelProperty channel="Y" name="resolution" value="1000" units="1/cm"/>
+          <inkml:channelProperty channel="F" name="resolution" value="0" units="1/dev"/>
+        </inkml:channelProperties>
+      </inkml:inkSource>
+      <inkml:timestamp xml:id="ts0" timeString="2024-02-26T13:43:24.947"/>
+    </inkml:context>
+    <inkml:brush xml:id="br0">
+      <inkml:brushProperty name="width" value="0.05" units="cm"/>
+      <inkml:brushProperty name="height" value="0.05" units="cm"/>
+      <inkml:brushProperty name="color" value="#E71224"/>
+    </inkml:brush>
+  </inkml:definitions>
+  <inkml:trace contextRef="#ctx0" brushRef="#br0">218 1 24575,'-24'82'0,"-5"22"0,-2 10 0,-20 129 0,6 13 0,28-147 132,3-16-1629,7-66-5329</inkml:trace>
+</inkml:ink>
+</file>
+
+<file path=ppt/ink/ink52.xml><?xml version="1.0" encoding="utf-8"?>
+<inkml:ink xmlns:inkml="http://www.w3.org/2003/InkML">
+  <inkml:definitions>
+    <inkml:context xml:id="ctx0">
+      <inkml:inkSource xml:id="inkSrc0">
+        <inkml:traceFormat>
+          <inkml:channel name="X" type="integer" min="-2.14748E9" max="2.14748E9" units="cm"/>
+          <inkml:channel name="Y" type="integer" min="-2.14748E9" max="2.14748E9" units="cm"/>
+          <inkml:channel name="F" type="integer" max="32767" units="dev"/>
+        </inkml:traceFormat>
+        <inkml:channelProperties>
+          <inkml:channelProperty channel="X" name="resolution" value="1000" units="1/cm"/>
+          <inkml:channelProperty channel="Y" name="resolution" value="1000" units="1/cm"/>
+          <inkml:channelProperty channel="F" name="resolution" value="0" units="1/dev"/>
+        </inkml:channelProperties>
+      </inkml:inkSource>
+      <inkml:timestamp xml:id="ts0" timeString="2024-02-26T13:43:25.601"/>
+    </inkml:context>
+    <inkml:brush xml:id="br0">
+      <inkml:brushProperty name="width" value="0.05" units="cm"/>
+      <inkml:brushProperty name="height" value="0.05" units="cm"/>
+      <inkml:brushProperty name="color" value="#E71224"/>
+    </inkml:brush>
+  </inkml:definitions>
+  <inkml:trace contextRef="#ctx0" brushRef="#br0">50 1 24575,'-2'83'0,"-4"-1"0,-20 95 0,22-155 0,0-3 0,1 0 0,0 1 0,2-1 0,1 37 0,0-53 0,1 0 0,-1 1 0,1-1 0,0 0 0,0 0 0,1 0 0,-1 0 0,0-1 0,1 1 0,0 0 0,0 0 0,0-1 0,0 1 0,0-1 0,0 0 0,1 0 0,-1 0 0,1 0 0,-1 0 0,1 0 0,0-1 0,0 1 0,0-1 0,0 1 0,0-1 0,0 0 0,0-1 0,0 1 0,0 0 0,0-1 0,1 0 0,5 0 0,-2 0 0,1 0 0,-1 0 0,0-1 0,0 0 0,0 0 0,0-1 0,0 0 0,0 0 0,0-1 0,-1 0 0,1 0 0,-1-1 0,11-6 0,-8 1 0,-1-1 0,0 1 0,0-1 0,-1 0 0,0-1 0,-1 0 0,0 0 0,-1 0 0,0-1 0,-1 1 0,0-1 0,-1-1 0,3-14 0,1-21 0,2-95 0,-8 43-1365,-2 63-5461</inkml:trace>
+</inkml:ink>
+</file>
+
+<file path=ppt/ink/ink53.xml><?xml version="1.0" encoding="utf-8"?>
+<inkml:ink xmlns:inkml="http://www.w3.org/2003/InkML">
+  <inkml:definitions>
+    <inkml:context xml:id="ctx0">
+      <inkml:inkSource xml:id="inkSrc0">
+        <inkml:traceFormat>
+          <inkml:channel name="X" type="integer" min="-2.14748E9" max="2.14748E9" units="cm"/>
+          <inkml:channel name="Y" type="integer" min="-2.14748E9" max="2.14748E9" units="cm"/>
+          <inkml:channel name="F" type="integer" max="32767" units="dev"/>
+        </inkml:traceFormat>
+        <inkml:channelProperties>
+          <inkml:channelProperty channel="X" name="resolution" value="1000" units="1/cm"/>
+          <inkml:channelProperty channel="Y" name="resolution" value="1000" units="1/cm"/>
+          <inkml:channelProperty channel="F" name="resolution" value="0" units="1/dev"/>
+        </inkml:channelProperties>
+      </inkml:inkSource>
+      <inkml:timestamp xml:id="ts0" timeString="2024-02-26T13:43:26.396"/>
+    </inkml:context>
+    <inkml:brush xml:id="br0">
+      <inkml:brushProperty name="width" value="0.05" units="cm"/>
+      <inkml:brushProperty name="height" value="0.05" units="cm"/>
+      <inkml:brushProperty name="color" value="#E71224"/>
+    </inkml:brush>
+  </inkml:definitions>
+  <inkml:trace contextRef="#ctx0" brushRef="#br0">1 150 24575,'44'1'0,"-8"-1"0,68-6 0,-94 5 0,0 0 0,-1-2 0,0 1 0,1-1 0,-1 0 0,0-1 0,-1 0 0,1 0 0,-1-1 0,1-1 0,13-11 0,-20 16 0,0 0 0,-1-1 0,1 0 0,0 1 0,-1-1 0,1 0 0,-1 0 0,0 0 0,1 0 0,-1 0 0,0 0 0,0 0 0,-1 0 0,1 0 0,0 0 0,-1-1 0,1 1 0,-1 0 0,1-3 0,-2 3 0,1 1 0,-1-1 0,1 0 0,-1 1 0,0-1 0,0 1 0,0-1 0,1 1 0,-1 0 0,-1-1 0,1 1 0,0 0 0,0 0 0,0-1 0,-1 1 0,1 0 0,0 0 0,-1 0 0,-2-1 0,-5-2 0,-1 1 0,1-1 0,-1 1 0,0 1 0,0 0 0,0 0 0,-11 1 0,6 0 0,1 0 0,-1 2 0,0-1 0,1 2 0,-21 4 0,31-5 0,-1 1 0,1-1 0,0 0 0,0 1 0,0 0 0,0 0 0,0 0 0,0 1 0,1-1 0,-1 1 0,1 0 0,0 0 0,-1 0 0,2 1 0,-1-1 0,0 0 0,0 1 0,1 0 0,0 0 0,0 0 0,0 0 0,-1 4 0,-2 18 0,1-1 0,1 1 0,1 0 0,2-1 0,0 1 0,6 30 0,-2 31 0,-4-69 0,1-1 0,1 1 0,0-1 0,1 1 0,1-1 0,11 30 0,-12-39 0,2 1 0,-1-1 0,1-1 0,0 1 0,0-1 0,1 1 0,0-1 0,1-1 0,-1 0 0,1 1 0,1-2 0,-1 1 0,1-1 0,14 7 0,46 16-1365,-39-19-5461</inkml:trace>
+</inkml:ink>
+</file>
+
+<file path=ppt/ink/ink54.xml><?xml version="1.0" encoding="utf-8"?>
+<inkml:ink xmlns:inkml="http://www.w3.org/2003/InkML">
+  <inkml:definitions>
+    <inkml:context xml:id="ctx0">
+      <inkml:inkSource xml:id="inkSrc0">
+        <inkml:traceFormat>
+          <inkml:channel name="X" type="integer" min="-2.14748E9" max="2.14748E9" units="cm"/>
+          <inkml:channel name="Y" type="integer" min="-2.14748E9" max="2.14748E9" units="cm"/>
+          <inkml:channel name="F" type="integer" max="32767" units="dev"/>
+        </inkml:traceFormat>
+        <inkml:channelProperties>
+          <inkml:channelProperty channel="X" name="resolution" value="1000" units="1/cm"/>
+          <inkml:channelProperty channel="Y" name="resolution" value="1000" units="1/cm"/>
+          <inkml:channelProperty channel="F" name="resolution" value="0" units="1/dev"/>
+        </inkml:channelProperties>
+      </inkml:inkSource>
+      <inkml:timestamp xml:id="ts0" timeString="2024-02-26T13:43:27.162"/>
+    </inkml:context>
+    <inkml:brush xml:id="br0">
+      <inkml:brushProperty name="width" value="0.05" units="cm"/>
+      <inkml:brushProperty name="height" value="0.05" units="cm"/>
+      <inkml:brushProperty name="color" value="#E71224"/>
+    </inkml:brush>
+  </inkml:definitions>
+  <inkml:trace contextRef="#ctx0" brushRef="#br0">288 0 24575,'0'5'0,"0"12"0,-5 17 0,-12 9 0,-8 16 0,-4 8 0,2 3 0,7-1 0,0-1 0,0-14 0,-2-15 0,2-9 0,0-10 0,-11-8 0,-1-7-8191</inkml:trace>
+</inkml:ink>
+</file>
+
+<file path=ppt/ink/ink55.xml><?xml version="1.0" encoding="utf-8"?>
+<inkml:ink xmlns:inkml="http://www.w3.org/2003/InkML">
+  <inkml:definitions>
+    <inkml:context xml:id="ctx0">
+      <inkml:inkSource xml:id="inkSrc0">
+        <inkml:traceFormat>
+          <inkml:channel name="X" type="integer" min="-2.14748E9" max="2.14748E9" units="cm"/>
+          <inkml:channel name="Y" type="integer" min="-2.14748E9" max="2.14748E9" units="cm"/>
+          <inkml:channel name="F" type="integer" max="32767" units="dev"/>
+        </inkml:traceFormat>
+        <inkml:channelProperties>
+          <inkml:channelProperty channel="X" name="resolution" value="1000" units="1/cm"/>
+          <inkml:channelProperty channel="Y" name="resolution" value="1000" units="1/cm"/>
+          <inkml:channelProperty channel="F" name="resolution" value="0" units="1/dev"/>
+        </inkml:channelProperties>
+      </inkml:inkSource>
+      <inkml:timestamp xml:id="ts0" timeString="2024-02-26T13:43:28.722"/>
+    </inkml:context>
+    <inkml:brush xml:id="br0">
+      <inkml:brushProperty name="width" value="0.05" units="cm"/>
+      <inkml:brushProperty name="height" value="0.05" units="cm"/>
+      <inkml:brushProperty name="color" value="#E71224"/>
+    </inkml:brush>
+  </inkml:definitions>
+  <inkml:trace contextRef="#ctx0" brushRef="#br0">2 1 24575,'1'0'0,"0"0"0,-1 0 0,1 1 0,0-1 0,0 0 0,0 1 0,0-1 0,-1 0 0,1 1 0,0-1 0,0 1 0,-1-1 0,1 1 0,0 0 0,-1-1 0,1 1 0,-1 0 0,1-1 0,-1 1 0,1 0 0,-1 0 0,1-1 0,-1 1 0,0 0 0,1 0 0,-1 0 0,0 0 0,0 1 0,5 30 0,-5-25 0,8 97 0,-9 172 0,-14-177 0,9-67 0,-3 49 0,8-65 0,1-1 0,6-31 0,14-54 0,-9 24 0,3 0 0,2 1 0,21-43 0,-33 81 0,-1 1 0,1 0 0,0 0 0,0 0 0,1 0 0,0 0 0,0 1 0,0 0 0,1 0 0,7-4 0,-10 7 0,1 0 0,-1 0 0,1 1 0,0-1 0,0 1 0,-1 0 0,1 0 0,0 1 0,0-1 0,0 1 0,0 0 0,0 0 0,0 0 0,0 0 0,0 1 0,0-1 0,0 1 0,0 0 0,0 0 0,4 3 0,0-1 0,-1 1 0,1 0 0,-1 1 0,0 0 0,0 0 0,-1 0 0,1 1 0,-1 0 0,-1 0 0,1 0 0,-1 1 0,0 0 0,0 0 0,-1 1 0,0-1 0,0 1 0,-1 0 0,3 8 0,4 17 0,-2 0 0,-1 1 0,2 42 0,-3-27 0,23 106-1365,-13-98-5461</inkml:trace>
+</inkml:ink>
+</file>
+
+<file path=ppt/ink/ink56.xml><?xml version="1.0" encoding="utf-8"?>
+<inkml:ink xmlns:inkml="http://www.w3.org/2003/InkML">
+  <inkml:definitions>
+    <inkml:context xml:id="ctx0">
+      <inkml:inkSource xml:id="inkSrc0">
+        <inkml:traceFormat>
+          <inkml:channel name="X" type="integer" min="-2.14748E9" max="2.14748E9" units="cm"/>
+          <inkml:channel name="Y" type="integer" min="-2.14748E9" max="2.14748E9" units="cm"/>
+          <inkml:channel name="F" type="integer" max="32767" units="dev"/>
+        </inkml:traceFormat>
+        <inkml:channelProperties>
+          <inkml:channelProperty channel="X" name="resolution" value="1000" units="1/cm"/>
+          <inkml:channelProperty channel="Y" name="resolution" value="1000" units="1/cm"/>
+          <inkml:channelProperty channel="F" name="resolution" value="0" units="1/dev"/>
+        </inkml:channelProperties>
+      </inkml:inkSource>
+      <inkml:timestamp xml:id="ts0" timeString="2024-02-26T13:43:29.551"/>
+    </inkml:context>
+    <inkml:brush xml:id="br0">
+      <inkml:brushProperty name="width" value="0.05" units="cm"/>
+      <inkml:brushProperty name="height" value="0.05" units="cm"/>
+      <inkml:brushProperty name="color" value="#E71224"/>
+    </inkml:brush>
+  </inkml:definitions>
+  <inkml:trace contextRef="#ctx0" brushRef="#br0">1 152 24575,'0'37'0,"1"-1"0,2 1 0,12 52 0,-11-75 0,0 1 0,0-1 0,2 0 0,0 0 0,0 0 0,2-1 0,-1 0 0,2 0 0,0-1 0,20 22 0,-27-32 0,0 1 0,1-1 0,-1 0 0,0 0 0,1 0 0,0 0 0,-1-1 0,1 1 0,0-1 0,0 1 0,0-1 0,0 0 0,0 0 0,0-1 0,0 1 0,0-1 0,0 1 0,4-1 0,-4 0 0,-1-1 0,1 0 0,0 0 0,-1 0 0,1 0 0,0 0 0,-1 0 0,0-1 0,1 1 0,-1-1 0,0 0 0,0 1 0,1-1 0,-2 0 0,1 0 0,3-4 0,1-4 0,0 0 0,0 0 0,-1-1 0,0 0 0,-1 0 0,0 0 0,-1 0 0,2-16 0,3-34 0,-4-1 0,-2 1 0,-8-79 0,1 96-1365,-2 5-5461</inkml:trace>
+</inkml:ink>
+</file>
+
+<file path=ppt/ink/ink57.xml><?xml version="1.0" encoding="utf-8"?>
+<inkml:ink xmlns:inkml="http://www.w3.org/2003/InkML">
+  <inkml:definitions>
+    <inkml:context xml:id="ctx0">
+      <inkml:inkSource xml:id="inkSrc0">
+        <inkml:traceFormat>
+          <inkml:channel name="X" type="integer" min="-2.14748E9" max="2.14748E9" units="cm"/>
+          <inkml:channel name="Y" type="integer" min="-2.14748E9" max="2.14748E9" units="cm"/>
+          <inkml:channel name="F" type="integer" max="32767" units="dev"/>
+        </inkml:traceFormat>
+        <inkml:channelProperties>
+          <inkml:channelProperty channel="X" name="resolution" value="1000" units="1/cm"/>
+          <inkml:channelProperty channel="Y" name="resolution" value="1000" units="1/cm"/>
+          <inkml:channelProperty channel="F" name="resolution" value="0" units="1/dev"/>
+        </inkml:channelProperties>
+      </inkml:inkSource>
+      <inkml:timestamp xml:id="ts0" timeString="2024-02-26T13:43:30.128"/>
+    </inkml:context>
+    <inkml:brush xml:id="br0">
+      <inkml:brushProperty name="width" value="0.05" units="cm"/>
+      <inkml:brushProperty name="height" value="0.05" units="cm"/>
+      <inkml:brushProperty name="color" value="#E71224"/>
+    </inkml:brush>
+  </inkml:definitions>
+  <inkml:trace contextRef="#ctx0" brushRef="#br0">1 1 24575,'0'5'0,"0"11"0,0 8 0,0 36 0,0 16 0,0 11 0,0 0 0,0-10 0,0-7 0,0 8 0,0 1 0,0-7 0,0-7 0,0-9 0,0-14-8191</inkml:trace>
+</inkml:ink>
+</file>
+
+<file path=ppt/ink/ink58.xml><?xml version="1.0" encoding="utf-8"?>
+<inkml:ink xmlns:inkml="http://www.w3.org/2003/InkML">
+  <inkml:definitions>
+    <inkml:context xml:id="ctx0">
+      <inkml:inkSource xml:id="inkSrc0">
+        <inkml:traceFormat>
+          <inkml:channel name="X" type="integer" min="-2.14748E9" max="2.14748E9" units="cm"/>
+          <inkml:channel name="Y" type="integer" min="-2.14748E9" max="2.14748E9" units="cm"/>
+          <inkml:channel name="F" type="integer" max="32767" units="dev"/>
+        </inkml:traceFormat>
+        <inkml:channelProperties>
+          <inkml:channelProperty channel="X" name="resolution" value="1000" units="1/cm"/>
+          <inkml:channelProperty channel="Y" name="resolution" value="1000" units="1/cm"/>
+          <inkml:channelProperty channel="F" name="resolution" value="0" units="1/dev"/>
+        </inkml:channelProperties>
+      </inkml:inkSource>
+      <inkml:timestamp xml:id="ts0" timeString="2024-02-26T13:43:31.165"/>
+    </inkml:context>
+    <inkml:brush xml:id="br0">
+      <inkml:brushProperty name="width" value="0.05" units="cm"/>
+      <inkml:brushProperty name="height" value="0.05" units="cm"/>
+      <inkml:brushProperty name="color" value="#E71224"/>
+    </inkml:brush>
+  </inkml:definitions>
+  <inkml:trace contextRef="#ctx0" brushRef="#br0">0 1 24575,'5'0'0,"2"5"0,-1 11 0,-1 33 0,-1 13 0,-2 7 0,-1 0 0,-1-6 0,0-9 0,0-8 0,0-8 0,0 1 0,-1 12 0,1 4 0,0-4 0,0 5 0,0-7-8191</inkml:trace>
+</inkml:ink>
+</file>
+
+<file path=ppt/ink/ink59.xml><?xml version="1.0" encoding="utf-8"?>
+<inkml:ink xmlns:inkml="http://www.w3.org/2003/InkML">
+  <inkml:definitions>
+    <inkml:context xml:id="ctx0">
+      <inkml:inkSource xml:id="inkSrc0">
+        <inkml:traceFormat>
+          <inkml:channel name="X" type="integer" min="-2.14748E9" max="2.14748E9" units="cm"/>
+          <inkml:channel name="Y" type="integer" min="-2.14748E9" max="2.14748E9" units="cm"/>
+          <inkml:channel name="F" type="integer" max="32767" units="dev"/>
+        </inkml:traceFormat>
+        <inkml:channelProperties>
+          <inkml:channelProperty channel="X" name="resolution" value="1000" units="1/cm"/>
+          <inkml:channelProperty channel="Y" name="resolution" value="1000" units="1/cm"/>
+          <inkml:channelProperty channel="F" name="resolution" value="0" units="1/dev"/>
+        </inkml:channelProperties>
+      </inkml:inkSource>
+      <inkml:timestamp xml:id="ts0" timeString="2024-02-26T13:43:32.269"/>
+    </inkml:context>
+    <inkml:brush xml:id="br0">
+      <inkml:brushProperty name="width" value="0.05" units="cm"/>
+      <inkml:brushProperty name="height" value="0.05" units="cm"/>
+      <inkml:brushProperty name="color" value="#E71224"/>
+    </inkml:brush>
+  </inkml:definitions>
+  <inkml:trace contextRef="#ctx0" brushRef="#br0">0 1 24575,'40'0'0,"-4"-1"0,-1 2 0,45 7 0,-67-6 0,-1 1 0,0 0 0,-1 1 0,1 0 0,-1 1 0,1 0 0,-1 1 0,-1 0 0,1 1 0,12 11 0,-11-7 0,0 0 0,-1 1 0,-1 1 0,0 0 0,14 23 0,33 77 0,-19-35 0,-14-23 0,-1 0 0,21 87 0,-28-89 0,-6-15 0,-1 0 0,-2 1 0,-2-1 0,0 43 0,-5-16 0,-14 104 0,12-154 0,0-1 0,-2 0 0,0 0 0,0-1 0,-1 1 0,-1-1 0,0 0 0,-1 0 0,-1-1 0,1 0 0,-2 0 0,0-1 0,0 0 0,-1 0 0,-22 17 0,-29 25-455,-3-3 0,-75 46 0,108-79-6371</inkml:trace>
+</inkml:ink>
+</file>
+
+<file path=ppt/ink/ink6.xml><?xml version="1.0" encoding="utf-8"?>
+<inkml:ink xmlns:inkml="http://www.w3.org/2003/InkML">
+  <inkml:definitions>
+    <inkml:context xml:id="ctx0">
+      <inkml:inkSource xml:id="inkSrc0">
+        <inkml:traceFormat>
+          <inkml:channel name="X" type="integer" min="-2.14748E9" max="2.14748E9" units="cm"/>
+          <inkml:channel name="Y" type="integer" min="-2.14748E9" max="2.14748E9" units="cm"/>
+          <inkml:channel name="F" type="integer" max="32767" units="dev"/>
+        </inkml:traceFormat>
+        <inkml:channelProperties>
+          <inkml:channelProperty channel="X" name="resolution" value="1000" units="1/cm"/>
+          <inkml:channelProperty channel="Y" name="resolution" value="1000" units="1/cm"/>
+          <inkml:channelProperty channel="F" name="resolution" value="0" units="1/dev"/>
+        </inkml:channelProperties>
+      </inkml:inkSource>
+      <inkml:timestamp xml:id="ts0" timeString="2024-02-26T13:42:06.736"/>
+    </inkml:context>
+    <inkml:brush xml:id="br0">
+      <inkml:brushProperty name="width" value="0.05" units="cm"/>
+      <inkml:brushProperty name="height" value="0.05" units="cm"/>
+      <inkml:brushProperty name="color" value="#E71224"/>
+    </inkml:brush>
+  </inkml:definitions>
+  <inkml:trace contextRef="#ctx0" brushRef="#br0">1 140 24575,'21'0'0,"116"-5"0,-121 4 0,0-2 0,0 0 0,0-1 0,-1 0 0,0-1 0,20-10 0,-30 12 0,0 0 0,0 0 0,-1 0 0,1-1 0,-1 1 0,0-1 0,0 0 0,0-1 0,-1 1 0,6-8 0,-9 11 0,1-1 0,0 1 0,-1 0 0,1-1 0,-1 1 0,1 0 0,-1-1 0,0 1 0,0-1 0,1 1 0,-1-1 0,0 1 0,0-1 0,0 1 0,-1 0 0,1-1 0,0 1 0,-1-2 0,0 1 0,0 1 0,0-1 0,0 1 0,0-1 0,0 1 0,0 0 0,-1 0 0,1 0 0,-1-1 0,1 1 0,0 0 0,-1 1 0,0-1 0,1 0 0,-1 0 0,0 1 0,1-1 0,-4 0 0,0 0 0,0 0 0,0 1 0,0 0 0,0 0 0,0 0 0,0 0 0,0 1 0,0 0 0,0 0 0,0 0 0,0 1 0,1 0 0,-9 3 0,2 1 0,0 0 0,0 0 0,1 1 0,-14 11 0,16-10 0,0 0 0,0 1 0,1 0 0,1 0 0,-1 0 0,1 1 0,1 0 0,0 0 0,0 1 0,1-1 0,0 1 0,1 0 0,0 0 0,1 0 0,1 0 0,-1 1 0,1 14 0,1-20 0,0 1 0,1-1 0,0 1 0,0-1 0,0 1 0,1-1 0,0 0 0,0 0 0,0 0 0,1 0 0,0 0 0,0 0 0,0-1 0,1 1 0,0-1 0,0 0 0,0 0 0,1-1 0,0 1 0,0-1 0,0 0 0,0 0 0,1-1 0,-1 1 0,1-1 0,0 0 0,0-1 0,0 0 0,0 0 0,12 3 0,-9-4-195,-1 1 0,1-2 0,0 1 0,0-1 0,-1 0 0,13-3 0,10-3-6631</inkml:trace>
+</inkml:ink>
+</file>
+
+<file path=ppt/ink/ink60.xml><?xml version="1.0" encoding="utf-8"?>
+<inkml:ink xmlns:inkml="http://www.w3.org/2003/InkML">
+  <inkml:definitions>
+    <inkml:context xml:id="ctx0">
+      <inkml:inkSource xml:id="inkSrc0">
+        <inkml:traceFormat>
+          <inkml:channel name="X" type="integer" min="-2.14748E9" max="2.14748E9" units="cm"/>
+          <inkml:channel name="Y" type="integer" min="-2.14748E9" max="2.14748E9" units="cm"/>
+          <inkml:channel name="F" type="integer" max="32767" units="dev"/>
+        </inkml:traceFormat>
+        <inkml:channelProperties>
+          <inkml:channelProperty channel="X" name="resolution" value="1000" units="1/cm"/>
+          <inkml:channelProperty channel="Y" name="resolution" value="1000" units="1/cm"/>
+          <inkml:channelProperty channel="F" name="resolution" value="0" units="1/dev"/>
+        </inkml:channelProperties>
+      </inkml:inkSource>
+      <inkml:timestamp xml:id="ts0" timeString="2024-02-26T13:43:33.268"/>
+    </inkml:context>
+    <inkml:brush xml:id="br0">
+      <inkml:brushProperty name="width" value="0.05" units="cm"/>
+      <inkml:brushProperty name="height" value="0.05" units="cm"/>
+      <inkml:brushProperty name="color" value="#E71224"/>
+    </inkml:brush>
+  </inkml:definitions>
+  <inkml:trace contextRef="#ctx0" brushRef="#br0">100 30 24575,'0'-5'0,"-4"-2"0,-13 1 0,-8 6 0,1 8 0,4 7 0,10 2 0,12-3 0,11-8 0,3-15 0,-1-11 0,-8-3 0,-6 4-8191</inkml:trace>
+</inkml:ink>
+</file>
+
+<file path=ppt/ink/ink61.xml><?xml version="1.0" encoding="utf-8"?>
+<inkml:ink xmlns:inkml="http://www.w3.org/2003/InkML">
+  <inkml:definitions>
+    <inkml:context xml:id="ctx0">
+      <inkml:inkSource xml:id="inkSrc0">
+        <inkml:traceFormat>
+          <inkml:channel name="X" type="integer" min="-2.14748E9" max="2.14748E9" units="cm"/>
+          <inkml:channel name="Y" type="integer" min="-2.14748E9" max="2.14748E9" units="cm"/>
+          <inkml:channel name="F" type="integer" max="32767" units="dev"/>
+        </inkml:traceFormat>
+        <inkml:channelProperties>
+          <inkml:channelProperty channel="X" name="resolution" value="1000" units="1/cm"/>
+          <inkml:channelProperty channel="Y" name="resolution" value="1000" units="1/cm"/>
+          <inkml:channelProperty channel="F" name="resolution" value="0" units="1/dev"/>
+        </inkml:channelProperties>
+      </inkml:inkSource>
+      <inkml:timestamp xml:id="ts0" timeString="2024-02-26T13:43:34.754"/>
+    </inkml:context>
+    <inkml:brush xml:id="br0">
+      <inkml:brushProperty name="width" value="0.05" units="cm"/>
+      <inkml:brushProperty name="height" value="0.05" units="cm"/>
+      <inkml:brushProperty name="color" value="#E71224"/>
+    </inkml:brush>
+  </inkml:definitions>
+  <inkml:trace contextRef="#ctx0" brushRef="#br0">159 60 24575,'0'-2'0,"0"0"0,0 0 0,0 0 0,-1-1 0,1 1 0,-1 0 0,0 0 0,1 0 0,-1 0 0,0 0 0,0 0 0,-1 0 0,1 0 0,0 1 0,0-1 0,-1 0 0,1 1 0,-1-1 0,0 1 0,1-1 0,-1 1 0,0 0 0,0 0 0,0 0 0,0 0 0,0 0 0,0 0 0,0 0 0,0 1 0,0-1 0,0 1 0,-1-1 0,1 1 0,0 0 0,0 0 0,0 0 0,-1 0 0,1 0 0,-3 1 0,2-1 0,-1 1 0,1-1 0,-1 0 0,1 1 0,-1 0 0,1 0 0,-1 0 0,1 0 0,0 1 0,0-1 0,-1 1 0,1 0 0,0 0 0,1 0 0,-1 0 0,0 1 0,0-1 0,1 1 0,0-1 0,-1 1 0,1 0 0,0 0 0,-2 5 0,4-8 0,0 0 0,0 1 0,-1-1 0,1 1 0,0-1 0,0 0 0,0 1 0,0-1 0,0 1 0,0-1 0,0 0 0,0 1 0,1-1 0,-1 1 0,0-1 0,0 0 0,0 1 0,0-1 0,0 0 0,1 1 0,-1-1 0,0 0 0,0 1 0,1-1 0,-1 0 0,0 1 0,0-1 0,1 0 0,-1 0 0,0 1 0,1-1 0,-1 0 0,0 0 0,1 0 0,-1 1 0,1-1 0,-1 0 0,0 0 0,1 0 0,-1 0 0,0 0 0,1 0 0,-1 0 0,1 0 0,-1 0 0,0 0 0,1 0 0,-1 0 0,1 0 0,-1 0 0,22-6 0,-20 4 0,0 1 0,0-1 0,-1 0 0,1 0 0,-1 0 0,1-1 0,-1 1 0,0 0 0,1 0 0,-1-1 0,0 1 0,-1-1 0,1 1 0,0-1 0,-1 1 0,1-6 0,-1 7 0,0 1 0,0-1 0,0 0 0,0 0 0,0 0 0,0 0 0,0 1 0,0-1 0,-1 0 0,1 0 0,0 1 0,-1-1 0,1 0 0,0 0 0,-1 1 0,1-1 0,-1 0 0,1 1 0,-1-1 0,1 0 0,-2 0 0,1 0 0,0 1 0,0 0 0,0-1 0,-1 1 0,1 0 0,0 0 0,0 0 0,0 0 0,0 0 0,-1 0 0,1 0 0,0 0 0,0 0 0,0 1 0,0-1 0,0 0 0,-1 1 0,1-1 0,0 1 0,-1 0 0,-2 1 0,1 1 0,-1-1 0,1 1 0,0-1 0,0 1 0,0 0 0,0 0 0,1 1 0,-1-1 0,1 1 0,0-1 0,0 1 0,0 0 0,0-1 0,-2 8 0,4-10 0,0-1 0,0 0 0,0 1 0,0-1 0,0 1 0,0-1 0,0 1 0,0-1 0,0 0 0,0 1 0,0-1 0,0 1 0,0-1 0,0 0 0,1 1 0,-1-1 0,0 1 0,0-1 0,0 0 0,1 1 0,-1-1 0,0 0 0,0 1 0,1-1 0,-1 0 0,0 1 0,1-1 0,-1 0 0,0 1 0,1-1 0,-1 0 0,0 0 0,1 0 0,-1 1 0,1-1 0,-1 0 0,0 0 0,1 0 0,-1 0 0,1 0 0,-1 0 0,1 0 0,26 2 0,-12-2 0,-8 1 0,-1 0 0,0 0 0,0 1 0,0 0 0,0 0 0,0 0 0,0 0 0,-1 1 0,1 0 0,-1 1 0,0-1 0,1 1 0,-2 0 0,1 0 0,0 0 0,-1 1 0,0 0 0,0 0 0,0 0 0,-1 0 0,1 0 0,-1 1 0,-1-1 0,1 1 0,-1 0 0,0 0 0,2 7 0,1 7 0,-1 1 0,-1-1 0,0 1 0,-2 0 0,0 0 0,-2 0 0,0 0 0,-1 0 0,-1 0 0,-1-1 0,-10 32 0,-11 13-1365,15-33-5461</inkml:trace>
+</inkml:ink>
+</file>
+
+<file path=ppt/ink/ink7.xml><?xml version="1.0" encoding="utf-8"?>
+<inkml:ink xmlns:inkml="http://www.w3.org/2003/InkML">
+  <inkml:definitions>
+    <inkml:context xml:id="ctx0">
+      <inkml:inkSource xml:id="inkSrc0">
+        <inkml:traceFormat>
+          <inkml:channel name="X" type="integer" min="-2.14748E9" max="2.14748E9" units="cm"/>
+          <inkml:channel name="Y" type="integer" min="-2.14748E9" max="2.14748E9" units="cm"/>
+          <inkml:channel name="F" type="integer" max="32767" units="dev"/>
+        </inkml:traceFormat>
+        <inkml:channelProperties>
+          <inkml:channelProperty channel="X" name="resolution" value="1000" units="1/cm"/>
+          <inkml:channelProperty channel="Y" name="resolution" value="1000" units="1/cm"/>
+          <inkml:channelProperty channel="F" name="resolution" value="0" units="1/dev"/>
+        </inkml:channelProperties>
+      </inkml:inkSource>
+      <inkml:timestamp xml:id="ts0" timeString="2024-02-26T13:42:10.477"/>
+    </inkml:context>
+    <inkml:brush xml:id="br0">
+      <inkml:brushProperty name="width" value="0.05" units="cm"/>
+      <inkml:brushProperty name="height" value="0.05" units="cm"/>
+      <inkml:brushProperty name="color" value="#E71224"/>
+    </inkml:brush>
+  </inkml:definitions>
+  <inkml:trace contextRef="#ctx0" brushRef="#br0">558 60 24575,'0'-2'0,"-1"-1"0,1 1 0,0 0 0,-1 0 0,1 0 0,-1 0 0,0 0 0,0 0 0,0 0 0,0 0 0,0 0 0,0 0 0,0 0 0,-1 1 0,1-1 0,-1 1 0,1-1 0,-1 1 0,1-1 0,-1 1 0,0 0 0,0-1 0,0 1 0,0 0 0,0 1 0,0-1 0,0 0 0,0 0 0,-3 0 0,-8-2 0,0 1 0,0 0 0,-23-1 0,23 3 0,-13-2 0,-1 2 0,1 1 0,0 1 0,-44 9 0,54-7 0,1 0 0,-1 2 0,1 0 0,0 0 0,1 2 0,0 0 0,0 0 0,-23 19 0,26-17 0,-1 0 0,1 0 0,-17 23 0,23-26 0,1-1 0,0 1 0,1 0 0,0 0 0,0 0 0,1 0 0,-1 1 0,1-1 0,-1 13 0,2-12 0,0-1 0,1 1 0,0 0 0,0-1 0,1 1 0,-1 0 0,2-1 0,-1 1 0,1-1 0,0 1 0,1-1 0,0 0 0,6 11 0,-6-13 0,0-1 0,1 1 0,0-1 0,0 1 0,0-1 0,0 0 0,1-1 0,0 1 0,-1-1 0,1 0 0,0 0 0,1-1 0,-1 1 0,0-1 0,1 0 0,-1-1 0,1 1 0,10 0 0,1 1 0,0-1 0,1-1 0,-1 0 0,0-1 0,1-1 0,-1-1 0,25-5 0,-37 5 0,0 0 0,1 1 0,-1-2 0,0 1 0,0 0 0,0-1 0,0 0 0,0 0 0,-1-1 0,1 1 0,-1-1 0,0 0 0,0 0 0,-1-1 0,1 1 0,-1-1 0,0 1 0,0-1 0,0 0 0,-1 0 0,0-1 0,0 1 0,0 0 0,0-1 0,-1 1 0,1-8 0,0-8 0,-2 0 0,-2-29 0,1 27 0,2-47 0,0 64 0,0 0 0,0 1 0,0-1 0,1 0 0,0 1 0,0-1 0,0 1 0,0-1 0,1 1 0,0 0 0,0 0 0,6-7 0,-8 11 0,-1 1 0,1-1 0,-1 0 0,1 0 0,-1 1 0,1-1 0,-1 0 0,1 1 0,0-1 0,-1 1 0,1-1 0,0 1 0,-1-1 0,1 1 0,0-1 0,0 1 0,-1 0 0,1-1 0,0 1 0,0 0 0,0 0 0,0 0 0,0 0 0,-1-1 0,1 1 0,0 0 0,0 0 0,0 1 0,0-1 0,0 0 0,-1 0 0,1 0 0,0 1 0,0-1 0,0 0 0,-1 1 0,1-1 0,0 0 0,0 1 0,-1-1 0,1 1 0,0-1 0,-1 1 0,1 0 0,0-1 0,-1 1 0,1 0 0,-1-1 0,1 2 0,3 5 0,-1 0 0,0 0 0,0 1 0,3 13 0,-4-14 0,55 183-1365,-36-126-5461</inkml:trace>
+</inkml:ink>
+</file>
+
+<file path=ppt/ink/ink8.xml><?xml version="1.0" encoding="utf-8"?>
+<inkml:ink xmlns:inkml="http://www.w3.org/2003/InkML">
+  <inkml:definitions>
+    <inkml:context xml:id="ctx0">
+      <inkml:inkSource xml:id="inkSrc0">
+        <inkml:traceFormat>
+          <inkml:channel name="X" type="integer" min="-2.14748E9" max="2.14748E9" units="cm"/>
+          <inkml:channel name="Y" type="integer" min="-2.14748E9" max="2.14748E9" units="cm"/>
+          <inkml:channel name="F" type="integer" max="32767" units="dev"/>
+        </inkml:traceFormat>
+        <inkml:channelProperties>
+          <inkml:channelProperty channel="X" name="resolution" value="1000" units="1/cm"/>
+          <inkml:channelProperty channel="Y" name="resolution" value="1000" units="1/cm"/>
+          <inkml:channelProperty channel="F" name="resolution" value="0" units="1/dev"/>
+        </inkml:channelProperties>
+      </inkml:inkSource>
+      <inkml:timestamp xml:id="ts0" timeString="2024-02-26T13:42:11.885"/>
+    </inkml:context>
+    <inkml:brush xml:id="br0">
+      <inkml:brushProperty name="width" value="0.05" units="cm"/>
+      <inkml:brushProperty name="height" value="0.05" units="cm"/>
+      <inkml:brushProperty name="color" value="#E71224"/>
+    </inkml:brush>
+  </inkml:definitions>
+  <inkml:trace contextRef="#ctx0" brushRef="#br0">429 1 24575,'2'0'0,"-1"1"0,0 0 0,0 0 0,0 0 0,0 0 0,0 0 0,0 0 0,0 0 0,0 1 0,0-1 0,0 0 0,-1 0 0,1 1 0,0-1 0,-1 0 0,1 1 0,-1-1 0,0 1 0,1-1 0,-1 1 0,0-1 0,0 3 0,1 0 0,6 48 0,-1 0 0,-4 1 0,-3 65 0,-1-35 0,1 286 0,0-399 0,-1-1 0,-1 1 0,-2 0 0,-13-47 0,16 71 0,0 0 0,0 1 0,-1-1 0,0 1 0,0 0 0,0 0 0,0 0 0,-1 1 0,0-1 0,0 1 0,0-1 0,-1 1 0,1 1 0,-1-1 0,-7-4 0,5 5 0,-1-1 0,0 1 0,1 1 0,-1-1 0,0 1 0,0 1 0,0-1 0,0 1 0,0 1 0,-11 0 0,3 1 0,0 1 0,0 0 0,0 1 0,1 1 0,-1 1 0,1 0 0,0 1 0,0 0 0,1 2 0,0-1 0,-13 11 0,20-13 0,1 0 0,0 0 0,0 1 0,1 0 0,0 0 0,0 1 0,0-1 0,1 1 0,0 0 0,1 0 0,-1 1 0,1-1 0,-4 15 0,6-18 0,0 0 0,1 0 0,-1 0 0,1 0 0,0 0 0,0 0 0,0 0 0,1 0 0,-1 0 0,1 0 0,0 0 0,0 0 0,0-1 0,1 1 0,-1 0 0,1-1 0,0 1 0,0-1 0,0 1 0,1-1 0,-1 0 0,1 0 0,0 0 0,-1 0 0,1 0 0,1-1 0,-1 1 0,7 3 0,0-1 10,0-1 0,1 0 0,-1 0 0,1-1 0,0 0 0,0-1 0,0 0 0,1 0 0,-1-2 0,0 1 0,14-2 0,-11 0-175,0-1 0,-1 0 0,0-1 0,1 0 0,-1-1 0,0-1 0,-1 0 0,23-12 0,-6-2-6661</inkml:trace>
+</inkml:ink>
+</file>
+
+<file path=ppt/ink/ink9.xml><?xml version="1.0" encoding="utf-8"?>
+<inkml:ink xmlns:inkml="http://www.w3.org/2003/InkML">
+  <inkml:definitions>
+    <inkml:context xml:id="ctx0">
+      <inkml:inkSource xml:id="inkSrc0">
+        <inkml:traceFormat>
+          <inkml:channel name="X" type="integer" min="-2.14748E9" max="2.14748E9" units="cm"/>
+          <inkml:channel name="Y" type="integer" min="-2.14748E9" max="2.14748E9" units="cm"/>
+          <inkml:channel name="F" type="integer" max="32767" units="dev"/>
+        </inkml:traceFormat>
+        <inkml:channelProperties>
+          <inkml:channelProperty channel="X" name="resolution" value="1000" units="1/cm"/>
+          <inkml:channelProperty channel="Y" name="resolution" value="1000" units="1/cm"/>
+          <inkml:channelProperty channel="F" name="resolution" value="0" units="1/dev"/>
+        </inkml:channelProperties>
+      </inkml:inkSource>
+      <inkml:timestamp xml:id="ts0" timeString="2024-02-26T13:42:12.543"/>
+    </inkml:context>
+    <inkml:brush xml:id="br0">
+      <inkml:brushProperty name="width" value="0.05" units="cm"/>
+      <inkml:brushProperty name="height" value="0.05" units="cm"/>
+      <inkml:brushProperty name="color" value="#E71224"/>
+    </inkml:brush>
+  </inkml:definitions>
+  <inkml:trace contextRef="#ctx0" brushRef="#br0">1 1 24575,'5'0'0,"6"0"0,7 0 0,5 0 0,3 0 0,3 0 0,1 0 0,5 0 0,2 0 0,0 0 0,3 0 0,-5 0-8191</inkml:trace>
+</inkml:ink>
 </file>
 
 <file path=ppt/notesMasters/notesMaster1.xml><?xml version="1.0" encoding="utf-8"?>
@@ -672,7 +2382,7 @@
               <a:pPr>
                 <a:defRPr/>
               </a:pPr>
-              <a:t>11/20/2023</a:t>
+              <a:t>2/26/2024</a:t>
             </a:fld>
             <a:endParaRPr lang="en-US"/>
           </a:p>
@@ -1935,7 +3645,7 @@
               <a:pPr>
                 <a:defRPr/>
               </a:pPr>
-              <a:t>Monday, November 20, 2023</a:t>
+              <a:t>Monday, February 26, 2024</a:t>
             </a:fld>
             <a:endParaRPr lang="en-US"/>
           </a:p>
@@ -2118,7 +3828,7 @@
               <a:pPr>
                 <a:defRPr/>
               </a:pPr>
-              <a:t>Monday, November 20, 2023</a:t>
+              <a:t>Monday, February 26, 2024</a:t>
             </a:fld>
             <a:endParaRPr lang="en-US"/>
           </a:p>
@@ -2311,7 +4021,7 @@
               <a:pPr>
                 <a:defRPr/>
               </a:pPr>
-              <a:t>Monday, November 20, 2023</a:t>
+              <a:t>Monday, February 26, 2024</a:t>
             </a:fld>
             <a:endParaRPr lang="en-US"/>
           </a:p>
@@ -2494,7 +4204,7 @@
               <a:pPr>
                 <a:defRPr/>
               </a:pPr>
-              <a:t>Monday, November 20, 2023</a:t>
+              <a:t>Monday, February 26, 2024</a:t>
             </a:fld>
             <a:endParaRPr lang="en-US"/>
           </a:p>
@@ -2754,7 +4464,7 @@
               <a:pPr>
                 <a:defRPr/>
               </a:pPr>
-              <a:t>Monday, November 20, 2023</a:t>
+              <a:t>Monday, February 26, 2024</a:t>
             </a:fld>
             <a:endParaRPr lang="en-US"/>
           </a:p>
@@ -3054,7 +4764,7 @@
               <a:pPr>
                 <a:defRPr/>
               </a:pPr>
-              <a:t>Monday, November 20, 2023</a:t>
+              <a:t>Monday, February 26, 2024</a:t>
             </a:fld>
             <a:endParaRPr lang="en-US"/>
           </a:p>
@@ -3488,7 +5198,7 @@
               <a:pPr>
                 <a:defRPr/>
               </a:pPr>
-              <a:t>Monday, November 20, 2023</a:t>
+              <a:t>Monday, February 26, 2024</a:t>
             </a:fld>
             <a:endParaRPr lang="en-US"/>
           </a:p>
@@ -3620,7 +5330,7 @@
               <a:pPr>
                 <a:defRPr/>
               </a:pPr>
-              <a:t>Monday, November 20, 2023</a:t>
+              <a:t>Monday, February 26, 2024</a:t>
             </a:fld>
             <a:endParaRPr lang="en-US"/>
           </a:p>
@@ -3730,7 +5440,7 @@
               <a:pPr>
                 <a:defRPr/>
               </a:pPr>
-              <a:t>Monday, November 20, 2023</a:t>
+              <a:t>Monday, February 26, 2024</a:t>
             </a:fld>
             <a:endParaRPr lang="en-US"/>
           </a:p>
@@ -4020,7 +5730,7 @@
               <a:pPr>
                 <a:defRPr/>
               </a:pPr>
-              <a:t>Monday, November 20, 2023</a:t>
+              <a:t>Monday, February 26, 2024</a:t>
             </a:fld>
             <a:endParaRPr lang="en-US"/>
           </a:p>
@@ -4287,7 +5997,7 @@
               <a:pPr>
                 <a:defRPr/>
               </a:pPr>
-              <a:t>Monday, November 20, 2023</a:t>
+              <a:t>Monday, February 26, 2024</a:t>
             </a:fld>
             <a:endParaRPr lang="en-US"/>
           </a:p>
@@ -4513,7 +6223,7 @@
               <a:pPr>
                 <a:defRPr/>
               </a:pPr>
-              <a:t>Monday, November 20, 2023</a:t>
+              <a:t>Monday, February 26, 2024</a:t>
             </a:fld>
             <a:endParaRPr lang="en-US"/>
           </a:p>
@@ -5018,7 +6728,7 @@
                   <a:srgbClr val="FFFF00"/>
                 </a:highlight>
               </a:rPr>
-              <a:t>__________</a:t>
+              <a:t>___________</a:t>
             </a:r>
           </a:p>
         </p:txBody>
@@ -5269,6 +6979,12 @@
             <a:r>
               <a:rPr lang="en-US" dirty="0"/>
               <a:t>Recommended order</a:t>
+            </a:r>
+          </a:p>
+          <a:p>
+            <a:r>
+              <a:rPr lang="en-US" dirty="0"/>
+              <a:t>This numerical is the same as the methods are listed from top to bottom</a:t>
             </a:r>
           </a:p>
           <a:p>
@@ -5701,6 +7417,4097 @@
 </file>
 
 <file path=ppt/slides/slide13.xml><?xml version="1.0" encoding="utf-8"?>
+<p:sld xmlns:a="http://schemas.openxmlformats.org/drawingml/2006/main" xmlns:r="http://schemas.openxmlformats.org/officeDocument/2006/relationships" xmlns:p="http://schemas.openxmlformats.org/presentationml/2006/main">
+  <p:cSld>
+    <p:spTree>
+      <p:nvGrpSpPr>
+        <p:cNvPr id="1" name=""/>
+        <p:cNvGrpSpPr/>
+        <p:nvPr/>
+      </p:nvGrpSpPr>
+      <p:grpSpPr>
+        <a:xfrm>
+          <a:off x="0" y="0"/>
+          <a:ext cx="0" cy="0"/>
+          <a:chOff x="0" y="0"/>
+          <a:chExt cx="0" cy="0"/>
+        </a:xfrm>
+      </p:grpSpPr>
+      <p:sp>
+        <p:nvSpPr>
+          <p:cNvPr id="2" name="Title 1">
+            <a:extLst>
+              <a:ext uri="{FF2B5EF4-FFF2-40B4-BE49-F238E27FC236}">
+                <a16:creationId xmlns:a16="http://schemas.microsoft.com/office/drawing/2014/main" id="{52067CF1-D9EB-8B83-D231-2ECB5EA96013}"/>
+              </a:ext>
+            </a:extLst>
+          </p:cNvPr>
+          <p:cNvSpPr>
+            <a:spLocks noGrp="1"/>
+          </p:cNvSpPr>
+          <p:nvPr>
+            <p:ph type="title"/>
+          </p:nvPr>
+        </p:nvSpPr>
+        <p:spPr>
+          <a:xfrm>
+            <a:off x="0" y="123497"/>
+            <a:ext cx="5397062" cy="1143000"/>
+          </a:xfrm>
+        </p:spPr>
+        <p:txBody>
+          <a:bodyPr>
+            <a:normAutofit fontScale="90000"/>
+          </a:bodyPr>
+          <a:lstStyle/>
+          <a:p>
+            <a:r>
+              <a:rPr lang="en-US" dirty="0"/>
+              <a:t>Think before you code!</a:t>
+            </a:r>
+          </a:p>
+        </p:txBody>
+      </p:sp>
+      <p:sp>
+        <p:nvSpPr>
+          <p:cNvPr id="3" name="Content Placeholder 2">
+            <a:extLst>
+              <a:ext uri="{FF2B5EF4-FFF2-40B4-BE49-F238E27FC236}">
+                <a16:creationId xmlns:a16="http://schemas.microsoft.com/office/drawing/2014/main" id="{0B97DF19-8FF5-7024-03E5-6EE38F7FFDF5}"/>
+              </a:ext>
+            </a:extLst>
+          </p:cNvPr>
+          <p:cNvSpPr>
+            <a:spLocks noGrp="1"/>
+          </p:cNvSpPr>
+          <p:nvPr>
+            <p:ph idx="1"/>
+          </p:nvPr>
+        </p:nvSpPr>
+        <p:spPr>
+          <a:xfrm>
+            <a:off x="126125" y="3520966"/>
+            <a:ext cx="9017874" cy="3213537"/>
+          </a:xfrm>
+        </p:spPr>
+        <p:txBody>
+          <a:bodyPr>
+            <a:normAutofit/>
+          </a:bodyPr>
+          <a:lstStyle/>
+          <a:p>
+            <a:r>
+              <a:rPr lang="en-US" sz="2400" dirty="0"/>
+              <a:t>A.) First, think through how to make changes to the LL</a:t>
+            </a:r>
+          </a:p>
+          <a:p>
+            <a:r>
+              <a:rPr lang="en-US" sz="2400" dirty="0"/>
+              <a:t>B.) Second, determine the code to cause the desired changes</a:t>
+            </a:r>
+          </a:p>
+          <a:p>
+            <a:pPr lvl="1"/>
+            <a:r>
+              <a:rPr lang="en-US" sz="2000" dirty="0"/>
+              <a:t>Be sure to execute one line at a time</a:t>
+            </a:r>
+          </a:p>
+          <a:p>
+            <a:pPr lvl="1"/>
+            <a:r>
+              <a:rPr lang="en-US" sz="2000" dirty="0"/>
+              <a:t>Update the structure as you go</a:t>
+            </a:r>
+          </a:p>
+          <a:p>
+            <a:pPr lvl="1"/>
+            <a:r>
+              <a:rPr lang="en-US" sz="2000" dirty="0"/>
+              <a:t>With assignments, code </a:t>
+            </a:r>
+            <a:r>
+              <a:rPr lang="en-US" sz="2000" dirty="0">
+                <a:highlight>
+                  <a:srgbClr val="FFFF00"/>
+                </a:highlight>
+              </a:rPr>
+              <a:t>evaluates</a:t>
+            </a:r>
+            <a:r>
+              <a:rPr lang="en-US" sz="2000" dirty="0"/>
+              <a:t> on the right side of </a:t>
+            </a:r>
+            <a:r>
+              <a:rPr lang="en-US" sz="2000" dirty="0">
+                <a:highlight>
+                  <a:srgbClr val="FFFF00"/>
+                </a:highlight>
+              </a:rPr>
+              <a:t>FIRST</a:t>
+            </a:r>
+            <a:r>
+              <a:rPr lang="en-US" sz="2000" dirty="0"/>
+              <a:t> and </a:t>
+            </a:r>
+          </a:p>
+          <a:p>
+            <a:pPr marL="457200" lvl="1" indent="0">
+              <a:buNone/>
+            </a:pPr>
+            <a:r>
+              <a:rPr lang="en-US" sz="2000" dirty="0"/>
+              <a:t>     then </a:t>
+            </a:r>
+            <a:r>
+              <a:rPr lang="en-US" sz="2000" dirty="0">
+                <a:highlight>
+                  <a:srgbClr val="00FF00"/>
+                </a:highlight>
+              </a:rPr>
+              <a:t>updates</a:t>
+            </a:r>
+            <a:r>
+              <a:rPr lang="en-US" sz="2000" dirty="0"/>
+              <a:t> the variable on the left side </a:t>
+            </a:r>
+            <a:r>
+              <a:rPr lang="en-US" sz="2000" dirty="0">
+                <a:highlight>
+                  <a:srgbClr val="00FF00"/>
+                </a:highlight>
+              </a:rPr>
+              <a:t>AFTER</a:t>
+            </a:r>
+            <a:r>
+              <a:rPr lang="en-US" sz="2000" dirty="0"/>
+              <a:t>:</a:t>
+            </a:r>
+          </a:p>
+          <a:p>
+            <a:pPr lvl="1"/>
+            <a:r>
+              <a:rPr lang="en-US" sz="2000" dirty="0" err="1">
+                <a:highlight>
+                  <a:srgbClr val="00FF00"/>
+                </a:highlight>
+              </a:rPr>
+              <a:t>this.head</a:t>
+            </a:r>
+            <a:r>
+              <a:rPr lang="en-US" sz="2000" dirty="0">
+                <a:highlight>
+                  <a:srgbClr val="00FF00"/>
+                </a:highlight>
+              </a:rPr>
+              <a:t> </a:t>
+            </a:r>
+            <a:r>
+              <a:rPr lang="en-US" sz="2000" dirty="0"/>
+              <a:t>= </a:t>
+            </a:r>
+            <a:r>
+              <a:rPr lang="en-US" sz="2000" dirty="0">
+                <a:highlight>
+                  <a:srgbClr val="FFFF00"/>
+                </a:highlight>
+              </a:rPr>
+              <a:t>new Node(</a:t>
+            </a:r>
+            <a:r>
+              <a:rPr lang="en-US" sz="2000" dirty="0" err="1">
+                <a:highlight>
+                  <a:srgbClr val="FFFF00"/>
+                </a:highlight>
+              </a:rPr>
+              <a:t>this.head.next</a:t>
+            </a:r>
+            <a:r>
+              <a:rPr lang="en-US" sz="2000" dirty="0">
+                <a:highlight>
+                  <a:srgbClr val="FFFF00"/>
+                </a:highlight>
+              </a:rPr>
+              <a:t>, null);</a:t>
+            </a:r>
+            <a:endParaRPr lang="en-US" sz="1600" dirty="0"/>
+          </a:p>
+          <a:p>
+            <a:endParaRPr lang="en-US" sz="2400" dirty="0"/>
+          </a:p>
+        </p:txBody>
+      </p:sp>
+      <p:pic>
+        <p:nvPicPr>
+          <p:cNvPr id="4" name="Picture 3">
+            <a:extLst>
+              <a:ext uri="{FF2B5EF4-FFF2-40B4-BE49-F238E27FC236}">
+                <a16:creationId xmlns:a16="http://schemas.microsoft.com/office/drawing/2014/main" id="{98D14DFE-D287-5DC9-7608-246BA4455C16}"/>
+              </a:ext>
+            </a:extLst>
+          </p:cNvPr>
+          <p:cNvPicPr>
+            <a:picLocks noChangeAspect="1"/>
+          </p:cNvPicPr>
+          <p:nvPr/>
+        </p:nvPicPr>
+        <p:blipFill>
+          <a:blip r:embed="rId2"/>
+          <a:stretch>
+            <a:fillRect/>
+          </a:stretch>
+        </p:blipFill>
+        <p:spPr>
+          <a:xfrm>
+            <a:off x="5397062" y="121924"/>
+            <a:ext cx="3746937" cy="2831319"/>
+          </a:xfrm>
+          <a:prstGeom prst="rect">
+            <a:avLst/>
+          </a:prstGeom>
+        </p:spPr>
+      </p:pic>
+      <p:sp>
+        <p:nvSpPr>
+          <p:cNvPr id="6" name="TextBox 5">
+            <a:extLst>
+              <a:ext uri="{FF2B5EF4-FFF2-40B4-BE49-F238E27FC236}">
+                <a16:creationId xmlns:a16="http://schemas.microsoft.com/office/drawing/2014/main" id="{B363668A-B521-CC42-DD1C-16D50775D2AC}"/>
+              </a:ext>
+            </a:extLst>
+          </p:cNvPr>
+          <p:cNvSpPr txBox="1"/>
+          <p:nvPr/>
+        </p:nvSpPr>
+        <p:spPr>
+          <a:xfrm>
+            <a:off x="126125" y="1045780"/>
+            <a:ext cx="5076496" cy="2031325"/>
+          </a:xfrm>
+          <a:prstGeom prst="rect">
+            <a:avLst/>
+          </a:prstGeom>
+          <a:noFill/>
+        </p:spPr>
+        <p:txBody>
+          <a:bodyPr wrap="square">
+            <a:spAutoFit/>
+          </a:bodyPr>
+          <a:lstStyle/>
+          <a:p>
+            <a:r>
+              <a:rPr lang="en-US" sz="1800" dirty="0"/>
+              <a:t>Coding without a plan may waste a lot of time</a:t>
+            </a:r>
+          </a:p>
+          <a:p>
+            <a:r>
+              <a:rPr lang="en-US" dirty="0"/>
+              <a:t>It’s easy to make mistakes without a plan</a:t>
+            </a:r>
+          </a:p>
+          <a:p>
+            <a:r>
+              <a:rPr lang="en-US" sz="1800" dirty="0"/>
+              <a:t>It’s easy to get confused when randomly changing things</a:t>
+            </a:r>
+          </a:p>
+          <a:p>
+            <a:endParaRPr lang="en-US" dirty="0"/>
+          </a:p>
+          <a:p>
+            <a:r>
+              <a:rPr lang="en-US" sz="1800" dirty="0"/>
+              <a:t>We strongly encourage you to be more intentional about planning before you code</a:t>
+            </a:r>
+          </a:p>
+        </p:txBody>
+      </p:sp>
+    </p:spTree>
+    <p:extLst>
+      <p:ext uri="{BB962C8B-B14F-4D97-AF65-F5344CB8AC3E}">
+        <p14:creationId xmlns:p14="http://schemas.microsoft.com/office/powerpoint/2010/main" val="3180789400"/>
+      </p:ext>
+    </p:extLst>
+  </p:cSld>
+  <p:clrMapOvr>
+    <a:masterClrMapping/>
+  </p:clrMapOvr>
+</p:sld>
+</file>
+
+<file path=ppt/slides/slide14.xml><?xml version="1.0" encoding="utf-8"?>
+<p:sld xmlns:a="http://schemas.openxmlformats.org/drawingml/2006/main" xmlns:r="http://schemas.openxmlformats.org/officeDocument/2006/relationships" xmlns:p="http://schemas.openxmlformats.org/presentationml/2006/main">
+  <p:cSld>
+    <p:spTree>
+      <p:nvGrpSpPr>
+        <p:cNvPr id="1" name=""/>
+        <p:cNvGrpSpPr/>
+        <p:nvPr/>
+      </p:nvGrpSpPr>
+      <p:grpSpPr>
+        <a:xfrm>
+          <a:off x="0" y="0"/>
+          <a:ext cx="0" cy="0"/>
+          <a:chOff x="0" y="0"/>
+          <a:chExt cx="0" cy="0"/>
+        </a:xfrm>
+      </p:grpSpPr>
+      <p:sp>
+        <p:nvSpPr>
+          <p:cNvPr id="2" name="Title 1">
+            <a:extLst>
+              <a:ext uri="{FF2B5EF4-FFF2-40B4-BE49-F238E27FC236}">
+                <a16:creationId xmlns:a16="http://schemas.microsoft.com/office/drawing/2014/main" id="{98CE85DF-0DFD-693D-CC49-E2AE8B1246FC}"/>
+              </a:ext>
+            </a:extLst>
+          </p:cNvPr>
+          <p:cNvSpPr>
+            <a:spLocks noGrp="1"/>
+          </p:cNvSpPr>
+          <p:nvPr>
+            <p:ph type="title"/>
+          </p:nvPr>
+        </p:nvSpPr>
+        <p:spPr/>
+        <p:txBody>
+          <a:bodyPr/>
+          <a:lstStyle/>
+          <a:p>
+            <a:r>
+              <a:rPr lang="en-US" dirty="0"/>
+              <a:t>How to Use</a:t>
+            </a:r>
+          </a:p>
+        </p:txBody>
+      </p:sp>
+      <p:pic>
+        <p:nvPicPr>
+          <p:cNvPr id="5" name="Picture 4">
+            <a:extLst>
+              <a:ext uri="{FF2B5EF4-FFF2-40B4-BE49-F238E27FC236}">
+                <a16:creationId xmlns:a16="http://schemas.microsoft.com/office/drawing/2014/main" id="{FE5AB70B-5FAF-C73C-BAB1-F778F35EB292}"/>
+              </a:ext>
+            </a:extLst>
+          </p:cNvPr>
+          <p:cNvPicPr>
+            <a:picLocks noChangeAspect="1"/>
+          </p:cNvPicPr>
+          <p:nvPr/>
+        </p:nvPicPr>
+        <p:blipFill rotWithShape="1">
+          <a:blip r:embed="rId2"/>
+          <a:srcRect r="48591"/>
+          <a:stretch/>
+        </p:blipFill>
+        <p:spPr>
+          <a:xfrm>
+            <a:off x="0" y="1169278"/>
+            <a:ext cx="8863243" cy="2707042"/>
+          </a:xfrm>
+          <a:prstGeom prst="rect">
+            <a:avLst/>
+          </a:prstGeom>
+        </p:spPr>
+      </p:pic>
+      <p:pic>
+        <p:nvPicPr>
+          <p:cNvPr id="6" name="Picture 5">
+            <a:extLst>
+              <a:ext uri="{FF2B5EF4-FFF2-40B4-BE49-F238E27FC236}">
+                <a16:creationId xmlns:a16="http://schemas.microsoft.com/office/drawing/2014/main" id="{77882234-76B8-346F-1618-A79DC7D156D4}"/>
+              </a:ext>
+            </a:extLst>
+          </p:cNvPr>
+          <p:cNvPicPr>
+            <a:picLocks noChangeAspect="1"/>
+          </p:cNvPicPr>
+          <p:nvPr/>
+        </p:nvPicPr>
+        <p:blipFill rotWithShape="1">
+          <a:blip r:embed="rId2"/>
+          <a:srcRect l="51299"/>
+          <a:stretch/>
+        </p:blipFill>
+        <p:spPr>
+          <a:xfrm>
+            <a:off x="145461" y="4002444"/>
+            <a:ext cx="8396445" cy="2707042"/>
+          </a:xfrm>
+          <a:prstGeom prst="rect">
+            <a:avLst/>
+          </a:prstGeom>
+        </p:spPr>
+      </p:pic>
+      <p:grpSp>
+        <p:nvGrpSpPr>
+          <p:cNvPr id="20" name="Group 19">
+            <a:extLst>
+              <a:ext uri="{FF2B5EF4-FFF2-40B4-BE49-F238E27FC236}">
+                <a16:creationId xmlns:a16="http://schemas.microsoft.com/office/drawing/2014/main" id="{737A4ABB-E14F-D3A5-2169-7D9922E0104B}"/>
+              </a:ext>
+            </a:extLst>
+          </p:cNvPr>
+          <p:cNvGrpSpPr/>
+          <p:nvPr/>
+        </p:nvGrpSpPr>
+        <p:grpSpPr>
+          <a:xfrm>
+            <a:off x="2921458" y="2297756"/>
+            <a:ext cx="1965240" cy="716760"/>
+            <a:chOff x="2921458" y="2297756"/>
+            <a:chExt cx="1965240" cy="716760"/>
+          </a:xfrm>
+        </p:grpSpPr>
+        <mc:AlternateContent xmlns:mc="http://schemas.openxmlformats.org/markup-compatibility/2006">
+          <mc:Choice xmlns:p14="http://schemas.microsoft.com/office/powerpoint/2010/main" Requires="p14">
+            <p:contentPart p14:bwMode="auto" r:id="rId3">
+              <p14:nvContentPartPr>
+                <p14:cNvPr id="7" name="Ink 6">
+                  <a:extLst>
+                    <a:ext uri="{FF2B5EF4-FFF2-40B4-BE49-F238E27FC236}">
+                      <a16:creationId xmlns:a16="http://schemas.microsoft.com/office/drawing/2014/main" id="{5408AFA5-E7D2-F231-4BB9-992C5A44E9D3}"/>
+                    </a:ext>
+                  </a:extLst>
+                </p14:cNvPr>
+                <p14:cNvContentPartPr/>
+                <p14:nvPr/>
+              </p14:nvContentPartPr>
+              <p14:xfrm>
+                <a:off x="3131338" y="2716796"/>
+                <a:ext cx="278640" cy="297720"/>
+              </p14:xfrm>
+            </p:contentPart>
+          </mc:Choice>
+          <mc:Fallback>
+            <p:pic>
+              <p:nvPicPr>
+                <p:cNvPr id="7" name="Ink 6">
+                  <a:extLst>
+                    <a:ext uri="{FF2B5EF4-FFF2-40B4-BE49-F238E27FC236}">
+                      <a16:creationId xmlns:a16="http://schemas.microsoft.com/office/drawing/2014/main" id="{5408AFA5-E7D2-F231-4BB9-992C5A44E9D3}"/>
+                    </a:ext>
+                  </a:extLst>
+                </p:cNvPr>
+                <p:cNvPicPr/>
+                <p:nvPr/>
+              </p:nvPicPr>
+              <p:blipFill>
+                <a:blip r:embed="rId4"/>
+                <a:stretch>
+                  <a:fillRect/>
+                </a:stretch>
+              </p:blipFill>
+              <p:spPr>
+                <a:xfrm>
+                  <a:off x="3122698" y="2708156"/>
+                  <a:ext cx="296280" cy="315360"/>
+                </a:xfrm>
+                <a:prstGeom prst="rect">
+                  <a:avLst/>
+                </a:prstGeom>
+              </p:spPr>
+            </p:pic>
+          </mc:Fallback>
+        </mc:AlternateContent>
+        <mc:AlternateContent xmlns:mc="http://schemas.openxmlformats.org/markup-compatibility/2006">
+          <mc:Choice xmlns:p14="http://schemas.microsoft.com/office/powerpoint/2010/main" Requires="p14">
+            <p:contentPart p14:bwMode="auto" r:id="rId5">
+              <p14:nvContentPartPr>
+                <p14:cNvPr id="8" name="Ink 7">
+                  <a:extLst>
+                    <a:ext uri="{FF2B5EF4-FFF2-40B4-BE49-F238E27FC236}">
+                      <a16:creationId xmlns:a16="http://schemas.microsoft.com/office/drawing/2014/main" id="{43A2BFB1-7870-61EF-BB44-D0824D46B6C0}"/>
+                    </a:ext>
+                  </a:extLst>
+                </p14:cNvPr>
+                <p14:cNvContentPartPr/>
+                <p14:nvPr/>
+              </p14:nvContentPartPr>
+              <p14:xfrm>
+                <a:off x="3187498" y="2707076"/>
+                <a:ext cx="249480" cy="281520"/>
+              </p14:xfrm>
+            </p:contentPart>
+          </mc:Choice>
+          <mc:Fallback>
+            <p:pic>
+              <p:nvPicPr>
+                <p:cNvPr id="8" name="Ink 7">
+                  <a:extLst>
+                    <a:ext uri="{FF2B5EF4-FFF2-40B4-BE49-F238E27FC236}">
+                      <a16:creationId xmlns:a16="http://schemas.microsoft.com/office/drawing/2014/main" id="{43A2BFB1-7870-61EF-BB44-D0824D46B6C0}"/>
+                    </a:ext>
+                  </a:extLst>
+                </p:cNvPr>
+                <p:cNvPicPr/>
+                <p:nvPr/>
+              </p:nvPicPr>
+              <p:blipFill>
+                <a:blip r:embed="rId6"/>
+                <a:stretch>
+                  <a:fillRect/>
+                </a:stretch>
+              </p:blipFill>
+              <p:spPr>
+                <a:xfrm>
+                  <a:off x="3178498" y="2698076"/>
+                  <a:ext cx="267120" cy="299160"/>
+                </a:xfrm>
+                <a:prstGeom prst="rect">
+                  <a:avLst/>
+                </a:prstGeom>
+              </p:spPr>
+            </p:pic>
+          </mc:Fallback>
+        </mc:AlternateContent>
+        <mc:AlternateContent xmlns:mc="http://schemas.openxmlformats.org/markup-compatibility/2006">
+          <mc:Choice xmlns:p14="http://schemas.microsoft.com/office/powerpoint/2010/main" Requires="p14">
+            <p:contentPart p14:bwMode="auto" r:id="rId7">
+              <p14:nvContentPartPr>
+                <p14:cNvPr id="10" name="Ink 9">
+                  <a:extLst>
+                    <a:ext uri="{FF2B5EF4-FFF2-40B4-BE49-F238E27FC236}">
+                      <a16:creationId xmlns:a16="http://schemas.microsoft.com/office/drawing/2014/main" id="{290CB04F-12FE-2028-1DEE-5F4FD440C57D}"/>
+                    </a:ext>
+                  </a:extLst>
+                </p14:cNvPr>
+                <p14:cNvContentPartPr/>
+                <p14:nvPr/>
+              </p14:nvContentPartPr>
+              <p14:xfrm>
+                <a:off x="2921458" y="2297756"/>
+                <a:ext cx="1965240" cy="384480"/>
+              </p14:xfrm>
+            </p:contentPart>
+          </mc:Choice>
+          <mc:Fallback>
+            <p:pic>
+              <p:nvPicPr>
+                <p:cNvPr id="10" name="Ink 9">
+                  <a:extLst>
+                    <a:ext uri="{FF2B5EF4-FFF2-40B4-BE49-F238E27FC236}">
+                      <a16:creationId xmlns:a16="http://schemas.microsoft.com/office/drawing/2014/main" id="{290CB04F-12FE-2028-1DEE-5F4FD440C57D}"/>
+                    </a:ext>
+                  </a:extLst>
+                </p:cNvPr>
+                <p:cNvPicPr/>
+                <p:nvPr/>
+              </p:nvPicPr>
+              <p:blipFill>
+                <a:blip r:embed="rId8"/>
+                <a:stretch>
+                  <a:fillRect/>
+                </a:stretch>
+              </p:blipFill>
+              <p:spPr>
+                <a:xfrm>
+                  <a:off x="2912818" y="2289116"/>
+                  <a:ext cx="1982880" cy="402120"/>
+                </a:xfrm>
+                <a:prstGeom prst="rect">
+                  <a:avLst/>
+                </a:prstGeom>
+              </p:spPr>
+            </p:pic>
+          </mc:Fallback>
+        </mc:AlternateContent>
+      </p:grpSp>
+      <mc:AlternateContent xmlns:mc="http://schemas.openxmlformats.org/markup-compatibility/2006">
+        <mc:Choice xmlns:p14="http://schemas.microsoft.com/office/powerpoint/2010/main" Requires="p14">
+          <p:contentPart p14:bwMode="auto" r:id="rId9">
+            <p14:nvContentPartPr>
+              <p14:cNvPr id="47" name="Ink 46">
+                <a:extLst>
+                  <a:ext uri="{FF2B5EF4-FFF2-40B4-BE49-F238E27FC236}">
+                    <a16:creationId xmlns:a16="http://schemas.microsoft.com/office/drawing/2014/main" id="{EC75A926-61E8-271B-9E84-9F4DFD9BC1C9}"/>
+                  </a:ext>
+                </a:extLst>
+              </p14:cNvPr>
+              <p14:cNvContentPartPr/>
+              <p14:nvPr/>
+            </p14:nvContentPartPr>
+            <p14:xfrm>
+              <a:off x="2143858" y="4992356"/>
+              <a:ext cx="103680" cy="360"/>
+            </p14:xfrm>
+          </p:contentPart>
+        </mc:Choice>
+        <mc:Fallback>
+          <p:pic>
+            <p:nvPicPr>
+              <p:cNvPr id="47" name="Ink 46">
+                <a:extLst>
+                  <a:ext uri="{FF2B5EF4-FFF2-40B4-BE49-F238E27FC236}">
+                    <a16:creationId xmlns:a16="http://schemas.microsoft.com/office/drawing/2014/main" id="{EC75A926-61E8-271B-9E84-9F4DFD9BC1C9}"/>
+                  </a:ext>
+                </a:extLst>
+              </p:cNvPr>
+              <p:cNvPicPr/>
+              <p:nvPr/>
+            </p:nvPicPr>
+            <p:blipFill>
+              <a:blip r:embed="rId10"/>
+              <a:stretch>
+                <a:fillRect/>
+              </a:stretch>
+            </p:blipFill>
+            <p:spPr>
+              <a:xfrm>
+                <a:off x="2135218" y="4983356"/>
+                <a:ext cx="121320" cy="18000"/>
+              </a:xfrm>
+              <a:prstGeom prst="rect">
+                <a:avLst/>
+              </a:prstGeom>
+            </p:spPr>
+          </p:pic>
+        </mc:Fallback>
+      </mc:AlternateContent>
+      <p:grpSp>
+        <p:nvGrpSpPr>
+          <p:cNvPr id="57" name="Group 56">
+            <a:extLst>
+              <a:ext uri="{FF2B5EF4-FFF2-40B4-BE49-F238E27FC236}">
+                <a16:creationId xmlns:a16="http://schemas.microsoft.com/office/drawing/2014/main" id="{50FA7E38-2407-6DAD-976A-B2A6F4BA3F71}"/>
+              </a:ext>
+            </a:extLst>
+          </p:cNvPr>
+          <p:cNvGrpSpPr/>
+          <p:nvPr/>
+        </p:nvGrpSpPr>
+        <p:grpSpPr>
+          <a:xfrm>
+            <a:off x="1302898" y="4802996"/>
+            <a:ext cx="1629720" cy="330840"/>
+            <a:chOff x="1302898" y="4802996"/>
+            <a:chExt cx="1629720" cy="330840"/>
+          </a:xfrm>
+        </p:grpSpPr>
+        <mc:AlternateContent xmlns:mc="http://schemas.openxmlformats.org/markup-compatibility/2006">
+          <mc:Choice xmlns:p14="http://schemas.microsoft.com/office/powerpoint/2010/main" Requires="p14">
+            <p:contentPart p14:bwMode="auto" r:id="rId11">
+              <p14:nvContentPartPr>
+                <p14:cNvPr id="36" name="Ink 35">
+                  <a:extLst>
+                    <a:ext uri="{FF2B5EF4-FFF2-40B4-BE49-F238E27FC236}">
+                      <a16:creationId xmlns:a16="http://schemas.microsoft.com/office/drawing/2014/main" id="{D21F2E51-5422-6CE7-0A43-2753416B12F4}"/>
+                    </a:ext>
+                  </a:extLst>
+                </p14:cNvPr>
+                <p14:cNvContentPartPr/>
+                <p14:nvPr/>
+              </p14:nvContentPartPr>
+              <p14:xfrm>
+                <a:off x="1302898" y="4802996"/>
+                <a:ext cx="150480" cy="323640"/>
+              </p14:xfrm>
+            </p:contentPart>
+          </mc:Choice>
+          <mc:Fallback>
+            <p:pic>
+              <p:nvPicPr>
+                <p:cNvPr id="36" name="Ink 35">
+                  <a:extLst>
+                    <a:ext uri="{FF2B5EF4-FFF2-40B4-BE49-F238E27FC236}">
+                      <a16:creationId xmlns:a16="http://schemas.microsoft.com/office/drawing/2014/main" id="{D21F2E51-5422-6CE7-0A43-2753416B12F4}"/>
+                    </a:ext>
+                  </a:extLst>
+                </p:cNvPr>
+                <p:cNvPicPr/>
+                <p:nvPr/>
+              </p:nvPicPr>
+              <p:blipFill>
+                <a:blip r:embed="rId12"/>
+                <a:stretch>
+                  <a:fillRect/>
+                </a:stretch>
+              </p:blipFill>
+              <p:spPr>
+                <a:xfrm>
+                  <a:off x="1293898" y="4794356"/>
+                  <a:ext cx="168120" cy="341280"/>
+                </a:xfrm>
+                <a:prstGeom prst="rect">
+                  <a:avLst/>
+                </a:prstGeom>
+              </p:spPr>
+            </p:pic>
+          </mc:Fallback>
+        </mc:AlternateContent>
+        <mc:AlternateContent xmlns:mc="http://schemas.openxmlformats.org/markup-compatibility/2006">
+          <mc:Choice xmlns:p14="http://schemas.microsoft.com/office/powerpoint/2010/main" Requires="p14">
+            <p:contentPart p14:bwMode="auto" r:id="rId13">
+              <p14:nvContentPartPr>
+                <p14:cNvPr id="37" name="Ink 36">
+                  <a:extLst>
+                    <a:ext uri="{FF2B5EF4-FFF2-40B4-BE49-F238E27FC236}">
+                      <a16:creationId xmlns:a16="http://schemas.microsoft.com/office/drawing/2014/main" id="{7304B37D-3E4A-75C2-A61B-A998C53B99D6}"/>
+                    </a:ext>
+                  </a:extLst>
+                </p14:cNvPr>
+                <p14:cNvContentPartPr/>
+                <p14:nvPr/>
+              </p14:nvContentPartPr>
+              <p14:xfrm>
+                <a:off x="1502698" y="4983716"/>
+                <a:ext cx="124200" cy="147240"/>
+              </p14:xfrm>
+            </p:contentPart>
+          </mc:Choice>
+          <mc:Fallback>
+            <p:pic>
+              <p:nvPicPr>
+                <p:cNvPr id="37" name="Ink 36">
+                  <a:extLst>
+                    <a:ext uri="{FF2B5EF4-FFF2-40B4-BE49-F238E27FC236}">
+                      <a16:creationId xmlns:a16="http://schemas.microsoft.com/office/drawing/2014/main" id="{7304B37D-3E4A-75C2-A61B-A998C53B99D6}"/>
+                    </a:ext>
+                  </a:extLst>
+                </p:cNvPr>
+                <p:cNvPicPr/>
+                <p:nvPr/>
+              </p:nvPicPr>
+              <p:blipFill>
+                <a:blip r:embed="rId14"/>
+                <a:stretch>
+                  <a:fillRect/>
+                </a:stretch>
+              </p:blipFill>
+              <p:spPr>
+                <a:xfrm>
+                  <a:off x="1494058" y="4975076"/>
+                  <a:ext cx="141840" cy="164880"/>
+                </a:xfrm>
+                <a:prstGeom prst="rect">
+                  <a:avLst/>
+                </a:prstGeom>
+              </p:spPr>
+            </p:pic>
+          </mc:Fallback>
+        </mc:AlternateContent>
+        <mc:AlternateContent xmlns:mc="http://schemas.openxmlformats.org/markup-compatibility/2006">
+          <mc:Choice xmlns:p14="http://schemas.microsoft.com/office/powerpoint/2010/main" Requires="p14">
+            <p:contentPart p14:bwMode="auto" r:id="rId15">
+              <p14:nvContentPartPr>
+                <p14:cNvPr id="40" name="Ink 39">
+                  <a:extLst>
+                    <a:ext uri="{FF2B5EF4-FFF2-40B4-BE49-F238E27FC236}">
+                      <a16:creationId xmlns:a16="http://schemas.microsoft.com/office/drawing/2014/main" id="{CCF796F3-0502-9E98-F71D-EBD9BBC024BD}"/>
+                    </a:ext>
+                  </a:extLst>
+                </p14:cNvPr>
+                <p14:cNvContentPartPr/>
+                <p14:nvPr/>
+              </p14:nvContentPartPr>
+              <p14:xfrm>
+                <a:off x="1659298" y="4949516"/>
+                <a:ext cx="200880" cy="151920"/>
+              </p14:xfrm>
+            </p:contentPart>
+          </mc:Choice>
+          <mc:Fallback>
+            <p:pic>
+              <p:nvPicPr>
+                <p:cNvPr id="40" name="Ink 39">
+                  <a:extLst>
+                    <a:ext uri="{FF2B5EF4-FFF2-40B4-BE49-F238E27FC236}">
+                      <a16:creationId xmlns:a16="http://schemas.microsoft.com/office/drawing/2014/main" id="{CCF796F3-0502-9E98-F71D-EBD9BBC024BD}"/>
+                    </a:ext>
+                  </a:extLst>
+                </p:cNvPr>
+                <p:cNvPicPr/>
+                <p:nvPr/>
+              </p:nvPicPr>
+              <p:blipFill>
+                <a:blip r:embed="rId16"/>
+                <a:stretch>
+                  <a:fillRect/>
+                </a:stretch>
+              </p:blipFill>
+              <p:spPr>
+                <a:xfrm>
+                  <a:off x="1650658" y="4940516"/>
+                  <a:ext cx="218520" cy="169560"/>
+                </a:xfrm>
+                <a:prstGeom prst="rect">
+                  <a:avLst/>
+                </a:prstGeom>
+              </p:spPr>
+            </p:pic>
+          </mc:Fallback>
+        </mc:AlternateContent>
+        <mc:AlternateContent xmlns:mc="http://schemas.openxmlformats.org/markup-compatibility/2006">
+          <mc:Choice xmlns:p14="http://schemas.microsoft.com/office/powerpoint/2010/main" Requires="p14">
+            <p:contentPart p14:bwMode="auto" r:id="rId17">
+              <p14:nvContentPartPr>
+                <p14:cNvPr id="41" name="Ink 40">
+                  <a:extLst>
+                    <a:ext uri="{FF2B5EF4-FFF2-40B4-BE49-F238E27FC236}">
+                      <a16:creationId xmlns:a16="http://schemas.microsoft.com/office/drawing/2014/main" id="{9023B102-E1C1-54F9-9E1C-12379B4915F1}"/>
+                    </a:ext>
+                  </a:extLst>
+                </p14:cNvPr>
+                <p14:cNvContentPartPr/>
+                <p14:nvPr/>
+              </p14:nvContentPartPr>
+              <p14:xfrm>
+                <a:off x="1894738" y="4813436"/>
+                <a:ext cx="166680" cy="277200"/>
+              </p14:xfrm>
+            </p:contentPart>
+          </mc:Choice>
+          <mc:Fallback>
+            <p:pic>
+              <p:nvPicPr>
+                <p:cNvPr id="41" name="Ink 40">
+                  <a:extLst>
+                    <a:ext uri="{FF2B5EF4-FFF2-40B4-BE49-F238E27FC236}">
+                      <a16:creationId xmlns:a16="http://schemas.microsoft.com/office/drawing/2014/main" id="{9023B102-E1C1-54F9-9E1C-12379B4915F1}"/>
+                    </a:ext>
+                  </a:extLst>
+                </p:cNvPr>
+                <p:cNvPicPr/>
+                <p:nvPr/>
+              </p:nvPicPr>
+              <p:blipFill>
+                <a:blip r:embed="rId18"/>
+                <a:stretch>
+                  <a:fillRect/>
+                </a:stretch>
+              </p:blipFill>
+              <p:spPr>
+                <a:xfrm>
+                  <a:off x="1886098" y="4804796"/>
+                  <a:ext cx="184320" cy="294840"/>
+                </a:xfrm>
+                <a:prstGeom prst="rect">
+                  <a:avLst/>
+                </a:prstGeom>
+              </p:spPr>
+            </p:pic>
+          </mc:Fallback>
+        </mc:AlternateContent>
+        <mc:AlternateContent xmlns:mc="http://schemas.openxmlformats.org/markup-compatibility/2006">
+          <mc:Choice xmlns:p14="http://schemas.microsoft.com/office/powerpoint/2010/main" Requires="p14">
+            <p:contentPart p14:bwMode="auto" r:id="rId19">
+              <p14:nvContentPartPr>
+                <p14:cNvPr id="42" name="Ink 41">
+                  <a:extLst>
+                    <a:ext uri="{FF2B5EF4-FFF2-40B4-BE49-F238E27FC236}">
+                      <a16:creationId xmlns:a16="http://schemas.microsoft.com/office/drawing/2014/main" id="{B87576D4-DBF7-8DF7-EC86-4FFDF06BB231}"/>
+                    </a:ext>
+                  </a:extLst>
+                </p14:cNvPr>
+                <p14:cNvContentPartPr/>
+                <p14:nvPr/>
+              </p14:nvContentPartPr>
+              <p14:xfrm>
+                <a:off x="2143858" y="4928996"/>
+                <a:ext cx="117720" cy="360"/>
+              </p14:xfrm>
+            </p:contentPart>
+          </mc:Choice>
+          <mc:Fallback>
+            <p:pic>
+              <p:nvPicPr>
+                <p:cNvPr id="42" name="Ink 41">
+                  <a:extLst>
+                    <a:ext uri="{FF2B5EF4-FFF2-40B4-BE49-F238E27FC236}">
+                      <a16:creationId xmlns:a16="http://schemas.microsoft.com/office/drawing/2014/main" id="{B87576D4-DBF7-8DF7-EC86-4FFDF06BB231}"/>
+                    </a:ext>
+                  </a:extLst>
+                </p:cNvPr>
+                <p:cNvPicPr/>
+                <p:nvPr/>
+              </p:nvPicPr>
+              <p:blipFill>
+                <a:blip r:embed="rId20"/>
+                <a:stretch>
+                  <a:fillRect/>
+                </a:stretch>
+              </p:blipFill>
+              <p:spPr>
+                <a:xfrm>
+                  <a:off x="2135218" y="4920356"/>
+                  <a:ext cx="135360" cy="18000"/>
+                </a:xfrm>
+                <a:prstGeom prst="rect">
+                  <a:avLst/>
+                </a:prstGeom>
+              </p:spPr>
+            </p:pic>
+          </mc:Fallback>
+        </mc:AlternateContent>
+        <mc:AlternateContent xmlns:mc="http://schemas.openxmlformats.org/markup-compatibility/2006">
+          <mc:Choice xmlns:p14="http://schemas.microsoft.com/office/powerpoint/2010/main" Requires="p14">
+            <p:contentPart p14:bwMode="auto" r:id="rId21">
+              <p14:nvContentPartPr>
+                <p14:cNvPr id="51" name="Ink 50">
+                  <a:extLst>
+                    <a:ext uri="{FF2B5EF4-FFF2-40B4-BE49-F238E27FC236}">
+                      <a16:creationId xmlns:a16="http://schemas.microsoft.com/office/drawing/2014/main" id="{08B513C9-0E4A-4259-AE31-C84C197D75A9}"/>
+                    </a:ext>
+                  </a:extLst>
+                </p14:cNvPr>
+                <p14:cNvContentPartPr/>
+                <p14:nvPr/>
+              </p14:nvContentPartPr>
+              <p14:xfrm>
+                <a:off x="2374978" y="4919276"/>
+                <a:ext cx="136800" cy="19440"/>
+              </p14:xfrm>
+            </p:contentPart>
+          </mc:Choice>
+          <mc:Fallback>
+            <p:pic>
+              <p:nvPicPr>
+                <p:cNvPr id="51" name="Ink 50">
+                  <a:extLst>
+                    <a:ext uri="{FF2B5EF4-FFF2-40B4-BE49-F238E27FC236}">
+                      <a16:creationId xmlns:a16="http://schemas.microsoft.com/office/drawing/2014/main" id="{08B513C9-0E4A-4259-AE31-C84C197D75A9}"/>
+                    </a:ext>
+                  </a:extLst>
+                </p:cNvPr>
+                <p:cNvPicPr/>
+                <p:nvPr/>
+              </p:nvPicPr>
+              <p:blipFill>
+                <a:blip r:embed="rId22"/>
+                <a:stretch>
+                  <a:fillRect/>
+                </a:stretch>
+              </p:blipFill>
+              <p:spPr>
+                <a:xfrm>
+                  <a:off x="2365978" y="4910276"/>
+                  <a:ext cx="154440" cy="37080"/>
+                </a:xfrm>
+                <a:prstGeom prst="rect">
+                  <a:avLst/>
+                </a:prstGeom>
+              </p:spPr>
+            </p:pic>
+          </mc:Fallback>
+        </mc:AlternateContent>
+        <mc:AlternateContent xmlns:mc="http://schemas.openxmlformats.org/markup-compatibility/2006">
+          <mc:Choice xmlns:p14="http://schemas.microsoft.com/office/powerpoint/2010/main" Requires="p14">
+            <p:contentPart p14:bwMode="auto" r:id="rId23">
+              <p14:nvContentPartPr>
+                <p14:cNvPr id="52" name="Ink 51">
+                  <a:extLst>
+                    <a:ext uri="{FF2B5EF4-FFF2-40B4-BE49-F238E27FC236}">
+                      <a16:creationId xmlns:a16="http://schemas.microsoft.com/office/drawing/2014/main" id="{DB397767-D335-3EB1-7DE7-52C897F8247E}"/>
+                    </a:ext>
+                  </a:extLst>
+                </p14:cNvPr>
+                <p14:cNvContentPartPr/>
+                <p14:nvPr/>
+              </p14:nvContentPartPr>
+              <p14:xfrm>
+                <a:off x="2364538" y="5023676"/>
+                <a:ext cx="153000" cy="360"/>
+              </p14:xfrm>
+            </p:contentPart>
+          </mc:Choice>
+          <mc:Fallback>
+            <p:pic>
+              <p:nvPicPr>
+                <p:cNvPr id="52" name="Ink 51">
+                  <a:extLst>
+                    <a:ext uri="{FF2B5EF4-FFF2-40B4-BE49-F238E27FC236}">
+                      <a16:creationId xmlns:a16="http://schemas.microsoft.com/office/drawing/2014/main" id="{DB397767-D335-3EB1-7DE7-52C897F8247E}"/>
+                    </a:ext>
+                  </a:extLst>
+                </p:cNvPr>
+                <p:cNvPicPr/>
+                <p:nvPr/>
+              </p:nvPicPr>
+              <p:blipFill>
+                <a:blip r:embed="rId24"/>
+                <a:stretch>
+                  <a:fillRect/>
+                </a:stretch>
+              </p:blipFill>
+              <p:spPr>
+                <a:xfrm>
+                  <a:off x="2355538" y="5014676"/>
+                  <a:ext cx="170640" cy="18000"/>
+                </a:xfrm>
+                <a:prstGeom prst="rect">
+                  <a:avLst/>
+                </a:prstGeom>
+              </p:spPr>
+            </p:pic>
+          </mc:Fallback>
+        </mc:AlternateContent>
+        <mc:AlternateContent xmlns:mc="http://schemas.openxmlformats.org/markup-compatibility/2006">
+          <mc:Choice xmlns:p14="http://schemas.microsoft.com/office/powerpoint/2010/main" Requires="p14">
+            <p:contentPart p14:bwMode="auto" r:id="rId25">
+              <p14:nvContentPartPr>
+                <p14:cNvPr id="53" name="Ink 52">
+                  <a:extLst>
+                    <a:ext uri="{FF2B5EF4-FFF2-40B4-BE49-F238E27FC236}">
+                      <a16:creationId xmlns:a16="http://schemas.microsoft.com/office/drawing/2014/main" id="{B0DC198D-370D-F0A6-F6D2-C6171C944D3B}"/>
+                    </a:ext>
+                  </a:extLst>
+                </p14:cNvPr>
+                <p14:cNvContentPartPr/>
+                <p14:nvPr/>
+              </p14:nvContentPartPr>
+              <p14:xfrm>
+                <a:off x="2605738" y="4876436"/>
+                <a:ext cx="78840" cy="257400"/>
+              </p14:xfrm>
+            </p:contentPart>
+          </mc:Choice>
+          <mc:Fallback>
+            <p:pic>
+              <p:nvPicPr>
+                <p:cNvPr id="53" name="Ink 52">
+                  <a:extLst>
+                    <a:ext uri="{FF2B5EF4-FFF2-40B4-BE49-F238E27FC236}">
+                      <a16:creationId xmlns:a16="http://schemas.microsoft.com/office/drawing/2014/main" id="{B0DC198D-370D-F0A6-F6D2-C6171C944D3B}"/>
+                    </a:ext>
+                  </a:extLst>
+                </p:cNvPr>
+                <p:cNvPicPr/>
+                <p:nvPr/>
+              </p:nvPicPr>
+              <p:blipFill>
+                <a:blip r:embed="rId26"/>
+                <a:stretch>
+                  <a:fillRect/>
+                </a:stretch>
+              </p:blipFill>
+              <p:spPr>
+                <a:xfrm>
+                  <a:off x="2596738" y="4867796"/>
+                  <a:ext cx="96480" cy="275040"/>
+                </a:xfrm>
+                <a:prstGeom prst="rect">
+                  <a:avLst/>
+                </a:prstGeom>
+              </p:spPr>
+            </p:pic>
+          </mc:Fallback>
+        </mc:AlternateContent>
+        <mc:AlternateContent xmlns:mc="http://schemas.openxmlformats.org/markup-compatibility/2006">
+          <mc:Choice xmlns:p14="http://schemas.microsoft.com/office/powerpoint/2010/main" Requires="p14">
+            <p:contentPart p14:bwMode="auto" r:id="rId27">
+              <p14:nvContentPartPr>
+                <p14:cNvPr id="54" name="Ink 53">
+                  <a:extLst>
+                    <a:ext uri="{FF2B5EF4-FFF2-40B4-BE49-F238E27FC236}">
+                      <a16:creationId xmlns:a16="http://schemas.microsoft.com/office/drawing/2014/main" id="{E24261A4-25A6-94F2-371C-C27007C5AA69}"/>
+                    </a:ext>
+                  </a:extLst>
+                </p14:cNvPr>
+                <p14:cNvContentPartPr/>
+                <p14:nvPr/>
+              </p14:nvContentPartPr>
+              <p14:xfrm>
+                <a:off x="2722018" y="4960316"/>
+                <a:ext cx="64800" cy="114480"/>
+              </p14:xfrm>
+            </p:contentPart>
+          </mc:Choice>
+          <mc:Fallback>
+            <p:pic>
+              <p:nvPicPr>
+                <p:cNvPr id="54" name="Ink 53">
+                  <a:extLst>
+                    <a:ext uri="{FF2B5EF4-FFF2-40B4-BE49-F238E27FC236}">
+                      <a16:creationId xmlns:a16="http://schemas.microsoft.com/office/drawing/2014/main" id="{E24261A4-25A6-94F2-371C-C27007C5AA69}"/>
+                    </a:ext>
+                  </a:extLst>
+                </p:cNvPr>
+                <p:cNvPicPr/>
+                <p:nvPr/>
+              </p:nvPicPr>
+              <p:blipFill>
+                <a:blip r:embed="rId28"/>
+                <a:stretch>
+                  <a:fillRect/>
+                </a:stretch>
+              </p:blipFill>
+              <p:spPr>
+                <a:xfrm>
+                  <a:off x="2713018" y="4951676"/>
+                  <a:ext cx="82440" cy="132120"/>
+                </a:xfrm>
+                <a:prstGeom prst="rect">
+                  <a:avLst/>
+                </a:prstGeom>
+              </p:spPr>
+            </p:pic>
+          </mc:Fallback>
+        </mc:AlternateContent>
+        <mc:AlternateContent xmlns:mc="http://schemas.openxmlformats.org/markup-compatibility/2006">
+          <mc:Choice xmlns:p14="http://schemas.microsoft.com/office/powerpoint/2010/main" Requires="p14">
+            <p:contentPart p14:bwMode="auto" r:id="rId29">
+              <p14:nvContentPartPr>
+                <p14:cNvPr id="55" name="Ink 54">
+                  <a:extLst>
+                    <a:ext uri="{FF2B5EF4-FFF2-40B4-BE49-F238E27FC236}">
+                      <a16:creationId xmlns:a16="http://schemas.microsoft.com/office/drawing/2014/main" id="{D44C9D0C-7E39-CB73-D20D-1C5F0763F124}"/>
+                    </a:ext>
+                  </a:extLst>
+                </p14:cNvPr>
+                <p14:cNvContentPartPr/>
+                <p14:nvPr/>
+              </p14:nvContentPartPr>
+              <p14:xfrm>
+                <a:off x="2836858" y="4876436"/>
+                <a:ext cx="21960" cy="179640"/>
+              </p14:xfrm>
+            </p:contentPart>
+          </mc:Choice>
+          <mc:Fallback>
+            <p:pic>
+              <p:nvPicPr>
+                <p:cNvPr id="55" name="Ink 54">
+                  <a:extLst>
+                    <a:ext uri="{FF2B5EF4-FFF2-40B4-BE49-F238E27FC236}">
+                      <a16:creationId xmlns:a16="http://schemas.microsoft.com/office/drawing/2014/main" id="{D44C9D0C-7E39-CB73-D20D-1C5F0763F124}"/>
+                    </a:ext>
+                  </a:extLst>
+                </p:cNvPr>
+                <p:cNvPicPr/>
+                <p:nvPr/>
+              </p:nvPicPr>
+              <p:blipFill>
+                <a:blip r:embed="rId30"/>
+                <a:stretch>
+                  <a:fillRect/>
+                </a:stretch>
+              </p:blipFill>
+              <p:spPr>
+                <a:xfrm>
+                  <a:off x="2827858" y="4867796"/>
+                  <a:ext cx="39600" cy="197280"/>
+                </a:xfrm>
+                <a:prstGeom prst="rect">
+                  <a:avLst/>
+                </a:prstGeom>
+              </p:spPr>
+            </p:pic>
+          </mc:Fallback>
+        </mc:AlternateContent>
+        <mc:AlternateContent xmlns:mc="http://schemas.openxmlformats.org/markup-compatibility/2006">
+          <mc:Choice xmlns:p14="http://schemas.microsoft.com/office/powerpoint/2010/main" Requires="p14">
+            <p:contentPart p14:bwMode="auto" r:id="rId31">
+              <p14:nvContentPartPr>
+                <p14:cNvPr id="56" name="Ink 55">
+                  <a:extLst>
+                    <a:ext uri="{FF2B5EF4-FFF2-40B4-BE49-F238E27FC236}">
+                      <a16:creationId xmlns:a16="http://schemas.microsoft.com/office/drawing/2014/main" id="{438FF8E4-C771-5153-A9A6-043B55C83E24}"/>
+                    </a:ext>
+                  </a:extLst>
+                </p14:cNvPr>
+                <p14:cNvContentPartPr/>
+                <p14:nvPr/>
+              </p14:nvContentPartPr>
+              <p14:xfrm>
+                <a:off x="2911018" y="4855196"/>
+                <a:ext cx="21600" cy="210960"/>
+              </p14:xfrm>
+            </p:contentPart>
+          </mc:Choice>
+          <mc:Fallback>
+            <p:pic>
+              <p:nvPicPr>
+                <p:cNvPr id="56" name="Ink 55">
+                  <a:extLst>
+                    <a:ext uri="{FF2B5EF4-FFF2-40B4-BE49-F238E27FC236}">
+                      <a16:creationId xmlns:a16="http://schemas.microsoft.com/office/drawing/2014/main" id="{438FF8E4-C771-5153-A9A6-043B55C83E24}"/>
+                    </a:ext>
+                  </a:extLst>
+                </p:cNvPr>
+                <p:cNvPicPr/>
+                <p:nvPr/>
+              </p:nvPicPr>
+              <p:blipFill>
+                <a:blip r:embed="rId32"/>
+                <a:stretch>
+                  <a:fillRect/>
+                </a:stretch>
+              </p:blipFill>
+              <p:spPr>
+                <a:xfrm>
+                  <a:off x="2902378" y="4846196"/>
+                  <a:ext cx="39240" cy="228600"/>
+                </a:xfrm>
+                <a:prstGeom prst="rect">
+                  <a:avLst/>
+                </a:prstGeom>
+              </p:spPr>
+            </p:pic>
+          </mc:Fallback>
+        </mc:AlternateContent>
+      </p:grpSp>
+      <p:grpSp>
+        <p:nvGrpSpPr>
+          <p:cNvPr id="74" name="Group 73">
+            <a:extLst>
+              <a:ext uri="{FF2B5EF4-FFF2-40B4-BE49-F238E27FC236}">
+                <a16:creationId xmlns:a16="http://schemas.microsoft.com/office/drawing/2014/main" id="{06933F48-ED82-5B84-B9A2-6A98934B5EC4}"/>
+              </a:ext>
+            </a:extLst>
+          </p:cNvPr>
+          <p:cNvGrpSpPr/>
+          <p:nvPr/>
+        </p:nvGrpSpPr>
+        <p:grpSpPr>
+          <a:xfrm>
+            <a:off x="830218" y="5328236"/>
+            <a:ext cx="3118680" cy="568080"/>
+            <a:chOff x="830218" y="5328236"/>
+            <a:chExt cx="3118680" cy="568080"/>
+          </a:xfrm>
+        </p:grpSpPr>
+        <mc:AlternateContent xmlns:mc="http://schemas.openxmlformats.org/markup-compatibility/2006">
+          <mc:Choice xmlns:p14="http://schemas.microsoft.com/office/powerpoint/2010/main" Requires="p14">
+            <p:contentPart p14:bwMode="auto" r:id="rId33">
+              <p14:nvContentPartPr>
+                <p14:cNvPr id="58" name="Ink 57">
+                  <a:extLst>
+                    <a:ext uri="{FF2B5EF4-FFF2-40B4-BE49-F238E27FC236}">
+                      <a16:creationId xmlns:a16="http://schemas.microsoft.com/office/drawing/2014/main" id="{002AC290-D9A7-67C7-8DFA-DB6EEF45E177}"/>
+                    </a:ext>
+                  </a:extLst>
+                </p14:cNvPr>
+                <p14:cNvContentPartPr/>
+                <p14:nvPr/>
+              </p14:nvContentPartPr>
+              <p14:xfrm>
+                <a:off x="874498" y="5328236"/>
+                <a:ext cx="71640" cy="384120"/>
+              </p14:xfrm>
+            </p:contentPart>
+          </mc:Choice>
+          <mc:Fallback>
+            <p:pic>
+              <p:nvPicPr>
+                <p:cNvPr id="58" name="Ink 57">
+                  <a:extLst>
+                    <a:ext uri="{FF2B5EF4-FFF2-40B4-BE49-F238E27FC236}">
+                      <a16:creationId xmlns:a16="http://schemas.microsoft.com/office/drawing/2014/main" id="{002AC290-D9A7-67C7-8DFA-DB6EEF45E177}"/>
+                    </a:ext>
+                  </a:extLst>
+                </p:cNvPr>
+                <p:cNvPicPr/>
+                <p:nvPr/>
+              </p:nvPicPr>
+              <p:blipFill>
+                <a:blip r:embed="rId34"/>
+                <a:stretch>
+                  <a:fillRect/>
+                </a:stretch>
+              </p:blipFill>
+              <p:spPr>
+                <a:xfrm>
+                  <a:off x="865498" y="5319596"/>
+                  <a:ext cx="89280" cy="401760"/>
+                </a:xfrm>
+                <a:prstGeom prst="rect">
+                  <a:avLst/>
+                </a:prstGeom>
+              </p:spPr>
+            </p:pic>
+          </mc:Fallback>
+        </mc:AlternateContent>
+        <mc:AlternateContent xmlns:mc="http://schemas.openxmlformats.org/markup-compatibility/2006">
+          <mc:Choice xmlns:p14="http://schemas.microsoft.com/office/powerpoint/2010/main" Requires="p14">
+            <p:contentPart p14:bwMode="auto" r:id="rId35">
+              <p14:nvContentPartPr>
+                <p14:cNvPr id="59" name="Ink 58">
+                  <a:extLst>
+                    <a:ext uri="{FF2B5EF4-FFF2-40B4-BE49-F238E27FC236}">
+                      <a16:creationId xmlns:a16="http://schemas.microsoft.com/office/drawing/2014/main" id="{DF0A0F1C-1F03-2F28-EA71-DC0E77012003}"/>
+                    </a:ext>
+                  </a:extLst>
+                </p14:cNvPr>
+                <p14:cNvContentPartPr/>
+                <p14:nvPr/>
+              </p14:nvContentPartPr>
+              <p14:xfrm>
+                <a:off x="830218" y="5496716"/>
+                <a:ext cx="124920" cy="360"/>
+              </p14:xfrm>
+            </p:contentPart>
+          </mc:Choice>
+          <mc:Fallback>
+            <p:pic>
+              <p:nvPicPr>
+                <p:cNvPr id="59" name="Ink 58">
+                  <a:extLst>
+                    <a:ext uri="{FF2B5EF4-FFF2-40B4-BE49-F238E27FC236}">
+                      <a16:creationId xmlns:a16="http://schemas.microsoft.com/office/drawing/2014/main" id="{DF0A0F1C-1F03-2F28-EA71-DC0E77012003}"/>
+                    </a:ext>
+                  </a:extLst>
+                </p:cNvPr>
+                <p:cNvPicPr/>
+                <p:nvPr/>
+              </p:nvPicPr>
+              <p:blipFill>
+                <a:blip r:embed="rId36"/>
+                <a:stretch>
+                  <a:fillRect/>
+                </a:stretch>
+              </p:blipFill>
+              <p:spPr>
+                <a:xfrm>
+                  <a:off x="821218" y="5488076"/>
+                  <a:ext cx="142560" cy="18000"/>
+                </a:xfrm>
+                <a:prstGeom prst="rect">
+                  <a:avLst/>
+                </a:prstGeom>
+              </p:spPr>
+            </p:pic>
+          </mc:Fallback>
+        </mc:AlternateContent>
+        <mc:AlternateContent xmlns:mc="http://schemas.openxmlformats.org/markup-compatibility/2006">
+          <mc:Choice xmlns:p14="http://schemas.microsoft.com/office/powerpoint/2010/main" Requires="p14">
+            <p:contentPart p14:bwMode="auto" r:id="rId37">
+              <p14:nvContentPartPr>
+                <p14:cNvPr id="60" name="Ink 59">
+                  <a:extLst>
+                    <a:ext uri="{FF2B5EF4-FFF2-40B4-BE49-F238E27FC236}">
+                      <a16:creationId xmlns:a16="http://schemas.microsoft.com/office/drawing/2014/main" id="{4FD3BA46-E834-EB9F-8FEE-6180891642E3}"/>
+                    </a:ext>
+                  </a:extLst>
+                </p14:cNvPr>
+                <p14:cNvContentPartPr/>
+                <p14:nvPr/>
+              </p14:nvContentPartPr>
+              <p14:xfrm>
+                <a:off x="1078258" y="5391596"/>
+                <a:ext cx="210240" cy="366120"/>
+              </p14:xfrm>
+            </p:contentPart>
+          </mc:Choice>
+          <mc:Fallback>
+            <p:pic>
+              <p:nvPicPr>
+                <p:cNvPr id="60" name="Ink 59">
+                  <a:extLst>
+                    <a:ext uri="{FF2B5EF4-FFF2-40B4-BE49-F238E27FC236}">
+                      <a16:creationId xmlns:a16="http://schemas.microsoft.com/office/drawing/2014/main" id="{4FD3BA46-E834-EB9F-8FEE-6180891642E3}"/>
+                    </a:ext>
+                  </a:extLst>
+                </p:cNvPr>
+                <p:cNvPicPr/>
+                <p:nvPr/>
+              </p:nvPicPr>
+              <p:blipFill>
+                <a:blip r:embed="rId38"/>
+                <a:stretch>
+                  <a:fillRect/>
+                </a:stretch>
+              </p:blipFill>
+              <p:spPr>
+                <a:xfrm>
+                  <a:off x="1069618" y="5382596"/>
+                  <a:ext cx="227880" cy="383760"/>
+                </a:xfrm>
+                <a:prstGeom prst="rect">
+                  <a:avLst/>
+                </a:prstGeom>
+              </p:spPr>
+            </p:pic>
+          </mc:Fallback>
+        </mc:AlternateContent>
+        <mc:AlternateContent xmlns:mc="http://schemas.openxmlformats.org/markup-compatibility/2006">
+          <mc:Choice xmlns:p14="http://schemas.microsoft.com/office/powerpoint/2010/main" Requires="p14">
+            <p:contentPart p14:bwMode="auto" r:id="rId39">
+              <p14:nvContentPartPr>
+                <p14:cNvPr id="61" name="Ink 60">
+                  <a:extLst>
+                    <a:ext uri="{FF2B5EF4-FFF2-40B4-BE49-F238E27FC236}">
+                      <a16:creationId xmlns:a16="http://schemas.microsoft.com/office/drawing/2014/main" id="{A64689FF-4280-8B0E-01BC-B442B521BB25}"/>
+                    </a:ext>
+                  </a:extLst>
+                </p14:cNvPr>
+                <p14:cNvContentPartPr/>
+                <p14:nvPr/>
+              </p14:nvContentPartPr>
+              <p14:xfrm>
+                <a:off x="1365898" y="5578436"/>
+                <a:ext cx="11880" cy="138240"/>
+              </p14:xfrm>
+            </p:contentPart>
+          </mc:Choice>
+          <mc:Fallback>
+            <p:pic>
+              <p:nvPicPr>
+                <p:cNvPr id="61" name="Ink 60">
+                  <a:extLst>
+                    <a:ext uri="{FF2B5EF4-FFF2-40B4-BE49-F238E27FC236}">
+                      <a16:creationId xmlns:a16="http://schemas.microsoft.com/office/drawing/2014/main" id="{A64689FF-4280-8B0E-01BC-B442B521BB25}"/>
+                    </a:ext>
+                  </a:extLst>
+                </p:cNvPr>
+                <p:cNvPicPr/>
+                <p:nvPr/>
+              </p:nvPicPr>
+              <p:blipFill>
+                <a:blip r:embed="rId40"/>
+                <a:stretch>
+                  <a:fillRect/>
+                </a:stretch>
+              </p:blipFill>
+              <p:spPr>
+                <a:xfrm>
+                  <a:off x="1356898" y="5569436"/>
+                  <a:ext cx="29520" cy="155880"/>
+                </a:xfrm>
+                <a:prstGeom prst="rect">
+                  <a:avLst/>
+                </a:prstGeom>
+              </p:spPr>
+            </p:pic>
+          </mc:Fallback>
+        </mc:AlternateContent>
+        <mc:AlternateContent xmlns:mc="http://schemas.openxmlformats.org/markup-compatibility/2006">
+          <mc:Choice xmlns:p14="http://schemas.microsoft.com/office/powerpoint/2010/main" Requires="p14">
+            <p:contentPart p14:bwMode="auto" r:id="rId41">
+              <p14:nvContentPartPr>
+                <p14:cNvPr id="62" name="Ink 61">
+                  <a:extLst>
+                    <a:ext uri="{FF2B5EF4-FFF2-40B4-BE49-F238E27FC236}">
+                      <a16:creationId xmlns:a16="http://schemas.microsoft.com/office/drawing/2014/main" id="{26F2CF9D-3233-EA76-96C1-CA669423DF6A}"/>
+                    </a:ext>
+                  </a:extLst>
+                </p14:cNvPr>
+                <p14:cNvContentPartPr/>
+                <p14:nvPr/>
+              </p14:nvContentPartPr>
+              <p14:xfrm>
+                <a:off x="1418458" y="5422916"/>
+                <a:ext cx="360" cy="360"/>
+              </p14:xfrm>
+            </p:contentPart>
+          </mc:Choice>
+          <mc:Fallback>
+            <p:pic>
+              <p:nvPicPr>
+                <p:cNvPr id="62" name="Ink 61">
+                  <a:extLst>
+                    <a:ext uri="{FF2B5EF4-FFF2-40B4-BE49-F238E27FC236}">
+                      <a16:creationId xmlns:a16="http://schemas.microsoft.com/office/drawing/2014/main" id="{26F2CF9D-3233-EA76-96C1-CA669423DF6A}"/>
+                    </a:ext>
+                  </a:extLst>
+                </p:cNvPr>
+                <p:cNvPicPr/>
+                <p:nvPr/>
+              </p:nvPicPr>
+              <p:blipFill>
+                <a:blip r:embed="rId42"/>
+                <a:stretch>
+                  <a:fillRect/>
+                </a:stretch>
+              </p:blipFill>
+              <p:spPr>
+                <a:xfrm>
+                  <a:off x="1409818" y="5413916"/>
+                  <a:ext cx="18000" cy="18000"/>
+                </a:xfrm>
+                <a:prstGeom prst="rect">
+                  <a:avLst/>
+                </a:prstGeom>
+              </p:spPr>
+            </p:pic>
+          </mc:Fallback>
+        </mc:AlternateContent>
+        <mc:AlternateContent xmlns:mc="http://schemas.openxmlformats.org/markup-compatibility/2006">
+          <mc:Choice xmlns:p14="http://schemas.microsoft.com/office/powerpoint/2010/main" Requires="p14">
+            <p:contentPart p14:bwMode="auto" r:id="rId43">
+              <p14:nvContentPartPr>
+                <p14:cNvPr id="63" name="Ink 62">
+                  <a:extLst>
+                    <a:ext uri="{FF2B5EF4-FFF2-40B4-BE49-F238E27FC236}">
+                      <a16:creationId xmlns:a16="http://schemas.microsoft.com/office/drawing/2014/main" id="{C7A8244C-F248-5F32-1B67-796349917644}"/>
+                    </a:ext>
+                  </a:extLst>
+                </p14:cNvPr>
+                <p14:cNvContentPartPr/>
+                <p14:nvPr/>
+              </p14:nvContentPartPr>
+              <p14:xfrm>
+                <a:off x="1537978" y="5562236"/>
+                <a:ext cx="114840" cy="228240"/>
+              </p14:xfrm>
+            </p:contentPart>
+          </mc:Choice>
+          <mc:Fallback>
+            <p:pic>
+              <p:nvPicPr>
+                <p:cNvPr id="63" name="Ink 62">
+                  <a:extLst>
+                    <a:ext uri="{FF2B5EF4-FFF2-40B4-BE49-F238E27FC236}">
+                      <a16:creationId xmlns:a16="http://schemas.microsoft.com/office/drawing/2014/main" id="{C7A8244C-F248-5F32-1B67-796349917644}"/>
+                    </a:ext>
+                  </a:extLst>
+                </p:cNvPr>
+                <p:cNvPicPr/>
+                <p:nvPr/>
+              </p:nvPicPr>
+              <p:blipFill>
+                <a:blip r:embed="rId44"/>
+                <a:stretch>
+                  <a:fillRect/>
+                </a:stretch>
+              </p:blipFill>
+              <p:spPr>
+                <a:xfrm>
+                  <a:off x="1529338" y="5553236"/>
+                  <a:ext cx="132480" cy="245880"/>
+                </a:xfrm>
+                <a:prstGeom prst="rect">
+                  <a:avLst/>
+                </a:prstGeom>
+              </p:spPr>
+            </p:pic>
+          </mc:Fallback>
+        </mc:AlternateContent>
+        <mc:AlternateContent xmlns:mc="http://schemas.openxmlformats.org/markup-compatibility/2006">
+          <mc:Choice xmlns:p14="http://schemas.microsoft.com/office/powerpoint/2010/main" Requires="p14">
+            <p:contentPart p14:bwMode="auto" r:id="rId45">
+              <p14:nvContentPartPr>
+                <p14:cNvPr id="64" name="Ink 63">
+                  <a:extLst>
+                    <a:ext uri="{FF2B5EF4-FFF2-40B4-BE49-F238E27FC236}">
+                      <a16:creationId xmlns:a16="http://schemas.microsoft.com/office/drawing/2014/main" id="{1D309EC3-CE43-AC8D-08F5-D117301502EE}"/>
+                    </a:ext>
+                  </a:extLst>
+                </p14:cNvPr>
+                <p14:cNvContentPartPr/>
+                <p14:nvPr/>
+              </p14:nvContentPartPr>
+              <p14:xfrm>
+                <a:off x="1765498" y="5759516"/>
+                <a:ext cx="2160" cy="360"/>
+              </p14:xfrm>
+            </p:contentPart>
+          </mc:Choice>
+          <mc:Fallback>
+            <p:pic>
+              <p:nvPicPr>
+                <p:cNvPr id="64" name="Ink 63">
+                  <a:extLst>
+                    <a:ext uri="{FF2B5EF4-FFF2-40B4-BE49-F238E27FC236}">
+                      <a16:creationId xmlns:a16="http://schemas.microsoft.com/office/drawing/2014/main" id="{1D309EC3-CE43-AC8D-08F5-D117301502EE}"/>
+                    </a:ext>
+                  </a:extLst>
+                </p:cNvPr>
+                <p:cNvPicPr/>
+                <p:nvPr/>
+              </p:nvPicPr>
+              <p:blipFill>
+                <a:blip r:embed="rId46"/>
+                <a:stretch>
+                  <a:fillRect/>
+                </a:stretch>
+              </p:blipFill>
+              <p:spPr>
+                <a:xfrm>
+                  <a:off x="1756858" y="5750516"/>
+                  <a:ext cx="19800" cy="18000"/>
+                </a:xfrm>
+                <a:prstGeom prst="rect">
+                  <a:avLst/>
+                </a:prstGeom>
+              </p:spPr>
+            </p:pic>
+          </mc:Fallback>
+        </mc:AlternateContent>
+        <mc:AlternateContent xmlns:mc="http://schemas.openxmlformats.org/markup-compatibility/2006">
+          <mc:Choice xmlns:p14="http://schemas.microsoft.com/office/powerpoint/2010/main" Requires="p14">
+            <p:contentPart p14:bwMode="auto" r:id="rId47">
+              <p14:nvContentPartPr>
+                <p14:cNvPr id="65" name="Ink 64">
+                  <a:extLst>
+                    <a:ext uri="{FF2B5EF4-FFF2-40B4-BE49-F238E27FC236}">
+                      <a16:creationId xmlns:a16="http://schemas.microsoft.com/office/drawing/2014/main" id="{08875FE7-81A5-D13E-030E-9333E95A1BB6}"/>
+                    </a:ext>
+                  </a:extLst>
+                </p14:cNvPr>
+                <p14:cNvContentPartPr/>
+                <p14:nvPr/>
+              </p14:nvContentPartPr>
+              <p14:xfrm>
+                <a:off x="1904458" y="5433716"/>
+                <a:ext cx="163080" cy="390600"/>
+              </p14:xfrm>
+            </p:contentPart>
+          </mc:Choice>
+          <mc:Fallback>
+            <p:pic>
+              <p:nvPicPr>
+                <p:cNvPr id="65" name="Ink 64">
+                  <a:extLst>
+                    <a:ext uri="{FF2B5EF4-FFF2-40B4-BE49-F238E27FC236}">
+                      <a16:creationId xmlns:a16="http://schemas.microsoft.com/office/drawing/2014/main" id="{08875FE7-81A5-D13E-030E-9333E95A1BB6}"/>
+                    </a:ext>
+                  </a:extLst>
+                </p:cNvPr>
+                <p:cNvPicPr/>
+                <p:nvPr/>
+              </p:nvPicPr>
+              <p:blipFill>
+                <a:blip r:embed="rId48"/>
+                <a:stretch>
+                  <a:fillRect/>
+                </a:stretch>
+              </p:blipFill>
+              <p:spPr>
+                <a:xfrm>
+                  <a:off x="1895458" y="5424716"/>
+                  <a:ext cx="180720" cy="408240"/>
+                </a:xfrm>
+                <a:prstGeom prst="rect">
+                  <a:avLst/>
+                </a:prstGeom>
+              </p:spPr>
+            </p:pic>
+          </mc:Fallback>
+        </mc:AlternateContent>
+        <mc:AlternateContent xmlns:mc="http://schemas.openxmlformats.org/markup-compatibility/2006">
+          <mc:Choice xmlns:p14="http://schemas.microsoft.com/office/powerpoint/2010/main" Requires="p14">
+            <p:contentPart p14:bwMode="auto" r:id="rId49">
+              <p14:nvContentPartPr>
+                <p14:cNvPr id="66" name="Ink 65">
+                  <a:extLst>
+                    <a:ext uri="{FF2B5EF4-FFF2-40B4-BE49-F238E27FC236}">
+                      <a16:creationId xmlns:a16="http://schemas.microsoft.com/office/drawing/2014/main" id="{CB04C728-4353-91CE-2310-58BD173CBF11}"/>
+                    </a:ext>
+                  </a:extLst>
+                </p14:cNvPr>
+                <p14:cNvContentPartPr/>
+                <p14:nvPr/>
+              </p14:nvContentPartPr>
+              <p14:xfrm>
+                <a:off x="2101738" y="5656556"/>
+                <a:ext cx="114480" cy="169920"/>
+              </p14:xfrm>
+            </p:contentPart>
+          </mc:Choice>
+          <mc:Fallback>
+            <p:pic>
+              <p:nvPicPr>
+                <p:cNvPr id="66" name="Ink 65">
+                  <a:extLst>
+                    <a:ext uri="{FF2B5EF4-FFF2-40B4-BE49-F238E27FC236}">
+                      <a16:creationId xmlns:a16="http://schemas.microsoft.com/office/drawing/2014/main" id="{CB04C728-4353-91CE-2310-58BD173CBF11}"/>
+                    </a:ext>
+                  </a:extLst>
+                </p:cNvPr>
+                <p:cNvPicPr/>
+                <p:nvPr/>
+              </p:nvPicPr>
+              <p:blipFill>
+                <a:blip r:embed="rId50"/>
+                <a:stretch>
+                  <a:fillRect/>
+                </a:stretch>
+              </p:blipFill>
+              <p:spPr>
+                <a:xfrm>
+                  <a:off x="2092738" y="5647916"/>
+                  <a:ext cx="132120" cy="187560"/>
+                </a:xfrm>
+                <a:prstGeom prst="rect">
+                  <a:avLst/>
+                </a:prstGeom>
+              </p:spPr>
+            </p:pic>
+          </mc:Fallback>
+        </mc:AlternateContent>
+        <mc:AlternateContent xmlns:mc="http://schemas.openxmlformats.org/markup-compatibility/2006">
+          <mc:Choice xmlns:p14="http://schemas.microsoft.com/office/powerpoint/2010/main" Requires="p14">
+            <p:contentPart p14:bwMode="auto" r:id="rId51">
+              <p14:nvContentPartPr>
+                <p14:cNvPr id="67" name="Ink 66">
+                  <a:extLst>
+                    <a:ext uri="{FF2B5EF4-FFF2-40B4-BE49-F238E27FC236}">
+                      <a16:creationId xmlns:a16="http://schemas.microsoft.com/office/drawing/2014/main" id="{52D17D0C-6E6C-9871-B0D1-4A8AF6A804EE}"/>
+                    </a:ext>
+                  </a:extLst>
+                </p14:cNvPr>
+                <p14:cNvContentPartPr/>
+                <p14:nvPr/>
+              </p14:nvContentPartPr>
+              <p14:xfrm>
+                <a:off x="2278858" y="5652236"/>
+                <a:ext cx="164160" cy="208440"/>
+              </p14:xfrm>
+            </p:contentPart>
+          </mc:Choice>
+          <mc:Fallback>
+            <p:pic>
+              <p:nvPicPr>
+                <p:cNvPr id="67" name="Ink 66">
+                  <a:extLst>
+                    <a:ext uri="{FF2B5EF4-FFF2-40B4-BE49-F238E27FC236}">
+                      <a16:creationId xmlns:a16="http://schemas.microsoft.com/office/drawing/2014/main" id="{52D17D0C-6E6C-9871-B0D1-4A8AF6A804EE}"/>
+                    </a:ext>
+                  </a:extLst>
+                </p:cNvPr>
+                <p:cNvPicPr/>
+                <p:nvPr/>
+              </p:nvPicPr>
+              <p:blipFill>
+                <a:blip r:embed="rId52"/>
+                <a:stretch>
+                  <a:fillRect/>
+                </a:stretch>
+              </p:blipFill>
+              <p:spPr>
+                <a:xfrm>
+                  <a:off x="2270218" y="5643236"/>
+                  <a:ext cx="181800" cy="226080"/>
+                </a:xfrm>
+                <a:prstGeom prst="rect">
+                  <a:avLst/>
+                </a:prstGeom>
+              </p:spPr>
+            </p:pic>
+          </mc:Fallback>
+        </mc:AlternateContent>
+        <mc:AlternateContent xmlns:mc="http://schemas.openxmlformats.org/markup-compatibility/2006">
+          <mc:Choice xmlns:p14="http://schemas.microsoft.com/office/powerpoint/2010/main" Requires="p14">
+            <p:contentPart p14:bwMode="auto" r:id="rId53">
+              <p14:nvContentPartPr>
+                <p14:cNvPr id="68" name="Ink 67">
+                  <a:extLst>
+                    <a:ext uri="{FF2B5EF4-FFF2-40B4-BE49-F238E27FC236}">
+                      <a16:creationId xmlns:a16="http://schemas.microsoft.com/office/drawing/2014/main" id="{2EB01A77-EA7C-CD0F-DC1E-A9B5E2FAD709}"/>
+                    </a:ext>
+                  </a:extLst>
+                </p14:cNvPr>
+                <p14:cNvContentPartPr/>
+                <p14:nvPr/>
+              </p14:nvContentPartPr>
+              <p14:xfrm>
+                <a:off x="2521498" y="5465036"/>
+                <a:ext cx="145800" cy="391680"/>
+              </p14:xfrm>
+            </p:contentPart>
+          </mc:Choice>
+          <mc:Fallback>
+            <p:pic>
+              <p:nvPicPr>
+                <p:cNvPr id="68" name="Ink 67">
+                  <a:extLst>
+                    <a:ext uri="{FF2B5EF4-FFF2-40B4-BE49-F238E27FC236}">
+                      <a16:creationId xmlns:a16="http://schemas.microsoft.com/office/drawing/2014/main" id="{2EB01A77-EA7C-CD0F-DC1E-A9B5E2FAD709}"/>
+                    </a:ext>
+                  </a:extLst>
+                </p:cNvPr>
+                <p:cNvPicPr/>
+                <p:nvPr/>
+              </p:nvPicPr>
+              <p:blipFill>
+                <a:blip r:embed="rId54"/>
+                <a:stretch>
+                  <a:fillRect/>
+                </a:stretch>
+              </p:blipFill>
+              <p:spPr>
+                <a:xfrm>
+                  <a:off x="2512858" y="5456036"/>
+                  <a:ext cx="163440" cy="409320"/>
+                </a:xfrm>
+                <a:prstGeom prst="rect">
+                  <a:avLst/>
+                </a:prstGeom>
+              </p:spPr>
+            </p:pic>
+          </mc:Fallback>
+        </mc:AlternateContent>
+        <mc:AlternateContent xmlns:mc="http://schemas.openxmlformats.org/markup-compatibility/2006">
+          <mc:Choice xmlns:p14="http://schemas.microsoft.com/office/powerpoint/2010/main" Requires="p14">
+            <p:contentPart p14:bwMode="auto" r:id="rId55">
+              <p14:nvContentPartPr>
+                <p14:cNvPr id="69" name="Ink 68">
+                  <a:extLst>
+                    <a:ext uri="{FF2B5EF4-FFF2-40B4-BE49-F238E27FC236}">
+                      <a16:creationId xmlns:a16="http://schemas.microsoft.com/office/drawing/2014/main" id="{7026177C-7117-5D76-EF20-67904C375115}"/>
+                    </a:ext>
+                  </a:extLst>
+                </p14:cNvPr>
+                <p14:cNvContentPartPr/>
+                <p14:nvPr/>
+              </p14:nvContentPartPr>
+              <p14:xfrm>
+                <a:off x="2848018" y="5623796"/>
+                <a:ext cx="165600" cy="20520"/>
+              </p14:xfrm>
+            </p:contentPart>
+          </mc:Choice>
+          <mc:Fallback>
+            <p:pic>
+              <p:nvPicPr>
+                <p:cNvPr id="69" name="Ink 68">
+                  <a:extLst>
+                    <a:ext uri="{FF2B5EF4-FFF2-40B4-BE49-F238E27FC236}">
+                      <a16:creationId xmlns:a16="http://schemas.microsoft.com/office/drawing/2014/main" id="{7026177C-7117-5D76-EF20-67904C375115}"/>
+                    </a:ext>
+                  </a:extLst>
+                </p:cNvPr>
+                <p:cNvPicPr/>
+                <p:nvPr/>
+              </p:nvPicPr>
+              <p:blipFill>
+                <a:blip r:embed="rId56"/>
+                <a:stretch>
+                  <a:fillRect/>
+                </a:stretch>
+              </p:blipFill>
+              <p:spPr>
+                <a:xfrm>
+                  <a:off x="2839378" y="5614796"/>
+                  <a:ext cx="183240" cy="38160"/>
+                </a:xfrm>
+                <a:prstGeom prst="rect">
+                  <a:avLst/>
+                </a:prstGeom>
+              </p:spPr>
+            </p:pic>
+          </mc:Fallback>
+        </mc:AlternateContent>
+        <mc:AlternateContent xmlns:mc="http://schemas.openxmlformats.org/markup-compatibility/2006">
+          <mc:Choice xmlns:p14="http://schemas.microsoft.com/office/powerpoint/2010/main" Requires="p14">
+            <p:contentPart p14:bwMode="auto" r:id="rId57">
+              <p14:nvContentPartPr>
+                <p14:cNvPr id="70" name="Ink 69">
+                  <a:extLst>
+                    <a:ext uri="{FF2B5EF4-FFF2-40B4-BE49-F238E27FC236}">
+                      <a16:creationId xmlns:a16="http://schemas.microsoft.com/office/drawing/2014/main" id="{A9F91FB1-4F05-1491-7252-C1C4CE9C19CB}"/>
+                    </a:ext>
+                  </a:extLst>
+                </p14:cNvPr>
+                <p14:cNvContentPartPr/>
+                <p14:nvPr/>
+              </p14:nvContentPartPr>
+              <p14:xfrm>
+                <a:off x="2868898" y="5717036"/>
+                <a:ext cx="146520" cy="360"/>
+              </p14:xfrm>
+            </p:contentPart>
+          </mc:Choice>
+          <mc:Fallback>
+            <p:pic>
+              <p:nvPicPr>
+                <p:cNvPr id="70" name="Ink 69">
+                  <a:extLst>
+                    <a:ext uri="{FF2B5EF4-FFF2-40B4-BE49-F238E27FC236}">
+                      <a16:creationId xmlns:a16="http://schemas.microsoft.com/office/drawing/2014/main" id="{A9F91FB1-4F05-1491-7252-C1C4CE9C19CB}"/>
+                    </a:ext>
+                  </a:extLst>
+                </p:cNvPr>
+                <p:cNvPicPr/>
+                <p:nvPr/>
+              </p:nvPicPr>
+              <p:blipFill>
+                <a:blip r:embed="rId58"/>
+                <a:stretch>
+                  <a:fillRect/>
+                </a:stretch>
+              </p:blipFill>
+              <p:spPr>
+                <a:xfrm>
+                  <a:off x="2859898" y="5708396"/>
+                  <a:ext cx="164160" cy="18000"/>
+                </a:xfrm>
+                <a:prstGeom prst="rect">
+                  <a:avLst/>
+                </a:prstGeom>
+              </p:spPr>
+            </p:pic>
+          </mc:Fallback>
+        </mc:AlternateContent>
+        <mc:AlternateContent xmlns:mc="http://schemas.openxmlformats.org/markup-compatibility/2006">
+          <mc:Choice xmlns:p14="http://schemas.microsoft.com/office/powerpoint/2010/main" Requires="p14">
+            <p:contentPart p14:bwMode="auto" r:id="rId59">
+              <p14:nvContentPartPr>
+                <p14:cNvPr id="71" name="Ink 70">
+                  <a:extLst>
+                    <a:ext uri="{FF2B5EF4-FFF2-40B4-BE49-F238E27FC236}">
+                      <a16:creationId xmlns:a16="http://schemas.microsoft.com/office/drawing/2014/main" id="{015B5C7F-2B14-C4E9-A507-5DDA154D94CC}"/>
+                    </a:ext>
+                  </a:extLst>
+                </p14:cNvPr>
+                <p14:cNvContentPartPr/>
+                <p14:nvPr/>
+              </p14:nvContentPartPr>
+              <p14:xfrm>
+                <a:off x="3268498" y="5570156"/>
+                <a:ext cx="193680" cy="308160"/>
+              </p14:xfrm>
+            </p:contentPart>
+          </mc:Choice>
+          <mc:Fallback>
+            <p:pic>
+              <p:nvPicPr>
+                <p:cNvPr id="71" name="Ink 70">
+                  <a:extLst>
+                    <a:ext uri="{FF2B5EF4-FFF2-40B4-BE49-F238E27FC236}">
+                      <a16:creationId xmlns:a16="http://schemas.microsoft.com/office/drawing/2014/main" id="{015B5C7F-2B14-C4E9-A507-5DDA154D94CC}"/>
+                    </a:ext>
+                  </a:extLst>
+                </p:cNvPr>
+                <p:cNvPicPr/>
+                <p:nvPr/>
+              </p:nvPicPr>
+              <p:blipFill>
+                <a:blip r:embed="rId60"/>
+                <a:stretch>
+                  <a:fillRect/>
+                </a:stretch>
+              </p:blipFill>
+              <p:spPr>
+                <a:xfrm>
+                  <a:off x="3259498" y="5561516"/>
+                  <a:ext cx="211320" cy="325800"/>
+                </a:xfrm>
+                <a:prstGeom prst="rect">
+                  <a:avLst/>
+                </a:prstGeom>
+              </p:spPr>
+            </p:pic>
+          </mc:Fallback>
+        </mc:AlternateContent>
+        <mc:AlternateContent xmlns:mc="http://schemas.openxmlformats.org/markup-compatibility/2006">
+          <mc:Choice xmlns:p14="http://schemas.microsoft.com/office/powerpoint/2010/main" Requires="p14">
+            <p:contentPart p14:bwMode="auto" r:id="rId61">
+              <p14:nvContentPartPr>
+                <p14:cNvPr id="72" name="Ink 71">
+                  <a:extLst>
+                    <a:ext uri="{FF2B5EF4-FFF2-40B4-BE49-F238E27FC236}">
+                      <a16:creationId xmlns:a16="http://schemas.microsoft.com/office/drawing/2014/main" id="{5761E9C6-3F6C-183A-7466-DB21E0434486}"/>
+                    </a:ext>
+                  </a:extLst>
+                </p14:cNvPr>
+                <p14:cNvContentPartPr/>
+                <p14:nvPr/>
+              </p14:nvContentPartPr>
+              <p14:xfrm>
+                <a:off x="3499618" y="5690036"/>
+                <a:ext cx="168120" cy="206280"/>
+              </p14:xfrm>
+            </p:contentPart>
+          </mc:Choice>
+          <mc:Fallback>
+            <p:pic>
+              <p:nvPicPr>
+                <p:cNvPr id="72" name="Ink 71">
+                  <a:extLst>
+                    <a:ext uri="{FF2B5EF4-FFF2-40B4-BE49-F238E27FC236}">
+                      <a16:creationId xmlns:a16="http://schemas.microsoft.com/office/drawing/2014/main" id="{5761E9C6-3F6C-183A-7466-DB21E0434486}"/>
+                    </a:ext>
+                  </a:extLst>
+                </p:cNvPr>
+                <p:cNvPicPr/>
+                <p:nvPr/>
+              </p:nvPicPr>
+              <p:blipFill>
+                <a:blip r:embed="rId62"/>
+                <a:stretch>
+                  <a:fillRect/>
+                </a:stretch>
+              </p:blipFill>
+              <p:spPr>
+                <a:xfrm>
+                  <a:off x="3490618" y="5681396"/>
+                  <a:ext cx="185760" cy="223920"/>
+                </a:xfrm>
+                <a:prstGeom prst="rect">
+                  <a:avLst/>
+                </a:prstGeom>
+              </p:spPr>
+            </p:pic>
+          </mc:Fallback>
+        </mc:AlternateContent>
+        <mc:AlternateContent xmlns:mc="http://schemas.openxmlformats.org/markup-compatibility/2006">
+          <mc:Choice xmlns:p14="http://schemas.microsoft.com/office/powerpoint/2010/main" Requires="p14">
+            <p:contentPart p14:bwMode="auto" r:id="rId63">
+              <p14:nvContentPartPr>
+                <p14:cNvPr id="73" name="Ink 72">
+                  <a:extLst>
+                    <a:ext uri="{FF2B5EF4-FFF2-40B4-BE49-F238E27FC236}">
+                      <a16:creationId xmlns:a16="http://schemas.microsoft.com/office/drawing/2014/main" id="{2753CEF2-6B0C-28A1-C08C-B42E5E21A2F4}"/>
+                    </a:ext>
+                  </a:extLst>
+                </p14:cNvPr>
+                <p14:cNvContentPartPr/>
+                <p14:nvPr/>
+              </p14:nvContentPartPr>
+              <p14:xfrm>
+                <a:off x="3720658" y="5706596"/>
+                <a:ext cx="228240" cy="162720"/>
+              </p14:xfrm>
+            </p:contentPart>
+          </mc:Choice>
+          <mc:Fallback>
+            <p:pic>
+              <p:nvPicPr>
+                <p:cNvPr id="73" name="Ink 72">
+                  <a:extLst>
+                    <a:ext uri="{FF2B5EF4-FFF2-40B4-BE49-F238E27FC236}">
+                      <a16:creationId xmlns:a16="http://schemas.microsoft.com/office/drawing/2014/main" id="{2753CEF2-6B0C-28A1-C08C-B42E5E21A2F4}"/>
+                    </a:ext>
+                  </a:extLst>
+                </p:cNvPr>
+                <p:cNvPicPr/>
+                <p:nvPr/>
+              </p:nvPicPr>
+              <p:blipFill>
+                <a:blip r:embed="rId64"/>
+                <a:stretch>
+                  <a:fillRect/>
+                </a:stretch>
+              </p:blipFill>
+              <p:spPr>
+                <a:xfrm>
+                  <a:off x="3711658" y="5697956"/>
+                  <a:ext cx="245880" cy="180360"/>
+                </a:xfrm>
+                <a:prstGeom prst="rect">
+                  <a:avLst/>
+                </a:prstGeom>
+              </p:spPr>
+            </p:pic>
+          </mc:Fallback>
+        </mc:AlternateContent>
+      </p:grpSp>
+      <p:grpSp>
+        <p:nvGrpSpPr>
+          <p:cNvPr id="80" name="Group 79">
+            <a:extLst>
+              <a:ext uri="{FF2B5EF4-FFF2-40B4-BE49-F238E27FC236}">
+                <a16:creationId xmlns:a16="http://schemas.microsoft.com/office/drawing/2014/main" id="{B73E1014-DEA9-3894-8847-B0A81B38C599}"/>
+              </a:ext>
+            </a:extLst>
+          </p:cNvPr>
+          <p:cNvGrpSpPr/>
+          <p:nvPr/>
+        </p:nvGrpSpPr>
+        <p:grpSpPr>
+          <a:xfrm>
+            <a:off x="4276138" y="5437676"/>
+            <a:ext cx="1588680" cy="547560"/>
+            <a:chOff x="4276138" y="5437676"/>
+            <a:chExt cx="1588680" cy="547560"/>
+          </a:xfrm>
+        </p:grpSpPr>
+        <mc:AlternateContent xmlns:mc="http://schemas.openxmlformats.org/markup-compatibility/2006">
+          <mc:Choice xmlns:p14="http://schemas.microsoft.com/office/powerpoint/2010/main" Requires="p14">
+            <p:contentPart p14:bwMode="auto" r:id="rId65">
+              <p14:nvContentPartPr>
+                <p14:cNvPr id="75" name="Ink 74">
+                  <a:extLst>
+                    <a:ext uri="{FF2B5EF4-FFF2-40B4-BE49-F238E27FC236}">
+                      <a16:creationId xmlns:a16="http://schemas.microsoft.com/office/drawing/2014/main" id="{BB9CD598-991B-A82B-2147-0B30084FEAA9}"/>
+                    </a:ext>
+                  </a:extLst>
+                </p14:cNvPr>
+                <p14:cNvContentPartPr/>
+                <p14:nvPr/>
+              </p14:nvContentPartPr>
+              <p14:xfrm>
+                <a:off x="4276138" y="5469716"/>
+                <a:ext cx="437400" cy="426600"/>
+              </p14:xfrm>
+            </p:contentPart>
+          </mc:Choice>
+          <mc:Fallback>
+            <p:pic>
+              <p:nvPicPr>
+                <p:cNvPr id="75" name="Ink 74">
+                  <a:extLst>
+                    <a:ext uri="{FF2B5EF4-FFF2-40B4-BE49-F238E27FC236}">
+                      <a16:creationId xmlns:a16="http://schemas.microsoft.com/office/drawing/2014/main" id="{BB9CD598-991B-A82B-2147-0B30084FEAA9}"/>
+                    </a:ext>
+                  </a:extLst>
+                </p:cNvPr>
+                <p:cNvPicPr/>
+                <p:nvPr/>
+              </p:nvPicPr>
+              <p:blipFill>
+                <a:blip r:embed="rId66"/>
+                <a:stretch>
+                  <a:fillRect/>
+                </a:stretch>
+              </p:blipFill>
+              <p:spPr>
+                <a:xfrm>
+                  <a:off x="4267138" y="5460716"/>
+                  <a:ext cx="455040" cy="444240"/>
+                </a:xfrm>
+                <a:prstGeom prst="rect">
+                  <a:avLst/>
+                </a:prstGeom>
+              </p:spPr>
+            </p:pic>
+          </mc:Fallback>
+        </mc:AlternateContent>
+        <mc:AlternateContent xmlns:mc="http://schemas.openxmlformats.org/markup-compatibility/2006">
+          <mc:Choice xmlns:p14="http://schemas.microsoft.com/office/powerpoint/2010/main" Requires="p14">
+            <p:contentPart p14:bwMode="auto" r:id="rId67">
+              <p14:nvContentPartPr>
+                <p14:cNvPr id="76" name="Ink 75">
+                  <a:extLst>
+                    <a:ext uri="{FF2B5EF4-FFF2-40B4-BE49-F238E27FC236}">
+                      <a16:creationId xmlns:a16="http://schemas.microsoft.com/office/drawing/2014/main" id="{151D2BE2-5D44-403F-6838-E748CEAB3815}"/>
+                    </a:ext>
+                  </a:extLst>
+                </p14:cNvPr>
+                <p14:cNvContentPartPr/>
+                <p14:nvPr/>
+              </p14:nvContentPartPr>
+              <p14:xfrm>
+                <a:off x="4770778" y="5689676"/>
+                <a:ext cx="176400" cy="176400"/>
+              </p14:xfrm>
+            </p:contentPart>
+          </mc:Choice>
+          <mc:Fallback>
+            <p:pic>
+              <p:nvPicPr>
+                <p:cNvPr id="76" name="Ink 75">
+                  <a:extLst>
+                    <a:ext uri="{FF2B5EF4-FFF2-40B4-BE49-F238E27FC236}">
+                      <a16:creationId xmlns:a16="http://schemas.microsoft.com/office/drawing/2014/main" id="{151D2BE2-5D44-403F-6838-E748CEAB3815}"/>
+                    </a:ext>
+                  </a:extLst>
+                </p:cNvPr>
+                <p:cNvPicPr/>
+                <p:nvPr/>
+              </p:nvPicPr>
+              <p:blipFill>
+                <a:blip r:embed="rId68"/>
+                <a:stretch>
+                  <a:fillRect/>
+                </a:stretch>
+              </p:blipFill>
+              <p:spPr>
+                <a:xfrm>
+                  <a:off x="4762138" y="5681036"/>
+                  <a:ext cx="194040" cy="194040"/>
+                </a:xfrm>
+                <a:prstGeom prst="rect">
+                  <a:avLst/>
+                </a:prstGeom>
+              </p:spPr>
+            </p:pic>
+          </mc:Fallback>
+        </mc:AlternateContent>
+        <mc:AlternateContent xmlns:mc="http://schemas.openxmlformats.org/markup-compatibility/2006">
+          <mc:Choice xmlns:p14="http://schemas.microsoft.com/office/powerpoint/2010/main" Requires="p14">
+            <p:contentPart p14:bwMode="auto" r:id="rId69">
+              <p14:nvContentPartPr>
+                <p14:cNvPr id="77" name="Ink 76">
+                  <a:extLst>
+                    <a:ext uri="{FF2B5EF4-FFF2-40B4-BE49-F238E27FC236}">
+                      <a16:creationId xmlns:a16="http://schemas.microsoft.com/office/drawing/2014/main" id="{3D762BB6-C23A-314F-6506-01BF26EFBF4A}"/>
+                    </a:ext>
+                  </a:extLst>
+                </p14:cNvPr>
+                <p14:cNvContentPartPr/>
+                <p14:nvPr/>
+              </p14:nvContentPartPr>
+              <p14:xfrm>
+                <a:off x="5045098" y="5496716"/>
+                <a:ext cx="189000" cy="412200"/>
+              </p14:xfrm>
+            </p:contentPart>
+          </mc:Choice>
+          <mc:Fallback>
+            <p:pic>
+              <p:nvPicPr>
+                <p:cNvPr id="77" name="Ink 76">
+                  <a:extLst>
+                    <a:ext uri="{FF2B5EF4-FFF2-40B4-BE49-F238E27FC236}">
+                      <a16:creationId xmlns:a16="http://schemas.microsoft.com/office/drawing/2014/main" id="{3D762BB6-C23A-314F-6506-01BF26EFBF4A}"/>
+                    </a:ext>
+                  </a:extLst>
+                </p:cNvPr>
+                <p:cNvPicPr/>
+                <p:nvPr/>
+              </p:nvPicPr>
+              <p:blipFill>
+                <a:blip r:embed="rId70"/>
+                <a:stretch>
+                  <a:fillRect/>
+                </a:stretch>
+              </p:blipFill>
+              <p:spPr>
+                <a:xfrm>
+                  <a:off x="5036458" y="5488076"/>
+                  <a:ext cx="206640" cy="429840"/>
+                </a:xfrm>
+                <a:prstGeom prst="rect">
+                  <a:avLst/>
+                </a:prstGeom>
+              </p:spPr>
+            </p:pic>
+          </mc:Fallback>
+        </mc:AlternateContent>
+        <mc:AlternateContent xmlns:mc="http://schemas.openxmlformats.org/markup-compatibility/2006">
+          <mc:Choice xmlns:p14="http://schemas.microsoft.com/office/powerpoint/2010/main" Requires="p14">
+            <p:contentPart p14:bwMode="auto" r:id="rId71">
+              <p14:nvContentPartPr>
+                <p14:cNvPr id="78" name="Ink 77">
+                  <a:extLst>
+                    <a:ext uri="{FF2B5EF4-FFF2-40B4-BE49-F238E27FC236}">
+                      <a16:creationId xmlns:a16="http://schemas.microsoft.com/office/drawing/2014/main" id="{F8066545-B6A1-1E05-F0CA-6A8987D6B11A}"/>
+                    </a:ext>
+                  </a:extLst>
+                </p14:cNvPr>
+                <p14:cNvContentPartPr/>
+                <p14:nvPr/>
+              </p14:nvContentPartPr>
+              <p14:xfrm>
+                <a:off x="5283418" y="5715236"/>
+                <a:ext cx="168840" cy="246240"/>
+              </p14:xfrm>
+            </p:contentPart>
+          </mc:Choice>
+          <mc:Fallback>
+            <p:pic>
+              <p:nvPicPr>
+                <p:cNvPr id="78" name="Ink 77">
+                  <a:extLst>
+                    <a:ext uri="{FF2B5EF4-FFF2-40B4-BE49-F238E27FC236}">
+                      <a16:creationId xmlns:a16="http://schemas.microsoft.com/office/drawing/2014/main" id="{F8066545-B6A1-1E05-F0CA-6A8987D6B11A}"/>
+                    </a:ext>
+                  </a:extLst>
+                </p:cNvPr>
+                <p:cNvPicPr/>
+                <p:nvPr/>
+              </p:nvPicPr>
+              <p:blipFill>
+                <a:blip r:embed="rId72"/>
+                <a:stretch>
+                  <a:fillRect/>
+                </a:stretch>
+              </p:blipFill>
+              <p:spPr>
+                <a:xfrm>
+                  <a:off x="5274418" y="5706236"/>
+                  <a:ext cx="186480" cy="263880"/>
+                </a:xfrm>
+                <a:prstGeom prst="rect">
+                  <a:avLst/>
+                </a:prstGeom>
+              </p:spPr>
+            </p:pic>
+          </mc:Fallback>
+        </mc:AlternateContent>
+        <mc:AlternateContent xmlns:mc="http://schemas.openxmlformats.org/markup-compatibility/2006">
+          <mc:Choice xmlns:p14="http://schemas.microsoft.com/office/powerpoint/2010/main" Requires="p14">
+            <p:contentPart p14:bwMode="auto" r:id="rId73">
+              <p14:nvContentPartPr>
+                <p14:cNvPr id="79" name="Ink 78">
+                  <a:extLst>
+                    <a:ext uri="{FF2B5EF4-FFF2-40B4-BE49-F238E27FC236}">
+                      <a16:creationId xmlns:a16="http://schemas.microsoft.com/office/drawing/2014/main" id="{E53E051C-7E59-FF6A-B268-F6AD1F2C8FD6}"/>
+                    </a:ext>
+                  </a:extLst>
+                </p14:cNvPr>
+                <p14:cNvContentPartPr/>
+                <p14:nvPr/>
+              </p14:nvContentPartPr>
+              <p14:xfrm>
+                <a:off x="5587618" y="5437676"/>
+                <a:ext cx="277200" cy="547560"/>
+              </p14:xfrm>
+            </p:contentPart>
+          </mc:Choice>
+          <mc:Fallback>
+            <p:pic>
+              <p:nvPicPr>
+                <p:cNvPr id="79" name="Ink 78">
+                  <a:extLst>
+                    <a:ext uri="{FF2B5EF4-FFF2-40B4-BE49-F238E27FC236}">
+                      <a16:creationId xmlns:a16="http://schemas.microsoft.com/office/drawing/2014/main" id="{E53E051C-7E59-FF6A-B268-F6AD1F2C8FD6}"/>
+                    </a:ext>
+                  </a:extLst>
+                </p:cNvPr>
+                <p:cNvPicPr/>
+                <p:nvPr/>
+              </p:nvPicPr>
+              <p:blipFill>
+                <a:blip r:embed="rId74"/>
+                <a:stretch>
+                  <a:fillRect/>
+                </a:stretch>
+              </p:blipFill>
+              <p:spPr>
+                <a:xfrm>
+                  <a:off x="5578978" y="5429036"/>
+                  <a:ext cx="294840" cy="565200"/>
+                </a:xfrm>
+                <a:prstGeom prst="rect">
+                  <a:avLst/>
+                </a:prstGeom>
+              </p:spPr>
+            </p:pic>
+          </mc:Fallback>
+        </mc:AlternateContent>
+      </p:grpSp>
+      <mc:AlternateContent xmlns:mc="http://schemas.openxmlformats.org/markup-compatibility/2006">
+        <mc:Choice xmlns:p14="http://schemas.microsoft.com/office/powerpoint/2010/main" Requires="p14">
+          <p:contentPart p14:bwMode="auto" r:id="rId75">
+            <p14:nvContentPartPr>
+              <p14:cNvPr id="84" name="Ink 83">
+                <a:extLst>
+                  <a:ext uri="{FF2B5EF4-FFF2-40B4-BE49-F238E27FC236}">
+                    <a16:creationId xmlns:a16="http://schemas.microsoft.com/office/drawing/2014/main" id="{0EF645F0-AD9F-44B8-AC4B-B2C84E77A7C7}"/>
+                  </a:ext>
+                </a:extLst>
+              </p14:cNvPr>
+              <p14:cNvContentPartPr/>
+              <p14:nvPr/>
+            </p14:nvContentPartPr>
+            <p14:xfrm>
+              <a:off x="7675258" y="2616716"/>
+              <a:ext cx="127080" cy="218520"/>
+            </p14:xfrm>
+          </p:contentPart>
+        </mc:Choice>
+        <mc:Fallback>
+          <p:pic>
+            <p:nvPicPr>
+              <p:cNvPr id="84" name="Ink 83">
+                <a:extLst>
+                  <a:ext uri="{FF2B5EF4-FFF2-40B4-BE49-F238E27FC236}">
+                    <a16:creationId xmlns:a16="http://schemas.microsoft.com/office/drawing/2014/main" id="{0EF645F0-AD9F-44B8-AC4B-B2C84E77A7C7}"/>
+                  </a:ext>
+                </a:extLst>
+              </p:cNvPr>
+              <p:cNvPicPr/>
+              <p:nvPr/>
+            </p:nvPicPr>
+            <p:blipFill>
+              <a:blip r:embed="rId76"/>
+              <a:stretch>
+                <a:fillRect/>
+              </a:stretch>
+            </p:blipFill>
+            <p:spPr>
+              <a:xfrm>
+                <a:off x="7666258" y="2608076"/>
+                <a:ext cx="144720" cy="236160"/>
+              </a:xfrm>
+              <a:prstGeom prst="rect">
+                <a:avLst/>
+              </a:prstGeom>
+            </p:spPr>
+          </p:pic>
+        </mc:Fallback>
+      </mc:AlternateContent>
+      <mc:AlternateContent xmlns:mc="http://schemas.openxmlformats.org/markup-compatibility/2006">
+        <mc:Choice xmlns:p14="http://schemas.microsoft.com/office/powerpoint/2010/main" Requires="p14">
+          <p:contentPart p14:bwMode="auto" r:id="rId77">
+            <p14:nvContentPartPr>
+              <p14:cNvPr id="85" name="Ink 84">
+                <a:extLst>
+                  <a:ext uri="{FF2B5EF4-FFF2-40B4-BE49-F238E27FC236}">
+                    <a16:creationId xmlns:a16="http://schemas.microsoft.com/office/drawing/2014/main" id="{F090E831-263E-0CE6-2BEF-005F803E5096}"/>
+                  </a:ext>
+                </a:extLst>
+              </p14:cNvPr>
+              <p14:cNvContentPartPr/>
+              <p14:nvPr/>
+            </p14:nvContentPartPr>
+            <p14:xfrm>
+              <a:off x="7893058" y="2606276"/>
+              <a:ext cx="149400" cy="194400"/>
+            </p14:xfrm>
+          </p:contentPart>
+        </mc:Choice>
+        <mc:Fallback>
+          <p:pic>
+            <p:nvPicPr>
+              <p:cNvPr id="85" name="Ink 84">
+                <a:extLst>
+                  <a:ext uri="{FF2B5EF4-FFF2-40B4-BE49-F238E27FC236}">
+                    <a16:creationId xmlns:a16="http://schemas.microsoft.com/office/drawing/2014/main" id="{F090E831-263E-0CE6-2BEF-005F803E5096}"/>
+                  </a:ext>
+                </a:extLst>
+              </p:cNvPr>
+              <p:cNvPicPr/>
+              <p:nvPr/>
+            </p:nvPicPr>
+            <p:blipFill>
+              <a:blip r:embed="rId78"/>
+              <a:stretch>
+                <a:fillRect/>
+              </a:stretch>
+            </p:blipFill>
+            <p:spPr>
+              <a:xfrm>
+                <a:off x="7884058" y="2597276"/>
+                <a:ext cx="167040" cy="212040"/>
+              </a:xfrm>
+              <a:prstGeom prst="rect">
+                <a:avLst/>
+              </a:prstGeom>
+            </p:spPr>
+          </p:pic>
+        </mc:Fallback>
+      </mc:AlternateContent>
+      <mc:AlternateContent xmlns:mc="http://schemas.openxmlformats.org/markup-compatibility/2006">
+        <mc:Choice xmlns:p14="http://schemas.microsoft.com/office/powerpoint/2010/main" Requires="p14">
+          <p:contentPart p14:bwMode="auto" r:id="rId79">
+            <p14:nvContentPartPr>
+              <p14:cNvPr id="86" name="Ink 85">
+                <a:extLst>
+                  <a:ext uri="{FF2B5EF4-FFF2-40B4-BE49-F238E27FC236}">
+                    <a16:creationId xmlns:a16="http://schemas.microsoft.com/office/drawing/2014/main" id="{161A83E4-0E29-542D-A76F-6F50EB2EC0E6}"/>
+                  </a:ext>
+                </a:extLst>
+              </p14:cNvPr>
+              <p14:cNvContentPartPr/>
+              <p14:nvPr/>
+            </p14:nvContentPartPr>
+            <p14:xfrm>
+              <a:off x="8125258" y="2364356"/>
+              <a:ext cx="72720" cy="450360"/>
+            </p14:xfrm>
+          </p:contentPart>
+        </mc:Choice>
+        <mc:Fallback>
+          <p:pic>
+            <p:nvPicPr>
+              <p:cNvPr id="86" name="Ink 85">
+                <a:extLst>
+                  <a:ext uri="{FF2B5EF4-FFF2-40B4-BE49-F238E27FC236}">
+                    <a16:creationId xmlns:a16="http://schemas.microsoft.com/office/drawing/2014/main" id="{161A83E4-0E29-542D-A76F-6F50EB2EC0E6}"/>
+                  </a:ext>
+                </a:extLst>
+              </p:cNvPr>
+              <p:cNvPicPr/>
+              <p:nvPr/>
+            </p:nvPicPr>
+            <p:blipFill>
+              <a:blip r:embed="rId80"/>
+              <a:stretch>
+                <a:fillRect/>
+              </a:stretch>
+            </p:blipFill>
+            <p:spPr>
+              <a:xfrm>
+                <a:off x="8116618" y="2355716"/>
+                <a:ext cx="90360" cy="468000"/>
+              </a:xfrm>
+              <a:prstGeom prst="rect">
+                <a:avLst/>
+              </a:prstGeom>
+            </p:spPr>
+          </p:pic>
+        </mc:Fallback>
+      </mc:AlternateContent>
+      <mc:AlternateContent xmlns:mc="http://schemas.openxmlformats.org/markup-compatibility/2006">
+        <mc:Choice xmlns:p14="http://schemas.microsoft.com/office/powerpoint/2010/main" Requires="p14">
+          <p:contentPart p14:bwMode="auto" r:id="rId81">
+            <p14:nvContentPartPr>
+              <p14:cNvPr id="87" name="Ink 86">
+                <a:extLst>
+                  <a:ext uri="{FF2B5EF4-FFF2-40B4-BE49-F238E27FC236}">
+                    <a16:creationId xmlns:a16="http://schemas.microsoft.com/office/drawing/2014/main" id="{158283E7-34B4-1539-4E6D-66F3A748EF87}"/>
+                  </a:ext>
+                </a:extLst>
+              </p14:cNvPr>
+              <p14:cNvContentPartPr/>
+              <p14:nvPr/>
+            </p14:nvContentPartPr>
+            <p14:xfrm>
+              <a:off x="8249818" y="2395676"/>
+              <a:ext cx="21960" cy="504360"/>
+            </p14:xfrm>
+          </p:contentPart>
+        </mc:Choice>
+        <mc:Fallback>
+          <p:pic>
+            <p:nvPicPr>
+              <p:cNvPr id="87" name="Ink 86">
+                <a:extLst>
+                  <a:ext uri="{FF2B5EF4-FFF2-40B4-BE49-F238E27FC236}">
+                    <a16:creationId xmlns:a16="http://schemas.microsoft.com/office/drawing/2014/main" id="{158283E7-34B4-1539-4E6D-66F3A748EF87}"/>
+                  </a:ext>
+                </a:extLst>
+              </p:cNvPr>
+              <p:cNvPicPr/>
+              <p:nvPr/>
+            </p:nvPicPr>
+            <p:blipFill>
+              <a:blip r:embed="rId82"/>
+              <a:stretch>
+                <a:fillRect/>
+              </a:stretch>
+            </p:blipFill>
+            <p:spPr>
+              <a:xfrm>
+                <a:off x="8240818" y="2387036"/>
+                <a:ext cx="39600" cy="522000"/>
+              </a:xfrm>
+              <a:prstGeom prst="rect">
+                <a:avLst/>
+              </a:prstGeom>
+            </p:spPr>
+          </p:pic>
+        </mc:Fallback>
+      </mc:AlternateContent>
+      <p:grpSp>
+        <p:nvGrpSpPr>
+          <p:cNvPr id="96" name="Group 95">
+            <a:extLst>
+              <a:ext uri="{FF2B5EF4-FFF2-40B4-BE49-F238E27FC236}">
+                <a16:creationId xmlns:a16="http://schemas.microsoft.com/office/drawing/2014/main" id="{3802755A-953F-86CE-DFCC-B1CF01EC3406}"/>
+              </a:ext>
+            </a:extLst>
+          </p:cNvPr>
+          <p:cNvGrpSpPr/>
+          <p:nvPr/>
+        </p:nvGrpSpPr>
+        <p:grpSpPr>
+          <a:xfrm>
+            <a:off x="5169658" y="2238716"/>
+            <a:ext cx="2210040" cy="1104120"/>
+            <a:chOff x="5169658" y="2238716"/>
+            <a:chExt cx="2210040" cy="1104120"/>
+          </a:xfrm>
+        </p:grpSpPr>
+        <mc:AlternateContent xmlns:mc="http://schemas.openxmlformats.org/markup-compatibility/2006">
+          <mc:Choice xmlns:p14="http://schemas.microsoft.com/office/powerpoint/2010/main" Requires="p14">
+            <p:contentPart p14:bwMode="auto" r:id="rId83">
+              <p14:nvContentPartPr>
+                <p14:cNvPr id="81" name="Ink 80">
+                  <a:extLst>
+                    <a:ext uri="{FF2B5EF4-FFF2-40B4-BE49-F238E27FC236}">
+                      <a16:creationId xmlns:a16="http://schemas.microsoft.com/office/drawing/2014/main" id="{10B1049E-FFE1-69D4-5ED7-1B874B080996}"/>
+                    </a:ext>
+                  </a:extLst>
+                </p14:cNvPr>
+                <p14:cNvContentPartPr/>
+                <p14:nvPr/>
+              </p14:nvContentPartPr>
+              <p14:xfrm>
+                <a:off x="5169658" y="2238716"/>
+                <a:ext cx="1982160" cy="1104120"/>
+              </p14:xfrm>
+            </p:contentPart>
+          </mc:Choice>
+          <mc:Fallback>
+            <p:pic>
+              <p:nvPicPr>
+                <p:cNvPr id="81" name="Ink 80">
+                  <a:extLst>
+                    <a:ext uri="{FF2B5EF4-FFF2-40B4-BE49-F238E27FC236}">
+                      <a16:creationId xmlns:a16="http://schemas.microsoft.com/office/drawing/2014/main" id="{10B1049E-FFE1-69D4-5ED7-1B874B080996}"/>
+                    </a:ext>
+                  </a:extLst>
+                </p:cNvPr>
+                <p:cNvPicPr/>
+                <p:nvPr/>
+              </p:nvPicPr>
+              <p:blipFill>
+                <a:blip r:embed="rId84"/>
+                <a:stretch>
+                  <a:fillRect/>
+                </a:stretch>
+              </p:blipFill>
+              <p:spPr>
+                <a:xfrm>
+                  <a:off x="5161018" y="2230076"/>
+                  <a:ext cx="1999800" cy="1121760"/>
+                </a:xfrm>
+                <a:prstGeom prst="rect">
+                  <a:avLst/>
+                </a:prstGeom>
+              </p:spPr>
+            </p:pic>
+          </mc:Fallback>
+        </mc:AlternateContent>
+        <mc:AlternateContent xmlns:mc="http://schemas.openxmlformats.org/markup-compatibility/2006">
+          <mc:Choice xmlns:p14="http://schemas.microsoft.com/office/powerpoint/2010/main" Requires="p14">
+            <p:contentPart p14:bwMode="auto" r:id="rId85">
+              <p14:nvContentPartPr>
+                <p14:cNvPr id="82" name="Ink 81">
+                  <a:extLst>
+                    <a:ext uri="{FF2B5EF4-FFF2-40B4-BE49-F238E27FC236}">
+                      <a16:creationId xmlns:a16="http://schemas.microsoft.com/office/drawing/2014/main" id="{12B87E82-7046-39B7-7699-D36127622120}"/>
+                    </a:ext>
+                  </a:extLst>
+                </p14:cNvPr>
+                <p14:cNvContentPartPr/>
+                <p14:nvPr/>
+              </p14:nvContentPartPr>
+              <p14:xfrm>
+                <a:off x="6064258" y="2269676"/>
+                <a:ext cx="31680" cy="1028520"/>
+              </p14:xfrm>
+            </p:contentPart>
+          </mc:Choice>
+          <mc:Fallback>
+            <p:pic>
+              <p:nvPicPr>
+                <p:cNvPr id="82" name="Ink 81">
+                  <a:extLst>
+                    <a:ext uri="{FF2B5EF4-FFF2-40B4-BE49-F238E27FC236}">
+                      <a16:creationId xmlns:a16="http://schemas.microsoft.com/office/drawing/2014/main" id="{12B87E82-7046-39B7-7699-D36127622120}"/>
+                    </a:ext>
+                  </a:extLst>
+                </p:cNvPr>
+                <p:cNvPicPr/>
+                <p:nvPr/>
+              </p:nvPicPr>
+              <p:blipFill>
+                <a:blip r:embed="rId86"/>
+                <a:stretch>
+                  <a:fillRect/>
+                </a:stretch>
+              </p:blipFill>
+              <p:spPr>
+                <a:xfrm>
+                  <a:off x="6055258" y="2260676"/>
+                  <a:ext cx="49320" cy="1046160"/>
+                </a:xfrm>
+                <a:prstGeom prst="rect">
+                  <a:avLst/>
+                </a:prstGeom>
+              </p:spPr>
+            </p:pic>
+          </mc:Fallback>
+        </mc:AlternateContent>
+        <mc:AlternateContent xmlns:mc="http://schemas.openxmlformats.org/markup-compatibility/2006">
+          <mc:Choice xmlns:p14="http://schemas.microsoft.com/office/powerpoint/2010/main" Requires="p14">
+            <p:contentPart p14:bwMode="auto" r:id="rId87">
+              <p14:nvContentPartPr>
+                <p14:cNvPr id="83" name="Ink 82">
+                  <a:extLst>
+                    <a:ext uri="{FF2B5EF4-FFF2-40B4-BE49-F238E27FC236}">
+                      <a16:creationId xmlns:a16="http://schemas.microsoft.com/office/drawing/2014/main" id="{57273FE2-06B3-B029-9229-473257D71389}"/>
+                    </a:ext>
+                  </a:extLst>
+                </p14:cNvPr>
+                <p14:cNvContentPartPr/>
+                <p14:nvPr/>
+              </p14:nvContentPartPr>
+              <p14:xfrm>
+                <a:off x="7062898" y="2557316"/>
+                <a:ext cx="316800" cy="363960"/>
+              </p14:xfrm>
+            </p:contentPart>
+          </mc:Choice>
+          <mc:Fallback>
+            <p:pic>
+              <p:nvPicPr>
+                <p:cNvPr id="83" name="Ink 82">
+                  <a:extLst>
+                    <a:ext uri="{FF2B5EF4-FFF2-40B4-BE49-F238E27FC236}">
+                      <a16:creationId xmlns:a16="http://schemas.microsoft.com/office/drawing/2014/main" id="{57273FE2-06B3-B029-9229-473257D71389}"/>
+                    </a:ext>
+                  </a:extLst>
+                </p:cNvPr>
+                <p:cNvPicPr/>
+                <p:nvPr/>
+              </p:nvPicPr>
+              <p:blipFill>
+                <a:blip r:embed="rId88"/>
+                <a:stretch>
+                  <a:fillRect/>
+                </a:stretch>
+              </p:blipFill>
+              <p:spPr>
+                <a:xfrm>
+                  <a:off x="7053898" y="2548676"/>
+                  <a:ext cx="334440" cy="381600"/>
+                </a:xfrm>
+                <a:prstGeom prst="rect">
+                  <a:avLst/>
+                </a:prstGeom>
+              </p:spPr>
+            </p:pic>
+          </mc:Fallback>
+        </mc:AlternateContent>
+        <mc:AlternateContent xmlns:mc="http://schemas.openxmlformats.org/markup-compatibility/2006">
+          <mc:Choice xmlns:p14="http://schemas.microsoft.com/office/powerpoint/2010/main" Requires="p14">
+            <p:contentPart p14:bwMode="auto" r:id="rId89">
+              <p14:nvContentPartPr>
+                <p14:cNvPr id="90" name="Ink 89">
+                  <a:extLst>
+                    <a:ext uri="{FF2B5EF4-FFF2-40B4-BE49-F238E27FC236}">
+                      <a16:creationId xmlns:a16="http://schemas.microsoft.com/office/drawing/2014/main" id="{EF203469-DF12-573A-57A2-F31A8B8EBD5F}"/>
+                    </a:ext>
+                  </a:extLst>
+                </p14:cNvPr>
+                <p14:cNvContentPartPr/>
+                <p14:nvPr/>
+              </p14:nvContentPartPr>
+              <p14:xfrm>
+                <a:off x="5234098" y="2588276"/>
+                <a:ext cx="106200" cy="247320"/>
+              </p14:xfrm>
+            </p:contentPart>
+          </mc:Choice>
+          <mc:Fallback>
+            <p:pic>
+              <p:nvPicPr>
+                <p:cNvPr id="90" name="Ink 89">
+                  <a:extLst>
+                    <a:ext uri="{FF2B5EF4-FFF2-40B4-BE49-F238E27FC236}">
+                      <a16:creationId xmlns:a16="http://schemas.microsoft.com/office/drawing/2014/main" id="{EF203469-DF12-573A-57A2-F31A8B8EBD5F}"/>
+                    </a:ext>
+                  </a:extLst>
+                </p:cNvPr>
+                <p:cNvPicPr/>
+                <p:nvPr/>
+              </p:nvPicPr>
+              <p:blipFill>
+                <a:blip r:embed="rId90"/>
+                <a:stretch>
+                  <a:fillRect/>
+                </a:stretch>
+              </p:blipFill>
+              <p:spPr>
+                <a:xfrm>
+                  <a:off x="5225098" y="2579636"/>
+                  <a:ext cx="123840" cy="264960"/>
+                </a:xfrm>
+                <a:prstGeom prst="rect">
+                  <a:avLst/>
+                </a:prstGeom>
+              </p:spPr>
+            </p:pic>
+          </mc:Fallback>
+        </mc:AlternateContent>
+        <mc:AlternateContent xmlns:mc="http://schemas.openxmlformats.org/markup-compatibility/2006">
+          <mc:Choice xmlns:p14="http://schemas.microsoft.com/office/powerpoint/2010/main" Requires="p14">
+            <p:contentPart p14:bwMode="auto" r:id="rId91">
+              <p14:nvContentPartPr>
+                <p14:cNvPr id="91" name="Ink 90">
+                  <a:extLst>
+                    <a:ext uri="{FF2B5EF4-FFF2-40B4-BE49-F238E27FC236}">
+                      <a16:creationId xmlns:a16="http://schemas.microsoft.com/office/drawing/2014/main" id="{7FA64478-D846-BF06-1AF5-D8519AA9E78D}"/>
+                    </a:ext>
+                  </a:extLst>
+                </p14:cNvPr>
+                <p14:cNvContentPartPr/>
+                <p14:nvPr/>
+              </p14:nvContentPartPr>
+              <p14:xfrm>
+                <a:off x="5398978" y="2646236"/>
+                <a:ext cx="113040" cy="153360"/>
+              </p14:xfrm>
+            </p:contentPart>
+          </mc:Choice>
+          <mc:Fallback>
+            <p:pic>
+              <p:nvPicPr>
+                <p:cNvPr id="91" name="Ink 90">
+                  <a:extLst>
+                    <a:ext uri="{FF2B5EF4-FFF2-40B4-BE49-F238E27FC236}">
+                      <a16:creationId xmlns:a16="http://schemas.microsoft.com/office/drawing/2014/main" id="{7FA64478-D846-BF06-1AF5-D8519AA9E78D}"/>
+                    </a:ext>
+                  </a:extLst>
+                </p:cNvPr>
+                <p:cNvPicPr/>
+                <p:nvPr/>
+              </p:nvPicPr>
+              <p:blipFill>
+                <a:blip r:embed="rId92"/>
+                <a:stretch>
+                  <a:fillRect/>
+                </a:stretch>
+              </p:blipFill>
+              <p:spPr>
+                <a:xfrm>
+                  <a:off x="5389978" y="2637236"/>
+                  <a:ext cx="130680" cy="171000"/>
+                </a:xfrm>
+                <a:prstGeom prst="rect">
+                  <a:avLst/>
+                </a:prstGeom>
+              </p:spPr>
+            </p:pic>
+          </mc:Fallback>
+        </mc:AlternateContent>
+        <mc:AlternateContent xmlns:mc="http://schemas.openxmlformats.org/markup-compatibility/2006">
+          <mc:Choice xmlns:p14="http://schemas.microsoft.com/office/powerpoint/2010/main" Requires="p14">
+            <p:contentPart p14:bwMode="auto" r:id="rId93">
+              <p14:nvContentPartPr>
+                <p14:cNvPr id="92" name="Ink 91">
+                  <a:extLst>
+                    <a:ext uri="{FF2B5EF4-FFF2-40B4-BE49-F238E27FC236}">
+                      <a16:creationId xmlns:a16="http://schemas.microsoft.com/office/drawing/2014/main" id="{D1C484B4-8A9D-B8A6-CB52-640769A90EBB}"/>
+                    </a:ext>
+                  </a:extLst>
+                </p14:cNvPr>
+                <p14:cNvContentPartPr/>
+                <p14:nvPr/>
+              </p14:nvContentPartPr>
+              <p14:xfrm>
+                <a:off x="5539018" y="2564156"/>
+                <a:ext cx="360" cy="220680"/>
+              </p14:xfrm>
+            </p:contentPart>
+          </mc:Choice>
+          <mc:Fallback>
+            <p:pic>
+              <p:nvPicPr>
+                <p:cNvPr id="92" name="Ink 91">
+                  <a:extLst>
+                    <a:ext uri="{FF2B5EF4-FFF2-40B4-BE49-F238E27FC236}">
+                      <a16:creationId xmlns:a16="http://schemas.microsoft.com/office/drawing/2014/main" id="{D1C484B4-8A9D-B8A6-CB52-640769A90EBB}"/>
+                    </a:ext>
+                  </a:extLst>
+                </p:cNvPr>
+                <p:cNvPicPr/>
+                <p:nvPr/>
+              </p:nvPicPr>
+              <p:blipFill>
+                <a:blip r:embed="rId94"/>
+                <a:stretch>
+                  <a:fillRect/>
+                </a:stretch>
+              </p:blipFill>
+              <p:spPr>
+                <a:xfrm>
+                  <a:off x="5530018" y="2555156"/>
+                  <a:ext cx="18000" cy="238320"/>
+                </a:xfrm>
+                <a:prstGeom prst="rect">
+                  <a:avLst/>
+                </a:prstGeom>
+              </p:spPr>
+            </p:pic>
+          </mc:Fallback>
+        </mc:AlternateContent>
+        <mc:AlternateContent xmlns:mc="http://schemas.openxmlformats.org/markup-compatibility/2006">
+          <mc:Choice xmlns:p14="http://schemas.microsoft.com/office/powerpoint/2010/main" Requires="p14">
+            <p:contentPart p14:bwMode="auto" r:id="rId95">
+              <p14:nvContentPartPr>
+                <p14:cNvPr id="93" name="Ink 92">
+                  <a:extLst>
+                    <a:ext uri="{FF2B5EF4-FFF2-40B4-BE49-F238E27FC236}">
+                      <a16:creationId xmlns:a16="http://schemas.microsoft.com/office/drawing/2014/main" id="{2AF98BB6-EABC-7F90-1D15-63D03D4D4ACE}"/>
+                    </a:ext>
+                  </a:extLst>
+                </p14:cNvPr>
+                <p14:cNvContentPartPr/>
+                <p14:nvPr/>
+              </p14:nvContentPartPr>
+              <p14:xfrm>
+                <a:off x="5590858" y="2664596"/>
+                <a:ext cx="127440" cy="120960"/>
+              </p14:xfrm>
+            </p:contentPart>
+          </mc:Choice>
+          <mc:Fallback>
+            <p:pic>
+              <p:nvPicPr>
+                <p:cNvPr id="93" name="Ink 92">
+                  <a:extLst>
+                    <a:ext uri="{FF2B5EF4-FFF2-40B4-BE49-F238E27FC236}">
+                      <a16:creationId xmlns:a16="http://schemas.microsoft.com/office/drawing/2014/main" id="{2AF98BB6-EABC-7F90-1D15-63D03D4D4ACE}"/>
+                    </a:ext>
+                  </a:extLst>
+                </p:cNvPr>
+                <p:cNvPicPr/>
+                <p:nvPr/>
+              </p:nvPicPr>
+              <p:blipFill>
+                <a:blip r:embed="rId96"/>
+                <a:stretch>
+                  <a:fillRect/>
+                </a:stretch>
+              </p:blipFill>
+              <p:spPr>
+                <a:xfrm>
+                  <a:off x="5582218" y="2655596"/>
+                  <a:ext cx="145080" cy="138600"/>
+                </a:xfrm>
+                <a:prstGeom prst="rect">
+                  <a:avLst/>
+                </a:prstGeom>
+              </p:spPr>
+            </p:pic>
+          </mc:Fallback>
+        </mc:AlternateContent>
+        <mc:AlternateContent xmlns:mc="http://schemas.openxmlformats.org/markup-compatibility/2006">
+          <mc:Choice xmlns:p14="http://schemas.microsoft.com/office/powerpoint/2010/main" Requires="p14">
+            <p:contentPart p14:bwMode="auto" r:id="rId97">
+              <p14:nvContentPartPr>
+                <p14:cNvPr id="95" name="Ink 94">
+                  <a:extLst>
+                    <a:ext uri="{FF2B5EF4-FFF2-40B4-BE49-F238E27FC236}">
+                      <a16:creationId xmlns:a16="http://schemas.microsoft.com/office/drawing/2014/main" id="{D9347581-6100-2F92-CC07-56820FBD2AAB}"/>
+                    </a:ext>
+                  </a:extLst>
+                </p14:cNvPr>
+                <p14:cNvContentPartPr/>
+                <p14:nvPr/>
+              </p14:nvContentPartPr>
+              <p14:xfrm>
+                <a:off x="5769778" y="2604116"/>
+                <a:ext cx="160560" cy="266760"/>
+              </p14:xfrm>
+            </p:contentPart>
+          </mc:Choice>
+          <mc:Fallback>
+            <p:pic>
+              <p:nvPicPr>
+                <p:cNvPr id="95" name="Ink 94">
+                  <a:extLst>
+                    <a:ext uri="{FF2B5EF4-FFF2-40B4-BE49-F238E27FC236}">
+                      <a16:creationId xmlns:a16="http://schemas.microsoft.com/office/drawing/2014/main" id="{D9347581-6100-2F92-CC07-56820FBD2AAB}"/>
+                    </a:ext>
+                  </a:extLst>
+                </p:cNvPr>
+                <p:cNvPicPr/>
+                <p:nvPr/>
+              </p:nvPicPr>
+              <p:blipFill>
+                <a:blip r:embed="rId98"/>
+                <a:stretch>
+                  <a:fillRect/>
+                </a:stretch>
+              </p:blipFill>
+              <p:spPr>
+                <a:xfrm>
+                  <a:off x="5760778" y="2595476"/>
+                  <a:ext cx="178200" cy="284400"/>
+                </a:xfrm>
+                <a:prstGeom prst="rect">
+                  <a:avLst/>
+                </a:prstGeom>
+              </p:spPr>
+            </p:pic>
+          </mc:Fallback>
+        </mc:AlternateContent>
+      </p:grpSp>
+      <p:grpSp>
+        <p:nvGrpSpPr>
+          <p:cNvPr id="111" name="Group 110">
+            <a:extLst>
+              <a:ext uri="{FF2B5EF4-FFF2-40B4-BE49-F238E27FC236}">
+                <a16:creationId xmlns:a16="http://schemas.microsoft.com/office/drawing/2014/main" id="{F567051D-A657-9BAE-CF29-B8F151FA551D}"/>
+              </a:ext>
+            </a:extLst>
+          </p:cNvPr>
+          <p:cNvGrpSpPr/>
+          <p:nvPr/>
+        </p:nvGrpSpPr>
+        <p:grpSpPr>
+          <a:xfrm>
+            <a:off x="5874898" y="5454236"/>
+            <a:ext cx="2032560" cy="676080"/>
+            <a:chOff x="5874898" y="5454236"/>
+            <a:chExt cx="2032560" cy="676080"/>
+          </a:xfrm>
+        </p:grpSpPr>
+        <mc:AlternateContent xmlns:mc="http://schemas.openxmlformats.org/markup-compatibility/2006">
+          <mc:Choice xmlns:p14="http://schemas.microsoft.com/office/powerpoint/2010/main" Requires="p14">
+            <p:contentPart p14:bwMode="auto" r:id="rId99">
+              <p14:nvContentPartPr>
+                <p14:cNvPr id="97" name="Ink 96">
+                  <a:extLst>
+                    <a:ext uri="{FF2B5EF4-FFF2-40B4-BE49-F238E27FC236}">
+                      <a16:creationId xmlns:a16="http://schemas.microsoft.com/office/drawing/2014/main" id="{ECBD7D95-B664-7A55-372A-F4FF71025298}"/>
+                    </a:ext>
+                  </a:extLst>
+                </p14:cNvPr>
+                <p14:cNvContentPartPr/>
+                <p14:nvPr/>
+              </p14:nvContentPartPr>
+              <p14:xfrm>
+                <a:off x="5874898" y="5654036"/>
+                <a:ext cx="186840" cy="259920"/>
+              </p14:xfrm>
+            </p:contentPart>
+          </mc:Choice>
+          <mc:Fallback>
+            <p:pic>
+              <p:nvPicPr>
+                <p:cNvPr id="97" name="Ink 96">
+                  <a:extLst>
+                    <a:ext uri="{FF2B5EF4-FFF2-40B4-BE49-F238E27FC236}">
+                      <a16:creationId xmlns:a16="http://schemas.microsoft.com/office/drawing/2014/main" id="{ECBD7D95-B664-7A55-372A-F4FF71025298}"/>
+                    </a:ext>
+                  </a:extLst>
+                </p:cNvPr>
+                <p:cNvPicPr/>
+                <p:nvPr/>
+              </p:nvPicPr>
+              <p:blipFill>
+                <a:blip r:embed="rId100"/>
+                <a:stretch>
+                  <a:fillRect/>
+                </a:stretch>
+              </p:blipFill>
+              <p:spPr>
+                <a:xfrm>
+                  <a:off x="5866258" y="5645036"/>
+                  <a:ext cx="204480" cy="277560"/>
+                </a:xfrm>
+                <a:prstGeom prst="rect">
+                  <a:avLst/>
+                </a:prstGeom>
+              </p:spPr>
+            </p:pic>
+          </mc:Fallback>
+        </mc:AlternateContent>
+        <mc:AlternateContent xmlns:mc="http://schemas.openxmlformats.org/markup-compatibility/2006">
+          <mc:Choice xmlns:p14="http://schemas.microsoft.com/office/powerpoint/2010/main" Requires="p14">
+            <p:contentPart p14:bwMode="auto" r:id="rId101">
+              <p14:nvContentPartPr>
+                <p14:cNvPr id="98" name="Ink 97">
+                  <a:extLst>
+                    <a:ext uri="{FF2B5EF4-FFF2-40B4-BE49-F238E27FC236}">
+                      <a16:creationId xmlns:a16="http://schemas.microsoft.com/office/drawing/2014/main" id="{20A83D50-F63E-6145-8B93-DB9971C5283A}"/>
+                    </a:ext>
+                  </a:extLst>
+                </p14:cNvPr>
+                <p14:cNvContentPartPr/>
+                <p14:nvPr/>
+              </p14:nvContentPartPr>
+              <p14:xfrm>
+                <a:off x="6136978" y="5727476"/>
+                <a:ext cx="158040" cy="182520"/>
+              </p14:xfrm>
+            </p:contentPart>
+          </mc:Choice>
+          <mc:Fallback>
+            <p:pic>
+              <p:nvPicPr>
+                <p:cNvPr id="98" name="Ink 97">
+                  <a:extLst>
+                    <a:ext uri="{FF2B5EF4-FFF2-40B4-BE49-F238E27FC236}">
+                      <a16:creationId xmlns:a16="http://schemas.microsoft.com/office/drawing/2014/main" id="{20A83D50-F63E-6145-8B93-DB9971C5283A}"/>
+                    </a:ext>
+                  </a:extLst>
+                </p:cNvPr>
+                <p:cNvPicPr/>
+                <p:nvPr/>
+              </p:nvPicPr>
+              <p:blipFill>
+                <a:blip r:embed="rId102"/>
+                <a:stretch>
+                  <a:fillRect/>
+                </a:stretch>
+              </p:blipFill>
+              <p:spPr>
+                <a:xfrm>
+                  <a:off x="6127978" y="5718476"/>
+                  <a:ext cx="175680" cy="200160"/>
+                </a:xfrm>
+                <a:prstGeom prst="rect">
+                  <a:avLst/>
+                </a:prstGeom>
+              </p:spPr>
+            </p:pic>
+          </mc:Fallback>
+        </mc:AlternateContent>
+        <mc:AlternateContent xmlns:mc="http://schemas.openxmlformats.org/markup-compatibility/2006">
+          <mc:Choice xmlns:p14="http://schemas.microsoft.com/office/powerpoint/2010/main" Requires="p14">
+            <p:contentPart p14:bwMode="auto" r:id="rId103">
+              <p14:nvContentPartPr>
+                <p14:cNvPr id="99" name="Ink 98">
+                  <a:extLst>
+                    <a:ext uri="{FF2B5EF4-FFF2-40B4-BE49-F238E27FC236}">
+                      <a16:creationId xmlns:a16="http://schemas.microsoft.com/office/drawing/2014/main" id="{F60E4035-7504-6F47-EF44-CDE05458E169}"/>
+                    </a:ext>
+                  </a:extLst>
+                </p14:cNvPr>
+                <p14:cNvContentPartPr/>
+                <p14:nvPr/>
+              </p14:nvContentPartPr>
+              <p14:xfrm>
+                <a:off x="6364138" y="5496716"/>
+                <a:ext cx="78840" cy="370440"/>
+              </p14:xfrm>
+            </p:contentPart>
+          </mc:Choice>
+          <mc:Fallback>
+            <p:pic>
+              <p:nvPicPr>
+                <p:cNvPr id="99" name="Ink 98">
+                  <a:extLst>
+                    <a:ext uri="{FF2B5EF4-FFF2-40B4-BE49-F238E27FC236}">
+                      <a16:creationId xmlns:a16="http://schemas.microsoft.com/office/drawing/2014/main" id="{F60E4035-7504-6F47-EF44-CDE05458E169}"/>
+                    </a:ext>
+                  </a:extLst>
+                </p:cNvPr>
+                <p:cNvPicPr/>
+                <p:nvPr/>
+              </p:nvPicPr>
+              <p:blipFill>
+                <a:blip r:embed="rId104"/>
+                <a:stretch>
+                  <a:fillRect/>
+                </a:stretch>
+              </p:blipFill>
+              <p:spPr>
+                <a:xfrm>
+                  <a:off x="6355138" y="5488076"/>
+                  <a:ext cx="96480" cy="388080"/>
+                </a:xfrm>
+                <a:prstGeom prst="rect">
+                  <a:avLst/>
+                </a:prstGeom>
+              </p:spPr>
+            </p:pic>
+          </mc:Fallback>
+        </mc:AlternateContent>
+        <mc:AlternateContent xmlns:mc="http://schemas.openxmlformats.org/markup-compatibility/2006">
+          <mc:Choice xmlns:p14="http://schemas.microsoft.com/office/powerpoint/2010/main" Requires="p14">
+            <p:contentPart p14:bwMode="auto" r:id="rId105">
+              <p14:nvContentPartPr>
+                <p14:cNvPr id="100" name="Ink 99">
+                  <a:extLst>
+                    <a:ext uri="{FF2B5EF4-FFF2-40B4-BE49-F238E27FC236}">
+                      <a16:creationId xmlns:a16="http://schemas.microsoft.com/office/drawing/2014/main" id="{2DDEAE5A-80ED-912B-458E-DA57CD059BBB}"/>
+                    </a:ext>
+                  </a:extLst>
+                </p14:cNvPr>
+                <p14:cNvContentPartPr/>
+                <p14:nvPr/>
+              </p14:nvContentPartPr>
+              <p14:xfrm>
+                <a:off x="6455938" y="5727476"/>
+                <a:ext cx="104040" cy="202680"/>
+              </p14:xfrm>
+            </p:contentPart>
+          </mc:Choice>
+          <mc:Fallback>
+            <p:pic>
+              <p:nvPicPr>
+                <p:cNvPr id="100" name="Ink 99">
+                  <a:extLst>
+                    <a:ext uri="{FF2B5EF4-FFF2-40B4-BE49-F238E27FC236}">
+                      <a16:creationId xmlns:a16="http://schemas.microsoft.com/office/drawing/2014/main" id="{2DDEAE5A-80ED-912B-458E-DA57CD059BBB}"/>
+                    </a:ext>
+                  </a:extLst>
+                </p:cNvPr>
+                <p:cNvPicPr/>
+                <p:nvPr/>
+              </p:nvPicPr>
+              <p:blipFill>
+                <a:blip r:embed="rId106"/>
+                <a:stretch>
+                  <a:fillRect/>
+                </a:stretch>
+              </p:blipFill>
+              <p:spPr>
+                <a:xfrm>
+                  <a:off x="6447298" y="5718836"/>
+                  <a:ext cx="121680" cy="220320"/>
+                </a:xfrm>
+                <a:prstGeom prst="rect">
+                  <a:avLst/>
+                </a:prstGeom>
+              </p:spPr>
+            </p:pic>
+          </mc:Fallback>
+        </mc:AlternateContent>
+        <mc:AlternateContent xmlns:mc="http://schemas.openxmlformats.org/markup-compatibility/2006">
+          <mc:Choice xmlns:p14="http://schemas.microsoft.com/office/powerpoint/2010/main" Requires="p14">
+            <p:contentPart p14:bwMode="auto" r:id="rId107">
+              <p14:nvContentPartPr>
+                <p14:cNvPr id="101" name="Ink 100">
+                  <a:extLst>
+                    <a:ext uri="{FF2B5EF4-FFF2-40B4-BE49-F238E27FC236}">
+                      <a16:creationId xmlns:a16="http://schemas.microsoft.com/office/drawing/2014/main" id="{7A51A6AE-5426-D9DE-FF22-1A2CDF0A3479}"/>
+                    </a:ext>
+                  </a:extLst>
+                </p14:cNvPr>
+                <p14:cNvContentPartPr/>
+                <p14:nvPr/>
+              </p14:nvContentPartPr>
+              <p14:xfrm>
+                <a:off x="6662938" y="5684276"/>
+                <a:ext cx="118800" cy="242280"/>
+              </p14:xfrm>
+            </p:contentPart>
+          </mc:Choice>
+          <mc:Fallback>
+            <p:pic>
+              <p:nvPicPr>
+                <p:cNvPr id="101" name="Ink 100">
+                  <a:extLst>
+                    <a:ext uri="{FF2B5EF4-FFF2-40B4-BE49-F238E27FC236}">
+                      <a16:creationId xmlns:a16="http://schemas.microsoft.com/office/drawing/2014/main" id="{7A51A6AE-5426-D9DE-FF22-1A2CDF0A3479}"/>
+                    </a:ext>
+                  </a:extLst>
+                </p:cNvPr>
+                <p:cNvPicPr/>
+                <p:nvPr/>
+              </p:nvPicPr>
+              <p:blipFill>
+                <a:blip r:embed="rId108"/>
+                <a:stretch>
+                  <a:fillRect/>
+                </a:stretch>
+              </p:blipFill>
+              <p:spPr>
+                <a:xfrm>
+                  <a:off x="6654298" y="5675276"/>
+                  <a:ext cx="136440" cy="259920"/>
+                </a:xfrm>
+                <a:prstGeom prst="rect">
+                  <a:avLst/>
+                </a:prstGeom>
+              </p:spPr>
+            </p:pic>
+          </mc:Fallback>
+        </mc:AlternateContent>
+        <mc:AlternateContent xmlns:mc="http://schemas.openxmlformats.org/markup-compatibility/2006">
+          <mc:Choice xmlns:p14="http://schemas.microsoft.com/office/powerpoint/2010/main" Requires="p14">
+            <p:contentPart p14:bwMode="auto" r:id="rId109">
+              <p14:nvContentPartPr>
+                <p14:cNvPr id="102" name="Ink 101">
+                  <a:extLst>
+                    <a:ext uri="{FF2B5EF4-FFF2-40B4-BE49-F238E27FC236}">
+                      <a16:creationId xmlns:a16="http://schemas.microsoft.com/office/drawing/2014/main" id="{828F40F3-EBAF-4764-D860-11F08A9401FC}"/>
+                    </a:ext>
+                  </a:extLst>
+                </p14:cNvPr>
+                <p14:cNvContentPartPr/>
+                <p14:nvPr/>
+              </p14:nvContentPartPr>
+              <p14:xfrm>
+                <a:off x="6759778" y="5916836"/>
+                <a:ext cx="103680" cy="213480"/>
+              </p14:xfrm>
+            </p:contentPart>
+          </mc:Choice>
+          <mc:Fallback>
+            <p:pic>
+              <p:nvPicPr>
+                <p:cNvPr id="102" name="Ink 101">
+                  <a:extLst>
+                    <a:ext uri="{FF2B5EF4-FFF2-40B4-BE49-F238E27FC236}">
+                      <a16:creationId xmlns:a16="http://schemas.microsoft.com/office/drawing/2014/main" id="{828F40F3-EBAF-4764-D860-11F08A9401FC}"/>
+                    </a:ext>
+                  </a:extLst>
+                </p:cNvPr>
+                <p:cNvPicPr/>
+                <p:nvPr/>
+              </p:nvPicPr>
+              <p:blipFill>
+                <a:blip r:embed="rId110"/>
+                <a:stretch>
+                  <a:fillRect/>
+                </a:stretch>
+              </p:blipFill>
+              <p:spPr>
+                <a:xfrm>
+                  <a:off x="6750778" y="5907836"/>
+                  <a:ext cx="121320" cy="231120"/>
+                </a:xfrm>
+                <a:prstGeom prst="rect">
+                  <a:avLst/>
+                </a:prstGeom>
+              </p:spPr>
+            </p:pic>
+          </mc:Fallback>
+        </mc:AlternateContent>
+        <mc:AlternateContent xmlns:mc="http://schemas.openxmlformats.org/markup-compatibility/2006">
+          <mc:Choice xmlns:p14="http://schemas.microsoft.com/office/powerpoint/2010/main" Requires="p14">
+            <p:contentPart p14:bwMode="auto" r:id="rId111">
+              <p14:nvContentPartPr>
+                <p14:cNvPr id="103" name="Ink 102">
+                  <a:extLst>
+                    <a:ext uri="{FF2B5EF4-FFF2-40B4-BE49-F238E27FC236}">
+                      <a16:creationId xmlns:a16="http://schemas.microsoft.com/office/drawing/2014/main" id="{CC1FC9F9-4CCB-92CF-E833-E63AA4E835DF}"/>
+                    </a:ext>
+                  </a:extLst>
+                </p14:cNvPr>
+                <p14:cNvContentPartPr/>
+                <p14:nvPr/>
+              </p14:nvContentPartPr>
+              <p14:xfrm>
+                <a:off x="6957058" y="5664476"/>
+                <a:ext cx="159480" cy="308880"/>
+              </p14:xfrm>
+            </p:contentPart>
+          </mc:Choice>
+          <mc:Fallback>
+            <p:pic>
+              <p:nvPicPr>
+                <p:cNvPr id="103" name="Ink 102">
+                  <a:extLst>
+                    <a:ext uri="{FF2B5EF4-FFF2-40B4-BE49-F238E27FC236}">
+                      <a16:creationId xmlns:a16="http://schemas.microsoft.com/office/drawing/2014/main" id="{CC1FC9F9-4CCB-92CF-E833-E63AA4E835DF}"/>
+                    </a:ext>
+                  </a:extLst>
+                </p:cNvPr>
+                <p:cNvPicPr/>
+                <p:nvPr/>
+              </p:nvPicPr>
+              <p:blipFill>
+                <a:blip r:embed="rId112"/>
+                <a:stretch>
+                  <a:fillRect/>
+                </a:stretch>
+              </p:blipFill>
+              <p:spPr>
+                <a:xfrm>
+                  <a:off x="6948058" y="5655836"/>
+                  <a:ext cx="177120" cy="326520"/>
+                </a:xfrm>
+                <a:prstGeom prst="rect">
+                  <a:avLst/>
+                </a:prstGeom>
+              </p:spPr>
+            </p:pic>
+          </mc:Fallback>
+        </mc:AlternateContent>
+        <mc:AlternateContent xmlns:mc="http://schemas.openxmlformats.org/markup-compatibility/2006">
+          <mc:Choice xmlns:p14="http://schemas.microsoft.com/office/powerpoint/2010/main" Requires="p14">
+            <p:contentPart p14:bwMode="auto" r:id="rId113">
+              <p14:nvContentPartPr>
+                <p14:cNvPr id="104" name="Ink 103">
+                  <a:extLst>
+                    <a:ext uri="{FF2B5EF4-FFF2-40B4-BE49-F238E27FC236}">
+                      <a16:creationId xmlns:a16="http://schemas.microsoft.com/office/drawing/2014/main" id="{131B4EC3-F5CC-8C34-80B6-B0EC1D77C818}"/>
+                    </a:ext>
+                  </a:extLst>
+                </p14:cNvPr>
+                <p14:cNvContentPartPr/>
+                <p14:nvPr/>
+              </p14:nvContentPartPr>
+              <p14:xfrm>
+                <a:off x="7178458" y="5704796"/>
+                <a:ext cx="96840" cy="196920"/>
+              </p14:xfrm>
+            </p:contentPart>
+          </mc:Choice>
+          <mc:Fallback>
+            <p:pic>
+              <p:nvPicPr>
+                <p:cNvPr id="104" name="Ink 103">
+                  <a:extLst>
+                    <a:ext uri="{FF2B5EF4-FFF2-40B4-BE49-F238E27FC236}">
+                      <a16:creationId xmlns:a16="http://schemas.microsoft.com/office/drawing/2014/main" id="{131B4EC3-F5CC-8C34-80B6-B0EC1D77C818}"/>
+                    </a:ext>
+                  </a:extLst>
+                </p:cNvPr>
+                <p:cNvPicPr/>
+                <p:nvPr/>
+              </p:nvPicPr>
+              <p:blipFill>
+                <a:blip r:embed="rId114"/>
+                <a:stretch>
+                  <a:fillRect/>
+                </a:stretch>
+              </p:blipFill>
+              <p:spPr>
+                <a:xfrm>
+                  <a:off x="7169818" y="5696156"/>
+                  <a:ext cx="114480" cy="214560"/>
+                </a:xfrm>
+                <a:prstGeom prst="rect">
+                  <a:avLst/>
+                </a:prstGeom>
+              </p:spPr>
+            </p:pic>
+          </mc:Fallback>
+        </mc:AlternateContent>
+        <mc:AlternateContent xmlns:mc="http://schemas.openxmlformats.org/markup-compatibility/2006">
+          <mc:Choice xmlns:p14="http://schemas.microsoft.com/office/powerpoint/2010/main" Requires="p14">
+            <p:contentPart p14:bwMode="auto" r:id="rId115">
+              <p14:nvContentPartPr>
+                <p14:cNvPr id="105" name="Ink 104">
+                  <a:extLst>
+                    <a:ext uri="{FF2B5EF4-FFF2-40B4-BE49-F238E27FC236}">
+                      <a16:creationId xmlns:a16="http://schemas.microsoft.com/office/drawing/2014/main" id="{DD33A717-6040-9F95-9985-684AC7611E94}"/>
+                    </a:ext>
+                  </a:extLst>
+                </p14:cNvPr>
+                <p14:cNvContentPartPr/>
+                <p14:nvPr/>
+              </p14:nvContentPartPr>
+              <p14:xfrm>
+                <a:off x="7335778" y="5580596"/>
+                <a:ext cx="360" cy="322200"/>
+              </p14:xfrm>
+            </p:contentPart>
+          </mc:Choice>
+          <mc:Fallback>
+            <p:pic>
+              <p:nvPicPr>
+                <p:cNvPr id="105" name="Ink 104">
+                  <a:extLst>
+                    <a:ext uri="{FF2B5EF4-FFF2-40B4-BE49-F238E27FC236}">
+                      <a16:creationId xmlns:a16="http://schemas.microsoft.com/office/drawing/2014/main" id="{DD33A717-6040-9F95-9985-684AC7611E94}"/>
+                    </a:ext>
+                  </a:extLst>
+                </p:cNvPr>
+                <p:cNvPicPr/>
+                <p:nvPr/>
+              </p:nvPicPr>
+              <p:blipFill>
+                <a:blip r:embed="rId116"/>
+                <a:stretch>
+                  <a:fillRect/>
+                </a:stretch>
+              </p:blipFill>
+              <p:spPr>
+                <a:xfrm>
+                  <a:off x="7327138" y="5571956"/>
+                  <a:ext cx="18000" cy="339840"/>
+                </a:xfrm>
+                <a:prstGeom prst="rect">
+                  <a:avLst/>
+                </a:prstGeom>
+              </p:spPr>
+            </p:pic>
+          </mc:Fallback>
+        </mc:AlternateContent>
+        <mc:AlternateContent xmlns:mc="http://schemas.openxmlformats.org/markup-compatibility/2006">
+          <mc:Choice xmlns:p14="http://schemas.microsoft.com/office/powerpoint/2010/main" Requires="p14">
+            <p:contentPart p14:bwMode="auto" r:id="rId117">
+              <p14:nvContentPartPr>
+                <p14:cNvPr id="107" name="Ink 106">
+                  <a:extLst>
+                    <a:ext uri="{FF2B5EF4-FFF2-40B4-BE49-F238E27FC236}">
+                      <a16:creationId xmlns:a16="http://schemas.microsoft.com/office/drawing/2014/main" id="{66CE7B5D-B87B-4311-A985-83623850C409}"/>
+                    </a:ext>
+                  </a:extLst>
+                </p14:cNvPr>
+                <p14:cNvContentPartPr/>
+                <p14:nvPr/>
+              </p14:nvContentPartPr>
+              <p14:xfrm>
+                <a:off x="7441258" y="5580596"/>
+                <a:ext cx="11160" cy="278640"/>
+              </p14:xfrm>
+            </p:contentPart>
+          </mc:Choice>
+          <mc:Fallback>
+            <p:pic>
+              <p:nvPicPr>
+                <p:cNvPr id="107" name="Ink 106">
+                  <a:extLst>
+                    <a:ext uri="{FF2B5EF4-FFF2-40B4-BE49-F238E27FC236}">
+                      <a16:creationId xmlns:a16="http://schemas.microsoft.com/office/drawing/2014/main" id="{66CE7B5D-B87B-4311-A985-83623850C409}"/>
+                    </a:ext>
+                  </a:extLst>
+                </p:cNvPr>
+                <p:cNvPicPr/>
+                <p:nvPr/>
+              </p:nvPicPr>
+              <p:blipFill>
+                <a:blip r:embed="rId118"/>
+                <a:stretch>
+                  <a:fillRect/>
+                </a:stretch>
+              </p:blipFill>
+              <p:spPr>
+                <a:xfrm>
+                  <a:off x="7432258" y="5571956"/>
+                  <a:ext cx="28800" cy="296280"/>
+                </a:xfrm>
+                <a:prstGeom prst="rect">
+                  <a:avLst/>
+                </a:prstGeom>
+              </p:spPr>
+            </p:pic>
+          </mc:Fallback>
+        </mc:AlternateContent>
+        <mc:AlternateContent xmlns:mc="http://schemas.openxmlformats.org/markup-compatibility/2006">
+          <mc:Choice xmlns:p14="http://schemas.microsoft.com/office/powerpoint/2010/main" Requires="p14">
+            <p:contentPart p14:bwMode="auto" r:id="rId119">
+              <p14:nvContentPartPr>
+                <p14:cNvPr id="108" name="Ink 107">
+                  <a:extLst>
+                    <a:ext uri="{FF2B5EF4-FFF2-40B4-BE49-F238E27FC236}">
+                      <a16:creationId xmlns:a16="http://schemas.microsoft.com/office/drawing/2014/main" id="{60888799-55E4-517F-4489-DF9ACA4BCCC7}"/>
+                    </a:ext>
+                  </a:extLst>
+                </p14:cNvPr>
+                <p14:cNvContentPartPr/>
+                <p14:nvPr/>
+              </p14:nvContentPartPr>
+              <p14:xfrm>
+                <a:off x="7441258" y="5454236"/>
+                <a:ext cx="232560" cy="564840"/>
+              </p14:xfrm>
+            </p:contentPart>
+          </mc:Choice>
+          <mc:Fallback>
+            <p:pic>
+              <p:nvPicPr>
+                <p:cNvPr id="108" name="Ink 107">
+                  <a:extLst>
+                    <a:ext uri="{FF2B5EF4-FFF2-40B4-BE49-F238E27FC236}">
+                      <a16:creationId xmlns:a16="http://schemas.microsoft.com/office/drawing/2014/main" id="{60888799-55E4-517F-4489-DF9ACA4BCCC7}"/>
+                    </a:ext>
+                  </a:extLst>
+                </p:cNvPr>
+                <p:cNvPicPr/>
+                <p:nvPr/>
+              </p:nvPicPr>
+              <p:blipFill>
+                <a:blip r:embed="rId120"/>
+                <a:stretch>
+                  <a:fillRect/>
+                </a:stretch>
+              </p:blipFill>
+              <p:spPr>
+                <a:xfrm>
+                  <a:off x="7432258" y="5445236"/>
+                  <a:ext cx="250200" cy="582480"/>
+                </a:xfrm>
+                <a:prstGeom prst="rect">
+                  <a:avLst/>
+                </a:prstGeom>
+              </p:spPr>
+            </p:pic>
+          </mc:Fallback>
+        </mc:AlternateContent>
+        <mc:AlternateContent xmlns:mc="http://schemas.openxmlformats.org/markup-compatibility/2006">
+          <mc:Choice xmlns:p14="http://schemas.microsoft.com/office/powerpoint/2010/main" Requires="p14">
+            <p:contentPart p14:bwMode="auto" r:id="rId121">
+              <p14:nvContentPartPr>
+                <p14:cNvPr id="109" name="Ink 108">
+                  <a:extLst>
+                    <a:ext uri="{FF2B5EF4-FFF2-40B4-BE49-F238E27FC236}">
+                      <a16:creationId xmlns:a16="http://schemas.microsoft.com/office/drawing/2014/main" id="{1E0B31B4-C1B5-7CB8-B3F2-8124F0A128CE}"/>
+                    </a:ext>
+                  </a:extLst>
+                </p14:cNvPr>
+                <p14:cNvContentPartPr/>
+                <p14:nvPr/>
+              </p14:nvContentPartPr>
+              <p14:xfrm>
+                <a:off x="7846618" y="5622716"/>
+                <a:ext cx="36360" cy="26280"/>
+              </p14:xfrm>
+            </p:contentPart>
+          </mc:Choice>
+          <mc:Fallback>
+            <p:pic>
+              <p:nvPicPr>
+                <p:cNvPr id="109" name="Ink 108">
+                  <a:extLst>
+                    <a:ext uri="{FF2B5EF4-FFF2-40B4-BE49-F238E27FC236}">
+                      <a16:creationId xmlns:a16="http://schemas.microsoft.com/office/drawing/2014/main" id="{1E0B31B4-C1B5-7CB8-B3F2-8124F0A128CE}"/>
+                    </a:ext>
+                  </a:extLst>
+                </p:cNvPr>
+                <p:cNvPicPr/>
+                <p:nvPr/>
+              </p:nvPicPr>
+              <p:blipFill>
+                <a:blip r:embed="rId122"/>
+                <a:stretch>
+                  <a:fillRect/>
+                </a:stretch>
+              </p:blipFill>
+              <p:spPr>
+                <a:xfrm>
+                  <a:off x="7837618" y="5614076"/>
+                  <a:ext cx="54000" cy="43920"/>
+                </a:xfrm>
+                <a:prstGeom prst="rect">
+                  <a:avLst/>
+                </a:prstGeom>
+              </p:spPr>
+            </p:pic>
+          </mc:Fallback>
+        </mc:AlternateContent>
+        <mc:AlternateContent xmlns:mc="http://schemas.openxmlformats.org/markup-compatibility/2006">
+          <mc:Choice xmlns:p14="http://schemas.microsoft.com/office/powerpoint/2010/main" Requires="p14">
+            <p:contentPart p14:bwMode="auto" r:id="rId123">
+              <p14:nvContentPartPr>
+                <p14:cNvPr id="110" name="Ink 109">
+                  <a:extLst>
+                    <a:ext uri="{FF2B5EF4-FFF2-40B4-BE49-F238E27FC236}">
+                      <a16:creationId xmlns:a16="http://schemas.microsoft.com/office/drawing/2014/main" id="{C8443338-6C33-C3EC-C2A4-FA599CF11702}"/>
+                    </a:ext>
+                  </a:extLst>
+                </p14:cNvPr>
+                <p14:cNvContentPartPr/>
+                <p14:nvPr/>
+              </p14:nvContentPartPr>
+              <p14:xfrm>
+                <a:off x="7835818" y="5821796"/>
+                <a:ext cx="71640" cy="204480"/>
+              </p14:xfrm>
+            </p:contentPart>
+          </mc:Choice>
+          <mc:Fallback>
+            <p:pic>
+              <p:nvPicPr>
+                <p:cNvPr id="110" name="Ink 109">
+                  <a:extLst>
+                    <a:ext uri="{FF2B5EF4-FFF2-40B4-BE49-F238E27FC236}">
+                      <a16:creationId xmlns:a16="http://schemas.microsoft.com/office/drawing/2014/main" id="{C8443338-6C33-C3EC-C2A4-FA599CF11702}"/>
+                    </a:ext>
+                  </a:extLst>
+                </p:cNvPr>
+                <p:cNvPicPr/>
+                <p:nvPr/>
+              </p:nvPicPr>
+              <p:blipFill>
+                <a:blip r:embed="rId124"/>
+                <a:stretch>
+                  <a:fillRect/>
+                </a:stretch>
+              </p:blipFill>
+              <p:spPr>
+                <a:xfrm>
+                  <a:off x="7827178" y="5813156"/>
+                  <a:ext cx="89280" cy="222120"/>
+                </a:xfrm>
+                <a:prstGeom prst="rect">
+                  <a:avLst/>
+                </a:prstGeom>
+              </p:spPr>
+            </p:pic>
+          </mc:Fallback>
+        </mc:AlternateContent>
+      </p:grpSp>
+    </p:spTree>
+    <p:extLst>
+      <p:ext uri="{BB962C8B-B14F-4D97-AF65-F5344CB8AC3E}">
+        <p14:creationId xmlns:p14="http://schemas.microsoft.com/office/powerpoint/2010/main" val="2696908006"/>
+      </p:ext>
+    </p:extLst>
+  </p:cSld>
+  <p:clrMapOvr>
+    <a:masterClrMapping/>
+  </p:clrMapOvr>
+  <p:timing>
+    <p:tnLst>
+      <p:par>
+        <p:cTn id="1" dur="indefinite" restart="never" nodeType="tmRoot">
+          <p:childTnLst>
+            <p:seq concurrent="1" nextAc="seek">
+              <p:cTn id="2" dur="indefinite" nodeType="mainSeq">
+                <p:childTnLst>
+                  <p:par>
+                    <p:cTn id="3" fill="hold">
+                      <p:stCondLst>
+                        <p:cond delay="indefinite"/>
+                      </p:stCondLst>
+                      <p:childTnLst>
+                        <p:par>
+                          <p:cTn id="4" fill="hold">
+                            <p:stCondLst>
+                              <p:cond delay="0"/>
+                            </p:stCondLst>
+                            <p:childTnLst>
+                              <p:par>
+                                <p:cTn id="5" presetID="1" presetClass="entr" presetSubtype="0" fill="hold" nodeType="clickEffect">
+                                  <p:stCondLst>
+                                    <p:cond delay="0"/>
+                                  </p:stCondLst>
+                                  <p:childTnLst>
+                                    <p:set>
+                                      <p:cBhvr>
+                                        <p:cTn id="6" dur="1" fill="hold">
+                                          <p:stCondLst>
+                                            <p:cond delay="0"/>
+                                          </p:stCondLst>
+                                        </p:cTn>
+                                        <p:tgtEl>
+                                          <p:spTgt spid="20"/>
+                                        </p:tgtEl>
+                                        <p:attrNameLst>
+                                          <p:attrName>style.visibility</p:attrName>
+                                        </p:attrNameLst>
+                                      </p:cBhvr>
+                                      <p:to>
+                                        <p:strVal val="visible"/>
+                                      </p:to>
+                                    </p:set>
+                                  </p:childTnLst>
+                                </p:cTn>
+                              </p:par>
+                            </p:childTnLst>
+                          </p:cTn>
+                        </p:par>
+                      </p:childTnLst>
+                    </p:cTn>
+                  </p:par>
+                  <p:par>
+                    <p:cTn id="7" fill="hold">
+                      <p:stCondLst>
+                        <p:cond delay="indefinite"/>
+                      </p:stCondLst>
+                      <p:childTnLst>
+                        <p:par>
+                          <p:cTn id="8" fill="hold">
+                            <p:stCondLst>
+                              <p:cond delay="0"/>
+                            </p:stCondLst>
+                            <p:childTnLst>
+                              <p:par>
+                                <p:cTn id="9" presetID="1" presetClass="entr" presetSubtype="0" fill="hold" nodeType="clickEffect">
+                                  <p:stCondLst>
+                                    <p:cond delay="0"/>
+                                  </p:stCondLst>
+                                  <p:childTnLst>
+                                    <p:set>
+                                      <p:cBhvr>
+                                        <p:cTn id="10" dur="1" fill="hold">
+                                          <p:stCondLst>
+                                            <p:cond delay="0"/>
+                                          </p:stCondLst>
+                                        </p:cTn>
+                                        <p:tgtEl>
+                                          <p:spTgt spid="96"/>
+                                        </p:tgtEl>
+                                        <p:attrNameLst>
+                                          <p:attrName>style.visibility</p:attrName>
+                                        </p:attrNameLst>
+                                      </p:cBhvr>
+                                      <p:to>
+                                        <p:strVal val="visible"/>
+                                      </p:to>
+                                    </p:set>
+                                  </p:childTnLst>
+                                </p:cTn>
+                              </p:par>
+                              <p:par>
+                                <p:cTn id="11" presetID="1" presetClass="entr" presetSubtype="0" fill="hold" nodeType="withEffect">
+                                  <p:stCondLst>
+                                    <p:cond delay="0"/>
+                                  </p:stCondLst>
+                                  <p:childTnLst>
+                                    <p:set>
+                                      <p:cBhvr>
+                                        <p:cTn id="12" dur="1" fill="hold">
+                                          <p:stCondLst>
+                                            <p:cond delay="0"/>
+                                          </p:stCondLst>
+                                        </p:cTn>
+                                        <p:tgtEl>
+                                          <p:spTgt spid="87"/>
+                                        </p:tgtEl>
+                                        <p:attrNameLst>
+                                          <p:attrName>style.visibility</p:attrName>
+                                        </p:attrNameLst>
+                                      </p:cBhvr>
+                                      <p:to>
+                                        <p:strVal val="visible"/>
+                                      </p:to>
+                                    </p:set>
+                                  </p:childTnLst>
+                                </p:cTn>
+                              </p:par>
+                              <p:par>
+                                <p:cTn id="13" presetID="1" presetClass="entr" presetSubtype="0" fill="hold" nodeType="withEffect">
+                                  <p:stCondLst>
+                                    <p:cond delay="0"/>
+                                  </p:stCondLst>
+                                  <p:childTnLst>
+                                    <p:set>
+                                      <p:cBhvr>
+                                        <p:cTn id="14" dur="1" fill="hold">
+                                          <p:stCondLst>
+                                            <p:cond delay="0"/>
+                                          </p:stCondLst>
+                                        </p:cTn>
+                                        <p:tgtEl>
+                                          <p:spTgt spid="86"/>
+                                        </p:tgtEl>
+                                        <p:attrNameLst>
+                                          <p:attrName>style.visibility</p:attrName>
+                                        </p:attrNameLst>
+                                      </p:cBhvr>
+                                      <p:to>
+                                        <p:strVal val="visible"/>
+                                      </p:to>
+                                    </p:set>
+                                  </p:childTnLst>
+                                </p:cTn>
+                              </p:par>
+                              <p:par>
+                                <p:cTn id="15" presetID="1" presetClass="entr" presetSubtype="0" fill="hold" nodeType="withEffect">
+                                  <p:stCondLst>
+                                    <p:cond delay="0"/>
+                                  </p:stCondLst>
+                                  <p:childTnLst>
+                                    <p:set>
+                                      <p:cBhvr>
+                                        <p:cTn id="16" dur="1" fill="hold">
+                                          <p:stCondLst>
+                                            <p:cond delay="0"/>
+                                          </p:stCondLst>
+                                        </p:cTn>
+                                        <p:tgtEl>
+                                          <p:spTgt spid="85"/>
+                                        </p:tgtEl>
+                                        <p:attrNameLst>
+                                          <p:attrName>style.visibility</p:attrName>
+                                        </p:attrNameLst>
+                                      </p:cBhvr>
+                                      <p:to>
+                                        <p:strVal val="visible"/>
+                                      </p:to>
+                                    </p:set>
+                                  </p:childTnLst>
+                                </p:cTn>
+                              </p:par>
+                              <p:par>
+                                <p:cTn id="17" presetID="1" presetClass="entr" presetSubtype="0" fill="hold" nodeType="withEffect">
+                                  <p:stCondLst>
+                                    <p:cond delay="0"/>
+                                  </p:stCondLst>
+                                  <p:childTnLst>
+                                    <p:set>
+                                      <p:cBhvr>
+                                        <p:cTn id="18" dur="1" fill="hold">
+                                          <p:stCondLst>
+                                            <p:cond delay="0"/>
+                                          </p:stCondLst>
+                                        </p:cTn>
+                                        <p:tgtEl>
+                                          <p:spTgt spid="84"/>
+                                        </p:tgtEl>
+                                        <p:attrNameLst>
+                                          <p:attrName>style.visibility</p:attrName>
+                                        </p:attrNameLst>
+                                      </p:cBhvr>
+                                      <p:to>
+                                        <p:strVal val="visible"/>
+                                      </p:to>
+                                    </p:set>
+                                  </p:childTnLst>
+                                </p:cTn>
+                              </p:par>
+                            </p:childTnLst>
+                          </p:cTn>
+                        </p:par>
+                      </p:childTnLst>
+                    </p:cTn>
+                  </p:par>
+                  <p:par>
+                    <p:cTn id="19" fill="hold">
+                      <p:stCondLst>
+                        <p:cond delay="indefinite"/>
+                      </p:stCondLst>
+                      <p:childTnLst>
+                        <p:par>
+                          <p:cTn id="20" fill="hold">
+                            <p:stCondLst>
+                              <p:cond delay="0"/>
+                            </p:stCondLst>
+                            <p:childTnLst>
+                              <p:par>
+                                <p:cTn id="21" presetID="1" presetClass="entr" presetSubtype="0" fill="hold" nodeType="clickEffect">
+                                  <p:stCondLst>
+                                    <p:cond delay="0"/>
+                                  </p:stCondLst>
+                                  <p:childTnLst>
+                                    <p:set>
+                                      <p:cBhvr>
+                                        <p:cTn id="22" dur="1" fill="hold">
+                                          <p:stCondLst>
+                                            <p:cond delay="0"/>
+                                          </p:stCondLst>
+                                        </p:cTn>
+                                        <p:tgtEl>
+                                          <p:spTgt spid="57"/>
+                                        </p:tgtEl>
+                                        <p:attrNameLst>
+                                          <p:attrName>style.visibility</p:attrName>
+                                        </p:attrNameLst>
+                                      </p:cBhvr>
+                                      <p:to>
+                                        <p:strVal val="visible"/>
+                                      </p:to>
+                                    </p:set>
+                                  </p:childTnLst>
+                                </p:cTn>
+                              </p:par>
+                              <p:par>
+                                <p:cTn id="23" presetID="1" presetClass="entr" presetSubtype="0" fill="hold" nodeType="withEffect">
+                                  <p:stCondLst>
+                                    <p:cond delay="0"/>
+                                  </p:stCondLst>
+                                  <p:childTnLst>
+                                    <p:set>
+                                      <p:cBhvr>
+                                        <p:cTn id="24" dur="1" fill="hold">
+                                          <p:stCondLst>
+                                            <p:cond delay="0"/>
+                                          </p:stCondLst>
+                                        </p:cTn>
+                                        <p:tgtEl>
+                                          <p:spTgt spid="47"/>
+                                        </p:tgtEl>
+                                        <p:attrNameLst>
+                                          <p:attrName>style.visibility</p:attrName>
+                                        </p:attrNameLst>
+                                      </p:cBhvr>
+                                      <p:to>
+                                        <p:strVal val="visible"/>
+                                      </p:to>
+                                    </p:set>
+                                  </p:childTnLst>
+                                </p:cTn>
+                              </p:par>
+                            </p:childTnLst>
+                          </p:cTn>
+                        </p:par>
+                      </p:childTnLst>
+                    </p:cTn>
+                  </p:par>
+                  <p:par>
+                    <p:cTn id="25" fill="hold">
+                      <p:stCondLst>
+                        <p:cond delay="indefinite"/>
+                      </p:stCondLst>
+                      <p:childTnLst>
+                        <p:par>
+                          <p:cTn id="26" fill="hold">
+                            <p:stCondLst>
+                              <p:cond delay="0"/>
+                            </p:stCondLst>
+                            <p:childTnLst>
+                              <p:par>
+                                <p:cTn id="27" presetID="1" presetClass="entr" presetSubtype="0" fill="hold" nodeType="clickEffect">
+                                  <p:stCondLst>
+                                    <p:cond delay="0"/>
+                                  </p:stCondLst>
+                                  <p:childTnLst>
+                                    <p:set>
+                                      <p:cBhvr>
+                                        <p:cTn id="28" dur="1" fill="hold">
+                                          <p:stCondLst>
+                                            <p:cond delay="0"/>
+                                          </p:stCondLst>
+                                        </p:cTn>
+                                        <p:tgtEl>
+                                          <p:spTgt spid="74"/>
+                                        </p:tgtEl>
+                                        <p:attrNameLst>
+                                          <p:attrName>style.visibility</p:attrName>
+                                        </p:attrNameLst>
+                                      </p:cBhvr>
+                                      <p:to>
+                                        <p:strVal val="visible"/>
+                                      </p:to>
+                                    </p:set>
+                                  </p:childTnLst>
+                                </p:cTn>
+                              </p:par>
+                            </p:childTnLst>
+                          </p:cTn>
+                        </p:par>
+                      </p:childTnLst>
+                    </p:cTn>
+                  </p:par>
+                  <p:par>
+                    <p:cTn id="29" fill="hold">
+                      <p:stCondLst>
+                        <p:cond delay="indefinite"/>
+                      </p:stCondLst>
+                      <p:childTnLst>
+                        <p:par>
+                          <p:cTn id="30" fill="hold">
+                            <p:stCondLst>
+                              <p:cond delay="0"/>
+                            </p:stCondLst>
+                            <p:childTnLst>
+                              <p:par>
+                                <p:cTn id="31" presetID="1" presetClass="entr" presetSubtype="0" fill="hold" nodeType="clickEffect">
+                                  <p:stCondLst>
+                                    <p:cond delay="0"/>
+                                  </p:stCondLst>
+                                  <p:childTnLst>
+                                    <p:set>
+                                      <p:cBhvr>
+                                        <p:cTn id="32" dur="1" fill="hold">
+                                          <p:stCondLst>
+                                            <p:cond delay="0"/>
+                                          </p:stCondLst>
+                                        </p:cTn>
+                                        <p:tgtEl>
+                                          <p:spTgt spid="80"/>
+                                        </p:tgtEl>
+                                        <p:attrNameLst>
+                                          <p:attrName>style.visibility</p:attrName>
+                                        </p:attrNameLst>
+                                      </p:cBhvr>
+                                      <p:to>
+                                        <p:strVal val="visible"/>
+                                      </p:to>
+                                    </p:set>
+                                  </p:childTnLst>
+                                </p:cTn>
+                              </p:par>
+                              <p:par>
+                                <p:cTn id="33" presetID="1" presetClass="entr" presetSubtype="0" fill="hold" nodeType="withEffect">
+                                  <p:stCondLst>
+                                    <p:cond delay="0"/>
+                                  </p:stCondLst>
+                                  <p:childTnLst>
+                                    <p:set>
+                                      <p:cBhvr>
+                                        <p:cTn id="34" dur="1" fill="hold">
+                                          <p:stCondLst>
+                                            <p:cond delay="0"/>
+                                          </p:stCondLst>
+                                        </p:cTn>
+                                        <p:tgtEl>
+                                          <p:spTgt spid="111"/>
+                                        </p:tgtEl>
+                                        <p:attrNameLst>
+                                          <p:attrName>style.visibility</p:attrName>
+                                        </p:attrNameLst>
+                                      </p:cBhvr>
+                                      <p:to>
+                                        <p:strVal val="visible"/>
+                                      </p:to>
+                                    </p:set>
+                                  </p:childTnLst>
+                                </p:cTn>
+                              </p:par>
+                            </p:childTnLst>
+                          </p:cTn>
+                        </p:par>
+                      </p:childTnLst>
+                    </p:cTn>
+                  </p:par>
+                </p:childTnLst>
+              </p:cTn>
+              <p:prevCondLst>
+                <p:cond evt="onPrev" delay="0">
+                  <p:tgtEl>
+                    <p:sldTgt/>
+                  </p:tgtEl>
+                </p:cond>
+              </p:prevCondLst>
+              <p:nextCondLst>
+                <p:cond evt="onNext" delay="0">
+                  <p:tgtEl>
+                    <p:sldTgt/>
+                  </p:tgtEl>
+                </p:cond>
+              </p:nextCondLst>
+            </p:seq>
+          </p:childTnLst>
+        </p:cTn>
+      </p:par>
+    </p:tnLst>
+  </p:timing>
+</p:sld>
+</file>
+
+<file path=ppt/slides/slide15.xml><?xml version="1.0" encoding="utf-8"?>
 <p:sld xmlns:a="http://schemas.openxmlformats.org/drawingml/2006/main" xmlns:r="http://schemas.openxmlformats.org/officeDocument/2006/relationships" xmlns:p="http://schemas.openxmlformats.org/presentationml/2006/main">
   <p:cSld>
     <p:spTree>
@@ -9825,14 +15632,12 @@
 </file>
 
 <file path=customXml/item1.xml><?xml version="1.0" encoding="utf-8"?>
-<p:properties xmlns:p="http://schemas.microsoft.com/office/2006/metadata/properties" xmlns:xsi="http://www.w3.org/2001/XMLSchema-instance" xmlns:pc="http://schemas.microsoft.com/office/infopath/2007/PartnerControls">
-  <documentManagement>
-    <TaxCatchAll xmlns="820f9cb1-409d-4c4b-8197-1d4f7dd48124" xsi:nil="true"/>
-    <lcf76f155ced4ddcb4097134ff3c332f xmlns="08600313-7276-4ca7-b5d3-7d86193ee0ac">
-      <Terms xmlns="http://schemas.microsoft.com/office/infopath/2007/PartnerControls"/>
-    </lcf76f155ced4ddcb4097134ff3c332f>
-  </documentManagement>
-</p:properties>
+<?mso-contentType ?>
+<FormTemplates xmlns="http://schemas.microsoft.com/sharepoint/v3/contenttype/forms">
+  <Display>DocumentLibraryForm</Display>
+  <Edit>DocumentLibraryForm</Edit>
+  <New>DocumentLibraryForm</New>
+</FormTemplates>
 </file>
 
 <file path=customXml/item2.xml><?xml version="1.0" encoding="utf-8"?>
@@ -10013,21 +15818,20 @@
 </file>
 
 <file path=customXml/item3.xml><?xml version="1.0" encoding="utf-8"?>
-<?mso-contentType ?>
-<FormTemplates xmlns="http://schemas.microsoft.com/sharepoint/v3/contenttype/forms">
-  <Display>DocumentLibraryForm</Display>
-  <Edit>DocumentLibraryForm</Edit>
-  <New>DocumentLibraryForm</New>
-</FormTemplates>
+<p:properties xmlns:p="http://schemas.microsoft.com/office/2006/metadata/properties" xmlns:xsi="http://www.w3.org/2001/XMLSchema-instance" xmlns:pc="http://schemas.microsoft.com/office/infopath/2007/PartnerControls">
+  <documentManagement>
+    <TaxCatchAll xmlns="820f9cb1-409d-4c4b-8197-1d4f7dd48124" xsi:nil="true"/>
+    <lcf76f155ced4ddcb4097134ff3c332f xmlns="08600313-7276-4ca7-b5d3-7d86193ee0ac">
+      <Terms xmlns="http://schemas.microsoft.com/office/infopath/2007/PartnerControls"/>
+    </lcf76f155ced4ddcb4097134ff3c332f>
+  </documentManagement>
+</p:properties>
 </file>
 
 <file path=customXml/itemProps1.xml><?xml version="1.0" encoding="utf-8"?>
-<ds:datastoreItem xmlns:ds="http://schemas.openxmlformats.org/officeDocument/2006/customXml" ds:itemID="{32EB23CE-1CD2-4B69-9E50-DC66E79D388B}">
+<ds:datastoreItem xmlns:ds="http://schemas.openxmlformats.org/officeDocument/2006/customXml" ds:itemID="{65F6D3FF-4230-44B7-891A-B84816FD1392}">
   <ds:schemaRefs>
-    <ds:schemaRef ds:uri="http://schemas.microsoft.com/office/2006/metadata/properties"/>
-    <ds:schemaRef ds:uri="http://schemas.microsoft.com/office/infopath/2007/PartnerControls"/>
-    <ds:schemaRef ds:uri="820f9cb1-409d-4c4b-8197-1d4f7dd48124"/>
-    <ds:schemaRef ds:uri="08600313-7276-4ca7-b5d3-7d86193ee0ac"/>
+    <ds:schemaRef ds:uri="http://schemas.microsoft.com/sharepoint/v3/contenttype/forms"/>
   </ds:schemaRefs>
 </ds:datastoreItem>
 </file>
@@ -10052,9 +15856,12 @@
 </file>
 
 <file path=customXml/itemProps3.xml><?xml version="1.0" encoding="utf-8"?>
-<ds:datastoreItem xmlns:ds="http://schemas.openxmlformats.org/officeDocument/2006/customXml" ds:itemID="{65F6D3FF-4230-44B7-891A-B84816FD1392}">
+<ds:datastoreItem xmlns:ds="http://schemas.openxmlformats.org/officeDocument/2006/customXml" ds:itemID="{32EB23CE-1CD2-4B69-9E50-DC66E79D388B}">
   <ds:schemaRefs>
-    <ds:schemaRef ds:uri="http://schemas.microsoft.com/sharepoint/v3/contenttype/forms"/>
+    <ds:schemaRef ds:uri="http://schemas.microsoft.com/office/2006/metadata/properties"/>
+    <ds:schemaRef ds:uri="http://schemas.microsoft.com/office/infopath/2007/PartnerControls"/>
+    <ds:schemaRef ds:uri="820f9cb1-409d-4c4b-8197-1d4f7dd48124"/>
+    <ds:schemaRef ds:uri="08600313-7276-4ca7-b5d3-7d86193ee0ac"/>
   </ds:schemaRefs>
 </ds:datastoreItem>
 </file>
--- a/ClassMaterials/LinkedLists/Slides/Part1-LinkedLists.pptx
+++ b/ClassMaterials/LinkedLists/Slides/Part1-LinkedLists.pptx
@@ -439,7 +439,7 @@
               <a:pPr>
                 <a:defRPr/>
               </a:pPr>
-              <a:t>2/26/2024</a:t>
+              <a:t>4/22/2025</a:t>
             </a:fld>
             <a:endParaRPr lang="en-US"/>
           </a:p>
@@ -2382,7 +2382,7 @@
               <a:pPr>
                 <a:defRPr/>
               </a:pPr>
-              <a:t>2/26/2024</a:t>
+              <a:t>4/22/2025</a:t>
             </a:fld>
             <a:endParaRPr lang="en-US"/>
           </a:p>
@@ -3645,7 +3645,7 @@
               <a:pPr>
                 <a:defRPr/>
               </a:pPr>
-              <a:t>Monday, February 26, 2024</a:t>
+              <a:t>Tuesday, April 22, 2025</a:t>
             </a:fld>
             <a:endParaRPr lang="en-US"/>
           </a:p>
@@ -3828,7 +3828,7 @@
               <a:pPr>
                 <a:defRPr/>
               </a:pPr>
-              <a:t>Monday, February 26, 2024</a:t>
+              <a:t>Tuesday, April 22, 2025</a:t>
             </a:fld>
             <a:endParaRPr lang="en-US"/>
           </a:p>
@@ -4021,7 +4021,7 @@
               <a:pPr>
                 <a:defRPr/>
               </a:pPr>
-              <a:t>Monday, February 26, 2024</a:t>
+              <a:t>Tuesday, April 22, 2025</a:t>
             </a:fld>
             <a:endParaRPr lang="en-US"/>
           </a:p>
@@ -4204,7 +4204,7 @@
               <a:pPr>
                 <a:defRPr/>
               </a:pPr>
-              <a:t>Monday, February 26, 2024</a:t>
+              <a:t>Tuesday, April 22, 2025</a:t>
             </a:fld>
             <a:endParaRPr lang="en-US"/>
           </a:p>
@@ -4464,7 +4464,7 @@
               <a:pPr>
                 <a:defRPr/>
               </a:pPr>
-              <a:t>Monday, February 26, 2024</a:t>
+              <a:t>Tuesday, April 22, 2025</a:t>
             </a:fld>
             <a:endParaRPr lang="en-US"/>
           </a:p>
@@ -4764,7 +4764,7 @@
               <a:pPr>
                 <a:defRPr/>
               </a:pPr>
-              <a:t>Monday, February 26, 2024</a:t>
+              <a:t>Tuesday, April 22, 2025</a:t>
             </a:fld>
             <a:endParaRPr lang="en-US"/>
           </a:p>
@@ -5198,7 +5198,7 @@
               <a:pPr>
                 <a:defRPr/>
               </a:pPr>
-              <a:t>Monday, February 26, 2024</a:t>
+              <a:t>Tuesday, April 22, 2025</a:t>
             </a:fld>
             <a:endParaRPr lang="en-US"/>
           </a:p>
@@ -5330,7 +5330,7 @@
               <a:pPr>
                 <a:defRPr/>
               </a:pPr>
-              <a:t>Monday, February 26, 2024</a:t>
+              <a:t>Tuesday, April 22, 2025</a:t>
             </a:fld>
             <a:endParaRPr lang="en-US"/>
           </a:p>
@@ -5440,7 +5440,7 @@
               <a:pPr>
                 <a:defRPr/>
               </a:pPr>
-              <a:t>Monday, February 26, 2024</a:t>
+              <a:t>Tuesday, April 22, 2025</a:t>
             </a:fld>
             <a:endParaRPr lang="en-US"/>
           </a:p>
@@ -5730,7 +5730,7 @@
               <a:pPr>
                 <a:defRPr/>
               </a:pPr>
-              <a:t>Monday, February 26, 2024</a:t>
+              <a:t>Tuesday, April 22, 2025</a:t>
             </a:fld>
             <a:endParaRPr lang="en-US"/>
           </a:p>
@@ -5997,7 +5997,7 @@
               <a:pPr>
                 <a:defRPr/>
               </a:pPr>
-              <a:t>Monday, February 26, 2024</a:t>
+              <a:t>Tuesday, April 22, 2025</a:t>
             </a:fld>
             <a:endParaRPr lang="en-US"/>
           </a:p>
@@ -6223,7 +6223,7 @@
               <a:pPr>
                 <a:defRPr/>
               </a:pPr>
-              <a:t>Monday, February 26, 2024</a:t>
+              <a:t>Tuesday, April 22, 2025</a:t>
             </a:fld>
             <a:endParaRPr lang="en-US"/>
           </a:p>
@@ -6667,72 +6667,6 @@
           </a:p>
         </p:txBody>
       </p:sp>
-      <p:sp>
-        <p:nvSpPr>
-          <p:cNvPr id="3" name="TextBox 2">
-            <a:extLst>
-              <a:ext uri="{FF2B5EF4-FFF2-40B4-BE49-F238E27FC236}">
-                <a16:creationId xmlns:a16="http://schemas.microsoft.com/office/drawing/2014/main" id="{EC8C7C37-0D28-3C29-DD3E-EC28D7538138}"/>
-              </a:ext>
-            </a:extLst>
-          </p:cNvPr>
-          <p:cNvSpPr txBox="1"/>
-          <p:nvPr/>
-        </p:nvSpPr>
-        <p:spPr>
-          <a:xfrm>
-            <a:off x="3581400" y="-40807"/>
-            <a:ext cx="5334001" cy="1046440"/>
-          </a:xfrm>
-          <a:prstGeom prst="rect">
-            <a:avLst/>
-          </a:prstGeom>
-          <a:noFill/>
-          <a:ln w="12700" cap="flat">
-            <a:noFill/>
-            <a:miter lim="400000"/>
-          </a:ln>
-          <a:effectLst/>
-        </p:spPr>
-        <p:style>
-          <a:lnRef idx="0">
-            <a:scrgbClr r="0" g="0" b="0"/>
-          </a:lnRef>
-          <a:fillRef idx="0">
-            <a:scrgbClr r="0" g="0" b="0"/>
-          </a:fillRef>
-          <a:effectRef idx="0">
-            <a:scrgbClr r="0" g="0" b="0"/>
-          </a:effectRef>
-          <a:fontRef idx="none"/>
-        </p:style>
-        <p:txBody>
-          <a:bodyPr wrap="square">
-            <a:spAutoFit/>
-          </a:bodyPr>
-          <a:lstStyle/>
-          <a:p>
-            <a:r>
-              <a:rPr lang="en-US" dirty="0">
-                <a:highlight>
-                  <a:srgbClr val="FFFF00"/>
-                </a:highlight>
-              </a:rPr>
-              <a:t>Today’s Attendance password</a:t>
-            </a:r>
-          </a:p>
-          <a:p>
-            <a:r>
-              <a:rPr lang="en-US" sz="4400" dirty="0">
-                <a:highlight>
-                  <a:srgbClr val="FFFF00"/>
-                </a:highlight>
-              </a:rPr>
-              <a:t>___________</a:t>
-            </a:r>
-          </a:p>
-        </p:txBody>
-      </p:sp>
       <p:pic>
         <p:nvPicPr>
           <p:cNvPr id="4" name="Picture 3">
@@ -6870,6 +6804,69 @@
               <a:t>LinkedListQuiz</a:t>
             </a:r>
             <a:endParaRPr lang="en-US" sz="2400" i="1" dirty="0"/>
+          </a:p>
+        </p:txBody>
+      </p:sp>
+      <p:sp>
+        <p:nvSpPr>
+          <p:cNvPr id="5" name="Shape 54">
+            <a:extLst>
+              <a:ext uri="{FF2B5EF4-FFF2-40B4-BE49-F238E27FC236}">
+                <a16:creationId xmlns:a16="http://schemas.microsoft.com/office/drawing/2014/main" id="{818080F2-43F6-490E-219B-8E122CB6D444}"/>
+              </a:ext>
+            </a:extLst>
+          </p:cNvPr>
+          <p:cNvSpPr/>
+          <p:nvPr/>
+        </p:nvSpPr>
+        <p:spPr>
+          <a:xfrm>
+            <a:off x="5539154" y="209686"/>
+            <a:ext cx="3346430" cy="738664"/>
+          </a:xfrm>
+          <a:prstGeom prst="rect">
+            <a:avLst/>
+          </a:prstGeom>
+          <a:solidFill>
+            <a:srgbClr val="9BBB59"/>
+          </a:solidFill>
+          <a:ln w="25400" cap="rnd">
+            <a:solidFill>
+              <a:srgbClr val="718841"/>
+            </a:solidFill>
+          </a:ln>
+          <a:extLst>
+            <a:ext uri="{C572A759-6A51-4108-AA02-DFA0A04FC94B}">
+              <ma14:wrappingTextBoxFlag xmlns="" xmlns:ma14="http://schemas.microsoft.com/office/mac/drawingml/2011/main" val="1"/>
+            </a:ext>
+          </a:extLst>
+        </p:spPr>
+        <p:txBody>
+          <a:bodyPr wrap="square" lIns="0" tIns="0" rIns="0" bIns="0">
+            <a:spAutoFit/>
+          </a:bodyPr>
+          <a:lstStyle/>
+          <a:p>
+            <a:pPr lvl="0"/>
+            <a:r>
+              <a:rPr lang="en-US" sz="2400" i="1" dirty="0">
+                <a:solidFill>
+                  <a:srgbClr val="FFFFFF"/>
+                </a:solidFill>
+              </a:rPr>
+              <a:t> Attendance password    </a:t>
+            </a:r>
+          </a:p>
+          <a:p>
+            <a:pPr lvl="0"/>
+            <a:r>
+              <a:rPr lang="en-US" sz="2400" i="1" dirty="0">
+                <a:solidFill>
+                  <a:srgbClr val="FFFFFF"/>
+                </a:solidFill>
+              </a:rPr>
+              <a:t> is written on the board</a:t>
+            </a:r>
           </a:p>
         </p:txBody>
       </p:sp>
@@ -7860,8 +7857,8 @@
             <a:chExt cx="1965240" cy="716760"/>
           </a:xfrm>
         </p:grpSpPr>
-        <mc:AlternateContent xmlns:mc="http://schemas.openxmlformats.org/markup-compatibility/2006">
-          <mc:Choice xmlns:p14="http://schemas.microsoft.com/office/powerpoint/2010/main" Requires="p14">
+        <mc:AlternateContent xmlns:mc="http://schemas.openxmlformats.org/markup-compatibility/2006" xmlns:p14="http://schemas.microsoft.com/office/powerpoint/2010/main">
+          <mc:Choice Requires="p14">
             <p:contentPart p14:bwMode="auto" r:id="rId3">
               <p14:nvContentPartPr>
                 <p14:cNvPr id="7" name="Ink 6">
@@ -7880,7 +7877,7 @@
               </p14:xfrm>
             </p:contentPart>
           </mc:Choice>
-          <mc:Fallback>
+          <mc:Fallback xmlns="">
             <p:pic>
               <p:nvPicPr>
                 <p:cNvPr id="7" name="Ink 6">
@@ -7911,8 +7908,8 @@
             </p:pic>
           </mc:Fallback>
         </mc:AlternateContent>
-        <mc:AlternateContent xmlns:mc="http://schemas.openxmlformats.org/markup-compatibility/2006">
-          <mc:Choice xmlns:p14="http://schemas.microsoft.com/office/powerpoint/2010/main" Requires="p14">
+        <mc:AlternateContent xmlns:mc="http://schemas.openxmlformats.org/markup-compatibility/2006" xmlns:p14="http://schemas.microsoft.com/office/powerpoint/2010/main">
+          <mc:Choice Requires="p14">
             <p:contentPart p14:bwMode="auto" r:id="rId5">
               <p14:nvContentPartPr>
                 <p14:cNvPr id="8" name="Ink 7">
@@ -7931,7 +7928,7 @@
               </p14:xfrm>
             </p:contentPart>
           </mc:Choice>
-          <mc:Fallback>
+          <mc:Fallback xmlns="">
             <p:pic>
               <p:nvPicPr>
                 <p:cNvPr id="8" name="Ink 7">
@@ -7962,8 +7959,8 @@
             </p:pic>
           </mc:Fallback>
         </mc:AlternateContent>
-        <mc:AlternateContent xmlns:mc="http://schemas.openxmlformats.org/markup-compatibility/2006">
-          <mc:Choice xmlns:p14="http://schemas.microsoft.com/office/powerpoint/2010/main" Requires="p14">
+        <mc:AlternateContent xmlns:mc="http://schemas.openxmlformats.org/markup-compatibility/2006" xmlns:p14="http://schemas.microsoft.com/office/powerpoint/2010/main">
+          <mc:Choice Requires="p14">
             <p:contentPart p14:bwMode="auto" r:id="rId7">
               <p14:nvContentPartPr>
                 <p14:cNvPr id="10" name="Ink 9">
@@ -7982,7 +7979,7 @@
               </p14:xfrm>
             </p:contentPart>
           </mc:Choice>
-          <mc:Fallback>
+          <mc:Fallback xmlns="">
             <p:pic>
               <p:nvPicPr>
                 <p:cNvPr id="10" name="Ink 9">
@@ -8014,8 +8011,8 @@
           </mc:Fallback>
         </mc:AlternateContent>
       </p:grpSp>
-      <mc:AlternateContent xmlns:mc="http://schemas.openxmlformats.org/markup-compatibility/2006">
-        <mc:Choice xmlns:p14="http://schemas.microsoft.com/office/powerpoint/2010/main" Requires="p14">
+      <mc:AlternateContent xmlns:mc="http://schemas.openxmlformats.org/markup-compatibility/2006" xmlns:p14="http://schemas.microsoft.com/office/powerpoint/2010/main">
+        <mc:Choice Requires="p14">
           <p:contentPart p14:bwMode="auto" r:id="rId9">
             <p14:nvContentPartPr>
               <p14:cNvPr id="47" name="Ink 46">
@@ -8034,7 +8031,7 @@
             </p14:xfrm>
           </p:contentPart>
         </mc:Choice>
-        <mc:Fallback>
+        <mc:Fallback xmlns="">
           <p:pic>
             <p:nvPicPr>
               <p:cNvPr id="47" name="Ink 46">
@@ -8085,8 +8082,8 @@
             <a:chExt cx="1629720" cy="330840"/>
           </a:xfrm>
         </p:grpSpPr>
-        <mc:AlternateContent xmlns:mc="http://schemas.openxmlformats.org/markup-compatibility/2006">
-          <mc:Choice xmlns:p14="http://schemas.microsoft.com/office/powerpoint/2010/main" Requires="p14">
+        <mc:AlternateContent xmlns:mc="http://schemas.openxmlformats.org/markup-compatibility/2006" xmlns:p14="http://schemas.microsoft.com/office/powerpoint/2010/main">
+          <mc:Choice Requires="p14">
             <p:contentPart p14:bwMode="auto" r:id="rId11">
               <p14:nvContentPartPr>
                 <p14:cNvPr id="36" name="Ink 35">
@@ -8105,7 +8102,7 @@
               </p14:xfrm>
             </p:contentPart>
           </mc:Choice>
-          <mc:Fallback>
+          <mc:Fallback xmlns="">
             <p:pic>
               <p:nvPicPr>
                 <p:cNvPr id="36" name="Ink 35">
@@ -8136,8 +8133,8 @@
             </p:pic>
           </mc:Fallback>
         </mc:AlternateContent>
-        <mc:AlternateContent xmlns:mc="http://schemas.openxmlformats.org/markup-compatibility/2006">
-          <mc:Choice xmlns:p14="http://schemas.microsoft.com/office/powerpoint/2010/main" Requires="p14">
+        <mc:AlternateContent xmlns:mc="http://schemas.openxmlformats.org/markup-compatibility/2006" xmlns:p14="http://schemas.microsoft.com/office/powerpoint/2010/main">
+          <mc:Choice Requires="p14">
             <p:contentPart p14:bwMode="auto" r:id="rId13">
               <p14:nvContentPartPr>
                 <p14:cNvPr id="37" name="Ink 36">
@@ -8156,7 +8153,7 @@
               </p14:xfrm>
             </p:contentPart>
           </mc:Choice>
-          <mc:Fallback>
+          <mc:Fallback xmlns="">
             <p:pic>
               <p:nvPicPr>
                 <p:cNvPr id="37" name="Ink 36">
@@ -8187,8 +8184,8 @@
             </p:pic>
           </mc:Fallback>
         </mc:AlternateContent>
-        <mc:AlternateContent xmlns:mc="http://schemas.openxmlformats.org/markup-compatibility/2006">
-          <mc:Choice xmlns:p14="http://schemas.microsoft.com/office/powerpoint/2010/main" Requires="p14">
+        <mc:AlternateContent xmlns:mc="http://schemas.openxmlformats.org/markup-compatibility/2006" xmlns:p14="http://schemas.microsoft.com/office/powerpoint/2010/main">
+          <mc:Choice Requires="p14">
             <p:contentPart p14:bwMode="auto" r:id="rId15">
               <p14:nvContentPartPr>
                 <p14:cNvPr id="40" name="Ink 39">
@@ -8207,7 +8204,7 @@
               </p14:xfrm>
             </p:contentPart>
           </mc:Choice>
-          <mc:Fallback>
+          <mc:Fallback xmlns="">
             <p:pic>
               <p:nvPicPr>
                 <p:cNvPr id="40" name="Ink 39">
@@ -8238,8 +8235,8 @@
             </p:pic>
           </mc:Fallback>
         </mc:AlternateContent>
-        <mc:AlternateContent xmlns:mc="http://schemas.openxmlformats.org/markup-compatibility/2006">
-          <mc:Choice xmlns:p14="http://schemas.microsoft.com/office/powerpoint/2010/main" Requires="p14">
+        <mc:AlternateContent xmlns:mc="http://schemas.openxmlformats.org/markup-compatibility/2006" xmlns:p14="http://schemas.microsoft.com/office/powerpoint/2010/main">
+          <mc:Choice Requires="p14">
             <p:contentPart p14:bwMode="auto" r:id="rId17">
               <p14:nvContentPartPr>
                 <p14:cNvPr id="41" name="Ink 40">
@@ -8258,7 +8255,7 @@
               </p14:xfrm>
             </p:contentPart>
           </mc:Choice>
-          <mc:Fallback>
+          <mc:Fallback xmlns="">
             <p:pic>
               <p:nvPicPr>
                 <p:cNvPr id="41" name="Ink 40">
@@ -8289,8 +8286,8 @@
             </p:pic>
           </mc:Fallback>
         </mc:AlternateContent>
-        <mc:AlternateContent xmlns:mc="http://schemas.openxmlformats.org/markup-compatibility/2006">
-          <mc:Choice xmlns:p14="http://schemas.microsoft.com/office/powerpoint/2010/main" Requires="p14">
+        <mc:AlternateContent xmlns:mc="http://schemas.openxmlformats.org/markup-compatibility/2006" xmlns:p14="http://schemas.microsoft.com/office/powerpoint/2010/main">
+          <mc:Choice Requires="p14">
             <p:contentPart p14:bwMode="auto" r:id="rId19">
               <p14:nvContentPartPr>
                 <p14:cNvPr id="42" name="Ink 41">
@@ -8309,7 +8306,7 @@
               </p14:xfrm>
             </p:contentPart>
           </mc:Choice>
-          <mc:Fallback>
+          <mc:Fallback xmlns="">
             <p:pic>
               <p:nvPicPr>
                 <p:cNvPr id="42" name="Ink 41">
@@ -8340,8 +8337,8 @@
             </p:pic>
           </mc:Fallback>
         </mc:AlternateContent>
-        <mc:AlternateContent xmlns:mc="http://schemas.openxmlformats.org/markup-compatibility/2006">
-          <mc:Choice xmlns:p14="http://schemas.microsoft.com/office/powerpoint/2010/main" Requires="p14">
+        <mc:AlternateContent xmlns:mc="http://schemas.openxmlformats.org/markup-compatibility/2006" xmlns:p14="http://schemas.microsoft.com/office/powerpoint/2010/main">
+          <mc:Choice Requires="p14">
             <p:contentPart p14:bwMode="auto" r:id="rId21">
               <p14:nvContentPartPr>
                 <p14:cNvPr id="51" name="Ink 50">
@@ -8360,7 +8357,7 @@
               </p14:xfrm>
             </p:contentPart>
           </mc:Choice>
-          <mc:Fallback>
+          <mc:Fallback xmlns="">
             <p:pic>
               <p:nvPicPr>
                 <p:cNvPr id="51" name="Ink 50">
@@ -8391,8 +8388,8 @@
             </p:pic>
           </mc:Fallback>
         </mc:AlternateContent>
-        <mc:AlternateContent xmlns:mc="http://schemas.openxmlformats.org/markup-compatibility/2006">
-          <mc:Choice xmlns:p14="http://schemas.microsoft.com/office/powerpoint/2010/main" Requires="p14">
+        <mc:AlternateContent xmlns:mc="http://schemas.openxmlformats.org/markup-compatibility/2006" xmlns:p14="http://schemas.microsoft.com/office/powerpoint/2010/main">
+          <mc:Choice Requires="p14">
             <p:contentPart p14:bwMode="auto" r:id="rId23">
               <p14:nvContentPartPr>
                 <p14:cNvPr id="52" name="Ink 51">
@@ -8411,7 +8408,7 @@
               </p14:xfrm>
             </p:contentPart>
           </mc:Choice>
-          <mc:Fallback>
+          <mc:Fallback xmlns="">
             <p:pic>
               <p:nvPicPr>
                 <p:cNvPr id="52" name="Ink 51">
@@ -8442,8 +8439,8 @@
             </p:pic>
           </mc:Fallback>
         </mc:AlternateContent>
-        <mc:AlternateContent xmlns:mc="http://schemas.openxmlformats.org/markup-compatibility/2006">
-          <mc:Choice xmlns:p14="http://schemas.microsoft.com/office/powerpoint/2010/main" Requires="p14">
+        <mc:AlternateContent xmlns:mc="http://schemas.openxmlformats.org/markup-compatibility/2006" xmlns:p14="http://schemas.microsoft.com/office/powerpoint/2010/main">
+          <mc:Choice Requires="p14">
             <p:contentPart p14:bwMode="auto" r:id="rId25">
               <p14:nvContentPartPr>
                 <p14:cNvPr id="53" name="Ink 52">
@@ -8462,7 +8459,7 @@
               </p14:xfrm>
             </p:contentPart>
           </mc:Choice>
-          <mc:Fallback>
+          <mc:Fallback xmlns="">
             <p:pic>
               <p:nvPicPr>
                 <p:cNvPr id="53" name="Ink 52">
@@ -8493,8 +8490,8 @@
             </p:pic>
           </mc:Fallback>
         </mc:AlternateContent>
-        <mc:AlternateContent xmlns:mc="http://schemas.openxmlformats.org/markup-compatibility/2006">
-          <mc:Choice xmlns:p14="http://schemas.microsoft.com/office/powerpoint/2010/main" Requires="p14">
+        <mc:AlternateContent xmlns:mc="http://schemas.openxmlformats.org/markup-compatibility/2006" xmlns:p14="http://schemas.microsoft.com/office/powerpoint/2010/main">
+          <mc:Choice Requires="p14">
             <p:contentPart p14:bwMode="auto" r:id="rId27">
               <p14:nvContentPartPr>
                 <p14:cNvPr id="54" name="Ink 53">
@@ -8513,7 +8510,7 @@
               </p14:xfrm>
             </p:contentPart>
           </mc:Choice>
-          <mc:Fallback>
+          <mc:Fallback xmlns="">
             <p:pic>
               <p:nvPicPr>
                 <p:cNvPr id="54" name="Ink 53">
@@ -8544,8 +8541,8 @@
             </p:pic>
           </mc:Fallback>
         </mc:AlternateContent>
-        <mc:AlternateContent xmlns:mc="http://schemas.openxmlformats.org/markup-compatibility/2006">
-          <mc:Choice xmlns:p14="http://schemas.microsoft.com/office/powerpoint/2010/main" Requires="p14">
+        <mc:AlternateContent xmlns:mc="http://schemas.openxmlformats.org/markup-compatibility/2006" xmlns:p14="http://schemas.microsoft.com/office/powerpoint/2010/main">
+          <mc:Choice Requires="p14">
             <p:contentPart p14:bwMode="auto" r:id="rId29">
               <p14:nvContentPartPr>
                 <p14:cNvPr id="55" name="Ink 54">
@@ -8564,7 +8561,7 @@
               </p14:xfrm>
             </p:contentPart>
           </mc:Choice>
-          <mc:Fallback>
+          <mc:Fallback xmlns="">
             <p:pic>
               <p:nvPicPr>
                 <p:cNvPr id="55" name="Ink 54">
@@ -8595,8 +8592,8 @@
             </p:pic>
           </mc:Fallback>
         </mc:AlternateContent>
-        <mc:AlternateContent xmlns:mc="http://schemas.openxmlformats.org/markup-compatibility/2006">
-          <mc:Choice xmlns:p14="http://schemas.microsoft.com/office/powerpoint/2010/main" Requires="p14">
+        <mc:AlternateContent xmlns:mc="http://schemas.openxmlformats.org/markup-compatibility/2006" xmlns:p14="http://schemas.microsoft.com/office/powerpoint/2010/main">
+          <mc:Choice Requires="p14">
             <p:contentPart p14:bwMode="auto" r:id="rId31">
               <p14:nvContentPartPr>
                 <p14:cNvPr id="56" name="Ink 55">
@@ -8615,7 +8612,7 @@
               </p14:xfrm>
             </p:contentPart>
           </mc:Choice>
-          <mc:Fallback>
+          <mc:Fallback xmlns="">
             <p:pic>
               <p:nvPicPr>
                 <p:cNvPr id="56" name="Ink 55">
@@ -8667,8 +8664,8 @@
             <a:chExt cx="3118680" cy="568080"/>
           </a:xfrm>
         </p:grpSpPr>
-        <mc:AlternateContent xmlns:mc="http://schemas.openxmlformats.org/markup-compatibility/2006">
-          <mc:Choice xmlns:p14="http://schemas.microsoft.com/office/powerpoint/2010/main" Requires="p14">
+        <mc:AlternateContent xmlns:mc="http://schemas.openxmlformats.org/markup-compatibility/2006" xmlns:p14="http://schemas.microsoft.com/office/powerpoint/2010/main">
+          <mc:Choice Requires="p14">
             <p:contentPart p14:bwMode="auto" r:id="rId33">
               <p14:nvContentPartPr>
                 <p14:cNvPr id="58" name="Ink 57">
@@ -8687,7 +8684,7 @@
               </p14:xfrm>
             </p:contentPart>
           </mc:Choice>
-          <mc:Fallback>
+          <mc:Fallback xmlns="">
             <p:pic>
               <p:nvPicPr>
                 <p:cNvPr id="58" name="Ink 57">
@@ -8718,8 +8715,8 @@
             </p:pic>
           </mc:Fallback>
         </mc:AlternateContent>
-        <mc:AlternateContent xmlns:mc="http://schemas.openxmlformats.org/markup-compatibility/2006">
-          <mc:Choice xmlns:p14="http://schemas.microsoft.com/office/powerpoint/2010/main" Requires="p14">
+        <mc:AlternateContent xmlns:mc="http://schemas.openxmlformats.org/markup-compatibility/2006" xmlns:p14="http://schemas.microsoft.com/office/powerpoint/2010/main">
+          <mc:Choice Requires="p14">
             <p:contentPart p14:bwMode="auto" r:id="rId35">
               <p14:nvContentPartPr>
                 <p14:cNvPr id="59" name="Ink 58">
@@ -8738,7 +8735,7 @@
               </p14:xfrm>
             </p:contentPart>
           </mc:Choice>
-          <mc:Fallback>
+          <mc:Fallback xmlns="">
             <p:pic>
               <p:nvPicPr>
                 <p:cNvPr id="59" name="Ink 58">
@@ -8769,8 +8766,8 @@
             </p:pic>
           </mc:Fallback>
         </mc:AlternateContent>
-        <mc:AlternateContent xmlns:mc="http://schemas.openxmlformats.org/markup-compatibility/2006">
-          <mc:Choice xmlns:p14="http://schemas.microsoft.com/office/powerpoint/2010/main" Requires="p14">
+        <mc:AlternateContent xmlns:mc="http://schemas.openxmlformats.org/markup-compatibility/2006" xmlns:p14="http://schemas.microsoft.com/office/powerpoint/2010/main">
+          <mc:Choice Requires="p14">
             <p:contentPart p14:bwMode="auto" r:id="rId37">
               <p14:nvContentPartPr>
                 <p14:cNvPr id="60" name="Ink 59">
@@ -8789,7 +8786,7 @@
               </p14:xfrm>
             </p:contentPart>
           </mc:Choice>
-          <mc:Fallback>
+          <mc:Fallback xmlns="">
             <p:pic>
               <p:nvPicPr>
                 <p:cNvPr id="60" name="Ink 59">
@@ -8820,8 +8817,8 @@
             </p:pic>
           </mc:Fallback>
         </mc:AlternateContent>
-        <mc:AlternateContent xmlns:mc="http://schemas.openxmlformats.org/markup-compatibility/2006">
-          <mc:Choice xmlns:p14="http://schemas.microsoft.com/office/powerpoint/2010/main" Requires="p14">
+        <mc:AlternateContent xmlns:mc="http://schemas.openxmlformats.org/markup-compatibility/2006" xmlns:p14="http://schemas.microsoft.com/office/powerpoint/2010/main">
+          <mc:Choice Requires="p14">
             <p:contentPart p14:bwMode="auto" r:id="rId39">
               <p14:nvContentPartPr>
                 <p14:cNvPr id="61" name="Ink 60">
@@ -8840,7 +8837,7 @@
               </p14:xfrm>
             </p:contentPart>
           </mc:Choice>
-          <mc:Fallback>
+          <mc:Fallback xmlns="">
             <p:pic>
               <p:nvPicPr>
                 <p:cNvPr id="61" name="Ink 60">
@@ -8871,8 +8868,8 @@
             </p:pic>
           </mc:Fallback>
         </mc:AlternateContent>
-        <mc:AlternateContent xmlns:mc="http://schemas.openxmlformats.org/markup-compatibility/2006">
-          <mc:Choice xmlns:p14="http://schemas.microsoft.com/office/powerpoint/2010/main" Requires="p14">
+        <mc:AlternateContent xmlns:mc="http://schemas.openxmlformats.org/markup-compatibility/2006" xmlns:p14="http://schemas.microsoft.com/office/powerpoint/2010/main">
+          <mc:Choice Requires="p14">
             <p:contentPart p14:bwMode="auto" r:id="rId41">
               <p14:nvContentPartPr>
                 <p14:cNvPr id="62" name="Ink 61">
@@ -8891,7 +8888,7 @@
               </p14:xfrm>
             </p:contentPart>
           </mc:Choice>
-          <mc:Fallback>
+          <mc:Fallback xmlns="">
             <p:pic>
               <p:nvPicPr>
                 <p:cNvPr id="62" name="Ink 61">
@@ -8922,8 +8919,8 @@
             </p:pic>
           </mc:Fallback>
         </mc:AlternateContent>
-        <mc:AlternateContent xmlns:mc="http://schemas.openxmlformats.org/markup-compatibility/2006">
-          <mc:Choice xmlns:p14="http://schemas.microsoft.com/office/powerpoint/2010/main" Requires="p14">
+        <mc:AlternateContent xmlns:mc="http://schemas.openxmlformats.org/markup-compatibility/2006" xmlns:p14="http://schemas.microsoft.com/office/powerpoint/2010/main">
+          <mc:Choice Requires="p14">
             <p:contentPart p14:bwMode="auto" r:id="rId43">
               <p14:nvContentPartPr>
                 <p14:cNvPr id="63" name="Ink 62">
@@ -8942,7 +8939,7 @@
               </p14:xfrm>
             </p:contentPart>
           </mc:Choice>
-          <mc:Fallback>
+          <mc:Fallback xmlns="">
             <p:pic>
               <p:nvPicPr>
                 <p:cNvPr id="63" name="Ink 62">
@@ -8973,8 +8970,8 @@
             </p:pic>
           </mc:Fallback>
         </mc:AlternateContent>
-        <mc:AlternateContent xmlns:mc="http://schemas.openxmlformats.org/markup-compatibility/2006">
-          <mc:Choice xmlns:p14="http://schemas.microsoft.com/office/powerpoint/2010/main" Requires="p14">
+        <mc:AlternateContent xmlns:mc="http://schemas.openxmlformats.org/markup-compatibility/2006" xmlns:p14="http://schemas.microsoft.com/office/powerpoint/2010/main">
+          <mc:Choice Requires="p14">
             <p:contentPart p14:bwMode="auto" r:id="rId45">
               <p14:nvContentPartPr>
                 <p14:cNvPr id="64" name="Ink 63">
@@ -8993,7 +8990,7 @@
               </p14:xfrm>
             </p:contentPart>
           </mc:Choice>
-          <mc:Fallback>
+          <mc:Fallback xmlns="">
             <p:pic>
               <p:nvPicPr>
                 <p:cNvPr id="64" name="Ink 63">
@@ -9024,8 +9021,8 @@
             </p:pic>
           </mc:Fallback>
         </mc:AlternateContent>
-        <mc:AlternateContent xmlns:mc="http://schemas.openxmlformats.org/markup-compatibility/2006">
-          <mc:Choice xmlns:p14="http://schemas.microsoft.com/office/powerpoint/2010/main" Requires="p14">
+        <mc:AlternateContent xmlns:mc="http://schemas.openxmlformats.org/markup-compatibility/2006" xmlns:p14="http://schemas.microsoft.com/office/powerpoint/2010/main">
+          <mc:Choice Requires="p14">
             <p:contentPart p14:bwMode="auto" r:id="rId47">
               <p14:nvContentPartPr>
                 <p14:cNvPr id="65" name="Ink 64">
@@ -9044,7 +9041,7 @@
               </p14:xfrm>
             </p:contentPart>
           </mc:Choice>
-          <mc:Fallback>
+          <mc:Fallback xmlns="">
             <p:pic>
               <p:nvPicPr>
                 <p:cNvPr id="65" name="Ink 64">
@@ -9075,8 +9072,8 @@
             </p:pic>
           </mc:Fallback>
         </mc:AlternateContent>
-        <mc:AlternateContent xmlns:mc="http://schemas.openxmlformats.org/markup-compatibility/2006">
-          <mc:Choice xmlns:p14="http://schemas.microsoft.com/office/powerpoint/2010/main" Requires="p14">
+        <mc:AlternateContent xmlns:mc="http://schemas.openxmlformats.org/markup-compatibility/2006" xmlns:p14="http://schemas.microsoft.com/office/powerpoint/2010/main">
+          <mc:Choice Requires="p14">
             <p:contentPart p14:bwMode="auto" r:id="rId49">
               <p14:nvContentPartPr>
                 <p14:cNvPr id="66" name="Ink 65">
@@ -9095,7 +9092,7 @@
               </p14:xfrm>
             </p:contentPart>
           </mc:Choice>
-          <mc:Fallback>
+          <mc:Fallback xmlns="">
             <p:pic>
               <p:nvPicPr>
                 <p:cNvPr id="66" name="Ink 65">
@@ -9126,8 +9123,8 @@
             </p:pic>
           </mc:Fallback>
         </mc:AlternateContent>
-        <mc:AlternateContent xmlns:mc="http://schemas.openxmlformats.org/markup-compatibility/2006">
-          <mc:Choice xmlns:p14="http://schemas.microsoft.com/office/powerpoint/2010/main" Requires="p14">
+        <mc:AlternateContent xmlns:mc="http://schemas.openxmlformats.org/markup-compatibility/2006" xmlns:p14="http://schemas.microsoft.com/office/powerpoint/2010/main">
+          <mc:Choice Requires="p14">
             <p:contentPart p14:bwMode="auto" r:id="rId51">
               <p14:nvContentPartPr>
                 <p14:cNvPr id="67" name="Ink 66">
@@ -9146,7 +9143,7 @@
               </p14:xfrm>
             </p:contentPart>
           </mc:Choice>
-          <mc:Fallback>
+          <mc:Fallback xmlns="">
             <p:pic>
               <p:nvPicPr>
                 <p:cNvPr id="67" name="Ink 66">
@@ -9177,8 +9174,8 @@
             </p:pic>
           </mc:Fallback>
         </mc:AlternateContent>
-        <mc:AlternateContent xmlns:mc="http://schemas.openxmlformats.org/markup-compatibility/2006">
-          <mc:Choice xmlns:p14="http://schemas.microsoft.com/office/powerpoint/2010/main" Requires="p14">
+        <mc:AlternateContent xmlns:mc="http://schemas.openxmlformats.org/markup-compatibility/2006" xmlns:p14="http://schemas.microsoft.com/office/powerpoint/2010/main">
+          <mc:Choice Requires="p14">
             <p:contentPart p14:bwMode="auto" r:id="rId53">
               <p14:nvContentPartPr>
                 <p14:cNvPr id="68" name="Ink 67">
@@ -9197,7 +9194,7 @@
               </p14:xfrm>
             </p:contentPart>
           </mc:Choice>
-          <mc:Fallback>
+          <mc:Fallback xmlns="">
             <p:pic>
               <p:nvPicPr>
                 <p:cNvPr id="68" name="Ink 67">
@@ -9228,8 +9225,8 @@
             </p:pic>
           </mc:Fallback>
         </mc:AlternateContent>
-        <mc:AlternateContent xmlns:mc="http://schemas.openxmlformats.org/markup-compatibility/2006">
-          <mc:Choice xmlns:p14="http://schemas.microsoft.com/office/powerpoint/2010/main" Requires="p14">
+        <mc:AlternateContent xmlns:mc="http://schemas.openxmlformats.org/markup-compatibility/2006" xmlns:p14="http://schemas.microsoft.com/office/powerpoint/2010/main">
+          <mc:Choice Requires="p14">
             <p:contentPart p14:bwMode="auto" r:id="rId55">
               <p14:nvContentPartPr>
                 <p14:cNvPr id="69" name="Ink 68">
@@ -9248,7 +9245,7 @@
               </p14:xfrm>
             </p:contentPart>
           </mc:Choice>
-          <mc:Fallback>
+          <mc:Fallback xmlns="">
             <p:pic>
               <p:nvPicPr>
                 <p:cNvPr id="69" name="Ink 68">
@@ -9279,8 +9276,8 @@
             </p:pic>
           </mc:Fallback>
         </mc:AlternateContent>
-        <mc:AlternateContent xmlns:mc="http://schemas.openxmlformats.org/markup-compatibility/2006">
-          <mc:Choice xmlns:p14="http://schemas.microsoft.com/office/powerpoint/2010/main" Requires="p14">
+        <mc:AlternateContent xmlns:mc="http://schemas.openxmlformats.org/markup-compatibility/2006" xmlns:p14="http://schemas.microsoft.com/office/powerpoint/2010/main">
+          <mc:Choice Requires="p14">
             <p:contentPart p14:bwMode="auto" r:id="rId57">
               <p14:nvContentPartPr>
                 <p14:cNvPr id="70" name="Ink 69">
@@ -9299,7 +9296,7 @@
               </p14:xfrm>
             </p:contentPart>
           </mc:Choice>
-          <mc:Fallback>
+          <mc:Fallback xmlns="">
             <p:pic>
               <p:nvPicPr>
                 <p:cNvPr id="70" name="Ink 69">
@@ -9330,8 +9327,8 @@
             </p:pic>
           </mc:Fallback>
         </mc:AlternateContent>
-        <mc:AlternateContent xmlns:mc="http://schemas.openxmlformats.org/markup-compatibility/2006">
-          <mc:Choice xmlns:p14="http://schemas.microsoft.com/office/powerpoint/2010/main" Requires="p14">
+        <mc:AlternateContent xmlns:mc="http://schemas.openxmlformats.org/markup-compatibility/2006" xmlns:p14="http://schemas.microsoft.com/office/powerpoint/2010/main">
+          <mc:Choice Requires="p14">
             <p:contentPart p14:bwMode="auto" r:id="rId59">
               <p14:nvContentPartPr>
                 <p14:cNvPr id="71" name="Ink 70">
@@ -9350,7 +9347,7 @@
               </p14:xfrm>
             </p:contentPart>
           </mc:Choice>
-          <mc:Fallback>
+          <mc:Fallback xmlns="">
             <p:pic>
               <p:nvPicPr>
                 <p:cNvPr id="71" name="Ink 70">
@@ -9381,8 +9378,8 @@
             </p:pic>
           </mc:Fallback>
         </mc:AlternateContent>
-        <mc:AlternateContent xmlns:mc="http://schemas.openxmlformats.org/markup-compatibility/2006">
-          <mc:Choice xmlns:p14="http://schemas.microsoft.com/office/powerpoint/2010/main" Requires="p14">
+        <mc:AlternateContent xmlns:mc="http://schemas.openxmlformats.org/markup-compatibility/2006" xmlns:p14="http://schemas.microsoft.com/office/powerpoint/2010/main">
+          <mc:Choice Requires="p14">
             <p:contentPart p14:bwMode="auto" r:id="rId61">
               <p14:nvContentPartPr>
                 <p14:cNvPr id="72" name="Ink 71">
@@ -9401,7 +9398,7 @@
               </p14:xfrm>
             </p:contentPart>
           </mc:Choice>
-          <mc:Fallback>
+          <mc:Fallback xmlns="">
             <p:pic>
               <p:nvPicPr>
                 <p:cNvPr id="72" name="Ink 71">
@@ -9432,8 +9429,8 @@
             </p:pic>
           </mc:Fallback>
         </mc:AlternateContent>
-        <mc:AlternateContent xmlns:mc="http://schemas.openxmlformats.org/markup-compatibility/2006">
-          <mc:Choice xmlns:p14="http://schemas.microsoft.com/office/powerpoint/2010/main" Requires="p14">
+        <mc:AlternateContent xmlns:mc="http://schemas.openxmlformats.org/markup-compatibility/2006" xmlns:p14="http://schemas.microsoft.com/office/powerpoint/2010/main">
+          <mc:Choice Requires="p14">
             <p:contentPart p14:bwMode="auto" r:id="rId63">
               <p14:nvContentPartPr>
                 <p14:cNvPr id="73" name="Ink 72">
@@ -9452,7 +9449,7 @@
               </p14:xfrm>
             </p:contentPart>
           </mc:Choice>
-          <mc:Fallback>
+          <mc:Fallback xmlns="">
             <p:pic>
               <p:nvPicPr>
                 <p:cNvPr id="73" name="Ink 72">
@@ -9504,8 +9501,8 @@
             <a:chExt cx="1588680" cy="547560"/>
           </a:xfrm>
         </p:grpSpPr>
-        <mc:AlternateContent xmlns:mc="http://schemas.openxmlformats.org/markup-compatibility/2006">
-          <mc:Choice xmlns:p14="http://schemas.microsoft.com/office/powerpoint/2010/main" Requires="p14">
+        <mc:AlternateContent xmlns:mc="http://schemas.openxmlformats.org/markup-compatibility/2006" xmlns:p14="http://schemas.microsoft.com/office/powerpoint/2010/main">
+          <mc:Choice Requires="p14">
             <p:contentPart p14:bwMode="auto" r:id="rId65">
               <p14:nvContentPartPr>
                 <p14:cNvPr id="75" name="Ink 74">
@@ -9524,7 +9521,7 @@
               </p14:xfrm>
             </p:contentPart>
           </mc:Choice>
-          <mc:Fallback>
+          <mc:Fallback xmlns="">
             <p:pic>
               <p:nvPicPr>
                 <p:cNvPr id="75" name="Ink 74">
@@ -9555,8 +9552,8 @@
             </p:pic>
           </mc:Fallback>
         </mc:AlternateContent>
-        <mc:AlternateContent xmlns:mc="http://schemas.openxmlformats.org/markup-compatibility/2006">
-          <mc:Choice xmlns:p14="http://schemas.microsoft.com/office/powerpoint/2010/main" Requires="p14">
+        <mc:AlternateContent xmlns:mc="http://schemas.openxmlformats.org/markup-compatibility/2006" xmlns:p14="http://schemas.microsoft.com/office/powerpoint/2010/main">
+          <mc:Choice Requires="p14">
             <p:contentPart p14:bwMode="auto" r:id="rId67">
               <p14:nvContentPartPr>
                 <p14:cNvPr id="76" name="Ink 75">
@@ -9575,7 +9572,7 @@
               </p14:xfrm>
             </p:contentPart>
           </mc:Choice>
-          <mc:Fallback>
+          <mc:Fallback xmlns="">
             <p:pic>
               <p:nvPicPr>
                 <p:cNvPr id="76" name="Ink 75">
@@ -9606,8 +9603,8 @@
             </p:pic>
           </mc:Fallback>
         </mc:AlternateContent>
-        <mc:AlternateContent xmlns:mc="http://schemas.openxmlformats.org/markup-compatibility/2006">
-          <mc:Choice xmlns:p14="http://schemas.microsoft.com/office/powerpoint/2010/main" Requires="p14">
+        <mc:AlternateContent xmlns:mc="http://schemas.openxmlformats.org/markup-compatibility/2006" xmlns:p14="http://schemas.microsoft.com/office/powerpoint/2010/main">
+          <mc:Choice Requires="p14">
             <p:contentPart p14:bwMode="auto" r:id="rId69">
               <p14:nvContentPartPr>
                 <p14:cNvPr id="77" name="Ink 76">
@@ -9626,7 +9623,7 @@
               </p14:xfrm>
             </p:contentPart>
           </mc:Choice>
-          <mc:Fallback>
+          <mc:Fallback xmlns="">
             <p:pic>
               <p:nvPicPr>
                 <p:cNvPr id="77" name="Ink 76">
@@ -9657,8 +9654,8 @@
             </p:pic>
           </mc:Fallback>
         </mc:AlternateContent>
-        <mc:AlternateContent xmlns:mc="http://schemas.openxmlformats.org/markup-compatibility/2006">
-          <mc:Choice xmlns:p14="http://schemas.microsoft.com/office/powerpoint/2010/main" Requires="p14">
+        <mc:AlternateContent xmlns:mc="http://schemas.openxmlformats.org/markup-compatibility/2006" xmlns:p14="http://schemas.microsoft.com/office/powerpoint/2010/main">
+          <mc:Choice Requires="p14">
             <p:contentPart p14:bwMode="auto" r:id="rId71">
               <p14:nvContentPartPr>
                 <p14:cNvPr id="78" name="Ink 77">
@@ -9677,7 +9674,7 @@
               </p14:xfrm>
             </p:contentPart>
           </mc:Choice>
-          <mc:Fallback>
+          <mc:Fallback xmlns="">
             <p:pic>
               <p:nvPicPr>
                 <p:cNvPr id="78" name="Ink 77">
@@ -9708,8 +9705,8 @@
             </p:pic>
           </mc:Fallback>
         </mc:AlternateContent>
-        <mc:AlternateContent xmlns:mc="http://schemas.openxmlformats.org/markup-compatibility/2006">
-          <mc:Choice xmlns:p14="http://schemas.microsoft.com/office/powerpoint/2010/main" Requires="p14">
+        <mc:AlternateContent xmlns:mc="http://schemas.openxmlformats.org/markup-compatibility/2006" xmlns:p14="http://schemas.microsoft.com/office/powerpoint/2010/main">
+          <mc:Choice Requires="p14">
             <p:contentPart p14:bwMode="auto" r:id="rId73">
               <p14:nvContentPartPr>
                 <p14:cNvPr id="79" name="Ink 78">
@@ -9728,7 +9725,7 @@
               </p14:xfrm>
             </p:contentPart>
           </mc:Choice>
-          <mc:Fallback>
+          <mc:Fallback xmlns="">
             <p:pic>
               <p:nvPicPr>
                 <p:cNvPr id="79" name="Ink 78">
@@ -9760,8 +9757,8 @@
           </mc:Fallback>
         </mc:AlternateContent>
       </p:grpSp>
-      <mc:AlternateContent xmlns:mc="http://schemas.openxmlformats.org/markup-compatibility/2006">
-        <mc:Choice xmlns:p14="http://schemas.microsoft.com/office/powerpoint/2010/main" Requires="p14">
+      <mc:AlternateContent xmlns:mc="http://schemas.openxmlformats.org/markup-compatibility/2006" xmlns:p14="http://schemas.microsoft.com/office/powerpoint/2010/main">
+        <mc:Choice Requires="p14">
           <p:contentPart p14:bwMode="auto" r:id="rId75">
             <p14:nvContentPartPr>
               <p14:cNvPr id="84" name="Ink 83">
@@ -9780,7 +9777,7 @@
             </p14:xfrm>
           </p:contentPart>
         </mc:Choice>
-        <mc:Fallback>
+        <mc:Fallback xmlns="">
           <p:pic>
             <p:nvPicPr>
               <p:cNvPr id="84" name="Ink 83">
@@ -9811,8 +9808,8 @@
           </p:pic>
         </mc:Fallback>
       </mc:AlternateContent>
-      <mc:AlternateContent xmlns:mc="http://schemas.openxmlformats.org/markup-compatibility/2006">
-        <mc:Choice xmlns:p14="http://schemas.microsoft.com/office/powerpoint/2010/main" Requires="p14">
+      <mc:AlternateContent xmlns:mc="http://schemas.openxmlformats.org/markup-compatibility/2006" xmlns:p14="http://schemas.microsoft.com/office/powerpoint/2010/main">
+        <mc:Choice Requires="p14">
           <p:contentPart p14:bwMode="auto" r:id="rId77">
             <p14:nvContentPartPr>
               <p14:cNvPr id="85" name="Ink 84">
@@ -9831,7 +9828,7 @@
             </p14:xfrm>
           </p:contentPart>
         </mc:Choice>
-        <mc:Fallback>
+        <mc:Fallback xmlns="">
           <p:pic>
             <p:nvPicPr>
               <p:cNvPr id="85" name="Ink 84">
@@ -9862,8 +9859,8 @@
           </p:pic>
         </mc:Fallback>
       </mc:AlternateContent>
-      <mc:AlternateContent xmlns:mc="http://schemas.openxmlformats.org/markup-compatibility/2006">
-        <mc:Choice xmlns:p14="http://schemas.microsoft.com/office/powerpoint/2010/main" Requires="p14">
+      <mc:AlternateContent xmlns:mc="http://schemas.openxmlformats.org/markup-compatibility/2006" xmlns:p14="http://schemas.microsoft.com/office/powerpoint/2010/main">
+        <mc:Choice Requires="p14">
           <p:contentPart p14:bwMode="auto" r:id="rId79">
             <p14:nvContentPartPr>
               <p14:cNvPr id="86" name="Ink 85">
@@ -9882,7 +9879,7 @@
             </p14:xfrm>
           </p:contentPart>
         </mc:Choice>
-        <mc:Fallback>
+        <mc:Fallback xmlns="">
           <p:pic>
             <p:nvPicPr>
               <p:cNvPr id="86" name="Ink 85">
@@ -9913,8 +9910,8 @@
           </p:pic>
         </mc:Fallback>
       </mc:AlternateContent>
-      <mc:AlternateContent xmlns:mc="http://schemas.openxmlformats.org/markup-compatibility/2006">
-        <mc:Choice xmlns:p14="http://schemas.microsoft.com/office/powerpoint/2010/main" Requires="p14">
+      <mc:AlternateContent xmlns:mc="http://schemas.openxmlformats.org/markup-compatibility/2006" xmlns:p14="http://schemas.microsoft.com/office/powerpoint/2010/main">
+        <mc:Choice Requires="p14">
           <p:contentPart p14:bwMode="auto" r:id="rId81">
             <p14:nvContentPartPr>
               <p14:cNvPr id="87" name="Ink 86">
@@ -9933,7 +9930,7 @@
             </p14:xfrm>
           </p:contentPart>
         </mc:Choice>
-        <mc:Fallback>
+        <mc:Fallback xmlns="">
           <p:pic>
             <p:nvPicPr>
               <p:cNvPr id="87" name="Ink 86">
@@ -9984,8 +9981,8 @@
             <a:chExt cx="2210040" cy="1104120"/>
           </a:xfrm>
         </p:grpSpPr>
-        <mc:AlternateContent xmlns:mc="http://schemas.openxmlformats.org/markup-compatibility/2006">
-          <mc:Choice xmlns:p14="http://schemas.microsoft.com/office/powerpoint/2010/main" Requires="p14">
+        <mc:AlternateContent xmlns:mc="http://schemas.openxmlformats.org/markup-compatibility/2006" xmlns:p14="http://schemas.microsoft.com/office/powerpoint/2010/main">
+          <mc:Choice Requires="p14">
             <p:contentPart p14:bwMode="auto" r:id="rId83">
               <p14:nvContentPartPr>
                 <p14:cNvPr id="81" name="Ink 80">
@@ -10004,7 +10001,7 @@
               </p14:xfrm>
             </p:contentPart>
           </mc:Choice>
-          <mc:Fallback>
+          <mc:Fallback xmlns="">
             <p:pic>
               <p:nvPicPr>
                 <p:cNvPr id="81" name="Ink 80">
@@ -10035,8 +10032,8 @@
             </p:pic>
           </mc:Fallback>
         </mc:AlternateContent>
-        <mc:AlternateContent xmlns:mc="http://schemas.openxmlformats.org/markup-compatibility/2006">
-          <mc:Choice xmlns:p14="http://schemas.microsoft.com/office/powerpoint/2010/main" Requires="p14">
+        <mc:AlternateContent xmlns:mc="http://schemas.openxmlformats.org/markup-compatibility/2006" xmlns:p14="http://schemas.microsoft.com/office/powerpoint/2010/main">
+          <mc:Choice Requires="p14">
             <p:contentPart p14:bwMode="auto" r:id="rId85">
               <p14:nvContentPartPr>
                 <p14:cNvPr id="82" name="Ink 81">
@@ -10055,7 +10052,7 @@
               </p14:xfrm>
             </p:contentPart>
           </mc:Choice>
-          <mc:Fallback>
+          <mc:Fallback xmlns="">
             <p:pic>
               <p:nvPicPr>
                 <p:cNvPr id="82" name="Ink 81">
@@ -10086,8 +10083,8 @@
             </p:pic>
           </mc:Fallback>
         </mc:AlternateContent>
-        <mc:AlternateContent xmlns:mc="http://schemas.openxmlformats.org/markup-compatibility/2006">
-          <mc:Choice xmlns:p14="http://schemas.microsoft.com/office/powerpoint/2010/main" Requires="p14">
+        <mc:AlternateContent xmlns:mc="http://schemas.openxmlformats.org/markup-compatibility/2006" xmlns:p14="http://schemas.microsoft.com/office/powerpoint/2010/main">
+          <mc:Choice Requires="p14">
             <p:contentPart p14:bwMode="auto" r:id="rId87">
               <p14:nvContentPartPr>
                 <p14:cNvPr id="83" name="Ink 82">
@@ -10106,7 +10103,7 @@
               </p14:xfrm>
             </p:contentPart>
           </mc:Choice>
-          <mc:Fallback>
+          <mc:Fallback xmlns="">
             <p:pic>
               <p:nvPicPr>
                 <p:cNvPr id="83" name="Ink 82">
@@ -10137,8 +10134,8 @@
             </p:pic>
           </mc:Fallback>
         </mc:AlternateContent>
-        <mc:AlternateContent xmlns:mc="http://schemas.openxmlformats.org/markup-compatibility/2006">
-          <mc:Choice xmlns:p14="http://schemas.microsoft.com/office/powerpoint/2010/main" Requires="p14">
+        <mc:AlternateContent xmlns:mc="http://schemas.openxmlformats.org/markup-compatibility/2006" xmlns:p14="http://schemas.microsoft.com/office/powerpoint/2010/main">
+          <mc:Choice Requires="p14">
             <p:contentPart p14:bwMode="auto" r:id="rId89">
               <p14:nvContentPartPr>
                 <p14:cNvPr id="90" name="Ink 89">
@@ -10157,7 +10154,7 @@
               </p14:xfrm>
             </p:contentPart>
           </mc:Choice>
-          <mc:Fallback>
+          <mc:Fallback xmlns="">
             <p:pic>
               <p:nvPicPr>
                 <p:cNvPr id="90" name="Ink 89">
@@ -10188,8 +10185,8 @@
             </p:pic>
           </mc:Fallback>
         </mc:AlternateContent>
-        <mc:AlternateContent xmlns:mc="http://schemas.openxmlformats.org/markup-compatibility/2006">
-          <mc:Choice xmlns:p14="http://schemas.microsoft.com/office/powerpoint/2010/main" Requires="p14">
+        <mc:AlternateContent xmlns:mc="http://schemas.openxmlformats.org/markup-compatibility/2006" xmlns:p14="http://schemas.microsoft.com/office/powerpoint/2010/main">
+          <mc:Choice Requires="p14">
             <p:contentPart p14:bwMode="auto" r:id="rId91">
               <p14:nvContentPartPr>
                 <p14:cNvPr id="91" name="Ink 90">
@@ -10208,7 +10205,7 @@
               </p14:xfrm>
             </p:contentPart>
           </mc:Choice>
-          <mc:Fallback>
+          <mc:Fallback xmlns="">
             <p:pic>
               <p:nvPicPr>
                 <p:cNvPr id="91" name="Ink 90">
@@ -10239,8 +10236,8 @@
             </p:pic>
           </mc:Fallback>
         </mc:AlternateContent>
-        <mc:AlternateContent xmlns:mc="http://schemas.openxmlformats.org/markup-compatibility/2006">
-          <mc:Choice xmlns:p14="http://schemas.microsoft.com/office/powerpoint/2010/main" Requires="p14">
+        <mc:AlternateContent xmlns:mc="http://schemas.openxmlformats.org/markup-compatibility/2006" xmlns:p14="http://schemas.microsoft.com/office/powerpoint/2010/main">
+          <mc:Choice Requires="p14">
             <p:contentPart p14:bwMode="auto" r:id="rId93">
               <p14:nvContentPartPr>
                 <p14:cNvPr id="92" name="Ink 91">
@@ -10259,7 +10256,7 @@
               </p14:xfrm>
             </p:contentPart>
           </mc:Choice>
-          <mc:Fallback>
+          <mc:Fallback xmlns="">
             <p:pic>
               <p:nvPicPr>
                 <p:cNvPr id="92" name="Ink 91">
@@ -10290,8 +10287,8 @@
             </p:pic>
           </mc:Fallback>
         </mc:AlternateContent>
-        <mc:AlternateContent xmlns:mc="http://schemas.openxmlformats.org/markup-compatibility/2006">
-          <mc:Choice xmlns:p14="http://schemas.microsoft.com/office/powerpoint/2010/main" Requires="p14">
+        <mc:AlternateContent xmlns:mc="http://schemas.openxmlformats.org/markup-compatibility/2006" xmlns:p14="http://schemas.microsoft.com/office/powerpoint/2010/main">
+          <mc:Choice Requires="p14">
             <p:contentPart p14:bwMode="auto" r:id="rId95">
               <p14:nvContentPartPr>
                 <p14:cNvPr id="93" name="Ink 92">
@@ -10310,7 +10307,7 @@
               </p14:xfrm>
             </p:contentPart>
           </mc:Choice>
-          <mc:Fallback>
+          <mc:Fallback xmlns="">
             <p:pic>
               <p:nvPicPr>
                 <p:cNvPr id="93" name="Ink 92">
@@ -10341,8 +10338,8 @@
             </p:pic>
           </mc:Fallback>
         </mc:AlternateContent>
-        <mc:AlternateContent xmlns:mc="http://schemas.openxmlformats.org/markup-compatibility/2006">
-          <mc:Choice xmlns:p14="http://schemas.microsoft.com/office/powerpoint/2010/main" Requires="p14">
+        <mc:AlternateContent xmlns:mc="http://schemas.openxmlformats.org/markup-compatibility/2006" xmlns:p14="http://schemas.microsoft.com/office/powerpoint/2010/main">
+          <mc:Choice Requires="p14">
             <p:contentPart p14:bwMode="auto" r:id="rId97">
               <p14:nvContentPartPr>
                 <p14:cNvPr id="95" name="Ink 94">
@@ -10361,7 +10358,7 @@
               </p14:xfrm>
             </p:contentPart>
           </mc:Choice>
-          <mc:Fallback>
+          <mc:Fallback xmlns="">
             <p:pic>
               <p:nvPicPr>
                 <p:cNvPr id="95" name="Ink 94">
@@ -10413,8 +10410,8 @@
             <a:chExt cx="2032560" cy="676080"/>
           </a:xfrm>
         </p:grpSpPr>
-        <mc:AlternateContent xmlns:mc="http://schemas.openxmlformats.org/markup-compatibility/2006">
-          <mc:Choice xmlns:p14="http://schemas.microsoft.com/office/powerpoint/2010/main" Requires="p14">
+        <mc:AlternateContent xmlns:mc="http://schemas.openxmlformats.org/markup-compatibility/2006" xmlns:p14="http://schemas.microsoft.com/office/powerpoint/2010/main">
+          <mc:Choice Requires="p14">
             <p:contentPart p14:bwMode="auto" r:id="rId99">
               <p14:nvContentPartPr>
                 <p14:cNvPr id="97" name="Ink 96">
@@ -10433,7 +10430,7 @@
               </p14:xfrm>
             </p:contentPart>
           </mc:Choice>
-          <mc:Fallback>
+          <mc:Fallback xmlns="">
             <p:pic>
               <p:nvPicPr>
                 <p:cNvPr id="97" name="Ink 96">
@@ -10464,8 +10461,8 @@
             </p:pic>
           </mc:Fallback>
         </mc:AlternateContent>
-        <mc:AlternateContent xmlns:mc="http://schemas.openxmlformats.org/markup-compatibility/2006">
-          <mc:Choice xmlns:p14="http://schemas.microsoft.com/office/powerpoint/2010/main" Requires="p14">
+        <mc:AlternateContent xmlns:mc="http://schemas.openxmlformats.org/markup-compatibility/2006" xmlns:p14="http://schemas.microsoft.com/office/powerpoint/2010/main">
+          <mc:Choice Requires="p14">
             <p:contentPart p14:bwMode="auto" r:id="rId101">
               <p14:nvContentPartPr>
                 <p14:cNvPr id="98" name="Ink 97">
@@ -10484,7 +10481,7 @@
               </p14:xfrm>
             </p:contentPart>
           </mc:Choice>
-          <mc:Fallback>
+          <mc:Fallback xmlns="">
             <p:pic>
               <p:nvPicPr>
                 <p:cNvPr id="98" name="Ink 97">
@@ -10515,8 +10512,8 @@
             </p:pic>
           </mc:Fallback>
         </mc:AlternateContent>
-        <mc:AlternateContent xmlns:mc="http://schemas.openxmlformats.org/markup-compatibility/2006">
-          <mc:Choice xmlns:p14="http://schemas.microsoft.com/office/powerpoint/2010/main" Requires="p14">
+        <mc:AlternateContent xmlns:mc="http://schemas.openxmlformats.org/markup-compatibility/2006" xmlns:p14="http://schemas.microsoft.com/office/powerpoint/2010/main">
+          <mc:Choice Requires="p14">
             <p:contentPart p14:bwMode="auto" r:id="rId103">
               <p14:nvContentPartPr>
                 <p14:cNvPr id="99" name="Ink 98">
@@ -10535,7 +10532,7 @@
               </p14:xfrm>
             </p:contentPart>
           </mc:Choice>
-          <mc:Fallback>
+          <mc:Fallback xmlns="">
             <p:pic>
               <p:nvPicPr>
                 <p:cNvPr id="99" name="Ink 98">
@@ -10566,8 +10563,8 @@
             </p:pic>
           </mc:Fallback>
         </mc:AlternateContent>
-        <mc:AlternateContent xmlns:mc="http://schemas.openxmlformats.org/markup-compatibility/2006">
-          <mc:Choice xmlns:p14="http://schemas.microsoft.com/office/powerpoint/2010/main" Requires="p14">
+        <mc:AlternateContent xmlns:mc="http://schemas.openxmlformats.org/markup-compatibility/2006" xmlns:p14="http://schemas.microsoft.com/office/powerpoint/2010/main">
+          <mc:Choice Requires="p14">
             <p:contentPart p14:bwMode="auto" r:id="rId105">
               <p14:nvContentPartPr>
                 <p14:cNvPr id="100" name="Ink 99">
@@ -10586,7 +10583,7 @@
               </p14:xfrm>
             </p:contentPart>
           </mc:Choice>
-          <mc:Fallback>
+          <mc:Fallback xmlns="">
             <p:pic>
               <p:nvPicPr>
                 <p:cNvPr id="100" name="Ink 99">
@@ -10617,8 +10614,8 @@
             </p:pic>
           </mc:Fallback>
         </mc:AlternateContent>
-        <mc:AlternateContent xmlns:mc="http://schemas.openxmlformats.org/markup-compatibility/2006">
-          <mc:Choice xmlns:p14="http://schemas.microsoft.com/office/powerpoint/2010/main" Requires="p14">
+        <mc:AlternateContent xmlns:mc="http://schemas.openxmlformats.org/markup-compatibility/2006" xmlns:p14="http://schemas.microsoft.com/office/powerpoint/2010/main">
+          <mc:Choice Requires="p14">
             <p:contentPart p14:bwMode="auto" r:id="rId107">
               <p14:nvContentPartPr>
                 <p14:cNvPr id="101" name="Ink 100">
@@ -10637,7 +10634,7 @@
               </p14:xfrm>
             </p:contentPart>
           </mc:Choice>
-          <mc:Fallback>
+          <mc:Fallback xmlns="">
             <p:pic>
               <p:nvPicPr>
                 <p:cNvPr id="101" name="Ink 100">
@@ -10668,8 +10665,8 @@
             </p:pic>
           </mc:Fallback>
         </mc:AlternateContent>
-        <mc:AlternateContent xmlns:mc="http://schemas.openxmlformats.org/markup-compatibility/2006">
-          <mc:Choice xmlns:p14="http://schemas.microsoft.com/office/powerpoint/2010/main" Requires="p14">
+        <mc:AlternateContent xmlns:mc="http://schemas.openxmlformats.org/markup-compatibility/2006" xmlns:p14="http://schemas.microsoft.com/office/powerpoint/2010/main">
+          <mc:Choice Requires="p14">
             <p:contentPart p14:bwMode="auto" r:id="rId109">
               <p14:nvContentPartPr>
                 <p14:cNvPr id="102" name="Ink 101">
@@ -10688,7 +10685,7 @@
               </p14:xfrm>
             </p:contentPart>
           </mc:Choice>
-          <mc:Fallback>
+          <mc:Fallback xmlns="">
             <p:pic>
               <p:nvPicPr>
                 <p:cNvPr id="102" name="Ink 101">
@@ -10719,8 +10716,8 @@
             </p:pic>
           </mc:Fallback>
         </mc:AlternateContent>
-        <mc:AlternateContent xmlns:mc="http://schemas.openxmlformats.org/markup-compatibility/2006">
-          <mc:Choice xmlns:p14="http://schemas.microsoft.com/office/powerpoint/2010/main" Requires="p14">
+        <mc:AlternateContent xmlns:mc="http://schemas.openxmlformats.org/markup-compatibility/2006" xmlns:p14="http://schemas.microsoft.com/office/powerpoint/2010/main">
+          <mc:Choice Requires="p14">
             <p:contentPart p14:bwMode="auto" r:id="rId111">
               <p14:nvContentPartPr>
                 <p14:cNvPr id="103" name="Ink 102">
@@ -10739,7 +10736,7 @@
               </p14:xfrm>
             </p:contentPart>
           </mc:Choice>
-          <mc:Fallback>
+          <mc:Fallback xmlns="">
             <p:pic>
               <p:nvPicPr>
                 <p:cNvPr id="103" name="Ink 102">
@@ -10770,8 +10767,8 @@
             </p:pic>
           </mc:Fallback>
         </mc:AlternateContent>
-        <mc:AlternateContent xmlns:mc="http://schemas.openxmlformats.org/markup-compatibility/2006">
-          <mc:Choice xmlns:p14="http://schemas.microsoft.com/office/powerpoint/2010/main" Requires="p14">
+        <mc:AlternateContent xmlns:mc="http://schemas.openxmlformats.org/markup-compatibility/2006" xmlns:p14="http://schemas.microsoft.com/office/powerpoint/2010/main">
+          <mc:Choice Requires="p14">
             <p:contentPart p14:bwMode="auto" r:id="rId113">
               <p14:nvContentPartPr>
                 <p14:cNvPr id="104" name="Ink 103">
@@ -10790,7 +10787,7 @@
               </p14:xfrm>
             </p:contentPart>
           </mc:Choice>
-          <mc:Fallback>
+          <mc:Fallback xmlns="">
             <p:pic>
               <p:nvPicPr>
                 <p:cNvPr id="104" name="Ink 103">
@@ -10821,8 +10818,8 @@
             </p:pic>
           </mc:Fallback>
         </mc:AlternateContent>
-        <mc:AlternateContent xmlns:mc="http://schemas.openxmlformats.org/markup-compatibility/2006">
-          <mc:Choice xmlns:p14="http://schemas.microsoft.com/office/powerpoint/2010/main" Requires="p14">
+        <mc:AlternateContent xmlns:mc="http://schemas.openxmlformats.org/markup-compatibility/2006" xmlns:p14="http://schemas.microsoft.com/office/powerpoint/2010/main">
+          <mc:Choice Requires="p14">
             <p:contentPart p14:bwMode="auto" r:id="rId115">
               <p14:nvContentPartPr>
                 <p14:cNvPr id="105" name="Ink 104">
@@ -10841,7 +10838,7 @@
               </p14:xfrm>
             </p:contentPart>
           </mc:Choice>
-          <mc:Fallback>
+          <mc:Fallback xmlns="">
             <p:pic>
               <p:nvPicPr>
                 <p:cNvPr id="105" name="Ink 104">
@@ -10872,8 +10869,8 @@
             </p:pic>
           </mc:Fallback>
         </mc:AlternateContent>
-        <mc:AlternateContent xmlns:mc="http://schemas.openxmlformats.org/markup-compatibility/2006">
-          <mc:Choice xmlns:p14="http://schemas.microsoft.com/office/powerpoint/2010/main" Requires="p14">
+        <mc:AlternateContent xmlns:mc="http://schemas.openxmlformats.org/markup-compatibility/2006" xmlns:p14="http://schemas.microsoft.com/office/powerpoint/2010/main">
+          <mc:Choice Requires="p14">
             <p:contentPart p14:bwMode="auto" r:id="rId117">
               <p14:nvContentPartPr>
                 <p14:cNvPr id="107" name="Ink 106">
@@ -10892,7 +10889,7 @@
               </p14:xfrm>
             </p:contentPart>
           </mc:Choice>
-          <mc:Fallback>
+          <mc:Fallback xmlns="">
             <p:pic>
               <p:nvPicPr>
                 <p:cNvPr id="107" name="Ink 106">
@@ -10923,8 +10920,8 @@
             </p:pic>
           </mc:Fallback>
         </mc:AlternateContent>
-        <mc:AlternateContent xmlns:mc="http://schemas.openxmlformats.org/markup-compatibility/2006">
-          <mc:Choice xmlns:p14="http://schemas.microsoft.com/office/powerpoint/2010/main" Requires="p14">
+        <mc:AlternateContent xmlns:mc="http://schemas.openxmlformats.org/markup-compatibility/2006" xmlns:p14="http://schemas.microsoft.com/office/powerpoint/2010/main">
+          <mc:Choice Requires="p14">
             <p:contentPart p14:bwMode="auto" r:id="rId119">
               <p14:nvContentPartPr>
                 <p14:cNvPr id="108" name="Ink 107">
@@ -10943,7 +10940,7 @@
               </p14:xfrm>
             </p:contentPart>
           </mc:Choice>
-          <mc:Fallback>
+          <mc:Fallback xmlns="">
             <p:pic>
               <p:nvPicPr>
                 <p:cNvPr id="108" name="Ink 107">
@@ -10974,8 +10971,8 @@
             </p:pic>
           </mc:Fallback>
         </mc:AlternateContent>
-        <mc:AlternateContent xmlns:mc="http://schemas.openxmlformats.org/markup-compatibility/2006">
-          <mc:Choice xmlns:p14="http://schemas.microsoft.com/office/powerpoint/2010/main" Requires="p14">
+        <mc:AlternateContent xmlns:mc="http://schemas.openxmlformats.org/markup-compatibility/2006" xmlns:p14="http://schemas.microsoft.com/office/powerpoint/2010/main">
+          <mc:Choice Requires="p14">
             <p:contentPart p14:bwMode="auto" r:id="rId121">
               <p14:nvContentPartPr>
                 <p14:cNvPr id="109" name="Ink 108">
@@ -10994,7 +10991,7 @@
               </p14:xfrm>
             </p:contentPart>
           </mc:Choice>
-          <mc:Fallback>
+          <mc:Fallback xmlns="">
             <p:pic>
               <p:nvPicPr>
                 <p:cNvPr id="109" name="Ink 108">
@@ -11025,8 +11022,8 @@
             </p:pic>
           </mc:Fallback>
         </mc:AlternateContent>
-        <mc:AlternateContent xmlns:mc="http://schemas.openxmlformats.org/markup-compatibility/2006">
-          <mc:Choice xmlns:p14="http://schemas.microsoft.com/office/powerpoint/2010/main" Requires="p14">
+        <mc:AlternateContent xmlns:mc="http://schemas.openxmlformats.org/markup-compatibility/2006" xmlns:p14="http://schemas.microsoft.com/office/powerpoint/2010/main">
+          <mc:Choice Requires="p14">
             <p:contentPart p14:bwMode="auto" r:id="rId123">
               <p14:nvContentPartPr>
                 <p14:cNvPr id="110" name="Ink 109">
@@ -11045,7 +11042,7 @@
               </p14:xfrm>
             </p:contentPart>
           </mc:Choice>
-          <mc:Fallback>
+          <mc:Fallback xmlns="">
             <p:pic>
               <p:nvPicPr>
                 <p:cNvPr id="110" name="Ink 109">
@@ -15641,6 +15638,17 @@
 </file>
 
 <file path=customXml/item2.xml><?xml version="1.0" encoding="utf-8"?>
+<p:properties xmlns:p="http://schemas.microsoft.com/office/2006/metadata/properties" xmlns:xsi="http://www.w3.org/2001/XMLSchema-instance" xmlns:pc="http://schemas.microsoft.com/office/infopath/2007/PartnerControls">
+  <documentManagement>
+    <TaxCatchAll xmlns="820f9cb1-409d-4c4b-8197-1d4f7dd48124" xsi:nil="true"/>
+    <lcf76f155ced4ddcb4097134ff3c332f xmlns="08600313-7276-4ca7-b5d3-7d86193ee0ac">
+      <Terms xmlns="http://schemas.microsoft.com/office/infopath/2007/PartnerControls"/>
+    </lcf76f155ced4ddcb4097134ff3c332f>
+  </documentManagement>
+</p:properties>
+</file>
+
+<file path=customXml/item3.xml><?xml version="1.0" encoding="utf-8"?>
 <ct:contentTypeSchema xmlns:ct="http://schemas.microsoft.com/office/2006/metadata/contentType" xmlns:ma="http://schemas.microsoft.com/office/2006/metadata/properties/metaAttributes" ct:_="" ma:_="" ma:contentTypeName="Document" ma:contentTypeID="0x0101004285D81DBE5F5A448E892B34D6B8CF20" ma:contentTypeVersion="8" ma:contentTypeDescription="Create a new document." ma:contentTypeScope="" ma:versionID="ecce54155d2ea7caa9aed06c8b6b9867">
   <xsd:schema xmlns:xsd="http://www.w3.org/2001/XMLSchema" xmlns:xs="http://www.w3.org/2001/XMLSchema" xmlns:p="http://schemas.microsoft.com/office/2006/metadata/properties" xmlns:ns2="08600313-7276-4ca7-b5d3-7d86193ee0ac" xmlns:ns3="820f9cb1-409d-4c4b-8197-1d4f7dd48124" targetNamespace="http://schemas.microsoft.com/office/2006/metadata/properties" ma:root="true" ma:fieldsID="bfd7385540b70b2fe84ac888cc214377" ns2:_="" ns3:_="">
     <xsd:import namespace="08600313-7276-4ca7-b5d3-7d86193ee0ac"/>
@@ -15817,17 +15825,6 @@
 </ct:contentTypeSchema>
 </file>
 
-<file path=customXml/item3.xml><?xml version="1.0" encoding="utf-8"?>
-<p:properties xmlns:p="http://schemas.microsoft.com/office/2006/metadata/properties" xmlns:xsi="http://www.w3.org/2001/XMLSchema-instance" xmlns:pc="http://schemas.microsoft.com/office/infopath/2007/PartnerControls">
-  <documentManagement>
-    <TaxCatchAll xmlns="820f9cb1-409d-4c4b-8197-1d4f7dd48124" xsi:nil="true"/>
-    <lcf76f155ced4ddcb4097134ff3c332f xmlns="08600313-7276-4ca7-b5d3-7d86193ee0ac">
-      <Terms xmlns="http://schemas.microsoft.com/office/infopath/2007/PartnerControls"/>
-    </lcf76f155ced4ddcb4097134ff3c332f>
-  </documentManagement>
-</p:properties>
-</file>
-
 <file path=customXml/itemProps1.xml><?xml version="1.0" encoding="utf-8"?>
 <ds:datastoreItem xmlns:ds="http://schemas.openxmlformats.org/officeDocument/2006/customXml" ds:itemID="{65F6D3FF-4230-44B7-891A-B84816FD1392}">
   <ds:schemaRefs>
@@ -15837,6 +15834,17 @@
 </file>
 
 <file path=customXml/itemProps2.xml><?xml version="1.0" encoding="utf-8"?>
+<ds:datastoreItem xmlns:ds="http://schemas.openxmlformats.org/officeDocument/2006/customXml" ds:itemID="{32EB23CE-1CD2-4B69-9E50-DC66E79D388B}">
+  <ds:schemaRefs>
+    <ds:schemaRef ds:uri="http://schemas.microsoft.com/office/2006/metadata/properties"/>
+    <ds:schemaRef ds:uri="http://schemas.microsoft.com/office/infopath/2007/PartnerControls"/>
+    <ds:schemaRef ds:uri="820f9cb1-409d-4c4b-8197-1d4f7dd48124"/>
+    <ds:schemaRef ds:uri="08600313-7276-4ca7-b5d3-7d86193ee0ac"/>
+  </ds:schemaRefs>
+</ds:datastoreItem>
+</file>
+
+<file path=customXml/itemProps3.xml><?xml version="1.0" encoding="utf-8"?>
 <ds:datastoreItem xmlns:ds="http://schemas.openxmlformats.org/officeDocument/2006/customXml" ds:itemID="{EDF375F3-61F4-4637-A002-8FFA823081D4}">
   <ds:schemaRefs>
     <ds:schemaRef ds:uri="http://schemas.microsoft.com/office/2006/metadata/contentType"/>
@@ -15853,15 +15861,4 @@
     <ds:schemaRef ds:uri="http://schemas.microsoft.com/internal/obd"/>
   </ds:schemaRefs>
 </ds:datastoreItem>
-</file>
-
-<file path=customXml/itemProps3.xml><?xml version="1.0" encoding="utf-8"?>
-<ds:datastoreItem xmlns:ds="http://schemas.openxmlformats.org/officeDocument/2006/customXml" ds:itemID="{32EB23CE-1CD2-4B69-9E50-DC66E79D388B}">
-  <ds:schemaRefs>
-    <ds:schemaRef ds:uri="http://schemas.microsoft.com/office/2006/metadata/properties"/>
-    <ds:schemaRef ds:uri="http://schemas.microsoft.com/office/infopath/2007/PartnerControls"/>
-    <ds:schemaRef ds:uri="820f9cb1-409d-4c4b-8197-1d4f7dd48124"/>
-    <ds:schemaRef ds:uri="08600313-7276-4ca7-b5d3-7d86193ee0ac"/>
-  </ds:schemaRefs>
-</ds:datastoreItem>
 </file>